--- a/Sahilpathan_ppt.pptx
+++ b/Sahilpathan_ppt.pptx
@@ -203,7 +203,7 @@
           <a:p>
             <a:fld id="{62727609-0688-40D5-A202-429482416281}" type="datetimeFigureOut">
               <a:rPr lang="en-IN" smtClean="0"/>
-              <a:t>28-02-2025</a:t>
+              <a:t>01-03-2025</a:t>
             </a:fld>
             <a:endParaRPr lang="en-IN"/>
           </a:p>
@@ -1216,7 +1216,7 @@
           <a:p>
             <a:fld id="{01F4D475-EE2B-48C5-94E7-A8D03D20E3B9}" type="datetimeFigureOut">
               <a:rPr lang="en-IN" smtClean="0"/>
-              <a:t>28-02-2025</a:t>
+              <a:t>01-03-2025</a:t>
             </a:fld>
             <a:endParaRPr lang="en-IN"/>
           </a:p>
@@ -1467,7 +1467,7 @@
           <a:p>
             <a:fld id="{01F4D475-EE2B-48C5-94E7-A8D03D20E3B9}" type="datetimeFigureOut">
               <a:rPr lang="en-IN" smtClean="0"/>
-              <a:t>28-02-2025</a:t>
+              <a:t>01-03-2025</a:t>
             </a:fld>
             <a:endParaRPr lang="en-IN"/>
           </a:p>
@@ -1781,7 +1781,7 @@
           <a:p>
             <a:fld id="{01F4D475-EE2B-48C5-94E7-A8D03D20E3B9}" type="datetimeFigureOut">
               <a:rPr lang="en-IN" smtClean="0"/>
-              <a:t>28-02-2025</a:t>
+              <a:t>01-03-2025</a:t>
             </a:fld>
             <a:endParaRPr lang="en-IN"/>
           </a:p>
@@ -2114,7 +2114,7 @@
           <a:p>
             <a:fld id="{01F4D475-EE2B-48C5-94E7-A8D03D20E3B9}" type="datetimeFigureOut">
               <a:rPr lang="en-IN" smtClean="0"/>
-              <a:t>28-02-2025</a:t>
+              <a:t>01-03-2025</a:t>
             </a:fld>
             <a:endParaRPr lang="en-IN"/>
           </a:p>
@@ -2428,7 +2428,7 @@
           <a:p>
             <a:fld id="{01F4D475-EE2B-48C5-94E7-A8D03D20E3B9}" type="datetimeFigureOut">
               <a:rPr lang="en-IN" smtClean="0"/>
-              <a:t>28-02-2025</a:t>
+              <a:t>01-03-2025</a:t>
             </a:fld>
             <a:endParaRPr lang="en-IN"/>
           </a:p>
@@ -2821,7 +2821,7 @@
           <a:p>
             <a:fld id="{01F4D475-EE2B-48C5-94E7-A8D03D20E3B9}" type="datetimeFigureOut">
               <a:rPr lang="en-IN" smtClean="0"/>
-              <a:t>28-02-2025</a:t>
+              <a:t>01-03-2025</a:t>
             </a:fld>
             <a:endParaRPr lang="en-IN"/>
           </a:p>
@@ -2991,7 +2991,7 @@
           <a:p>
             <a:fld id="{01F4D475-EE2B-48C5-94E7-A8D03D20E3B9}" type="datetimeFigureOut">
               <a:rPr lang="en-IN" smtClean="0"/>
-              <a:t>28-02-2025</a:t>
+              <a:t>01-03-2025</a:t>
             </a:fld>
             <a:endParaRPr lang="en-IN"/>
           </a:p>
@@ -3171,7 +3171,7 @@
           <a:p>
             <a:fld id="{01F4D475-EE2B-48C5-94E7-A8D03D20E3B9}" type="datetimeFigureOut">
               <a:rPr lang="en-IN" smtClean="0"/>
-              <a:t>28-02-2025</a:t>
+              <a:t>01-03-2025</a:t>
             </a:fld>
             <a:endParaRPr lang="en-IN"/>
           </a:p>
@@ -3341,7 +3341,7 @@
           <a:p>
             <a:fld id="{01F4D475-EE2B-48C5-94E7-A8D03D20E3B9}" type="datetimeFigureOut">
               <a:rPr lang="en-IN" smtClean="0"/>
-              <a:t>28-02-2025</a:t>
+              <a:t>01-03-2025</a:t>
             </a:fld>
             <a:endParaRPr lang="en-IN"/>
           </a:p>
@@ -3588,7 +3588,7 @@
           <a:p>
             <a:fld id="{01F4D475-EE2B-48C5-94E7-A8D03D20E3B9}" type="datetimeFigureOut">
               <a:rPr lang="en-IN" smtClean="0"/>
-              <a:t>28-02-2025</a:t>
+              <a:t>01-03-2025</a:t>
             </a:fld>
             <a:endParaRPr lang="en-IN"/>
           </a:p>
@@ -3820,7 +3820,7 @@
           <a:p>
             <a:fld id="{01F4D475-EE2B-48C5-94E7-A8D03D20E3B9}" type="datetimeFigureOut">
               <a:rPr lang="en-IN" smtClean="0"/>
-              <a:t>28-02-2025</a:t>
+              <a:t>01-03-2025</a:t>
             </a:fld>
             <a:endParaRPr lang="en-IN"/>
           </a:p>
@@ -4194,7 +4194,7 @@
           <a:p>
             <a:fld id="{01F4D475-EE2B-48C5-94E7-A8D03D20E3B9}" type="datetimeFigureOut">
               <a:rPr lang="en-IN" smtClean="0"/>
-              <a:t>28-02-2025</a:t>
+              <a:t>01-03-2025</a:t>
             </a:fld>
             <a:endParaRPr lang="en-IN"/>
           </a:p>
@@ -4317,7 +4317,7 @@
           <a:p>
             <a:fld id="{01F4D475-EE2B-48C5-94E7-A8D03D20E3B9}" type="datetimeFigureOut">
               <a:rPr lang="en-IN" smtClean="0"/>
-              <a:t>28-02-2025</a:t>
+              <a:t>01-03-2025</a:t>
             </a:fld>
             <a:endParaRPr lang="en-IN"/>
           </a:p>
@@ -4412,7 +4412,7 @@
           <a:p>
             <a:fld id="{01F4D475-EE2B-48C5-94E7-A8D03D20E3B9}" type="datetimeFigureOut">
               <a:rPr lang="en-IN" smtClean="0"/>
-              <a:t>28-02-2025</a:t>
+              <a:t>01-03-2025</a:t>
             </a:fld>
             <a:endParaRPr lang="en-IN"/>
           </a:p>
@@ -4667,7 +4667,7 @@
           <a:p>
             <a:fld id="{01F4D475-EE2B-48C5-94E7-A8D03D20E3B9}" type="datetimeFigureOut">
               <a:rPr lang="en-IN" smtClean="0"/>
-              <a:t>28-02-2025</a:t>
+              <a:t>01-03-2025</a:t>
             </a:fld>
             <a:endParaRPr lang="en-IN"/>
           </a:p>
@@ -4972,7 +4972,7 @@
           <a:p>
             <a:fld id="{01F4D475-EE2B-48C5-94E7-A8D03D20E3B9}" type="datetimeFigureOut">
               <a:rPr lang="en-IN" smtClean="0"/>
-              <a:t>28-02-2025</a:t>
+              <a:t>01-03-2025</a:t>
             </a:fld>
             <a:endParaRPr lang="en-IN"/>
           </a:p>
@@ -5674,7 +5674,7 @@
           <a:p>
             <a:fld id="{01F4D475-EE2B-48C5-94E7-A8D03D20E3B9}" type="datetimeFigureOut">
               <a:rPr lang="en-IN" smtClean="0"/>
-              <a:t>28-02-2025</a:t>
+              <a:t>01-03-2025</a:t>
             </a:fld>
             <a:endParaRPr lang="en-IN"/>
           </a:p>
@@ -6540,7 +6540,7 @@
         </p:nvSpPr>
         <p:spPr>
           <a:xfrm>
-            <a:off x="6484776" y="4546204"/>
+            <a:off x="6567099" y="4603242"/>
             <a:ext cx="3502562" cy="1379789"/>
           </a:xfrm>
           <a:prstGeom prst="rect">
@@ -6799,7 +6799,7 @@
         <p:spPr>
           <a:xfrm>
             <a:off x="1670180" y="632916"/>
-            <a:ext cx="7333861" cy="4876237"/>
+            <a:ext cx="7772400" cy="4211440"/>
           </a:xfrm>
           <a:prstGeom prst="rect">
             <a:avLst/>
@@ -6849,1781 +6849,16 @@
               </a:spcBef>
             </a:pPr>
             <a:r>
-              <a:rPr sz="1600" dirty="0">
+              <a:rPr lang="en-US" dirty="0">
                 <a:solidFill>
                   <a:srgbClr val="0D0D0D"/>
                 </a:solidFill>
                 <a:latin typeface="Arial" panose="020B0604020202020204" pitchFamily="34" charset="0"/>
                 <a:cs typeface="Arial" panose="020B0604020202020204" pitchFamily="34" charset="0"/>
               </a:rPr>
-              <a:t>Vestige</a:t>
-            </a:r>
-            <a:r>
-              <a:rPr sz="1600" spc="-26" dirty="0">
-                <a:solidFill>
-                  <a:srgbClr val="0D0D0D"/>
-                </a:solidFill>
-                <a:latin typeface="Arial" panose="020B0604020202020204" pitchFamily="34" charset="0"/>
-                <a:cs typeface="Arial" panose="020B0604020202020204" pitchFamily="34" charset="0"/>
-              </a:rPr>
-              <a:t> </a:t>
-            </a:r>
-            <a:r>
-              <a:rPr sz="1600" dirty="0">
-                <a:solidFill>
-                  <a:srgbClr val="0D0D0D"/>
-                </a:solidFill>
-                <a:latin typeface="Arial" panose="020B0604020202020204" pitchFamily="34" charset="0"/>
-                <a:cs typeface="Arial" panose="020B0604020202020204" pitchFamily="34" charset="0"/>
-              </a:rPr>
-              <a:t>Marketing</a:t>
-            </a:r>
-            <a:r>
-              <a:rPr sz="1600" spc="-22" dirty="0">
-                <a:solidFill>
-                  <a:srgbClr val="0D0D0D"/>
-                </a:solidFill>
-                <a:latin typeface="Arial" panose="020B0604020202020204" pitchFamily="34" charset="0"/>
-                <a:cs typeface="Arial" panose="020B0604020202020204" pitchFamily="34" charset="0"/>
-              </a:rPr>
-              <a:t> </a:t>
-            </a:r>
-            <a:r>
-              <a:rPr sz="1600" dirty="0">
-                <a:solidFill>
-                  <a:srgbClr val="0D0D0D"/>
-                </a:solidFill>
-                <a:latin typeface="Arial" panose="020B0604020202020204" pitchFamily="34" charset="0"/>
-                <a:cs typeface="Arial" panose="020B0604020202020204" pitchFamily="34" charset="0"/>
-              </a:rPr>
-              <a:t>System</a:t>
-            </a:r>
-            <a:r>
-              <a:rPr sz="1600" spc="-18" dirty="0">
-                <a:solidFill>
-                  <a:srgbClr val="0D0D0D"/>
-                </a:solidFill>
-                <a:latin typeface="Arial" panose="020B0604020202020204" pitchFamily="34" charset="0"/>
-                <a:cs typeface="Arial" panose="020B0604020202020204" pitchFamily="34" charset="0"/>
-              </a:rPr>
-              <a:t> </a:t>
-            </a:r>
-            <a:r>
-              <a:rPr sz="1600" dirty="0">
-                <a:solidFill>
-                  <a:srgbClr val="0D0D0D"/>
-                </a:solidFill>
-                <a:latin typeface="Arial" panose="020B0604020202020204" pitchFamily="34" charset="0"/>
-                <a:cs typeface="Arial" panose="020B0604020202020204" pitchFamily="34" charset="0"/>
-              </a:rPr>
-              <a:t>is</a:t>
-            </a:r>
-            <a:r>
-              <a:rPr sz="1600" spc="-44" dirty="0">
-                <a:solidFill>
-                  <a:srgbClr val="0D0D0D"/>
-                </a:solidFill>
-                <a:latin typeface="Arial" panose="020B0604020202020204" pitchFamily="34" charset="0"/>
-                <a:cs typeface="Arial" panose="020B0604020202020204" pitchFamily="34" charset="0"/>
-              </a:rPr>
-              <a:t> </a:t>
-            </a:r>
-            <a:r>
-              <a:rPr sz="1600" dirty="0">
-                <a:solidFill>
-                  <a:srgbClr val="0D0D0D"/>
-                </a:solidFill>
-                <a:latin typeface="Arial" panose="020B0604020202020204" pitchFamily="34" charset="0"/>
-                <a:cs typeface="Arial" panose="020B0604020202020204" pitchFamily="34" charset="0"/>
-              </a:rPr>
-              <a:t>a</a:t>
-            </a:r>
-            <a:r>
-              <a:rPr sz="1600" spc="-22" dirty="0">
-                <a:solidFill>
-                  <a:srgbClr val="0D0D0D"/>
-                </a:solidFill>
-                <a:latin typeface="Arial" panose="020B0604020202020204" pitchFamily="34" charset="0"/>
-                <a:cs typeface="Arial" panose="020B0604020202020204" pitchFamily="34" charset="0"/>
-              </a:rPr>
-              <a:t> </a:t>
-            </a:r>
-            <a:r>
-              <a:rPr sz="1600" dirty="0">
-                <a:solidFill>
-                  <a:srgbClr val="0D0D0D"/>
-                </a:solidFill>
-                <a:latin typeface="Arial" panose="020B0604020202020204" pitchFamily="34" charset="0"/>
-                <a:cs typeface="Arial" panose="020B0604020202020204" pitchFamily="34" charset="0"/>
-              </a:rPr>
-              <a:t>direct</a:t>
-            </a:r>
-            <a:r>
-              <a:rPr sz="1600" spc="13" dirty="0">
-                <a:solidFill>
-                  <a:srgbClr val="0D0D0D"/>
-                </a:solidFill>
-                <a:latin typeface="Arial" panose="020B0604020202020204" pitchFamily="34" charset="0"/>
-                <a:cs typeface="Arial" panose="020B0604020202020204" pitchFamily="34" charset="0"/>
-              </a:rPr>
-              <a:t> </a:t>
-            </a:r>
-            <a:r>
-              <a:rPr sz="1600" dirty="0">
-                <a:solidFill>
-                  <a:srgbClr val="0D0D0D"/>
-                </a:solidFill>
-                <a:latin typeface="Arial" panose="020B0604020202020204" pitchFamily="34" charset="0"/>
-                <a:cs typeface="Arial" panose="020B0604020202020204" pitchFamily="34" charset="0"/>
-              </a:rPr>
-              <a:t>selling</a:t>
-            </a:r>
-            <a:r>
-              <a:rPr sz="1600" spc="-49" dirty="0">
-                <a:solidFill>
-                  <a:srgbClr val="0D0D0D"/>
-                </a:solidFill>
-                <a:latin typeface="Arial" panose="020B0604020202020204" pitchFamily="34" charset="0"/>
-                <a:cs typeface="Arial" panose="020B0604020202020204" pitchFamily="34" charset="0"/>
-              </a:rPr>
-              <a:t> </a:t>
-            </a:r>
-            <a:r>
-              <a:rPr sz="1600" dirty="0">
-                <a:solidFill>
-                  <a:srgbClr val="0D0D0D"/>
-                </a:solidFill>
-                <a:latin typeface="Arial" panose="020B0604020202020204" pitchFamily="34" charset="0"/>
-                <a:cs typeface="Arial" panose="020B0604020202020204" pitchFamily="34" charset="0"/>
-              </a:rPr>
-              <a:t>company</a:t>
-            </a:r>
-            <a:r>
-              <a:rPr sz="1600" spc="-22" dirty="0">
-                <a:solidFill>
-                  <a:srgbClr val="0D0D0D"/>
-                </a:solidFill>
-                <a:latin typeface="Arial" panose="020B0604020202020204" pitchFamily="34" charset="0"/>
-                <a:cs typeface="Arial" panose="020B0604020202020204" pitchFamily="34" charset="0"/>
-              </a:rPr>
-              <a:t> </a:t>
-            </a:r>
-            <a:r>
-              <a:rPr sz="1600" dirty="0">
-                <a:solidFill>
-                  <a:srgbClr val="0D0D0D"/>
-                </a:solidFill>
-                <a:latin typeface="Arial" panose="020B0604020202020204" pitchFamily="34" charset="0"/>
-                <a:cs typeface="Arial" panose="020B0604020202020204" pitchFamily="34" charset="0"/>
-              </a:rPr>
-              <a:t>that</a:t>
-            </a:r>
-            <a:r>
-              <a:rPr sz="1600" spc="-18" dirty="0">
-                <a:solidFill>
-                  <a:srgbClr val="0D0D0D"/>
-                </a:solidFill>
-                <a:latin typeface="Arial" panose="020B0604020202020204" pitchFamily="34" charset="0"/>
-                <a:cs typeface="Arial" panose="020B0604020202020204" pitchFamily="34" charset="0"/>
-              </a:rPr>
-              <a:t> </a:t>
-            </a:r>
-            <a:r>
-              <a:rPr sz="1600" dirty="0">
-                <a:solidFill>
-                  <a:srgbClr val="0D0D0D"/>
-                </a:solidFill>
-                <a:latin typeface="Arial" panose="020B0604020202020204" pitchFamily="34" charset="0"/>
-                <a:cs typeface="Arial" panose="020B0604020202020204" pitchFamily="34" charset="0"/>
-              </a:rPr>
-              <a:t>offers</a:t>
-            </a:r>
-            <a:r>
-              <a:rPr sz="1600" spc="-22" dirty="0">
-                <a:solidFill>
-                  <a:srgbClr val="0D0D0D"/>
-                </a:solidFill>
-                <a:latin typeface="Arial" panose="020B0604020202020204" pitchFamily="34" charset="0"/>
-                <a:cs typeface="Arial" panose="020B0604020202020204" pitchFamily="34" charset="0"/>
-              </a:rPr>
-              <a:t> </a:t>
-            </a:r>
-            <a:r>
-              <a:rPr sz="1600" dirty="0">
-                <a:solidFill>
-                  <a:srgbClr val="0D0D0D"/>
-                </a:solidFill>
-                <a:latin typeface="Arial" panose="020B0604020202020204" pitchFamily="34" charset="0"/>
-                <a:cs typeface="Arial" panose="020B0604020202020204" pitchFamily="34" charset="0"/>
-              </a:rPr>
-              <a:t>a</a:t>
-            </a:r>
-            <a:r>
-              <a:rPr sz="1600" spc="-22" dirty="0">
-                <a:solidFill>
-                  <a:srgbClr val="0D0D0D"/>
-                </a:solidFill>
-                <a:latin typeface="Arial" panose="020B0604020202020204" pitchFamily="34" charset="0"/>
-                <a:cs typeface="Arial" panose="020B0604020202020204" pitchFamily="34" charset="0"/>
-              </a:rPr>
-              <a:t> </a:t>
-            </a:r>
-            <a:r>
-              <a:rPr sz="1600" dirty="0">
-                <a:solidFill>
-                  <a:srgbClr val="0D0D0D"/>
-                </a:solidFill>
-                <a:latin typeface="Arial" panose="020B0604020202020204" pitchFamily="34" charset="0"/>
-                <a:cs typeface="Arial" panose="020B0604020202020204" pitchFamily="34" charset="0"/>
-              </a:rPr>
-              <a:t>wide</a:t>
-            </a:r>
-            <a:r>
-              <a:rPr sz="1600" spc="-44" dirty="0">
-                <a:solidFill>
-                  <a:srgbClr val="0D0D0D"/>
-                </a:solidFill>
-                <a:latin typeface="Arial" panose="020B0604020202020204" pitchFamily="34" charset="0"/>
-                <a:cs typeface="Arial" panose="020B0604020202020204" pitchFamily="34" charset="0"/>
-              </a:rPr>
-              <a:t> </a:t>
-            </a:r>
-            <a:r>
-              <a:rPr sz="1600" dirty="0">
-                <a:solidFill>
-                  <a:srgbClr val="0D0D0D"/>
-                </a:solidFill>
-                <a:latin typeface="Arial" panose="020B0604020202020204" pitchFamily="34" charset="0"/>
-                <a:cs typeface="Arial" panose="020B0604020202020204" pitchFamily="34" charset="0"/>
-              </a:rPr>
-              <a:t>range</a:t>
-            </a:r>
-            <a:r>
-              <a:rPr sz="1600" spc="-18" dirty="0">
-                <a:solidFill>
-                  <a:srgbClr val="0D0D0D"/>
-                </a:solidFill>
-                <a:latin typeface="Arial" panose="020B0604020202020204" pitchFamily="34" charset="0"/>
-                <a:cs typeface="Arial" panose="020B0604020202020204" pitchFamily="34" charset="0"/>
-              </a:rPr>
-              <a:t> </a:t>
-            </a:r>
-            <a:r>
-              <a:rPr sz="1600" spc="-22" dirty="0">
-                <a:solidFill>
-                  <a:srgbClr val="0D0D0D"/>
-                </a:solidFill>
-                <a:latin typeface="Arial" panose="020B0604020202020204" pitchFamily="34" charset="0"/>
-                <a:cs typeface="Arial" panose="020B0604020202020204" pitchFamily="34" charset="0"/>
-              </a:rPr>
-              <a:t>of </a:t>
-            </a:r>
-            <a:r>
-              <a:rPr sz="1600" dirty="0">
-                <a:solidFill>
-                  <a:srgbClr val="0D0D0D"/>
-                </a:solidFill>
-                <a:latin typeface="Arial" panose="020B0604020202020204" pitchFamily="34" charset="0"/>
-                <a:cs typeface="Arial" panose="020B0604020202020204" pitchFamily="34" charset="0"/>
-              </a:rPr>
-              <a:t>health,</a:t>
-            </a:r>
-            <a:r>
-              <a:rPr sz="1600" spc="-31" dirty="0">
-                <a:solidFill>
-                  <a:srgbClr val="0D0D0D"/>
-                </a:solidFill>
-                <a:latin typeface="Arial" panose="020B0604020202020204" pitchFamily="34" charset="0"/>
-                <a:cs typeface="Arial" panose="020B0604020202020204" pitchFamily="34" charset="0"/>
-              </a:rPr>
-              <a:t> </a:t>
-            </a:r>
-            <a:r>
-              <a:rPr sz="1600" dirty="0">
-                <a:solidFill>
-                  <a:srgbClr val="0D0D0D"/>
-                </a:solidFill>
-                <a:latin typeface="Arial" panose="020B0604020202020204" pitchFamily="34" charset="0"/>
-                <a:cs typeface="Arial" panose="020B0604020202020204" pitchFamily="34" charset="0"/>
-              </a:rPr>
-              <a:t>wellness,</a:t>
-            </a:r>
-            <a:r>
-              <a:rPr sz="1600" spc="-26" dirty="0">
-                <a:solidFill>
-                  <a:srgbClr val="0D0D0D"/>
-                </a:solidFill>
-                <a:latin typeface="Arial" panose="020B0604020202020204" pitchFamily="34" charset="0"/>
-                <a:cs typeface="Arial" panose="020B0604020202020204" pitchFamily="34" charset="0"/>
-              </a:rPr>
-              <a:t> </a:t>
-            </a:r>
-            <a:r>
-              <a:rPr sz="1600" dirty="0">
-                <a:solidFill>
-                  <a:srgbClr val="0D0D0D"/>
-                </a:solidFill>
-                <a:latin typeface="Arial" panose="020B0604020202020204" pitchFamily="34" charset="0"/>
-                <a:cs typeface="Arial" panose="020B0604020202020204" pitchFamily="34" charset="0"/>
-              </a:rPr>
-              <a:t>and</a:t>
-            </a:r>
-            <a:r>
-              <a:rPr sz="1600" spc="-26" dirty="0">
-                <a:solidFill>
-                  <a:srgbClr val="0D0D0D"/>
-                </a:solidFill>
-                <a:latin typeface="Arial" panose="020B0604020202020204" pitchFamily="34" charset="0"/>
-                <a:cs typeface="Arial" panose="020B0604020202020204" pitchFamily="34" charset="0"/>
-              </a:rPr>
-              <a:t> </a:t>
-            </a:r>
-            <a:r>
-              <a:rPr sz="1600" dirty="0">
-                <a:solidFill>
-                  <a:srgbClr val="0D0D0D"/>
-                </a:solidFill>
-                <a:latin typeface="Arial" panose="020B0604020202020204" pitchFamily="34" charset="0"/>
-                <a:cs typeface="Arial" panose="020B0604020202020204" pitchFamily="34" charset="0"/>
-              </a:rPr>
-              <a:t>personal</a:t>
-            </a:r>
-            <a:r>
-              <a:rPr sz="1600" spc="-26" dirty="0">
-                <a:solidFill>
-                  <a:srgbClr val="0D0D0D"/>
-                </a:solidFill>
-                <a:latin typeface="Arial" panose="020B0604020202020204" pitchFamily="34" charset="0"/>
-                <a:cs typeface="Arial" panose="020B0604020202020204" pitchFamily="34" charset="0"/>
-              </a:rPr>
-              <a:t> </a:t>
-            </a:r>
-            <a:r>
-              <a:rPr sz="1600" dirty="0">
-                <a:solidFill>
-                  <a:srgbClr val="0D0D0D"/>
-                </a:solidFill>
-                <a:latin typeface="Arial" panose="020B0604020202020204" pitchFamily="34" charset="0"/>
-                <a:cs typeface="Arial" panose="020B0604020202020204" pitchFamily="34" charset="0"/>
-              </a:rPr>
-              <a:t>care</a:t>
-            </a:r>
-            <a:r>
-              <a:rPr sz="1600" spc="-26" dirty="0">
-                <a:solidFill>
-                  <a:srgbClr val="0D0D0D"/>
-                </a:solidFill>
-                <a:latin typeface="Arial" panose="020B0604020202020204" pitchFamily="34" charset="0"/>
-                <a:cs typeface="Arial" panose="020B0604020202020204" pitchFamily="34" charset="0"/>
-              </a:rPr>
-              <a:t> </a:t>
-            </a:r>
-            <a:r>
-              <a:rPr sz="1600" dirty="0">
-                <a:solidFill>
-                  <a:srgbClr val="0D0D0D"/>
-                </a:solidFill>
-                <a:latin typeface="Arial" panose="020B0604020202020204" pitchFamily="34" charset="0"/>
-                <a:cs typeface="Arial" panose="020B0604020202020204" pitchFamily="34" charset="0"/>
-              </a:rPr>
-              <a:t>products.</a:t>
-            </a:r>
-            <a:r>
-              <a:rPr sz="1600" spc="-53" dirty="0">
-                <a:solidFill>
-                  <a:srgbClr val="0D0D0D"/>
-                </a:solidFill>
-                <a:latin typeface="Arial" panose="020B0604020202020204" pitchFamily="34" charset="0"/>
-                <a:cs typeface="Arial" panose="020B0604020202020204" pitchFamily="34" charset="0"/>
-              </a:rPr>
-              <a:t> </a:t>
-            </a:r>
-            <a:r>
-              <a:rPr sz="1600" dirty="0">
-                <a:solidFill>
-                  <a:srgbClr val="0D0D0D"/>
-                </a:solidFill>
-                <a:latin typeface="Arial" panose="020B0604020202020204" pitchFamily="34" charset="0"/>
-                <a:cs typeface="Arial" panose="020B0604020202020204" pitchFamily="34" charset="0"/>
-              </a:rPr>
-              <a:t>As</a:t>
-            </a:r>
-            <a:r>
-              <a:rPr sz="1600" spc="-26" dirty="0">
-                <a:solidFill>
-                  <a:srgbClr val="0D0D0D"/>
-                </a:solidFill>
-                <a:latin typeface="Arial" panose="020B0604020202020204" pitchFamily="34" charset="0"/>
-                <a:cs typeface="Arial" panose="020B0604020202020204" pitchFamily="34" charset="0"/>
-              </a:rPr>
-              <a:t> </a:t>
-            </a:r>
-            <a:r>
-              <a:rPr sz="1600" dirty="0">
-                <a:solidFill>
-                  <a:srgbClr val="0D0D0D"/>
-                </a:solidFill>
-                <a:latin typeface="Arial" panose="020B0604020202020204" pitchFamily="34" charset="0"/>
-                <a:cs typeface="Arial" panose="020B0604020202020204" pitchFamily="34" charset="0"/>
-              </a:rPr>
-              <a:t>with</a:t>
-            </a:r>
-            <a:r>
-              <a:rPr sz="1600" spc="-26" dirty="0">
-                <a:solidFill>
-                  <a:srgbClr val="0D0D0D"/>
-                </a:solidFill>
-                <a:latin typeface="Arial" panose="020B0604020202020204" pitchFamily="34" charset="0"/>
-                <a:cs typeface="Arial" panose="020B0604020202020204" pitchFamily="34" charset="0"/>
-              </a:rPr>
-              <a:t> </a:t>
-            </a:r>
-            <a:r>
-              <a:rPr sz="1600" dirty="0">
-                <a:solidFill>
-                  <a:srgbClr val="0D0D0D"/>
-                </a:solidFill>
-                <a:latin typeface="Arial" panose="020B0604020202020204" pitchFamily="34" charset="0"/>
-                <a:cs typeface="Arial" panose="020B0604020202020204" pitchFamily="34" charset="0"/>
-              </a:rPr>
-              <a:t>many</a:t>
-            </a:r>
-            <a:r>
-              <a:rPr sz="1600" spc="-26" dirty="0">
-                <a:solidFill>
-                  <a:srgbClr val="0D0D0D"/>
-                </a:solidFill>
-                <a:latin typeface="Arial" panose="020B0604020202020204" pitchFamily="34" charset="0"/>
-                <a:cs typeface="Arial" panose="020B0604020202020204" pitchFamily="34" charset="0"/>
-              </a:rPr>
-              <a:t> </a:t>
-            </a:r>
-            <a:r>
-              <a:rPr sz="1600" dirty="0">
-                <a:solidFill>
-                  <a:srgbClr val="0D0D0D"/>
-                </a:solidFill>
-                <a:latin typeface="Arial" panose="020B0604020202020204" pitchFamily="34" charset="0"/>
-                <a:cs typeface="Arial" panose="020B0604020202020204" pitchFamily="34" charset="0"/>
-              </a:rPr>
-              <a:t>direct</a:t>
-            </a:r>
-            <a:r>
-              <a:rPr sz="1600" spc="-44" dirty="0">
-                <a:solidFill>
-                  <a:srgbClr val="0D0D0D"/>
-                </a:solidFill>
-                <a:latin typeface="Arial" panose="020B0604020202020204" pitchFamily="34" charset="0"/>
-                <a:cs typeface="Arial" panose="020B0604020202020204" pitchFamily="34" charset="0"/>
-              </a:rPr>
-              <a:t> </a:t>
-            </a:r>
-            <a:r>
-              <a:rPr sz="1600" spc="-9" dirty="0">
-                <a:solidFill>
-                  <a:srgbClr val="0D0D0D"/>
-                </a:solidFill>
-                <a:latin typeface="Arial" panose="020B0604020202020204" pitchFamily="34" charset="0"/>
-                <a:cs typeface="Arial" panose="020B0604020202020204" pitchFamily="34" charset="0"/>
-              </a:rPr>
-              <a:t>selling </a:t>
-            </a:r>
-            <a:r>
-              <a:rPr sz="1600" dirty="0">
-                <a:solidFill>
-                  <a:srgbClr val="0D0D0D"/>
-                </a:solidFill>
-                <a:latin typeface="Arial" panose="020B0604020202020204" pitchFamily="34" charset="0"/>
-                <a:cs typeface="Arial" panose="020B0604020202020204" pitchFamily="34" charset="0"/>
-              </a:rPr>
-              <a:t>companies,</a:t>
-            </a:r>
-            <a:r>
-              <a:rPr sz="1600" spc="-31" dirty="0">
-                <a:solidFill>
-                  <a:srgbClr val="0D0D0D"/>
-                </a:solidFill>
-                <a:latin typeface="Arial" panose="020B0604020202020204" pitchFamily="34" charset="0"/>
-                <a:cs typeface="Arial" panose="020B0604020202020204" pitchFamily="34" charset="0"/>
-              </a:rPr>
-              <a:t> </a:t>
-            </a:r>
-            <a:r>
-              <a:rPr sz="1600" dirty="0">
-                <a:solidFill>
-                  <a:srgbClr val="0D0D0D"/>
-                </a:solidFill>
-                <a:latin typeface="Arial" panose="020B0604020202020204" pitchFamily="34" charset="0"/>
-                <a:cs typeface="Arial" panose="020B0604020202020204" pitchFamily="34" charset="0"/>
-              </a:rPr>
-              <a:t>Vestige</a:t>
-            </a:r>
-            <a:r>
-              <a:rPr sz="1600" spc="-31" dirty="0">
-                <a:solidFill>
-                  <a:srgbClr val="0D0D0D"/>
-                </a:solidFill>
-                <a:latin typeface="Arial" panose="020B0604020202020204" pitchFamily="34" charset="0"/>
-                <a:cs typeface="Arial" panose="020B0604020202020204" pitchFamily="34" charset="0"/>
-              </a:rPr>
-              <a:t> </a:t>
-            </a:r>
-            <a:r>
-              <a:rPr sz="1600" dirty="0">
-                <a:solidFill>
-                  <a:srgbClr val="0D0D0D"/>
-                </a:solidFill>
-                <a:latin typeface="Arial" panose="020B0604020202020204" pitchFamily="34" charset="0"/>
-                <a:cs typeface="Arial" panose="020B0604020202020204" pitchFamily="34" charset="0"/>
-              </a:rPr>
-              <a:t>operates</a:t>
-            </a:r>
-            <a:r>
-              <a:rPr sz="1600" spc="-22" dirty="0">
-                <a:solidFill>
-                  <a:srgbClr val="0D0D0D"/>
-                </a:solidFill>
-                <a:latin typeface="Arial" panose="020B0604020202020204" pitchFamily="34" charset="0"/>
-                <a:cs typeface="Arial" panose="020B0604020202020204" pitchFamily="34" charset="0"/>
-              </a:rPr>
-              <a:t> </a:t>
-            </a:r>
-            <a:r>
-              <a:rPr sz="1600" dirty="0">
-                <a:solidFill>
-                  <a:srgbClr val="0D0D0D"/>
-                </a:solidFill>
-                <a:latin typeface="Arial" panose="020B0604020202020204" pitchFamily="34" charset="0"/>
-                <a:cs typeface="Arial" panose="020B0604020202020204" pitchFamily="34" charset="0"/>
-              </a:rPr>
-              <a:t>on</a:t>
-            </a:r>
-            <a:r>
-              <a:rPr sz="1600" spc="-31" dirty="0">
-                <a:solidFill>
-                  <a:srgbClr val="0D0D0D"/>
-                </a:solidFill>
-                <a:latin typeface="Arial" panose="020B0604020202020204" pitchFamily="34" charset="0"/>
-                <a:cs typeface="Arial" panose="020B0604020202020204" pitchFamily="34" charset="0"/>
-              </a:rPr>
-              <a:t> </a:t>
-            </a:r>
-            <a:r>
-              <a:rPr sz="1600" dirty="0">
-                <a:solidFill>
-                  <a:srgbClr val="0D0D0D"/>
-                </a:solidFill>
-                <a:latin typeface="Arial" panose="020B0604020202020204" pitchFamily="34" charset="0"/>
-                <a:cs typeface="Arial" panose="020B0604020202020204" pitchFamily="34" charset="0"/>
-              </a:rPr>
-              <a:t>a</a:t>
-            </a:r>
-            <a:r>
-              <a:rPr sz="1600" spc="-26" dirty="0">
-                <a:solidFill>
-                  <a:srgbClr val="0D0D0D"/>
-                </a:solidFill>
-                <a:latin typeface="Arial" panose="020B0604020202020204" pitchFamily="34" charset="0"/>
-                <a:cs typeface="Arial" panose="020B0604020202020204" pitchFamily="34" charset="0"/>
-              </a:rPr>
-              <a:t> </a:t>
-            </a:r>
-            <a:r>
-              <a:rPr sz="1600" dirty="0">
-                <a:solidFill>
-                  <a:srgbClr val="0D0D0D"/>
-                </a:solidFill>
-                <a:latin typeface="Arial" panose="020B0604020202020204" pitchFamily="34" charset="0"/>
-                <a:cs typeface="Arial" panose="020B0604020202020204" pitchFamily="34" charset="0"/>
-              </a:rPr>
-              <a:t>network</a:t>
-            </a:r>
-            <a:r>
-              <a:rPr sz="1600" spc="-31" dirty="0">
-                <a:solidFill>
-                  <a:srgbClr val="0D0D0D"/>
-                </a:solidFill>
-                <a:latin typeface="Arial" panose="020B0604020202020204" pitchFamily="34" charset="0"/>
-                <a:cs typeface="Arial" panose="020B0604020202020204" pitchFamily="34" charset="0"/>
-              </a:rPr>
-              <a:t> </a:t>
-            </a:r>
-            <a:r>
-              <a:rPr sz="1600" dirty="0">
-                <a:solidFill>
-                  <a:srgbClr val="0D0D0D"/>
-                </a:solidFill>
-                <a:latin typeface="Arial" panose="020B0604020202020204" pitchFamily="34" charset="0"/>
-                <a:cs typeface="Arial" panose="020B0604020202020204" pitchFamily="34" charset="0"/>
-              </a:rPr>
-              <a:t>marketing</a:t>
-            </a:r>
-            <a:r>
-              <a:rPr sz="1600" spc="-31" dirty="0">
-                <a:solidFill>
-                  <a:srgbClr val="0D0D0D"/>
-                </a:solidFill>
-                <a:latin typeface="Arial" panose="020B0604020202020204" pitchFamily="34" charset="0"/>
-                <a:cs typeface="Arial" panose="020B0604020202020204" pitchFamily="34" charset="0"/>
-              </a:rPr>
-              <a:t> </a:t>
-            </a:r>
-            <a:r>
-              <a:rPr sz="1600" dirty="0">
-                <a:solidFill>
-                  <a:srgbClr val="0D0D0D"/>
-                </a:solidFill>
-                <a:latin typeface="Arial" panose="020B0604020202020204" pitchFamily="34" charset="0"/>
-                <a:cs typeface="Arial" panose="020B0604020202020204" pitchFamily="34" charset="0"/>
-              </a:rPr>
-              <a:t>model,</a:t>
-            </a:r>
-            <a:r>
-              <a:rPr sz="1600" spc="-26" dirty="0">
-                <a:solidFill>
-                  <a:srgbClr val="0D0D0D"/>
-                </a:solidFill>
-                <a:latin typeface="Arial" panose="020B0604020202020204" pitchFamily="34" charset="0"/>
-                <a:cs typeface="Arial" panose="020B0604020202020204" pitchFamily="34" charset="0"/>
-              </a:rPr>
-              <a:t> </a:t>
-            </a:r>
-            <a:r>
-              <a:rPr sz="1600" dirty="0">
-                <a:solidFill>
-                  <a:srgbClr val="0D0D0D"/>
-                </a:solidFill>
-                <a:latin typeface="Arial" panose="020B0604020202020204" pitchFamily="34" charset="0"/>
-                <a:cs typeface="Arial" panose="020B0604020202020204" pitchFamily="34" charset="0"/>
-              </a:rPr>
-              <a:t>where</a:t>
-            </a:r>
-            <a:r>
-              <a:rPr sz="1600" spc="-31" dirty="0">
-                <a:solidFill>
-                  <a:srgbClr val="0D0D0D"/>
-                </a:solidFill>
-                <a:latin typeface="Arial" panose="020B0604020202020204" pitchFamily="34" charset="0"/>
-                <a:cs typeface="Arial" panose="020B0604020202020204" pitchFamily="34" charset="0"/>
-              </a:rPr>
-              <a:t> </a:t>
-            </a:r>
-            <a:r>
-              <a:rPr sz="1600" spc="-9" dirty="0">
-                <a:solidFill>
-                  <a:srgbClr val="0D0D0D"/>
-                </a:solidFill>
-                <a:latin typeface="Arial" panose="020B0604020202020204" pitchFamily="34" charset="0"/>
-                <a:cs typeface="Arial" panose="020B0604020202020204" pitchFamily="34" charset="0"/>
-              </a:rPr>
-              <a:t>independent </a:t>
-            </a:r>
-            <a:r>
-              <a:rPr sz="1600" dirty="0">
-                <a:solidFill>
-                  <a:srgbClr val="0D0D0D"/>
-                </a:solidFill>
-                <a:latin typeface="Arial" panose="020B0604020202020204" pitchFamily="34" charset="0"/>
-                <a:cs typeface="Arial" panose="020B0604020202020204" pitchFamily="34" charset="0"/>
-              </a:rPr>
-              <a:t>distributors</a:t>
-            </a:r>
-            <a:r>
-              <a:rPr sz="1600" spc="-26" dirty="0">
-                <a:solidFill>
-                  <a:srgbClr val="0D0D0D"/>
-                </a:solidFill>
-                <a:latin typeface="Arial" panose="020B0604020202020204" pitchFamily="34" charset="0"/>
-                <a:cs typeface="Arial" panose="020B0604020202020204" pitchFamily="34" charset="0"/>
-              </a:rPr>
-              <a:t> </a:t>
-            </a:r>
-            <a:r>
-              <a:rPr sz="1600" dirty="0">
-                <a:solidFill>
-                  <a:srgbClr val="0D0D0D"/>
-                </a:solidFill>
-                <a:latin typeface="Arial" panose="020B0604020202020204" pitchFamily="34" charset="0"/>
-                <a:cs typeface="Arial" panose="020B0604020202020204" pitchFamily="34" charset="0"/>
-              </a:rPr>
-              <a:t>promote</a:t>
-            </a:r>
-            <a:r>
-              <a:rPr sz="1600" spc="-26" dirty="0">
-                <a:solidFill>
-                  <a:srgbClr val="0D0D0D"/>
-                </a:solidFill>
-                <a:latin typeface="Arial" panose="020B0604020202020204" pitchFamily="34" charset="0"/>
-                <a:cs typeface="Arial" panose="020B0604020202020204" pitchFamily="34" charset="0"/>
-              </a:rPr>
-              <a:t> </a:t>
-            </a:r>
-            <a:r>
-              <a:rPr sz="1600" dirty="0">
-                <a:solidFill>
-                  <a:srgbClr val="0D0D0D"/>
-                </a:solidFill>
-                <a:latin typeface="Arial" panose="020B0604020202020204" pitchFamily="34" charset="0"/>
-                <a:cs typeface="Arial" panose="020B0604020202020204" pitchFamily="34" charset="0"/>
-              </a:rPr>
-              <a:t>and</a:t>
-            </a:r>
-            <a:r>
-              <a:rPr sz="1600" spc="-49" dirty="0">
-                <a:solidFill>
-                  <a:srgbClr val="0D0D0D"/>
-                </a:solidFill>
-                <a:latin typeface="Arial" panose="020B0604020202020204" pitchFamily="34" charset="0"/>
-                <a:cs typeface="Arial" panose="020B0604020202020204" pitchFamily="34" charset="0"/>
-              </a:rPr>
-              <a:t> </a:t>
-            </a:r>
-            <a:r>
-              <a:rPr sz="1600" dirty="0">
-                <a:solidFill>
-                  <a:srgbClr val="0D0D0D"/>
-                </a:solidFill>
-                <a:latin typeface="Arial" panose="020B0604020202020204" pitchFamily="34" charset="0"/>
-                <a:cs typeface="Arial" panose="020B0604020202020204" pitchFamily="34" charset="0"/>
-              </a:rPr>
-              <a:t>sell</a:t>
-            </a:r>
-            <a:r>
-              <a:rPr sz="1600" spc="-18" dirty="0">
-                <a:solidFill>
-                  <a:srgbClr val="0D0D0D"/>
-                </a:solidFill>
-                <a:latin typeface="Arial" panose="020B0604020202020204" pitchFamily="34" charset="0"/>
-                <a:cs typeface="Arial" panose="020B0604020202020204" pitchFamily="34" charset="0"/>
-              </a:rPr>
-              <a:t> </a:t>
-            </a:r>
-            <a:r>
-              <a:rPr sz="1600" dirty="0">
-                <a:solidFill>
-                  <a:srgbClr val="0D0D0D"/>
-                </a:solidFill>
-                <a:latin typeface="Arial" panose="020B0604020202020204" pitchFamily="34" charset="0"/>
-                <a:cs typeface="Arial" panose="020B0604020202020204" pitchFamily="34" charset="0"/>
-              </a:rPr>
-              <a:t>the</a:t>
-            </a:r>
-            <a:r>
-              <a:rPr sz="1600" spc="-26" dirty="0">
-                <a:solidFill>
-                  <a:srgbClr val="0D0D0D"/>
-                </a:solidFill>
-                <a:latin typeface="Arial" panose="020B0604020202020204" pitchFamily="34" charset="0"/>
-                <a:cs typeface="Arial" panose="020B0604020202020204" pitchFamily="34" charset="0"/>
-              </a:rPr>
-              <a:t> </a:t>
-            </a:r>
-            <a:r>
-              <a:rPr sz="1600" dirty="0">
-                <a:solidFill>
-                  <a:srgbClr val="0D0D0D"/>
-                </a:solidFill>
-                <a:latin typeface="Arial" panose="020B0604020202020204" pitchFamily="34" charset="0"/>
-                <a:cs typeface="Arial" panose="020B0604020202020204" pitchFamily="34" charset="0"/>
-              </a:rPr>
-              <a:t>company's</a:t>
-            </a:r>
-            <a:r>
-              <a:rPr sz="1600" spc="-18" dirty="0">
-                <a:solidFill>
-                  <a:srgbClr val="0D0D0D"/>
-                </a:solidFill>
-                <a:latin typeface="Arial" panose="020B0604020202020204" pitchFamily="34" charset="0"/>
-                <a:cs typeface="Arial" panose="020B0604020202020204" pitchFamily="34" charset="0"/>
-              </a:rPr>
-              <a:t> </a:t>
-            </a:r>
-            <a:r>
-              <a:rPr sz="1600" dirty="0">
-                <a:solidFill>
-                  <a:srgbClr val="0D0D0D"/>
-                </a:solidFill>
-                <a:latin typeface="Arial" panose="020B0604020202020204" pitchFamily="34" charset="0"/>
-                <a:cs typeface="Arial" panose="020B0604020202020204" pitchFamily="34" charset="0"/>
-              </a:rPr>
-              <a:t>products</a:t>
-            </a:r>
-            <a:r>
-              <a:rPr sz="1600" spc="-26" dirty="0">
-                <a:solidFill>
-                  <a:srgbClr val="0D0D0D"/>
-                </a:solidFill>
-                <a:latin typeface="Arial" panose="020B0604020202020204" pitchFamily="34" charset="0"/>
-                <a:cs typeface="Arial" panose="020B0604020202020204" pitchFamily="34" charset="0"/>
-              </a:rPr>
-              <a:t> </a:t>
-            </a:r>
-            <a:r>
-              <a:rPr sz="1600" dirty="0">
-                <a:solidFill>
-                  <a:srgbClr val="0D0D0D"/>
-                </a:solidFill>
-                <a:latin typeface="Arial" panose="020B0604020202020204" pitchFamily="34" charset="0"/>
-                <a:cs typeface="Arial" panose="020B0604020202020204" pitchFamily="34" charset="0"/>
-              </a:rPr>
-              <a:t>directly</a:t>
-            </a:r>
-            <a:r>
-              <a:rPr sz="1600" spc="-9" dirty="0">
-                <a:solidFill>
-                  <a:srgbClr val="0D0D0D"/>
-                </a:solidFill>
-                <a:latin typeface="Arial" panose="020B0604020202020204" pitchFamily="34" charset="0"/>
-                <a:cs typeface="Arial" panose="020B0604020202020204" pitchFamily="34" charset="0"/>
-              </a:rPr>
-              <a:t> </a:t>
-            </a:r>
-            <a:r>
-              <a:rPr sz="1600" dirty="0">
-                <a:solidFill>
-                  <a:srgbClr val="0D0D0D"/>
-                </a:solidFill>
-                <a:latin typeface="Arial" panose="020B0604020202020204" pitchFamily="34" charset="0"/>
-                <a:cs typeface="Arial" panose="020B0604020202020204" pitchFamily="34" charset="0"/>
-              </a:rPr>
-              <a:t>to</a:t>
-            </a:r>
-            <a:r>
-              <a:rPr sz="1600" spc="-22" dirty="0">
-                <a:solidFill>
-                  <a:srgbClr val="0D0D0D"/>
-                </a:solidFill>
-                <a:latin typeface="Arial" panose="020B0604020202020204" pitchFamily="34" charset="0"/>
-                <a:cs typeface="Arial" panose="020B0604020202020204" pitchFamily="34" charset="0"/>
-              </a:rPr>
-              <a:t> </a:t>
-            </a:r>
-            <a:r>
-              <a:rPr sz="1600" spc="-9" dirty="0">
-                <a:solidFill>
-                  <a:srgbClr val="0D0D0D"/>
-                </a:solidFill>
-                <a:latin typeface="Arial" panose="020B0604020202020204" pitchFamily="34" charset="0"/>
-                <a:cs typeface="Arial" panose="020B0604020202020204" pitchFamily="34" charset="0"/>
-              </a:rPr>
-              <a:t>consumers.</a:t>
-            </a:r>
-            <a:endParaRPr sz="1600" dirty="0">
-              <a:latin typeface="Arial" panose="020B0604020202020204" pitchFamily="34" charset="0"/>
-              <a:cs typeface="Arial" panose="020B0604020202020204" pitchFamily="34" charset="0"/>
-            </a:endParaRPr>
-          </a:p>
-          <a:p>
-            <a:pPr marL="11206" marR="59955">
-              <a:lnSpc>
-                <a:spcPct val="95300"/>
-              </a:lnSpc>
-              <a:spcBef>
-                <a:spcPts val="552"/>
-              </a:spcBef>
-            </a:pPr>
-            <a:r>
-              <a:rPr sz="1600" dirty="0">
-                <a:solidFill>
-                  <a:srgbClr val="0D0D0D"/>
-                </a:solidFill>
-                <a:latin typeface="Arial" panose="020B0604020202020204" pitchFamily="34" charset="0"/>
-                <a:cs typeface="Arial" panose="020B0604020202020204" pitchFamily="34" charset="0"/>
-              </a:rPr>
-              <a:t>The</a:t>
-            </a:r>
-            <a:r>
-              <a:rPr sz="1600" spc="-40" dirty="0">
-                <a:solidFill>
-                  <a:srgbClr val="0D0D0D"/>
-                </a:solidFill>
-                <a:latin typeface="Arial" panose="020B0604020202020204" pitchFamily="34" charset="0"/>
-                <a:cs typeface="Arial" panose="020B0604020202020204" pitchFamily="34" charset="0"/>
-              </a:rPr>
-              <a:t> </a:t>
-            </a:r>
-            <a:r>
-              <a:rPr sz="1600" dirty="0">
-                <a:solidFill>
-                  <a:srgbClr val="0D0D0D"/>
-                </a:solidFill>
-                <a:latin typeface="Arial" panose="020B0604020202020204" pitchFamily="34" charset="0"/>
-                <a:cs typeface="Arial" panose="020B0604020202020204" pitchFamily="34" charset="0"/>
-              </a:rPr>
-              <a:t>website</a:t>
-            </a:r>
-            <a:r>
-              <a:rPr sz="1600" spc="-40" dirty="0">
-                <a:solidFill>
-                  <a:srgbClr val="0D0D0D"/>
-                </a:solidFill>
-                <a:latin typeface="Arial" panose="020B0604020202020204" pitchFamily="34" charset="0"/>
-                <a:cs typeface="Arial" panose="020B0604020202020204" pitchFamily="34" charset="0"/>
-              </a:rPr>
-              <a:t> </a:t>
-            </a:r>
-            <a:r>
-              <a:rPr sz="1600" dirty="0">
-                <a:solidFill>
-                  <a:srgbClr val="0D0D0D"/>
-                </a:solidFill>
-                <a:latin typeface="Arial" panose="020B0604020202020204" pitchFamily="34" charset="0"/>
-                <a:cs typeface="Arial" panose="020B0604020202020204" pitchFamily="34" charset="0"/>
-              </a:rPr>
-              <a:t>typically</a:t>
-            </a:r>
-            <a:r>
-              <a:rPr sz="1600" spc="-35" dirty="0">
-                <a:solidFill>
-                  <a:srgbClr val="0D0D0D"/>
-                </a:solidFill>
-                <a:latin typeface="Arial" panose="020B0604020202020204" pitchFamily="34" charset="0"/>
-                <a:cs typeface="Arial" panose="020B0604020202020204" pitchFamily="34" charset="0"/>
-              </a:rPr>
-              <a:t> </a:t>
-            </a:r>
-            <a:r>
-              <a:rPr sz="1600" dirty="0">
-                <a:solidFill>
-                  <a:srgbClr val="0D0D0D"/>
-                </a:solidFill>
-                <a:latin typeface="Arial" panose="020B0604020202020204" pitchFamily="34" charset="0"/>
-                <a:cs typeface="Arial" panose="020B0604020202020204" pitchFamily="34" charset="0"/>
-              </a:rPr>
-              <a:t>features</a:t>
-            </a:r>
-            <a:r>
-              <a:rPr sz="1600" spc="-35" dirty="0">
-                <a:solidFill>
-                  <a:srgbClr val="0D0D0D"/>
-                </a:solidFill>
-                <a:latin typeface="Arial" panose="020B0604020202020204" pitchFamily="34" charset="0"/>
-                <a:cs typeface="Arial" panose="020B0604020202020204" pitchFamily="34" charset="0"/>
-              </a:rPr>
-              <a:t> </a:t>
-            </a:r>
-            <a:r>
-              <a:rPr sz="1600" dirty="0">
-                <a:solidFill>
-                  <a:srgbClr val="0D0D0D"/>
-                </a:solidFill>
-                <a:latin typeface="Arial" panose="020B0604020202020204" pitchFamily="34" charset="0"/>
-                <a:cs typeface="Arial" panose="020B0604020202020204" pitchFamily="34" charset="0"/>
-              </a:rPr>
-              <a:t>sections</a:t>
-            </a:r>
-            <a:r>
-              <a:rPr sz="1600" spc="-35" dirty="0">
-                <a:solidFill>
-                  <a:srgbClr val="0D0D0D"/>
-                </a:solidFill>
-                <a:latin typeface="Arial" panose="020B0604020202020204" pitchFamily="34" charset="0"/>
-                <a:cs typeface="Arial" panose="020B0604020202020204" pitchFamily="34" charset="0"/>
-              </a:rPr>
-              <a:t> </a:t>
-            </a:r>
-            <a:r>
-              <a:rPr sz="1600" dirty="0">
-                <a:solidFill>
-                  <a:srgbClr val="0D0D0D"/>
-                </a:solidFill>
-                <a:latin typeface="Arial" panose="020B0604020202020204" pitchFamily="34" charset="0"/>
-                <a:cs typeface="Arial" panose="020B0604020202020204" pitchFamily="34" charset="0"/>
-              </a:rPr>
-              <a:t>dedicated</a:t>
-            </a:r>
-            <a:r>
-              <a:rPr sz="1600" spc="-40" dirty="0">
-                <a:solidFill>
-                  <a:srgbClr val="0D0D0D"/>
-                </a:solidFill>
-                <a:latin typeface="Arial" panose="020B0604020202020204" pitchFamily="34" charset="0"/>
-                <a:cs typeface="Arial" panose="020B0604020202020204" pitchFamily="34" charset="0"/>
-              </a:rPr>
-              <a:t> </a:t>
-            </a:r>
-            <a:r>
-              <a:rPr sz="1600" dirty="0">
-                <a:solidFill>
-                  <a:srgbClr val="0D0D0D"/>
-                </a:solidFill>
-                <a:latin typeface="Arial" panose="020B0604020202020204" pitchFamily="34" charset="0"/>
-                <a:cs typeface="Arial" panose="020B0604020202020204" pitchFamily="34" charset="0"/>
-              </a:rPr>
-              <a:t>to</a:t>
-            </a:r>
-            <a:r>
-              <a:rPr sz="1600" spc="-35" dirty="0">
-                <a:solidFill>
-                  <a:srgbClr val="0D0D0D"/>
-                </a:solidFill>
-                <a:latin typeface="Arial" panose="020B0604020202020204" pitchFamily="34" charset="0"/>
-                <a:cs typeface="Arial" panose="020B0604020202020204" pitchFamily="34" charset="0"/>
-              </a:rPr>
-              <a:t> </a:t>
-            </a:r>
-            <a:r>
-              <a:rPr sz="1600" dirty="0">
-                <a:solidFill>
-                  <a:srgbClr val="0D0D0D"/>
-                </a:solidFill>
-                <a:latin typeface="Arial" panose="020B0604020202020204" pitchFamily="34" charset="0"/>
-                <a:cs typeface="Arial" panose="020B0604020202020204" pitchFamily="34" charset="0"/>
-              </a:rPr>
-              <a:t>product</a:t>
-            </a:r>
-            <a:r>
-              <a:rPr sz="1600" spc="-31" dirty="0">
-                <a:solidFill>
-                  <a:srgbClr val="0D0D0D"/>
-                </a:solidFill>
-                <a:latin typeface="Arial" panose="020B0604020202020204" pitchFamily="34" charset="0"/>
-                <a:cs typeface="Arial" panose="020B0604020202020204" pitchFamily="34" charset="0"/>
-              </a:rPr>
-              <a:t> </a:t>
-            </a:r>
-            <a:r>
-              <a:rPr sz="1600" dirty="0">
-                <a:solidFill>
-                  <a:srgbClr val="0D0D0D"/>
-                </a:solidFill>
-                <a:latin typeface="Arial" panose="020B0604020202020204" pitchFamily="34" charset="0"/>
-                <a:cs typeface="Arial" panose="020B0604020202020204" pitchFamily="34" charset="0"/>
-              </a:rPr>
-              <a:t>catalogs,</a:t>
-            </a:r>
-            <a:r>
-              <a:rPr sz="1600" spc="-40" dirty="0">
-                <a:solidFill>
-                  <a:srgbClr val="0D0D0D"/>
-                </a:solidFill>
-                <a:latin typeface="Arial" panose="020B0604020202020204" pitchFamily="34" charset="0"/>
-                <a:cs typeface="Arial" panose="020B0604020202020204" pitchFamily="34" charset="0"/>
-              </a:rPr>
-              <a:t> </a:t>
-            </a:r>
-            <a:r>
-              <a:rPr sz="1600" spc="-9" dirty="0">
-                <a:solidFill>
-                  <a:srgbClr val="0D0D0D"/>
-                </a:solidFill>
-                <a:latin typeface="Arial" panose="020B0604020202020204" pitchFamily="34" charset="0"/>
-                <a:cs typeface="Arial" panose="020B0604020202020204" pitchFamily="34" charset="0"/>
-              </a:rPr>
-              <a:t>which </a:t>
-            </a:r>
-            <a:r>
-              <a:rPr sz="1600" dirty="0">
-                <a:solidFill>
-                  <a:srgbClr val="0D0D0D"/>
-                </a:solidFill>
-                <a:latin typeface="Arial" panose="020B0604020202020204" pitchFamily="34" charset="0"/>
-                <a:cs typeface="Arial" panose="020B0604020202020204" pitchFamily="34" charset="0"/>
-              </a:rPr>
-              <a:t>showcase</a:t>
-            </a:r>
-            <a:r>
-              <a:rPr sz="1600" spc="-35" dirty="0">
-                <a:solidFill>
-                  <a:srgbClr val="0D0D0D"/>
-                </a:solidFill>
-                <a:latin typeface="Arial" panose="020B0604020202020204" pitchFamily="34" charset="0"/>
-                <a:cs typeface="Arial" panose="020B0604020202020204" pitchFamily="34" charset="0"/>
-              </a:rPr>
-              <a:t> </a:t>
-            </a:r>
-            <a:r>
-              <a:rPr sz="1600" dirty="0">
-                <a:solidFill>
-                  <a:srgbClr val="0D0D0D"/>
-                </a:solidFill>
-                <a:latin typeface="Arial" panose="020B0604020202020204" pitchFamily="34" charset="0"/>
-                <a:cs typeface="Arial" panose="020B0604020202020204" pitchFamily="34" charset="0"/>
-              </a:rPr>
-              <a:t>the</a:t>
-            </a:r>
-            <a:r>
-              <a:rPr sz="1600" spc="-31" dirty="0">
-                <a:solidFill>
-                  <a:srgbClr val="0D0D0D"/>
-                </a:solidFill>
-                <a:latin typeface="Arial" panose="020B0604020202020204" pitchFamily="34" charset="0"/>
-                <a:cs typeface="Arial" panose="020B0604020202020204" pitchFamily="34" charset="0"/>
-              </a:rPr>
-              <a:t> </a:t>
-            </a:r>
-            <a:r>
-              <a:rPr sz="1600" dirty="0">
-                <a:solidFill>
-                  <a:srgbClr val="0D0D0D"/>
-                </a:solidFill>
-                <a:latin typeface="Arial" panose="020B0604020202020204" pitchFamily="34" charset="0"/>
-                <a:cs typeface="Arial" panose="020B0604020202020204" pitchFamily="34" charset="0"/>
-              </a:rPr>
-              <a:t>various</a:t>
-            </a:r>
-            <a:r>
-              <a:rPr sz="1600" spc="-53" dirty="0">
-                <a:solidFill>
-                  <a:srgbClr val="0D0D0D"/>
-                </a:solidFill>
-                <a:latin typeface="Arial" panose="020B0604020202020204" pitchFamily="34" charset="0"/>
-                <a:cs typeface="Arial" panose="020B0604020202020204" pitchFamily="34" charset="0"/>
-              </a:rPr>
-              <a:t> </a:t>
-            </a:r>
-            <a:r>
-              <a:rPr sz="1600" dirty="0">
-                <a:solidFill>
-                  <a:srgbClr val="0D0D0D"/>
-                </a:solidFill>
-                <a:latin typeface="Arial" panose="020B0604020202020204" pitchFamily="34" charset="0"/>
-                <a:cs typeface="Arial" panose="020B0604020202020204" pitchFamily="34" charset="0"/>
-              </a:rPr>
-              <a:t>items</a:t>
-            </a:r>
-            <a:r>
-              <a:rPr sz="1600" spc="-35" dirty="0">
-                <a:solidFill>
-                  <a:srgbClr val="0D0D0D"/>
-                </a:solidFill>
-                <a:latin typeface="Arial" panose="020B0604020202020204" pitchFamily="34" charset="0"/>
-                <a:cs typeface="Arial" panose="020B0604020202020204" pitchFamily="34" charset="0"/>
-              </a:rPr>
-              <a:t> </a:t>
-            </a:r>
-            <a:r>
-              <a:rPr sz="1600" dirty="0">
-                <a:solidFill>
-                  <a:srgbClr val="0D0D0D"/>
-                </a:solidFill>
-                <a:latin typeface="Arial" panose="020B0604020202020204" pitchFamily="34" charset="0"/>
-                <a:cs typeface="Arial" panose="020B0604020202020204" pitchFamily="34" charset="0"/>
-              </a:rPr>
-              <a:t>available</a:t>
-            </a:r>
-            <a:r>
-              <a:rPr sz="1600" spc="-31" dirty="0">
-                <a:solidFill>
-                  <a:srgbClr val="0D0D0D"/>
-                </a:solidFill>
-                <a:latin typeface="Arial" panose="020B0604020202020204" pitchFamily="34" charset="0"/>
-                <a:cs typeface="Arial" panose="020B0604020202020204" pitchFamily="34" charset="0"/>
-              </a:rPr>
-              <a:t> </a:t>
-            </a:r>
-            <a:r>
-              <a:rPr sz="1600" dirty="0">
-                <a:solidFill>
-                  <a:srgbClr val="0D0D0D"/>
-                </a:solidFill>
-                <a:latin typeface="Arial" panose="020B0604020202020204" pitchFamily="34" charset="0"/>
-                <a:cs typeface="Arial" panose="020B0604020202020204" pitchFamily="34" charset="0"/>
-              </a:rPr>
-              <a:t>for</a:t>
-            </a:r>
-            <a:r>
-              <a:rPr sz="1600" spc="-31" dirty="0">
-                <a:solidFill>
-                  <a:srgbClr val="0D0D0D"/>
-                </a:solidFill>
-                <a:latin typeface="Arial" panose="020B0604020202020204" pitchFamily="34" charset="0"/>
-                <a:cs typeface="Arial" panose="020B0604020202020204" pitchFamily="34" charset="0"/>
-              </a:rPr>
-              <a:t> </a:t>
-            </a:r>
-            <a:r>
-              <a:rPr sz="1600" dirty="0">
-                <a:solidFill>
-                  <a:srgbClr val="0D0D0D"/>
-                </a:solidFill>
-                <a:latin typeface="Arial" panose="020B0604020202020204" pitchFamily="34" charset="0"/>
-                <a:cs typeface="Arial" panose="020B0604020202020204" pitchFamily="34" charset="0"/>
-              </a:rPr>
-              <a:t>purchase.</a:t>
-            </a:r>
-            <a:r>
-              <a:rPr sz="1600" spc="-31" dirty="0">
-                <a:solidFill>
-                  <a:srgbClr val="0D0D0D"/>
-                </a:solidFill>
-                <a:latin typeface="Arial" panose="020B0604020202020204" pitchFamily="34" charset="0"/>
-                <a:cs typeface="Arial" panose="020B0604020202020204" pitchFamily="34" charset="0"/>
-              </a:rPr>
-              <a:t> </a:t>
-            </a:r>
-            <a:r>
-              <a:rPr sz="1600" dirty="0">
-                <a:solidFill>
-                  <a:srgbClr val="0D0D0D"/>
-                </a:solidFill>
-                <a:latin typeface="Arial" panose="020B0604020202020204" pitchFamily="34" charset="0"/>
-                <a:cs typeface="Arial" panose="020B0604020202020204" pitchFamily="34" charset="0"/>
-              </a:rPr>
-              <a:t>These</a:t>
-            </a:r>
-            <a:r>
-              <a:rPr sz="1600" spc="-35" dirty="0">
-                <a:solidFill>
-                  <a:srgbClr val="0D0D0D"/>
-                </a:solidFill>
-                <a:latin typeface="Arial" panose="020B0604020202020204" pitchFamily="34" charset="0"/>
-                <a:cs typeface="Arial" panose="020B0604020202020204" pitchFamily="34" charset="0"/>
-              </a:rPr>
-              <a:t> </a:t>
-            </a:r>
-            <a:r>
-              <a:rPr sz="1600" dirty="0">
-                <a:solidFill>
-                  <a:srgbClr val="0D0D0D"/>
-                </a:solidFill>
-                <a:latin typeface="Arial" panose="020B0604020202020204" pitchFamily="34" charset="0"/>
-                <a:cs typeface="Arial" panose="020B0604020202020204" pitchFamily="34" charset="0"/>
-              </a:rPr>
-              <a:t>products</a:t>
-            </a:r>
-            <a:r>
-              <a:rPr sz="1600" spc="-31" dirty="0">
-                <a:solidFill>
-                  <a:srgbClr val="0D0D0D"/>
-                </a:solidFill>
-                <a:latin typeface="Arial" panose="020B0604020202020204" pitchFamily="34" charset="0"/>
-                <a:cs typeface="Arial" panose="020B0604020202020204" pitchFamily="34" charset="0"/>
-              </a:rPr>
-              <a:t> </a:t>
-            </a:r>
-            <a:r>
-              <a:rPr sz="1600" dirty="0">
-                <a:solidFill>
-                  <a:srgbClr val="0D0D0D"/>
-                </a:solidFill>
-                <a:latin typeface="Arial" panose="020B0604020202020204" pitchFamily="34" charset="0"/>
-                <a:cs typeface="Arial" panose="020B0604020202020204" pitchFamily="34" charset="0"/>
-              </a:rPr>
-              <a:t>often</a:t>
-            </a:r>
-            <a:r>
-              <a:rPr sz="1600" spc="-31" dirty="0">
-                <a:solidFill>
-                  <a:srgbClr val="0D0D0D"/>
-                </a:solidFill>
-                <a:latin typeface="Arial" panose="020B0604020202020204" pitchFamily="34" charset="0"/>
-                <a:cs typeface="Arial" panose="020B0604020202020204" pitchFamily="34" charset="0"/>
-              </a:rPr>
-              <a:t> </a:t>
-            </a:r>
-            <a:r>
-              <a:rPr sz="1600" spc="-9" dirty="0">
-                <a:solidFill>
-                  <a:srgbClr val="0D0D0D"/>
-                </a:solidFill>
-                <a:latin typeface="Arial" panose="020B0604020202020204" pitchFamily="34" charset="0"/>
-                <a:cs typeface="Arial" panose="020B0604020202020204" pitchFamily="34" charset="0"/>
-              </a:rPr>
-              <a:t>include </a:t>
-            </a:r>
-            <a:r>
-              <a:rPr sz="1600" dirty="0">
-                <a:solidFill>
-                  <a:srgbClr val="0D0D0D"/>
-                </a:solidFill>
-                <a:latin typeface="Arial" panose="020B0604020202020204" pitchFamily="34" charset="0"/>
-                <a:cs typeface="Arial" panose="020B0604020202020204" pitchFamily="34" charset="0"/>
-              </a:rPr>
-              <a:t>dietary</a:t>
-            </a:r>
-            <a:r>
-              <a:rPr sz="1600" spc="-35" dirty="0">
-                <a:solidFill>
-                  <a:srgbClr val="0D0D0D"/>
-                </a:solidFill>
-                <a:latin typeface="Arial" panose="020B0604020202020204" pitchFamily="34" charset="0"/>
-                <a:cs typeface="Arial" panose="020B0604020202020204" pitchFamily="34" charset="0"/>
-              </a:rPr>
-              <a:t> </a:t>
-            </a:r>
-            <a:r>
-              <a:rPr sz="1600" dirty="0">
-                <a:solidFill>
-                  <a:srgbClr val="0D0D0D"/>
-                </a:solidFill>
-                <a:latin typeface="Arial" panose="020B0604020202020204" pitchFamily="34" charset="0"/>
-                <a:cs typeface="Arial" panose="020B0604020202020204" pitchFamily="34" charset="0"/>
-              </a:rPr>
-              <a:t>supplements,</a:t>
-            </a:r>
-            <a:r>
-              <a:rPr sz="1600" spc="-31" dirty="0">
-                <a:solidFill>
-                  <a:srgbClr val="0D0D0D"/>
-                </a:solidFill>
-                <a:latin typeface="Arial" panose="020B0604020202020204" pitchFamily="34" charset="0"/>
-                <a:cs typeface="Arial" panose="020B0604020202020204" pitchFamily="34" charset="0"/>
-              </a:rPr>
-              <a:t> </a:t>
-            </a:r>
-            <a:r>
-              <a:rPr sz="1600" dirty="0">
-                <a:solidFill>
-                  <a:srgbClr val="0D0D0D"/>
-                </a:solidFill>
-                <a:latin typeface="Arial" panose="020B0604020202020204" pitchFamily="34" charset="0"/>
-                <a:cs typeface="Arial" panose="020B0604020202020204" pitchFamily="34" charset="0"/>
-              </a:rPr>
-              <a:t>skincare</a:t>
-            </a:r>
-            <a:r>
-              <a:rPr sz="1600" spc="-31" dirty="0">
-                <a:solidFill>
-                  <a:srgbClr val="0D0D0D"/>
-                </a:solidFill>
-                <a:latin typeface="Arial" panose="020B0604020202020204" pitchFamily="34" charset="0"/>
-                <a:cs typeface="Arial" panose="020B0604020202020204" pitchFamily="34" charset="0"/>
-              </a:rPr>
-              <a:t> </a:t>
-            </a:r>
-            <a:r>
-              <a:rPr sz="1600" dirty="0">
-                <a:solidFill>
-                  <a:srgbClr val="0D0D0D"/>
-                </a:solidFill>
-                <a:latin typeface="Arial" panose="020B0604020202020204" pitchFamily="34" charset="0"/>
-                <a:cs typeface="Arial" panose="020B0604020202020204" pitchFamily="34" charset="0"/>
-              </a:rPr>
-              <a:t>products,</a:t>
-            </a:r>
-            <a:r>
-              <a:rPr sz="1600" spc="-31" dirty="0">
-                <a:solidFill>
-                  <a:srgbClr val="0D0D0D"/>
-                </a:solidFill>
-                <a:latin typeface="Arial" panose="020B0604020202020204" pitchFamily="34" charset="0"/>
-                <a:cs typeface="Arial" panose="020B0604020202020204" pitchFamily="34" charset="0"/>
-              </a:rPr>
-              <a:t> </a:t>
-            </a:r>
-            <a:r>
-              <a:rPr sz="1600" dirty="0">
-                <a:solidFill>
-                  <a:srgbClr val="0D0D0D"/>
-                </a:solidFill>
-                <a:latin typeface="Arial" panose="020B0604020202020204" pitchFamily="34" charset="0"/>
-                <a:cs typeface="Arial" panose="020B0604020202020204" pitchFamily="34" charset="0"/>
-              </a:rPr>
-              <a:t>cosmetics,</a:t>
-            </a:r>
-            <a:r>
-              <a:rPr sz="1600" spc="-57" dirty="0">
-                <a:solidFill>
-                  <a:srgbClr val="0D0D0D"/>
-                </a:solidFill>
-                <a:latin typeface="Arial" panose="020B0604020202020204" pitchFamily="34" charset="0"/>
-                <a:cs typeface="Arial" panose="020B0604020202020204" pitchFamily="34" charset="0"/>
-              </a:rPr>
-              <a:t> </a:t>
-            </a:r>
-            <a:r>
-              <a:rPr sz="1600" dirty="0">
-                <a:solidFill>
-                  <a:srgbClr val="0D0D0D"/>
-                </a:solidFill>
-                <a:latin typeface="Arial" panose="020B0604020202020204" pitchFamily="34" charset="0"/>
-                <a:cs typeface="Arial" panose="020B0604020202020204" pitchFamily="34" charset="0"/>
-              </a:rPr>
-              <a:t>and</a:t>
-            </a:r>
-            <a:r>
-              <a:rPr sz="1600" spc="-31" dirty="0">
-                <a:solidFill>
-                  <a:srgbClr val="0D0D0D"/>
-                </a:solidFill>
-                <a:latin typeface="Arial" panose="020B0604020202020204" pitchFamily="34" charset="0"/>
-                <a:cs typeface="Arial" panose="020B0604020202020204" pitchFamily="34" charset="0"/>
-              </a:rPr>
-              <a:t> </a:t>
-            </a:r>
-            <a:r>
-              <a:rPr sz="1600" dirty="0">
-                <a:solidFill>
-                  <a:srgbClr val="0D0D0D"/>
-                </a:solidFill>
-                <a:latin typeface="Arial" panose="020B0604020202020204" pitchFamily="34" charset="0"/>
-                <a:cs typeface="Arial" panose="020B0604020202020204" pitchFamily="34" charset="0"/>
-              </a:rPr>
-              <a:t>home</a:t>
-            </a:r>
-            <a:r>
-              <a:rPr sz="1600" spc="-35" dirty="0">
-                <a:solidFill>
-                  <a:srgbClr val="0D0D0D"/>
-                </a:solidFill>
-                <a:latin typeface="Arial" panose="020B0604020202020204" pitchFamily="34" charset="0"/>
-                <a:cs typeface="Arial" panose="020B0604020202020204" pitchFamily="34" charset="0"/>
-              </a:rPr>
-              <a:t> </a:t>
-            </a:r>
-            <a:r>
-              <a:rPr sz="1600" dirty="0">
-                <a:solidFill>
-                  <a:srgbClr val="0D0D0D"/>
-                </a:solidFill>
-                <a:latin typeface="Arial" panose="020B0604020202020204" pitchFamily="34" charset="0"/>
-                <a:cs typeface="Arial" panose="020B0604020202020204" pitchFamily="34" charset="0"/>
-              </a:rPr>
-              <a:t>care</a:t>
-            </a:r>
-            <a:r>
-              <a:rPr sz="1600" spc="-31" dirty="0">
-                <a:solidFill>
-                  <a:srgbClr val="0D0D0D"/>
-                </a:solidFill>
-                <a:latin typeface="Arial" panose="020B0604020202020204" pitchFamily="34" charset="0"/>
-                <a:cs typeface="Arial" panose="020B0604020202020204" pitchFamily="34" charset="0"/>
-              </a:rPr>
-              <a:t> </a:t>
-            </a:r>
-            <a:r>
-              <a:rPr sz="1600" dirty="0">
-                <a:solidFill>
-                  <a:srgbClr val="0D0D0D"/>
-                </a:solidFill>
-                <a:latin typeface="Arial" panose="020B0604020202020204" pitchFamily="34" charset="0"/>
-                <a:cs typeface="Arial" panose="020B0604020202020204" pitchFamily="34" charset="0"/>
-              </a:rPr>
-              <a:t>items.</a:t>
-            </a:r>
-            <a:r>
-              <a:rPr sz="1600" spc="-31" dirty="0">
-                <a:solidFill>
-                  <a:srgbClr val="0D0D0D"/>
-                </a:solidFill>
-                <a:latin typeface="Arial" panose="020B0604020202020204" pitchFamily="34" charset="0"/>
-                <a:cs typeface="Arial" panose="020B0604020202020204" pitchFamily="34" charset="0"/>
-              </a:rPr>
-              <a:t> </a:t>
-            </a:r>
-            <a:r>
-              <a:rPr sz="1600" spc="-18" dirty="0">
-                <a:solidFill>
-                  <a:srgbClr val="0D0D0D"/>
-                </a:solidFill>
-                <a:latin typeface="Arial" panose="020B0604020202020204" pitchFamily="34" charset="0"/>
-                <a:cs typeface="Arial" panose="020B0604020202020204" pitchFamily="34" charset="0"/>
-              </a:rPr>
-              <a:t>Each </a:t>
-            </a:r>
-            <a:r>
-              <a:rPr sz="1600" dirty="0">
-                <a:solidFill>
-                  <a:srgbClr val="0D0D0D"/>
-                </a:solidFill>
-                <a:latin typeface="Arial" panose="020B0604020202020204" pitchFamily="34" charset="0"/>
-                <a:cs typeface="Arial" panose="020B0604020202020204" pitchFamily="34" charset="0"/>
-              </a:rPr>
-              <a:t>product</a:t>
-            </a:r>
-            <a:r>
-              <a:rPr sz="1600" spc="-13" dirty="0">
-                <a:solidFill>
-                  <a:srgbClr val="0D0D0D"/>
-                </a:solidFill>
-                <a:latin typeface="Arial" panose="020B0604020202020204" pitchFamily="34" charset="0"/>
-                <a:cs typeface="Arial" panose="020B0604020202020204" pitchFamily="34" charset="0"/>
-              </a:rPr>
-              <a:t> </a:t>
-            </a:r>
-            <a:r>
-              <a:rPr sz="1600" dirty="0">
-                <a:solidFill>
-                  <a:srgbClr val="0D0D0D"/>
-                </a:solidFill>
-                <a:latin typeface="Arial" panose="020B0604020202020204" pitchFamily="34" charset="0"/>
-                <a:cs typeface="Arial" panose="020B0604020202020204" pitchFamily="34" charset="0"/>
-              </a:rPr>
-              <a:t>listing</a:t>
-            </a:r>
-            <a:r>
-              <a:rPr sz="1600" spc="-18" dirty="0">
-                <a:solidFill>
-                  <a:srgbClr val="0D0D0D"/>
-                </a:solidFill>
-                <a:latin typeface="Arial" panose="020B0604020202020204" pitchFamily="34" charset="0"/>
-                <a:cs typeface="Arial" panose="020B0604020202020204" pitchFamily="34" charset="0"/>
-              </a:rPr>
-              <a:t> </a:t>
-            </a:r>
-            <a:r>
-              <a:rPr sz="1600" dirty="0">
-                <a:solidFill>
-                  <a:srgbClr val="0D0D0D"/>
-                </a:solidFill>
-                <a:latin typeface="Arial" panose="020B0604020202020204" pitchFamily="34" charset="0"/>
-                <a:cs typeface="Arial" panose="020B0604020202020204" pitchFamily="34" charset="0"/>
-              </a:rPr>
-              <a:t>usually</a:t>
-            </a:r>
-            <a:r>
-              <a:rPr sz="1600" spc="-44" dirty="0">
-                <a:solidFill>
-                  <a:srgbClr val="0D0D0D"/>
-                </a:solidFill>
-                <a:latin typeface="Arial" panose="020B0604020202020204" pitchFamily="34" charset="0"/>
-                <a:cs typeface="Arial" panose="020B0604020202020204" pitchFamily="34" charset="0"/>
-              </a:rPr>
-              <a:t> </a:t>
-            </a:r>
-            <a:r>
-              <a:rPr sz="1600" dirty="0">
-                <a:solidFill>
-                  <a:srgbClr val="0D0D0D"/>
-                </a:solidFill>
-                <a:latin typeface="Arial" panose="020B0604020202020204" pitchFamily="34" charset="0"/>
-                <a:cs typeface="Arial" panose="020B0604020202020204" pitchFamily="34" charset="0"/>
-              </a:rPr>
-              <a:t>includes</a:t>
-            </a:r>
-            <a:r>
-              <a:rPr sz="1600" spc="-18" dirty="0">
-                <a:solidFill>
-                  <a:srgbClr val="0D0D0D"/>
-                </a:solidFill>
-                <a:latin typeface="Arial" panose="020B0604020202020204" pitchFamily="34" charset="0"/>
-                <a:cs typeface="Arial" panose="020B0604020202020204" pitchFamily="34" charset="0"/>
-              </a:rPr>
-              <a:t> </a:t>
-            </a:r>
-            <a:r>
-              <a:rPr sz="1600" dirty="0">
-                <a:solidFill>
-                  <a:srgbClr val="0D0D0D"/>
-                </a:solidFill>
-                <a:latin typeface="Arial" panose="020B0604020202020204" pitchFamily="34" charset="0"/>
-                <a:cs typeface="Arial" panose="020B0604020202020204" pitchFamily="34" charset="0"/>
-              </a:rPr>
-              <a:t>detailed</a:t>
-            </a:r>
-            <a:r>
-              <a:rPr sz="1600" spc="-18" dirty="0">
-                <a:solidFill>
-                  <a:srgbClr val="0D0D0D"/>
-                </a:solidFill>
-                <a:latin typeface="Arial" panose="020B0604020202020204" pitchFamily="34" charset="0"/>
-                <a:cs typeface="Arial" panose="020B0604020202020204" pitchFamily="34" charset="0"/>
-              </a:rPr>
-              <a:t> </a:t>
-            </a:r>
-            <a:r>
-              <a:rPr sz="1600" spc="-9" dirty="0">
-                <a:solidFill>
-                  <a:srgbClr val="0D0D0D"/>
-                </a:solidFill>
-                <a:latin typeface="Arial" panose="020B0604020202020204" pitchFamily="34" charset="0"/>
-                <a:cs typeface="Arial" panose="020B0604020202020204" pitchFamily="34" charset="0"/>
-              </a:rPr>
-              <a:t>descriptions,</a:t>
-            </a:r>
-            <a:r>
-              <a:rPr sz="1600" spc="-22" dirty="0">
-                <a:solidFill>
-                  <a:srgbClr val="0D0D0D"/>
-                </a:solidFill>
-                <a:latin typeface="Arial" panose="020B0604020202020204" pitchFamily="34" charset="0"/>
-                <a:cs typeface="Arial" panose="020B0604020202020204" pitchFamily="34" charset="0"/>
-              </a:rPr>
-              <a:t> </a:t>
-            </a:r>
-            <a:r>
-              <a:rPr sz="1600" dirty="0">
-                <a:solidFill>
-                  <a:srgbClr val="0D0D0D"/>
-                </a:solidFill>
-                <a:latin typeface="Arial" panose="020B0604020202020204" pitchFamily="34" charset="0"/>
-                <a:cs typeface="Arial" panose="020B0604020202020204" pitchFamily="34" charset="0"/>
-              </a:rPr>
-              <a:t>pricing</a:t>
-            </a:r>
-            <a:r>
-              <a:rPr sz="1600" spc="-44" dirty="0">
-                <a:solidFill>
-                  <a:srgbClr val="0D0D0D"/>
-                </a:solidFill>
-                <a:latin typeface="Arial" panose="020B0604020202020204" pitchFamily="34" charset="0"/>
-                <a:cs typeface="Arial" panose="020B0604020202020204" pitchFamily="34" charset="0"/>
-              </a:rPr>
-              <a:t> </a:t>
-            </a:r>
-            <a:r>
-              <a:rPr sz="1600" dirty="0">
-                <a:solidFill>
-                  <a:srgbClr val="0D0D0D"/>
-                </a:solidFill>
-                <a:latin typeface="Arial" panose="020B0604020202020204" pitchFamily="34" charset="0"/>
-                <a:cs typeface="Arial" panose="020B0604020202020204" pitchFamily="34" charset="0"/>
-              </a:rPr>
-              <a:t>information,</a:t>
-            </a:r>
-            <a:r>
-              <a:rPr sz="1600" spc="-18" dirty="0">
-                <a:solidFill>
-                  <a:srgbClr val="0D0D0D"/>
-                </a:solidFill>
-                <a:latin typeface="Arial" panose="020B0604020202020204" pitchFamily="34" charset="0"/>
-                <a:cs typeface="Arial" panose="020B0604020202020204" pitchFamily="34" charset="0"/>
-              </a:rPr>
-              <a:t> </a:t>
-            </a:r>
-            <a:r>
-              <a:rPr sz="1600" spc="-22" dirty="0">
-                <a:solidFill>
-                  <a:srgbClr val="0D0D0D"/>
-                </a:solidFill>
-                <a:latin typeface="Arial" panose="020B0604020202020204" pitchFamily="34" charset="0"/>
-                <a:cs typeface="Arial" panose="020B0604020202020204" pitchFamily="34" charset="0"/>
-              </a:rPr>
-              <a:t>and </a:t>
-            </a:r>
-            <a:r>
-              <a:rPr sz="1600" dirty="0">
-                <a:solidFill>
-                  <a:srgbClr val="0D0D0D"/>
-                </a:solidFill>
-                <a:latin typeface="Arial" panose="020B0604020202020204" pitchFamily="34" charset="0"/>
-                <a:cs typeface="Arial" panose="020B0604020202020204" pitchFamily="34" charset="0"/>
-              </a:rPr>
-              <a:t>sometimes</a:t>
-            </a:r>
-            <a:r>
-              <a:rPr sz="1600" spc="-53" dirty="0">
-                <a:solidFill>
-                  <a:srgbClr val="0D0D0D"/>
-                </a:solidFill>
-                <a:latin typeface="Arial" panose="020B0604020202020204" pitchFamily="34" charset="0"/>
-                <a:cs typeface="Arial" panose="020B0604020202020204" pitchFamily="34" charset="0"/>
-              </a:rPr>
-              <a:t> </a:t>
-            </a:r>
-            <a:r>
-              <a:rPr sz="1600" dirty="0">
-                <a:solidFill>
-                  <a:srgbClr val="0D0D0D"/>
-                </a:solidFill>
-                <a:latin typeface="Arial" panose="020B0604020202020204" pitchFamily="34" charset="0"/>
-                <a:cs typeface="Arial" panose="020B0604020202020204" pitchFamily="34" charset="0"/>
-              </a:rPr>
-              <a:t>testimonials</a:t>
-            </a:r>
-            <a:r>
-              <a:rPr sz="1600" spc="-31" dirty="0">
-                <a:solidFill>
-                  <a:srgbClr val="0D0D0D"/>
-                </a:solidFill>
-                <a:latin typeface="Arial" panose="020B0604020202020204" pitchFamily="34" charset="0"/>
-                <a:cs typeface="Arial" panose="020B0604020202020204" pitchFamily="34" charset="0"/>
-              </a:rPr>
-              <a:t> </a:t>
-            </a:r>
-            <a:r>
-              <a:rPr sz="1600" dirty="0">
-                <a:solidFill>
-                  <a:srgbClr val="0D0D0D"/>
-                </a:solidFill>
-                <a:latin typeface="Arial" panose="020B0604020202020204" pitchFamily="34" charset="0"/>
-                <a:cs typeface="Arial" panose="020B0604020202020204" pitchFamily="34" charset="0"/>
-              </a:rPr>
-              <a:t>from</a:t>
-            </a:r>
-            <a:r>
-              <a:rPr sz="1600" spc="-31" dirty="0">
-                <a:solidFill>
-                  <a:srgbClr val="0D0D0D"/>
-                </a:solidFill>
-                <a:latin typeface="Arial" panose="020B0604020202020204" pitchFamily="34" charset="0"/>
-                <a:cs typeface="Arial" panose="020B0604020202020204" pitchFamily="34" charset="0"/>
-              </a:rPr>
-              <a:t> </a:t>
-            </a:r>
-            <a:r>
-              <a:rPr sz="1600" dirty="0">
-                <a:solidFill>
-                  <a:srgbClr val="0D0D0D"/>
-                </a:solidFill>
-                <a:latin typeface="Arial" panose="020B0604020202020204" pitchFamily="34" charset="0"/>
-                <a:cs typeface="Arial" panose="020B0604020202020204" pitchFamily="34" charset="0"/>
-              </a:rPr>
-              <a:t>satisfied</a:t>
-            </a:r>
-            <a:r>
-              <a:rPr sz="1600" spc="-35" dirty="0">
-                <a:solidFill>
-                  <a:srgbClr val="0D0D0D"/>
-                </a:solidFill>
-                <a:latin typeface="Arial" panose="020B0604020202020204" pitchFamily="34" charset="0"/>
-                <a:cs typeface="Arial" panose="020B0604020202020204" pitchFamily="34" charset="0"/>
-              </a:rPr>
-              <a:t> </a:t>
-            </a:r>
-            <a:r>
-              <a:rPr sz="1600" dirty="0">
-                <a:solidFill>
-                  <a:srgbClr val="0D0D0D"/>
-                </a:solidFill>
-                <a:latin typeface="Arial" panose="020B0604020202020204" pitchFamily="34" charset="0"/>
-                <a:cs typeface="Arial" panose="020B0604020202020204" pitchFamily="34" charset="0"/>
-              </a:rPr>
-              <a:t>customers</a:t>
-            </a:r>
-            <a:r>
-              <a:rPr sz="1600" spc="-31" dirty="0">
-                <a:solidFill>
-                  <a:srgbClr val="0D0D0D"/>
-                </a:solidFill>
-                <a:latin typeface="Arial" panose="020B0604020202020204" pitchFamily="34" charset="0"/>
-                <a:cs typeface="Arial" panose="020B0604020202020204" pitchFamily="34" charset="0"/>
-              </a:rPr>
-              <a:t> </a:t>
-            </a:r>
-            <a:r>
-              <a:rPr sz="1600" dirty="0">
-                <a:solidFill>
-                  <a:srgbClr val="0D0D0D"/>
-                </a:solidFill>
-                <a:latin typeface="Arial" panose="020B0604020202020204" pitchFamily="34" charset="0"/>
-                <a:cs typeface="Arial" panose="020B0604020202020204" pitchFamily="34" charset="0"/>
-              </a:rPr>
-              <a:t>or</a:t>
-            </a:r>
-            <a:r>
-              <a:rPr sz="1600" spc="-31" dirty="0">
-                <a:solidFill>
-                  <a:srgbClr val="0D0D0D"/>
-                </a:solidFill>
-                <a:latin typeface="Arial" panose="020B0604020202020204" pitchFamily="34" charset="0"/>
-                <a:cs typeface="Arial" panose="020B0604020202020204" pitchFamily="34" charset="0"/>
-              </a:rPr>
-              <a:t> </a:t>
-            </a:r>
-            <a:r>
-              <a:rPr sz="1600" spc="-9" dirty="0">
-                <a:solidFill>
-                  <a:srgbClr val="0D0D0D"/>
-                </a:solidFill>
-                <a:latin typeface="Arial" panose="020B0604020202020204" pitchFamily="34" charset="0"/>
-                <a:cs typeface="Arial" panose="020B0604020202020204" pitchFamily="34" charset="0"/>
-              </a:rPr>
-              <a:t>distributors.</a:t>
-            </a:r>
-            <a:endParaRPr sz="1600" dirty="0">
-              <a:latin typeface="Arial" panose="020B0604020202020204" pitchFamily="34" charset="0"/>
-              <a:cs typeface="Arial" panose="020B0604020202020204" pitchFamily="34" charset="0"/>
-            </a:endParaRPr>
-          </a:p>
-          <a:p>
-            <a:pPr>
-              <a:lnSpc>
-                <a:spcPct val="100000"/>
-              </a:lnSpc>
-            </a:pPr>
-            <a:endParaRPr sz="1600" dirty="0">
+              <a:t>Vestige Marketing System is a direct selling company offering health, wellness, and personal care products. It follows a network marketing model, where independent distributors sell products directly to customers. The company’s website features product catalogs, including dietary supplements, skincare, cosmetics, and home care items. Each product has descriptions, pricing, and sometimes customer testimonials.</a:t>
+            </a:r>
+            <a:endParaRPr dirty="0">
               <a:latin typeface="Times New Roman"/>
               <a:cs typeface="Times New Roman"/>
             </a:endParaRPr>
@@ -8634,21 +6869,20 @@
                 <a:spcPts val="1107"/>
               </a:spcBef>
             </a:pPr>
-            <a:endParaRPr sz="1600" dirty="0">
+            <a:endParaRPr dirty="0">
               <a:latin typeface="Times New Roman"/>
               <a:cs typeface="Times New Roman"/>
             </a:endParaRPr>
           </a:p>
           <a:p>
-            <a:pPr marL="156891" indent="-120470">
+            <a:pPr marL="36421">
               <a:buSzPct val="92857"/>
-              <a:buAutoNum type="arabicPeriod"/>
               <a:tabLst>
                 <a:tab pos="156891" algn="l"/>
               </a:tabLst>
             </a:pPr>
             <a:r>
-              <a:rPr sz="1600" b="1" spc="-9" dirty="0">
+              <a:rPr b="1" spc="-9" dirty="0">
                 <a:solidFill>
                   <a:srgbClr val="3076A4"/>
                 </a:solidFill>
@@ -8657,7 +6891,7 @@
               </a:rPr>
               <a:t>Objective:-</a:t>
             </a:r>
-            <a:endParaRPr sz="1600" dirty="0">
+            <a:endParaRPr dirty="0">
               <a:solidFill>
                 <a:srgbClr val="3076A4"/>
               </a:solidFill>
@@ -8676,111 +6910,111 @@
               </a:tabLst>
             </a:pPr>
             <a:r>
-              <a:rPr sz="1600" dirty="0">
+              <a:rPr dirty="0">
                 <a:latin typeface="Arial" panose="020B0604020202020204" pitchFamily="34" charset="0"/>
                 <a:cs typeface="Arial" panose="020B0604020202020204" pitchFamily="34" charset="0"/>
               </a:rPr>
               <a:t>It</a:t>
             </a:r>
             <a:r>
-              <a:rPr sz="1600" spc="-44" dirty="0">
+              <a:rPr spc="-44" dirty="0">
                 <a:latin typeface="Arial" panose="020B0604020202020204" pitchFamily="34" charset="0"/>
                 <a:cs typeface="Arial" panose="020B0604020202020204" pitchFamily="34" charset="0"/>
               </a:rPr>
               <a:t> </a:t>
             </a:r>
             <a:r>
-              <a:rPr sz="1600" dirty="0">
+              <a:rPr dirty="0">
                 <a:latin typeface="Arial" panose="020B0604020202020204" pitchFamily="34" charset="0"/>
                 <a:cs typeface="Arial" panose="020B0604020202020204" pitchFamily="34" charset="0"/>
               </a:rPr>
               <a:t>takes</a:t>
             </a:r>
             <a:r>
-              <a:rPr sz="1600" spc="-18" dirty="0">
+              <a:rPr spc="-18" dirty="0">
                 <a:latin typeface="Arial" panose="020B0604020202020204" pitchFamily="34" charset="0"/>
                 <a:cs typeface="Arial" panose="020B0604020202020204" pitchFamily="34" charset="0"/>
               </a:rPr>
               <a:t> </a:t>
             </a:r>
             <a:r>
-              <a:rPr sz="1600" dirty="0">
+              <a:rPr dirty="0">
                 <a:latin typeface="Arial" panose="020B0604020202020204" pitchFamily="34" charset="0"/>
                 <a:cs typeface="Arial" panose="020B0604020202020204" pitchFamily="34" charset="0"/>
               </a:rPr>
               <a:t>various</a:t>
             </a:r>
             <a:r>
-              <a:rPr sz="1600" spc="-22" dirty="0">
+              <a:rPr spc="-22" dirty="0">
                 <a:latin typeface="Arial" panose="020B0604020202020204" pitchFamily="34" charset="0"/>
                 <a:cs typeface="Arial" panose="020B0604020202020204" pitchFamily="34" charset="0"/>
               </a:rPr>
               <a:t> </a:t>
             </a:r>
             <a:r>
-              <a:rPr sz="1600" dirty="0">
+              <a:rPr dirty="0">
                 <a:latin typeface="Arial" panose="020B0604020202020204" pitchFamily="34" charset="0"/>
                 <a:cs typeface="Arial" panose="020B0604020202020204" pitchFamily="34" charset="0"/>
               </a:rPr>
               <a:t>product</a:t>
             </a:r>
             <a:r>
-              <a:rPr sz="1600" spc="-18" dirty="0">
+              <a:rPr spc="-18" dirty="0">
                 <a:latin typeface="Arial" panose="020B0604020202020204" pitchFamily="34" charset="0"/>
                 <a:cs typeface="Arial" panose="020B0604020202020204" pitchFamily="34" charset="0"/>
               </a:rPr>
               <a:t> </a:t>
             </a:r>
             <a:r>
-              <a:rPr sz="1600" dirty="0">
+              <a:rPr dirty="0">
                 <a:latin typeface="Arial" panose="020B0604020202020204" pitchFamily="34" charset="0"/>
                 <a:cs typeface="Arial" panose="020B0604020202020204" pitchFamily="34" charset="0"/>
               </a:rPr>
               <a:t>showcase</a:t>
             </a:r>
             <a:r>
-              <a:rPr sz="1600" spc="-22" dirty="0">
+              <a:rPr spc="-22" dirty="0">
                 <a:latin typeface="Arial" panose="020B0604020202020204" pitchFamily="34" charset="0"/>
                 <a:cs typeface="Arial" panose="020B0604020202020204" pitchFamily="34" charset="0"/>
               </a:rPr>
               <a:t> </a:t>
             </a:r>
             <a:r>
-              <a:rPr sz="1600" dirty="0">
+              <a:rPr dirty="0">
                 <a:latin typeface="Arial" panose="020B0604020202020204" pitchFamily="34" charset="0"/>
                 <a:cs typeface="Arial" panose="020B0604020202020204" pitchFamily="34" charset="0"/>
               </a:rPr>
               <a:t>on</a:t>
             </a:r>
             <a:r>
-              <a:rPr sz="1600" spc="-26" dirty="0">
+              <a:rPr spc="-26" dirty="0">
                 <a:latin typeface="Arial" panose="020B0604020202020204" pitchFamily="34" charset="0"/>
                 <a:cs typeface="Arial" panose="020B0604020202020204" pitchFamily="34" charset="0"/>
               </a:rPr>
               <a:t> </a:t>
             </a:r>
             <a:r>
-              <a:rPr sz="1600" dirty="0">
+              <a:rPr dirty="0">
                 <a:latin typeface="Arial" panose="020B0604020202020204" pitchFamily="34" charset="0"/>
                 <a:cs typeface="Arial" panose="020B0604020202020204" pitchFamily="34" charset="0"/>
               </a:rPr>
               <a:t>the</a:t>
             </a:r>
             <a:r>
-              <a:rPr sz="1600" spc="-26" dirty="0">
+              <a:rPr spc="-26" dirty="0">
                 <a:latin typeface="Arial" panose="020B0604020202020204" pitchFamily="34" charset="0"/>
                 <a:cs typeface="Arial" panose="020B0604020202020204" pitchFamily="34" charset="0"/>
               </a:rPr>
               <a:t> </a:t>
             </a:r>
             <a:r>
-              <a:rPr sz="1600" spc="-9" dirty="0">
+              <a:rPr spc="-9" dirty="0">
                 <a:latin typeface="Arial" panose="020B0604020202020204" pitchFamily="34" charset="0"/>
                 <a:cs typeface="Arial" panose="020B0604020202020204" pitchFamily="34" charset="0"/>
               </a:rPr>
               <a:t>website.</a:t>
             </a:r>
-            <a:endParaRPr sz="1600" dirty="0">
+            <a:endParaRPr dirty="0">
               <a:latin typeface="Arial" panose="020B0604020202020204" pitchFamily="34" charset="0"/>
               <a:cs typeface="Arial" panose="020B0604020202020204" pitchFamily="34" charset="0"/>
             </a:endParaRPr>
@@ -8796,125 +7030,125 @@
               </a:tabLst>
             </a:pPr>
             <a:r>
-              <a:rPr sz="1600" dirty="0">
+              <a:rPr dirty="0">
                 <a:latin typeface="Arial" panose="020B0604020202020204" pitchFamily="34" charset="0"/>
                 <a:cs typeface="Arial" panose="020B0604020202020204" pitchFamily="34" charset="0"/>
               </a:rPr>
               <a:t>This</a:t>
             </a:r>
             <a:r>
-              <a:rPr sz="1600" spc="-18" dirty="0">
+              <a:rPr spc="-18" dirty="0">
                 <a:latin typeface="Arial" panose="020B0604020202020204" pitchFamily="34" charset="0"/>
                 <a:cs typeface="Arial" panose="020B0604020202020204" pitchFamily="34" charset="0"/>
               </a:rPr>
               <a:t> </a:t>
             </a:r>
             <a:r>
-              <a:rPr sz="1600" dirty="0">
+              <a:rPr dirty="0">
                 <a:latin typeface="Arial" panose="020B0604020202020204" pitchFamily="34" charset="0"/>
                 <a:cs typeface="Arial" panose="020B0604020202020204" pitchFamily="34" charset="0"/>
               </a:rPr>
               <a:t>system</a:t>
             </a:r>
             <a:r>
-              <a:rPr sz="1600" spc="-26" dirty="0">
+              <a:rPr spc="-26" dirty="0">
                 <a:latin typeface="Arial" panose="020B0604020202020204" pitchFamily="34" charset="0"/>
                 <a:cs typeface="Arial" panose="020B0604020202020204" pitchFamily="34" charset="0"/>
               </a:rPr>
               <a:t> </a:t>
             </a:r>
             <a:r>
-              <a:rPr sz="1600" dirty="0">
+              <a:rPr dirty="0">
                 <a:latin typeface="Arial" panose="020B0604020202020204" pitchFamily="34" charset="0"/>
                 <a:cs typeface="Arial" panose="020B0604020202020204" pitchFamily="34" charset="0"/>
               </a:rPr>
               <a:t>is</a:t>
             </a:r>
             <a:r>
-              <a:rPr sz="1600" spc="-13" dirty="0">
+              <a:rPr spc="-13" dirty="0">
                 <a:latin typeface="Arial" panose="020B0604020202020204" pitchFamily="34" charset="0"/>
                 <a:cs typeface="Arial" panose="020B0604020202020204" pitchFamily="34" charset="0"/>
               </a:rPr>
               <a:t> </a:t>
             </a:r>
             <a:r>
-              <a:rPr sz="1600" dirty="0">
+              <a:rPr dirty="0">
                 <a:latin typeface="Arial" panose="020B0604020202020204" pitchFamily="34" charset="0"/>
                 <a:cs typeface="Arial" panose="020B0604020202020204" pitchFamily="34" charset="0"/>
               </a:rPr>
               <a:t>helpful</a:t>
             </a:r>
             <a:r>
-              <a:rPr sz="1600" spc="-31" dirty="0">
+              <a:rPr spc="-31" dirty="0">
                 <a:latin typeface="Arial" panose="020B0604020202020204" pitchFamily="34" charset="0"/>
                 <a:cs typeface="Arial" panose="020B0604020202020204" pitchFamily="34" charset="0"/>
               </a:rPr>
               <a:t> </a:t>
             </a:r>
             <a:r>
-              <a:rPr sz="1600" dirty="0">
+              <a:rPr dirty="0">
                 <a:latin typeface="Arial" panose="020B0604020202020204" pitchFamily="34" charset="0"/>
                 <a:cs typeface="Arial" panose="020B0604020202020204" pitchFamily="34" charset="0"/>
               </a:rPr>
               <a:t>for</a:t>
             </a:r>
             <a:r>
-              <a:rPr sz="1600" spc="13" dirty="0">
+              <a:rPr spc="13" dirty="0">
                 <a:latin typeface="Arial" panose="020B0604020202020204" pitchFamily="34" charset="0"/>
                 <a:cs typeface="Arial" panose="020B0604020202020204" pitchFamily="34" charset="0"/>
               </a:rPr>
               <a:t> </a:t>
             </a:r>
             <a:r>
-              <a:rPr sz="1600" dirty="0">
+              <a:rPr dirty="0">
                 <a:latin typeface="Arial" panose="020B0604020202020204" pitchFamily="34" charset="0"/>
                 <a:cs typeface="Arial" panose="020B0604020202020204" pitchFamily="34" charset="0"/>
               </a:rPr>
               <a:t>all</a:t>
             </a:r>
             <a:r>
-              <a:rPr sz="1600" spc="291" dirty="0">
+              <a:rPr spc="291" dirty="0">
                 <a:latin typeface="Arial" panose="020B0604020202020204" pitchFamily="34" charset="0"/>
                 <a:cs typeface="Arial" panose="020B0604020202020204" pitchFamily="34" charset="0"/>
               </a:rPr>
               <a:t> </a:t>
             </a:r>
             <a:r>
-              <a:rPr sz="1600" dirty="0">
+              <a:rPr dirty="0">
                 <a:latin typeface="Arial" panose="020B0604020202020204" pitchFamily="34" charset="0"/>
                 <a:cs typeface="Arial" panose="020B0604020202020204" pitchFamily="34" charset="0"/>
               </a:rPr>
               <a:t>categories</a:t>
             </a:r>
             <a:r>
-              <a:rPr sz="1600" spc="-13" dirty="0">
+              <a:rPr spc="-13" dirty="0">
                 <a:latin typeface="Arial" panose="020B0604020202020204" pitchFamily="34" charset="0"/>
                 <a:cs typeface="Arial" panose="020B0604020202020204" pitchFamily="34" charset="0"/>
               </a:rPr>
               <a:t> </a:t>
             </a:r>
             <a:r>
-              <a:rPr sz="1600" dirty="0">
+              <a:rPr dirty="0">
                 <a:latin typeface="Arial" panose="020B0604020202020204" pitchFamily="34" charset="0"/>
                 <a:cs typeface="Arial" panose="020B0604020202020204" pitchFamily="34" charset="0"/>
               </a:rPr>
               <a:t>of</a:t>
             </a:r>
             <a:r>
-              <a:rPr sz="1600" spc="-26" dirty="0">
+              <a:rPr spc="-26" dirty="0">
                 <a:latin typeface="Arial" panose="020B0604020202020204" pitchFamily="34" charset="0"/>
                 <a:cs typeface="Arial" panose="020B0604020202020204" pitchFamily="34" charset="0"/>
               </a:rPr>
               <a:t> </a:t>
             </a:r>
             <a:r>
-              <a:rPr sz="1600" spc="-9" dirty="0">
+              <a:rPr spc="-9" dirty="0">
                 <a:latin typeface="Arial" panose="020B0604020202020204" pitchFamily="34" charset="0"/>
                 <a:cs typeface="Arial" panose="020B0604020202020204" pitchFamily="34" charset="0"/>
               </a:rPr>
               <a:t>customer’s.</a:t>
             </a:r>
-            <a:endParaRPr sz="1600" dirty="0">
+            <a:endParaRPr dirty="0">
               <a:latin typeface="Arial" panose="020B0604020202020204" pitchFamily="34" charset="0"/>
               <a:cs typeface="Arial" panose="020B0604020202020204" pitchFamily="34" charset="0"/>
             </a:endParaRPr>
@@ -8930,69 +7164,69 @@
               </a:tabLst>
             </a:pPr>
             <a:r>
-              <a:rPr sz="1600" dirty="0">
+              <a:rPr dirty="0">
                 <a:latin typeface="Arial" panose="020B0604020202020204" pitchFamily="34" charset="0"/>
                 <a:cs typeface="Arial" panose="020B0604020202020204" pitchFamily="34" charset="0"/>
               </a:rPr>
               <a:t>It</a:t>
             </a:r>
             <a:r>
-              <a:rPr sz="1600" spc="-35" dirty="0">
+              <a:rPr spc="-35" dirty="0">
                 <a:latin typeface="Arial" panose="020B0604020202020204" pitchFamily="34" charset="0"/>
                 <a:cs typeface="Arial" panose="020B0604020202020204" pitchFamily="34" charset="0"/>
               </a:rPr>
               <a:t> </a:t>
             </a:r>
             <a:r>
-              <a:rPr sz="1600" dirty="0">
+              <a:rPr dirty="0">
                 <a:latin typeface="Arial" panose="020B0604020202020204" pitchFamily="34" charset="0"/>
                 <a:cs typeface="Arial" panose="020B0604020202020204" pitchFamily="34" charset="0"/>
               </a:rPr>
               <a:t>take</a:t>
             </a:r>
             <a:r>
-              <a:rPr sz="1600" spc="-13" dirty="0">
+              <a:rPr spc="-13" dirty="0">
                 <a:latin typeface="Arial" panose="020B0604020202020204" pitchFamily="34" charset="0"/>
                 <a:cs typeface="Arial" panose="020B0604020202020204" pitchFamily="34" charset="0"/>
               </a:rPr>
               <a:t> </a:t>
             </a:r>
             <a:r>
-              <a:rPr sz="1600" dirty="0">
+              <a:rPr dirty="0">
                 <a:latin typeface="Arial" panose="020B0604020202020204" pitchFamily="34" charset="0"/>
                 <a:cs typeface="Arial" panose="020B0604020202020204" pitchFamily="34" charset="0"/>
               </a:rPr>
               <a:t>less</a:t>
             </a:r>
             <a:r>
-              <a:rPr sz="1600" spc="-18" dirty="0">
+              <a:rPr spc="-18" dirty="0">
                 <a:latin typeface="Arial" panose="020B0604020202020204" pitchFamily="34" charset="0"/>
                 <a:cs typeface="Arial" panose="020B0604020202020204" pitchFamily="34" charset="0"/>
               </a:rPr>
               <a:t> </a:t>
             </a:r>
             <a:r>
-              <a:rPr sz="1600" dirty="0">
+              <a:rPr dirty="0">
                 <a:latin typeface="Arial" panose="020B0604020202020204" pitchFamily="34" charset="0"/>
                 <a:cs typeface="Arial" panose="020B0604020202020204" pitchFamily="34" charset="0"/>
               </a:rPr>
               <a:t>processing</a:t>
             </a:r>
             <a:r>
-              <a:rPr sz="1600" spc="-44" dirty="0">
+              <a:rPr spc="-44" dirty="0">
                 <a:latin typeface="Arial" panose="020B0604020202020204" pitchFamily="34" charset="0"/>
                 <a:cs typeface="Arial" panose="020B0604020202020204" pitchFamily="34" charset="0"/>
               </a:rPr>
               <a:t> </a:t>
             </a:r>
             <a:r>
-              <a:rPr sz="1600" spc="-9" dirty="0">
+              <a:rPr spc="-9" dirty="0">
                 <a:latin typeface="Arial" panose="020B0604020202020204" pitchFamily="34" charset="0"/>
                 <a:cs typeface="Arial" panose="020B0604020202020204" pitchFamily="34" charset="0"/>
               </a:rPr>
               <a:t>time.</a:t>
             </a:r>
-            <a:endParaRPr sz="1600" dirty="0">
+            <a:endParaRPr dirty="0">
               <a:latin typeface="Arial" panose="020B0604020202020204" pitchFamily="34" charset="0"/>
               <a:cs typeface="Arial" panose="020B0604020202020204" pitchFamily="34" charset="0"/>
             </a:endParaRPr>
@@ -9008,125 +7242,125 @@
               </a:tabLst>
             </a:pPr>
             <a:r>
-              <a:rPr sz="1600" dirty="0">
+              <a:rPr dirty="0">
                 <a:latin typeface="Arial" panose="020B0604020202020204" pitchFamily="34" charset="0"/>
                 <a:cs typeface="Arial" panose="020B0604020202020204" pitchFamily="34" charset="0"/>
               </a:rPr>
               <a:t>To</a:t>
             </a:r>
             <a:r>
-              <a:rPr sz="1600" spc="-18" dirty="0">
+              <a:rPr spc="-18" dirty="0">
                 <a:latin typeface="Arial" panose="020B0604020202020204" pitchFamily="34" charset="0"/>
                 <a:cs typeface="Arial" panose="020B0604020202020204" pitchFamily="34" charset="0"/>
               </a:rPr>
               <a:t> </a:t>
             </a:r>
             <a:r>
-              <a:rPr sz="1600" dirty="0">
+              <a:rPr dirty="0">
                 <a:latin typeface="Arial" panose="020B0604020202020204" pitchFamily="34" charset="0"/>
                 <a:cs typeface="Arial" panose="020B0604020202020204" pitchFamily="34" charset="0"/>
               </a:rPr>
               <a:t>provide</a:t>
             </a:r>
             <a:r>
-              <a:rPr sz="1600" spc="282" dirty="0">
+              <a:rPr spc="282" dirty="0">
                 <a:latin typeface="Arial" panose="020B0604020202020204" pitchFamily="34" charset="0"/>
                 <a:cs typeface="Arial" panose="020B0604020202020204" pitchFamily="34" charset="0"/>
               </a:rPr>
               <a:t> </a:t>
             </a:r>
             <a:r>
-              <a:rPr sz="1600" dirty="0">
+              <a:rPr dirty="0">
                 <a:latin typeface="Arial" panose="020B0604020202020204" pitchFamily="34" charset="0"/>
                 <a:cs typeface="Arial" panose="020B0604020202020204" pitchFamily="34" charset="0"/>
               </a:rPr>
               <a:t>healthy</a:t>
             </a:r>
             <a:r>
-              <a:rPr sz="1600" spc="-4" dirty="0">
+              <a:rPr spc="-4" dirty="0">
                 <a:latin typeface="Arial" panose="020B0604020202020204" pitchFamily="34" charset="0"/>
                 <a:cs typeface="Arial" panose="020B0604020202020204" pitchFamily="34" charset="0"/>
               </a:rPr>
               <a:t> </a:t>
             </a:r>
             <a:r>
-              <a:rPr sz="1600" dirty="0">
+              <a:rPr dirty="0">
                 <a:latin typeface="Arial" panose="020B0604020202020204" pitchFamily="34" charset="0"/>
                 <a:cs typeface="Arial" panose="020B0604020202020204" pitchFamily="34" charset="0"/>
               </a:rPr>
               <a:t>and</a:t>
             </a:r>
             <a:r>
-              <a:rPr sz="1600" spc="-13" dirty="0">
+              <a:rPr spc="-13" dirty="0">
                 <a:latin typeface="Arial" panose="020B0604020202020204" pitchFamily="34" charset="0"/>
                 <a:cs typeface="Arial" panose="020B0604020202020204" pitchFamily="34" charset="0"/>
               </a:rPr>
               <a:t> </a:t>
             </a:r>
             <a:r>
-              <a:rPr sz="1600" dirty="0">
+              <a:rPr dirty="0">
                 <a:latin typeface="Arial" panose="020B0604020202020204" pitchFamily="34" charset="0"/>
                 <a:cs typeface="Arial" panose="020B0604020202020204" pitchFamily="34" charset="0"/>
               </a:rPr>
               <a:t>best</a:t>
             </a:r>
             <a:r>
-              <a:rPr sz="1600" spc="-4" dirty="0">
+              <a:rPr spc="-4" dirty="0">
                 <a:latin typeface="Arial" panose="020B0604020202020204" pitchFamily="34" charset="0"/>
                 <a:cs typeface="Arial" panose="020B0604020202020204" pitchFamily="34" charset="0"/>
               </a:rPr>
               <a:t> </a:t>
             </a:r>
             <a:r>
-              <a:rPr sz="1600" dirty="0">
+              <a:rPr dirty="0">
                 <a:latin typeface="Arial" panose="020B0604020202020204" pitchFamily="34" charset="0"/>
                 <a:cs typeface="Arial" panose="020B0604020202020204" pitchFamily="34" charset="0"/>
               </a:rPr>
               <a:t>product</a:t>
             </a:r>
             <a:r>
-              <a:rPr sz="1600" spc="-26" dirty="0">
+              <a:rPr spc="-26" dirty="0">
                 <a:latin typeface="Arial" panose="020B0604020202020204" pitchFamily="34" charset="0"/>
                 <a:cs typeface="Arial" panose="020B0604020202020204" pitchFamily="34" charset="0"/>
               </a:rPr>
               <a:t> </a:t>
             </a:r>
             <a:r>
-              <a:rPr sz="1600" dirty="0">
+              <a:rPr dirty="0">
                 <a:latin typeface="Arial" panose="020B0604020202020204" pitchFamily="34" charset="0"/>
                 <a:cs typeface="Arial" panose="020B0604020202020204" pitchFamily="34" charset="0"/>
               </a:rPr>
               <a:t>to</a:t>
             </a:r>
             <a:r>
-              <a:rPr sz="1600" spc="-13" dirty="0">
+              <a:rPr spc="-13" dirty="0">
                 <a:latin typeface="Arial" panose="020B0604020202020204" pitchFamily="34" charset="0"/>
                 <a:cs typeface="Arial" panose="020B0604020202020204" pitchFamily="34" charset="0"/>
               </a:rPr>
               <a:t> </a:t>
             </a:r>
             <a:r>
-              <a:rPr sz="1600" dirty="0">
+              <a:rPr dirty="0">
                 <a:latin typeface="Arial" panose="020B0604020202020204" pitchFamily="34" charset="0"/>
                 <a:cs typeface="Arial" panose="020B0604020202020204" pitchFamily="34" charset="0"/>
               </a:rPr>
               <a:t>the</a:t>
             </a:r>
             <a:r>
-              <a:rPr sz="1600" spc="-22" dirty="0">
+              <a:rPr spc="-22" dirty="0">
                 <a:latin typeface="Arial" panose="020B0604020202020204" pitchFamily="34" charset="0"/>
                 <a:cs typeface="Arial" panose="020B0604020202020204" pitchFamily="34" charset="0"/>
               </a:rPr>
               <a:t> </a:t>
             </a:r>
             <a:r>
-              <a:rPr sz="1600" spc="-9" dirty="0">
+              <a:rPr spc="-9" dirty="0">
                 <a:latin typeface="Arial" panose="020B0604020202020204" pitchFamily="34" charset="0"/>
                 <a:cs typeface="Arial" panose="020B0604020202020204" pitchFamily="34" charset="0"/>
               </a:rPr>
               <a:t>customer.</a:t>
             </a:r>
-            <a:endParaRPr sz="1600" dirty="0">
+            <a:endParaRPr dirty="0">
               <a:latin typeface="Arial" panose="020B0604020202020204" pitchFamily="34" charset="0"/>
               <a:cs typeface="Arial" panose="020B0604020202020204" pitchFamily="34" charset="0"/>
             </a:endParaRPr>
@@ -9211,8 +7445,8 @@
         </p:nvSpPr>
         <p:spPr>
           <a:xfrm>
-            <a:off x="1589817" y="645541"/>
-            <a:ext cx="6761081" cy="3525547"/>
+            <a:off x="1720445" y="729516"/>
+            <a:ext cx="6761081" cy="3169103"/>
           </a:xfrm>
           <a:prstGeom prst="rect">
             <a:avLst/>
@@ -9350,55 +7584,55 @@
               </a:tabLst>
             </a:pPr>
             <a:r>
-              <a:rPr sz="1600" dirty="0">
+              <a:rPr dirty="0">
                 <a:latin typeface="Arial" panose="020B0604020202020204" pitchFamily="34" charset="0"/>
                 <a:cs typeface="Arial" panose="020B0604020202020204" pitchFamily="34" charset="0"/>
               </a:rPr>
               <a:t>It</a:t>
             </a:r>
             <a:r>
-              <a:rPr sz="1600" spc="-31" dirty="0">
+              <a:rPr spc="-31" dirty="0">
                 <a:latin typeface="Arial" panose="020B0604020202020204" pitchFamily="34" charset="0"/>
                 <a:cs typeface="Arial" panose="020B0604020202020204" pitchFamily="34" charset="0"/>
               </a:rPr>
               <a:t> </a:t>
             </a:r>
             <a:r>
-              <a:rPr sz="1600" dirty="0">
+              <a:rPr dirty="0">
                 <a:latin typeface="Arial" panose="020B0604020202020204" pitchFamily="34" charset="0"/>
                 <a:cs typeface="Arial" panose="020B0604020202020204" pitchFamily="34" charset="0"/>
               </a:rPr>
               <a:t>provide</a:t>
             </a:r>
             <a:r>
-              <a:rPr sz="1600" spc="-40" dirty="0">
+              <a:rPr spc="-40" dirty="0">
                 <a:latin typeface="Arial" panose="020B0604020202020204" pitchFamily="34" charset="0"/>
                 <a:cs typeface="Arial" panose="020B0604020202020204" pitchFamily="34" charset="0"/>
               </a:rPr>
               <a:t> </a:t>
             </a:r>
             <a:r>
-              <a:rPr sz="1600" dirty="0">
+              <a:rPr dirty="0">
                 <a:latin typeface="Arial" panose="020B0604020202020204" pitchFamily="34" charset="0"/>
                 <a:cs typeface="Arial" panose="020B0604020202020204" pitchFamily="34" charset="0"/>
               </a:rPr>
               <a:t>high</a:t>
             </a:r>
             <a:r>
-              <a:rPr sz="1600" spc="-31" dirty="0">
+              <a:rPr spc="-31" dirty="0">
                 <a:latin typeface="Arial" panose="020B0604020202020204" pitchFamily="34" charset="0"/>
                 <a:cs typeface="Arial" panose="020B0604020202020204" pitchFamily="34" charset="0"/>
               </a:rPr>
               <a:t> </a:t>
             </a:r>
             <a:r>
-              <a:rPr sz="1600" spc="-9" dirty="0">
+              <a:rPr spc="-9" dirty="0">
                 <a:latin typeface="Arial" panose="020B0604020202020204" pitchFamily="34" charset="0"/>
                 <a:cs typeface="Arial" panose="020B0604020202020204" pitchFamily="34" charset="0"/>
               </a:rPr>
               <a:t>security.</a:t>
             </a:r>
-            <a:endParaRPr sz="1600" dirty="0">
+            <a:endParaRPr dirty="0">
               <a:latin typeface="Arial" panose="020B0604020202020204" pitchFamily="34" charset="0"/>
               <a:cs typeface="Arial" panose="020B0604020202020204" pitchFamily="34" charset="0"/>
             </a:endParaRPr>
@@ -9421,7 +7655,7 @@
               </a:tabLst>
             </a:pPr>
             <a:r>
-              <a:rPr sz="1600" dirty="0">
+              <a:rPr dirty="0">
                 <a:solidFill>
                   <a:srgbClr val="0D0D0D"/>
                 </a:solidFill>
@@ -9431,7 +7665,7 @@
               <a:t>Include</a:t>
             </a:r>
             <a:r>
-              <a:rPr sz="1600" spc="-66" dirty="0">
+              <a:rPr spc="-66" dirty="0">
                 <a:solidFill>
                   <a:srgbClr val="0D0D0D"/>
                 </a:solidFill>
@@ -9441,7 +7675,7 @@
               <a:t> </a:t>
             </a:r>
             <a:r>
-              <a:rPr sz="1600" dirty="0">
+              <a:rPr dirty="0">
                 <a:solidFill>
                   <a:srgbClr val="0D0D0D"/>
                 </a:solidFill>
@@ -9451,7 +7685,7 @@
               <a:t>detailed</a:t>
             </a:r>
             <a:r>
-              <a:rPr sz="1600" spc="-49" dirty="0">
+              <a:rPr spc="-49" dirty="0">
                 <a:solidFill>
                   <a:srgbClr val="0D0D0D"/>
                 </a:solidFill>
@@ -9461,7 +7695,7 @@
               <a:t> </a:t>
             </a:r>
             <a:r>
-              <a:rPr sz="1600" dirty="0">
+              <a:rPr dirty="0">
                 <a:solidFill>
                   <a:srgbClr val="0D0D0D"/>
                 </a:solidFill>
@@ -9471,7 +7705,7 @@
               <a:t>product</a:t>
             </a:r>
             <a:r>
-              <a:rPr sz="1600" spc="-53" dirty="0">
+              <a:rPr spc="-53" dirty="0">
                 <a:solidFill>
                   <a:srgbClr val="0D0D0D"/>
                 </a:solidFill>
@@ -9481,7 +7715,7 @@
               <a:t> </a:t>
             </a:r>
             <a:r>
-              <a:rPr sz="1600" spc="-9" dirty="0">
+              <a:rPr spc="-9" dirty="0">
                 <a:solidFill>
                   <a:srgbClr val="0D0D0D"/>
                 </a:solidFill>
@@ -9491,7 +7725,7 @@
               <a:t>descriptions,</a:t>
             </a:r>
             <a:r>
-              <a:rPr sz="1600" spc="-49" dirty="0">
+              <a:rPr spc="-49" dirty="0">
                 <a:solidFill>
                   <a:srgbClr val="0D0D0D"/>
                 </a:solidFill>
@@ -9501,7 +7735,7 @@
               <a:t> </a:t>
             </a:r>
             <a:r>
-              <a:rPr sz="1600" dirty="0">
+              <a:rPr dirty="0">
                 <a:solidFill>
                   <a:srgbClr val="0D0D0D"/>
                 </a:solidFill>
@@ -9511,7 +7745,7 @@
               <a:t>images,</a:t>
             </a:r>
             <a:r>
-              <a:rPr sz="1600" spc="-53" dirty="0">
+              <a:rPr spc="-53" dirty="0">
                 <a:solidFill>
                   <a:srgbClr val="0D0D0D"/>
                 </a:solidFill>
@@ -9521,7 +7755,7 @@
               <a:t> </a:t>
             </a:r>
             <a:r>
-              <a:rPr sz="1600" dirty="0">
+              <a:rPr dirty="0">
                 <a:solidFill>
                   <a:srgbClr val="0D0D0D"/>
                 </a:solidFill>
@@ -9531,7 +7765,7 @@
               <a:t>pricing,</a:t>
             </a:r>
             <a:r>
-              <a:rPr sz="1600" spc="-53" dirty="0">
+              <a:rPr spc="-53" dirty="0">
                 <a:solidFill>
                   <a:srgbClr val="0D0D0D"/>
                 </a:solidFill>
@@ -9541,7 +7775,7 @@
               <a:t> </a:t>
             </a:r>
             <a:r>
-              <a:rPr sz="1600" spc="-22" dirty="0">
+              <a:rPr spc="-22" dirty="0">
                 <a:solidFill>
                   <a:srgbClr val="0D0D0D"/>
                 </a:solidFill>
@@ -9551,7 +7785,7 @@
               <a:t>and </a:t>
             </a:r>
             <a:r>
-              <a:rPr sz="1600" spc="-9" dirty="0">
+              <a:rPr spc="-9" dirty="0">
                 <a:solidFill>
                   <a:srgbClr val="0D0D0D"/>
                 </a:solidFill>
@@ -9561,7 +7795,7 @@
               <a:t>availability</a:t>
             </a:r>
             <a:r>
-              <a:rPr sz="1600" spc="-13" dirty="0">
+              <a:rPr spc="-13" dirty="0">
                 <a:solidFill>
                   <a:srgbClr val="0D0D0D"/>
                 </a:solidFill>
@@ -9571,7 +7805,7 @@
               <a:t> </a:t>
             </a:r>
             <a:r>
-              <a:rPr sz="1600" spc="-9" dirty="0">
+              <a:rPr spc="-9" dirty="0">
                 <a:solidFill>
                   <a:srgbClr val="0D0D0D"/>
                 </a:solidFill>
@@ -9580,7 +7814,7 @@
               </a:rPr>
               <a:t>information.</a:t>
             </a:r>
-            <a:endParaRPr sz="1600" dirty="0">
+            <a:endParaRPr dirty="0">
               <a:latin typeface="Arial" panose="020B0604020202020204" pitchFamily="34" charset="0"/>
               <a:cs typeface="Arial" panose="020B0604020202020204" pitchFamily="34" charset="0"/>
             </a:endParaRPr>
@@ -9603,7 +7837,7 @@
               </a:tabLst>
             </a:pPr>
             <a:r>
-              <a:rPr sz="1600" dirty="0">
+              <a:rPr dirty="0">
                 <a:solidFill>
                   <a:srgbClr val="0D0D0D"/>
                 </a:solidFill>
@@ -9613,7 +7847,7 @@
               <a:t>It</a:t>
             </a:r>
             <a:r>
-              <a:rPr sz="1600" spc="-53" dirty="0">
+              <a:rPr spc="-53" dirty="0">
                 <a:solidFill>
                   <a:srgbClr val="0D0D0D"/>
                 </a:solidFill>
@@ -9623,7 +7857,7 @@
               <a:t> </a:t>
             </a:r>
             <a:r>
-              <a:rPr sz="1600" dirty="0">
+              <a:rPr dirty="0">
                 <a:solidFill>
                   <a:srgbClr val="0D0D0D"/>
                 </a:solidFill>
@@ -9633,7 +7867,7 @@
               <a:t>can</a:t>
             </a:r>
             <a:r>
-              <a:rPr sz="1600" spc="-53" dirty="0">
+              <a:rPr spc="-53" dirty="0">
                 <a:solidFill>
                   <a:srgbClr val="0D0D0D"/>
                 </a:solidFill>
@@ -9643,7 +7877,7 @@
               <a:t> </a:t>
             </a:r>
             <a:r>
-              <a:rPr sz="1600" dirty="0">
+              <a:rPr dirty="0">
                 <a:solidFill>
                   <a:srgbClr val="0D0D0D"/>
                 </a:solidFill>
@@ -9653,7 +7887,7 @@
               <a:t>provide</a:t>
             </a:r>
             <a:r>
-              <a:rPr sz="1600" spc="-44" dirty="0">
+              <a:rPr spc="-44" dirty="0">
                 <a:solidFill>
                   <a:srgbClr val="0D0D0D"/>
                 </a:solidFill>
@@ -9663,7 +7897,7 @@
               <a:t> </a:t>
             </a:r>
             <a:r>
-              <a:rPr sz="1600" dirty="0">
+              <a:rPr dirty="0">
                 <a:solidFill>
                   <a:srgbClr val="0D0D0D"/>
                 </a:solidFill>
@@ -9673,7 +7907,7 @@
               <a:t>robust</a:t>
             </a:r>
             <a:r>
-              <a:rPr sz="1600" spc="-49" dirty="0">
+              <a:rPr spc="-49" dirty="0">
                 <a:solidFill>
                   <a:srgbClr val="0D0D0D"/>
                 </a:solidFill>
@@ -9683,7 +7917,7 @@
               <a:t> </a:t>
             </a:r>
             <a:r>
-              <a:rPr sz="1600" dirty="0">
+              <a:rPr dirty="0">
                 <a:solidFill>
                   <a:srgbClr val="0D0D0D"/>
                 </a:solidFill>
@@ -9693,7 +7927,7 @@
               <a:t>security</a:t>
             </a:r>
             <a:r>
-              <a:rPr sz="1600" spc="-49" dirty="0">
+              <a:rPr spc="-49" dirty="0">
                 <a:solidFill>
                   <a:srgbClr val="0D0D0D"/>
                 </a:solidFill>
@@ -9703,7 +7937,7 @@
               <a:t> </a:t>
             </a:r>
             <a:r>
-              <a:rPr sz="1600" dirty="0">
+              <a:rPr dirty="0">
                 <a:solidFill>
                   <a:srgbClr val="0D0D0D"/>
                 </a:solidFill>
@@ -9713,7 +7947,7 @@
               <a:t>measures</a:t>
             </a:r>
             <a:r>
-              <a:rPr sz="1600" spc="-35" dirty="0">
+              <a:rPr spc="-35" dirty="0">
                 <a:solidFill>
                   <a:srgbClr val="0D0D0D"/>
                 </a:solidFill>
@@ -9723,7 +7957,7 @@
               <a:t> </a:t>
             </a:r>
             <a:r>
-              <a:rPr sz="1600" dirty="0">
+              <a:rPr dirty="0">
                 <a:solidFill>
                   <a:srgbClr val="0D0D0D"/>
                 </a:solidFill>
@@ -9733,7 +7967,7 @@
               <a:t>to</a:t>
             </a:r>
             <a:r>
-              <a:rPr sz="1600" spc="-53" dirty="0">
+              <a:rPr spc="-53" dirty="0">
                 <a:solidFill>
                   <a:srgbClr val="0D0D0D"/>
                 </a:solidFill>
@@ -9743,7 +7977,7 @@
               <a:t> </a:t>
             </a:r>
             <a:r>
-              <a:rPr sz="1600" dirty="0">
+              <a:rPr dirty="0">
                 <a:solidFill>
                   <a:srgbClr val="0D0D0D"/>
                 </a:solidFill>
@@ -9753,7 +7987,7 @@
               <a:t>protect</a:t>
             </a:r>
             <a:r>
-              <a:rPr sz="1600" spc="-49" dirty="0">
+              <a:rPr spc="-49" dirty="0">
                 <a:solidFill>
                   <a:srgbClr val="0D0D0D"/>
                 </a:solidFill>
@@ -9763,7 +7997,7 @@
               <a:t> </a:t>
             </a:r>
             <a:r>
-              <a:rPr sz="1600" dirty="0">
+              <a:rPr dirty="0">
                 <a:solidFill>
                   <a:srgbClr val="0D0D0D"/>
                 </a:solidFill>
@@ -9773,7 +8007,7 @@
               <a:t>customer</a:t>
             </a:r>
             <a:r>
-              <a:rPr sz="1600" spc="-62" dirty="0">
+              <a:rPr spc="-62" dirty="0">
                 <a:solidFill>
                   <a:srgbClr val="0D0D0D"/>
                 </a:solidFill>
@@ -9783,7 +8017,7 @@
               <a:t> </a:t>
             </a:r>
             <a:r>
-              <a:rPr sz="1600" spc="-18" dirty="0">
+              <a:rPr spc="-18" dirty="0">
                 <a:solidFill>
                   <a:srgbClr val="0D0D0D"/>
                 </a:solidFill>
@@ -9793,7 +8027,7 @@
               <a:t>data </a:t>
             </a:r>
             <a:r>
-              <a:rPr sz="1600" dirty="0">
+              <a:rPr dirty="0">
                 <a:solidFill>
                   <a:srgbClr val="0D0D0D"/>
                 </a:solidFill>
@@ -9803,7 +8037,7 @@
               <a:t>and</a:t>
             </a:r>
             <a:r>
-              <a:rPr sz="1600" spc="-40" dirty="0">
+              <a:rPr spc="-40" dirty="0">
                 <a:solidFill>
                   <a:srgbClr val="0D0D0D"/>
                 </a:solidFill>
@@ -9813,7 +8047,7 @@
               <a:t> </a:t>
             </a:r>
             <a:r>
-              <a:rPr sz="1600" dirty="0">
+              <a:rPr dirty="0">
                 <a:solidFill>
                   <a:srgbClr val="0D0D0D"/>
                 </a:solidFill>
@@ -9823,7 +8057,7 @@
               <a:t>secure</a:t>
             </a:r>
             <a:r>
-              <a:rPr sz="1600" spc="-44" dirty="0">
+              <a:rPr spc="-44" dirty="0">
                 <a:solidFill>
                   <a:srgbClr val="0D0D0D"/>
                 </a:solidFill>
@@ -9833,7 +8067,7 @@
               <a:t> </a:t>
             </a:r>
             <a:r>
-              <a:rPr sz="1600" dirty="0">
+              <a:rPr dirty="0">
                 <a:solidFill>
                   <a:srgbClr val="0D0D0D"/>
                 </a:solidFill>
@@ -9843,7 +8077,7 @@
               <a:t>online</a:t>
             </a:r>
             <a:r>
-              <a:rPr sz="1600" spc="-49" dirty="0">
+              <a:rPr spc="-49" dirty="0">
                 <a:solidFill>
                   <a:srgbClr val="0D0D0D"/>
                 </a:solidFill>
@@ -9853,7 +8087,7 @@
               <a:t> </a:t>
             </a:r>
             <a:r>
-              <a:rPr sz="1600" spc="-9" dirty="0">
+              <a:rPr spc="-9" dirty="0">
                 <a:solidFill>
                   <a:srgbClr val="0D0D0D"/>
                 </a:solidFill>
@@ -9862,7 +8096,7 @@
               </a:rPr>
               <a:t>transactions.</a:t>
             </a:r>
-            <a:endParaRPr sz="1600" dirty="0">
+            <a:endParaRPr dirty="0">
               <a:latin typeface="Arial" panose="020B0604020202020204" pitchFamily="34" charset="0"/>
               <a:cs typeface="Arial" panose="020B0604020202020204" pitchFamily="34" charset="0"/>
             </a:endParaRPr>
@@ -9879,125 +8113,125 @@
               </a:tabLst>
             </a:pPr>
             <a:r>
-              <a:rPr sz="1600" dirty="0">
+              <a:rPr dirty="0">
                 <a:latin typeface="Arial" panose="020B0604020202020204" pitchFamily="34" charset="0"/>
                 <a:cs typeface="Arial" panose="020B0604020202020204" pitchFamily="34" charset="0"/>
               </a:rPr>
               <a:t>This</a:t>
             </a:r>
             <a:r>
-              <a:rPr sz="1600" spc="-35" dirty="0">
+              <a:rPr spc="-35" dirty="0">
                 <a:latin typeface="Arial" panose="020B0604020202020204" pitchFamily="34" charset="0"/>
                 <a:cs typeface="Arial" panose="020B0604020202020204" pitchFamily="34" charset="0"/>
               </a:rPr>
               <a:t> </a:t>
             </a:r>
             <a:r>
-              <a:rPr sz="1600" dirty="0">
+              <a:rPr dirty="0">
                 <a:latin typeface="Arial" panose="020B0604020202020204" pitchFamily="34" charset="0"/>
                 <a:cs typeface="Arial" panose="020B0604020202020204" pitchFamily="34" charset="0"/>
               </a:rPr>
               <a:t>system</a:t>
             </a:r>
             <a:r>
-              <a:rPr sz="1600" spc="-31" dirty="0">
+              <a:rPr spc="-31" dirty="0">
                 <a:latin typeface="Arial" panose="020B0604020202020204" pitchFamily="34" charset="0"/>
                 <a:cs typeface="Arial" panose="020B0604020202020204" pitchFamily="34" charset="0"/>
               </a:rPr>
               <a:t> </a:t>
             </a:r>
             <a:r>
-              <a:rPr sz="1600" dirty="0">
+              <a:rPr dirty="0">
                 <a:latin typeface="Arial" panose="020B0604020202020204" pitchFamily="34" charset="0"/>
                 <a:cs typeface="Arial" panose="020B0604020202020204" pitchFamily="34" charset="0"/>
               </a:rPr>
               <a:t>is</a:t>
             </a:r>
             <a:r>
-              <a:rPr sz="1600" spc="-31" dirty="0">
+              <a:rPr spc="-31" dirty="0">
                 <a:latin typeface="Arial" panose="020B0604020202020204" pitchFamily="34" charset="0"/>
                 <a:cs typeface="Arial" panose="020B0604020202020204" pitchFamily="34" charset="0"/>
               </a:rPr>
               <a:t> </a:t>
             </a:r>
             <a:r>
-              <a:rPr sz="1600" dirty="0">
+              <a:rPr dirty="0">
                 <a:latin typeface="Arial" panose="020B0604020202020204" pitchFamily="34" charset="0"/>
                 <a:cs typeface="Arial" panose="020B0604020202020204" pitchFamily="34" charset="0"/>
               </a:rPr>
               <a:t>helps</a:t>
             </a:r>
             <a:r>
-              <a:rPr sz="1600" spc="-31" dirty="0">
+              <a:rPr spc="-31" dirty="0">
                 <a:latin typeface="Arial" panose="020B0604020202020204" pitchFamily="34" charset="0"/>
                 <a:cs typeface="Arial" panose="020B0604020202020204" pitchFamily="34" charset="0"/>
               </a:rPr>
               <a:t> </a:t>
             </a:r>
             <a:r>
-              <a:rPr sz="1600" dirty="0">
+              <a:rPr dirty="0">
                 <a:latin typeface="Arial" panose="020B0604020202020204" pitchFamily="34" charset="0"/>
                 <a:cs typeface="Arial" panose="020B0604020202020204" pitchFamily="34" charset="0"/>
               </a:rPr>
               <a:t>to</a:t>
             </a:r>
             <a:r>
-              <a:rPr sz="1600" spc="-31" dirty="0">
+              <a:rPr spc="-31" dirty="0">
                 <a:latin typeface="Arial" panose="020B0604020202020204" pitchFamily="34" charset="0"/>
                 <a:cs typeface="Arial" panose="020B0604020202020204" pitchFamily="34" charset="0"/>
               </a:rPr>
               <a:t> </a:t>
             </a:r>
             <a:r>
-              <a:rPr sz="1600" dirty="0">
+              <a:rPr dirty="0">
                 <a:latin typeface="Arial" panose="020B0604020202020204" pitchFamily="34" charset="0"/>
                 <a:cs typeface="Arial" panose="020B0604020202020204" pitchFamily="34" charset="0"/>
               </a:rPr>
               <a:t>place</a:t>
             </a:r>
             <a:r>
-              <a:rPr sz="1600" spc="-44" dirty="0">
+              <a:rPr spc="-44" dirty="0">
                 <a:latin typeface="Arial" panose="020B0604020202020204" pitchFamily="34" charset="0"/>
                 <a:cs typeface="Arial" panose="020B0604020202020204" pitchFamily="34" charset="0"/>
               </a:rPr>
               <a:t> </a:t>
             </a:r>
             <a:r>
-              <a:rPr sz="1600" dirty="0">
+              <a:rPr dirty="0">
                 <a:latin typeface="Arial" panose="020B0604020202020204" pitchFamily="34" charset="0"/>
                 <a:cs typeface="Arial" panose="020B0604020202020204" pitchFamily="34" charset="0"/>
               </a:rPr>
               <a:t>order</a:t>
             </a:r>
             <a:r>
-              <a:rPr sz="1600" spc="-40" dirty="0">
+              <a:rPr spc="-40" dirty="0">
                 <a:latin typeface="Arial" panose="020B0604020202020204" pitchFamily="34" charset="0"/>
                 <a:cs typeface="Arial" panose="020B0604020202020204" pitchFamily="34" charset="0"/>
               </a:rPr>
               <a:t> </a:t>
             </a:r>
             <a:r>
-              <a:rPr sz="1600" dirty="0">
+              <a:rPr dirty="0">
                 <a:latin typeface="Arial" panose="020B0604020202020204" pitchFamily="34" charset="0"/>
                 <a:cs typeface="Arial" panose="020B0604020202020204" pitchFamily="34" charset="0"/>
               </a:rPr>
               <a:t>for</a:t>
             </a:r>
             <a:r>
-              <a:rPr sz="1600" spc="-18" dirty="0">
+              <a:rPr spc="-18" dirty="0">
                 <a:latin typeface="Arial" panose="020B0604020202020204" pitchFamily="34" charset="0"/>
                 <a:cs typeface="Arial" panose="020B0604020202020204" pitchFamily="34" charset="0"/>
               </a:rPr>
               <a:t> </a:t>
             </a:r>
             <a:r>
-              <a:rPr sz="1600" spc="-9" dirty="0">
+              <a:rPr spc="-9" dirty="0">
                 <a:latin typeface="Arial" panose="020B0604020202020204" pitchFamily="34" charset="0"/>
                 <a:cs typeface="Arial" panose="020B0604020202020204" pitchFamily="34" charset="0"/>
               </a:rPr>
               <a:t>products</a:t>
             </a:r>
-            <a:endParaRPr sz="1600" dirty="0">
+            <a:endParaRPr dirty="0">
               <a:latin typeface="Arial" panose="020B0604020202020204" pitchFamily="34" charset="0"/>
               <a:cs typeface="Arial" panose="020B0604020202020204" pitchFamily="34" charset="0"/>
             </a:endParaRPr>
@@ -10014,441 +8248,69 @@
               </a:tabLst>
             </a:pPr>
             <a:r>
-              <a:rPr sz="1600" dirty="0">
+              <a:rPr dirty="0">
                 <a:latin typeface="Arial" panose="020B0604020202020204" pitchFamily="34" charset="0"/>
                 <a:cs typeface="Arial" panose="020B0604020202020204" pitchFamily="34" charset="0"/>
               </a:rPr>
               <a:t>This</a:t>
             </a:r>
             <a:r>
-              <a:rPr sz="1600" spc="-35" dirty="0">
+              <a:rPr spc="-35" dirty="0">
                 <a:latin typeface="Arial" panose="020B0604020202020204" pitchFamily="34" charset="0"/>
                 <a:cs typeface="Arial" panose="020B0604020202020204" pitchFamily="34" charset="0"/>
               </a:rPr>
               <a:t> </a:t>
             </a:r>
             <a:r>
-              <a:rPr sz="1600" dirty="0">
+              <a:rPr dirty="0">
                 <a:latin typeface="Arial" panose="020B0604020202020204" pitchFamily="34" charset="0"/>
                 <a:cs typeface="Arial" panose="020B0604020202020204" pitchFamily="34" charset="0"/>
               </a:rPr>
               <a:t>system</a:t>
             </a:r>
             <a:r>
-              <a:rPr sz="1600" spc="-35" dirty="0">
+              <a:rPr spc="-35" dirty="0">
                 <a:latin typeface="Arial" panose="020B0604020202020204" pitchFamily="34" charset="0"/>
                 <a:cs typeface="Arial" panose="020B0604020202020204" pitchFamily="34" charset="0"/>
               </a:rPr>
               <a:t> </a:t>
             </a:r>
             <a:r>
-              <a:rPr sz="1600" dirty="0">
+              <a:rPr dirty="0">
                 <a:latin typeface="Arial" panose="020B0604020202020204" pitchFamily="34" charset="0"/>
                 <a:cs typeface="Arial" panose="020B0604020202020204" pitchFamily="34" charset="0"/>
               </a:rPr>
               <a:t>is</a:t>
             </a:r>
             <a:r>
-              <a:rPr sz="1600" spc="-31" dirty="0">
+              <a:rPr spc="-31" dirty="0">
                 <a:latin typeface="Arial" panose="020B0604020202020204" pitchFamily="34" charset="0"/>
                 <a:cs typeface="Arial" panose="020B0604020202020204" pitchFamily="34" charset="0"/>
               </a:rPr>
               <a:t> </a:t>
             </a:r>
             <a:r>
-              <a:rPr sz="1600" dirty="0">
+              <a:rPr dirty="0">
                 <a:latin typeface="Arial" panose="020B0604020202020204" pitchFamily="34" charset="0"/>
                 <a:cs typeface="Arial" panose="020B0604020202020204" pitchFamily="34" charset="0"/>
               </a:rPr>
               <a:t>user</a:t>
             </a:r>
             <a:r>
-              <a:rPr sz="1600" spc="-40" dirty="0">
+              <a:rPr spc="-40" dirty="0">
                 <a:latin typeface="Arial" panose="020B0604020202020204" pitchFamily="34" charset="0"/>
                 <a:cs typeface="Arial" panose="020B0604020202020204" pitchFamily="34" charset="0"/>
               </a:rPr>
               <a:t> </a:t>
             </a:r>
             <a:r>
-              <a:rPr sz="1600" spc="-9" dirty="0">
+              <a:rPr spc="-9" dirty="0">
                 <a:latin typeface="Arial" panose="020B0604020202020204" pitchFamily="34" charset="0"/>
                 <a:cs typeface="Arial" panose="020B0604020202020204" pitchFamily="34" charset="0"/>
               </a:rPr>
               <a:t>friendly.</a:t>
             </a:r>
-            <a:endParaRPr sz="1600" dirty="0">
-              <a:latin typeface="Arial" panose="020B0604020202020204" pitchFamily="34" charset="0"/>
-              <a:cs typeface="Arial" panose="020B0604020202020204" pitchFamily="34" charset="0"/>
-            </a:endParaRPr>
-          </a:p>
-          <a:p>
-            <a:pPr marL="414640" marR="4483" indent="-201717">
-              <a:lnSpc>
-                <a:spcPct val="105500"/>
-              </a:lnSpc>
-              <a:spcBef>
-                <a:spcPts val="556"/>
-              </a:spcBef>
-              <a:buClr>
-                <a:srgbClr val="000000"/>
-              </a:buClr>
-              <a:buFont typeface="Calibri"/>
-              <a:buChar char="•"/>
-              <a:tabLst>
-                <a:tab pos="414640" algn="l"/>
-              </a:tabLst>
-            </a:pPr>
-            <a:r>
-              <a:rPr sz="1600" dirty="0">
-                <a:solidFill>
-                  <a:srgbClr val="0D0D0D"/>
-                </a:solidFill>
-                <a:latin typeface="Arial" panose="020B0604020202020204" pitchFamily="34" charset="0"/>
-                <a:cs typeface="Arial" panose="020B0604020202020204" pitchFamily="34" charset="0"/>
-              </a:rPr>
-              <a:t>Ensure</a:t>
-            </a:r>
-            <a:r>
-              <a:rPr sz="1600" spc="-57" dirty="0">
-                <a:solidFill>
-                  <a:srgbClr val="0D0D0D"/>
-                </a:solidFill>
-                <a:latin typeface="Arial" panose="020B0604020202020204" pitchFamily="34" charset="0"/>
-                <a:cs typeface="Arial" panose="020B0604020202020204" pitchFamily="34" charset="0"/>
-              </a:rPr>
-              <a:t> </a:t>
-            </a:r>
-            <a:r>
-              <a:rPr sz="1600" dirty="0">
-                <a:solidFill>
-                  <a:srgbClr val="0D0D0D"/>
-                </a:solidFill>
-                <a:latin typeface="Arial" panose="020B0604020202020204" pitchFamily="34" charset="0"/>
-                <a:cs typeface="Arial" panose="020B0604020202020204" pitchFamily="34" charset="0"/>
-              </a:rPr>
-              <a:t>the</a:t>
-            </a:r>
-            <a:r>
-              <a:rPr sz="1600" spc="-53" dirty="0">
-                <a:solidFill>
-                  <a:srgbClr val="0D0D0D"/>
-                </a:solidFill>
-                <a:latin typeface="Arial" panose="020B0604020202020204" pitchFamily="34" charset="0"/>
-                <a:cs typeface="Arial" panose="020B0604020202020204" pitchFamily="34" charset="0"/>
-              </a:rPr>
-              <a:t> </a:t>
-            </a:r>
-            <a:r>
-              <a:rPr sz="1600" dirty="0">
-                <a:solidFill>
-                  <a:srgbClr val="0D0D0D"/>
-                </a:solidFill>
-                <a:latin typeface="Arial" panose="020B0604020202020204" pitchFamily="34" charset="0"/>
-                <a:cs typeface="Arial" panose="020B0604020202020204" pitchFamily="34" charset="0"/>
-              </a:rPr>
-              <a:t>website</a:t>
-            </a:r>
-            <a:r>
-              <a:rPr sz="1600" spc="-57" dirty="0">
-                <a:solidFill>
-                  <a:srgbClr val="0D0D0D"/>
-                </a:solidFill>
-                <a:latin typeface="Arial" panose="020B0604020202020204" pitchFamily="34" charset="0"/>
-                <a:cs typeface="Arial" panose="020B0604020202020204" pitchFamily="34" charset="0"/>
-              </a:rPr>
-              <a:t> </a:t>
-            </a:r>
-            <a:r>
-              <a:rPr sz="1600" dirty="0">
-                <a:solidFill>
-                  <a:srgbClr val="0D0D0D"/>
-                </a:solidFill>
-                <a:latin typeface="Arial" panose="020B0604020202020204" pitchFamily="34" charset="0"/>
-                <a:cs typeface="Arial" panose="020B0604020202020204" pitchFamily="34" charset="0"/>
-              </a:rPr>
-              <a:t>is</a:t>
-            </a:r>
-            <a:r>
-              <a:rPr sz="1600" spc="-40" dirty="0">
-                <a:solidFill>
-                  <a:srgbClr val="0D0D0D"/>
-                </a:solidFill>
-                <a:latin typeface="Arial" panose="020B0604020202020204" pitchFamily="34" charset="0"/>
-                <a:cs typeface="Arial" panose="020B0604020202020204" pitchFamily="34" charset="0"/>
-              </a:rPr>
-              <a:t> </a:t>
-            </a:r>
-            <a:r>
-              <a:rPr sz="1600" dirty="0">
-                <a:solidFill>
-                  <a:srgbClr val="0D0D0D"/>
-                </a:solidFill>
-                <a:latin typeface="Arial" panose="020B0604020202020204" pitchFamily="34" charset="0"/>
-                <a:cs typeface="Arial" panose="020B0604020202020204" pitchFamily="34" charset="0"/>
-              </a:rPr>
-              <a:t>fully</a:t>
-            </a:r>
-            <a:r>
-              <a:rPr sz="1600" spc="-44" dirty="0">
-                <a:solidFill>
-                  <a:srgbClr val="0D0D0D"/>
-                </a:solidFill>
-                <a:latin typeface="Arial" panose="020B0604020202020204" pitchFamily="34" charset="0"/>
-                <a:cs typeface="Arial" panose="020B0604020202020204" pitchFamily="34" charset="0"/>
-              </a:rPr>
-              <a:t> </a:t>
-            </a:r>
-            <a:r>
-              <a:rPr sz="1600" dirty="0">
-                <a:solidFill>
-                  <a:srgbClr val="0D0D0D"/>
-                </a:solidFill>
-                <a:latin typeface="Arial" panose="020B0604020202020204" pitchFamily="34" charset="0"/>
-                <a:cs typeface="Arial" panose="020B0604020202020204" pitchFamily="34" charset="0"/>
-              </a:rPr>
-              <a:t>optimized</a:t>
-            </a:r>
-            <a:r>
-              <a:rPr sz="1600" spc="-44" dirty="0">
-                <a:solidFill>
-                  <a:srgbClr val="0D0D0D"/>
-                </a:solidFill>
-                <a:latin typeface="Arial" panose="020B0604020202020204" pitchFamily="34" charset="0"/>
-                <a:cs typeface="Arial" panose="020B0604020202020204" pitchFamily="34" charset="0"/>
-              </a:rPr>
-              <a:t> </a:t>
-            </a:r>
-            <a:r>
-              <a:rPr sz="1600" dirty="0">
-                <a:solidFill>
-                  <a:srgbClr val="0D0D0D"/>
-                </a:solidFill>
-                <a:latin typeface="Arial" panose="020B0604020202020204" pitchFamily="34" charset="0"/>
-                <a:cs typeface="Arial" panose="020B0604020202020204" pitchFamily="34" charset="0"/>
-              </a:rPr>
-              <a:t>for</a:t>
-            </a:r>
-            <a:r>
-              <a:rPr sz="1600" spc="-49" dirty="0">
-                <a:solidFill>
-                  <a:srgbClr val="0D0D0D"/>
-                </a:solidFill>
-                <a:latin typeface="Arial" panose="020B0604020202020204" pitchFamily="34" charset="0"/>
-                <a:cs typeface="Arial" panose="020B0604020202020204" pitchFamily="34" charset="0"/>
-              </a:rPr>
-              <a:t> </a:t>
-            </a:r>
-            <a:r>
-              <a:rPr sz="1600" dirty="0">
-                <a:solidFill>
-                  <a:srgbClr val="0D0D0D"/>
-                </a:solidFill>
-                <a:latin typeface="Arial" panose="020B0604020202020204" pitchFamily="34" charset="0"/>
-                <a:cs typeface="Arial" panose="020B0604020202020204" pitchFamily="34" charset="0"/>
-              </a:rPr>
-              <a:t>mobile</a:t>
-            </a:r>
-            <a:r>
-              <a:rPr sz="1600" spc="-57" dirty="0">
-                <a:solidFill>
-                  <a:srgbClr val="0D0D0D"/>
-                </a:solidFill>
-                <a:latin typeface="Arial" panose="020B0604020202020204" pitchFamily="34" charset="0"/>
-                <a:cs typeface="Arial" panose="020B0604020202020204" pitchFamily="34" charset="0"/>
-              </a:rPr>
-              <a:t> </a:t>
-            </a:r>
-            <a:r>
-              <a:rPr sz="1600" dirty="0">
-                <a:solidFill>
-                  <a:srgbClr val="0D0D0D"/>
-                </a:solidFill>
-                <a:latin typeface="Arial" panose="020B0604020202020204" pitchFamily="34" charset="0"/>
-                <a:cs typeface="Arial" panose="020B0604020202020204" pitchFamily="34" charset="0"/>
-              </a:rPr>
-              <a:t>devices</a:t>
-            </a:r>
-            <a:r>
-              <a:rPr sz="1600" spc="-40" dirty="0">
-                <a:solidFill>
-                  <a:srgbClr val="0D0D0D"/>
-                </a:solidFill>
-                <a:latin typeface="Arial" panose="020B0604020202020204" pitchFamily="34" charset="0"/>
-                <a:cs typeface="Arial" panose="020B0604020202020204" pitchFamily="34" charset="0"/>
-              </a:rPr>
-              <a:t> </a:t>
-            </a:r>
-            <a:r>
-              <a:rPr sz="1600" spc="-22" dirty="0">
-                <a:solidFill>
-                  <a:srgbClr val="0D0D0D"/>
-                </a:solidFill>
-                <a:latin typeface="Arial" panose="020B0604020202020204" pitchFamily="34" charset="0"/>
-                <a:cs typeface="Arial" panose="020B0604020202020204" pitchFamily="34" charset="0"/>
-              </a:rPr>
-              <a:t>to </a:t>
-            </a:r>
-            <a:r>
-              <a:rPr sz="1600" dirty="0">
-                <a:solidFill>
-                  <a:srgbClr val="0D0D0D"/>
-                </a:solidFill>
-                <a:latin typeface="Arial" panose="020B0604020202020204" pitchFamily="34" charset="0"/>
-                <a:cs typeface="Arial" panose="020B0604020202020204" pitchFamily="34" charset="0"/>
-              </a:rPr>
-              <a:t>provide</a:t>
-            </a:r>
-            <a:r>
-              <a:rPr sz="1600" spc="-44" dirty="0">
-                <a:solidFill>
-                  <a:srgbClr val="0D0D0D"/>
-                </a:solidFill>
-                <a:latin typeface="Arial" panose="020B0604020202020204" pitchFamily="34" charset="0"/>
-                <a:cs typeface="Arial" panose="020B0604020202020204" pitchFamily="34" charset="0"/>
-              </a:rPr>
-              <a:t> </a:t>
-            </a:r>
-            <a:r>
-              <a:rPr sz="1600" dirty="0">
-                <a:solidFill>
-                  <a:srgbClr val="0D0D0D"/>
-                </a:solidFill>
-                <a:latin typeface="Arial" panose="020B0604020202020204" pitchFamily="34" charset="0"/>
-                <a:cs typeface="Arial" panose="020B0604020202020204" pitchFamily="34" charset="0"/>
-              </a:rPr>
-              <a:t>a</a:t>
-            </a:r>
-            <a:r>
-              <a:rPr sz="1600" spc="-44" dirty="0">
-                <a:solidFill>
-                  <a:srgbClr val="0D0D0D"/>
-                </a:solidFill>
-                <a:latin typeface="Arial" panose="020B0604020202020204" pitchFamily="34" charset="0"/>
-                <a:cs typeface="Arial" panose="020B0604020202020204" pitchFamily="34" charset="0"/>
-              </a:rPr>
-              <a:t> </a:t>
-            </a:r>
-            <a:r>
-              <a:rPr sz="1600" dirty="0">
-                <a:solidFill>
-                  <a:srgbClr val="0D0D0D"/>
-                </a:solidFill>
-                <a:latin typeface="Arial" panose="020B0604020202020204" pitchFamily="34" charset="0"/>
-                <a:cs typeface="Arial" panose="020B0604020202020204" pitchFamily="34" charset="0"/>
-              </a:rPr>
-              <a:t>seamless</a:t>
-            </a:r>
-            <a:r>
-              <a:rPr sz="1600" spc="-31" dirty="0">
-                <a:solidFill>
-                  <a:srgbClr val="0D0D0D"/>
-                </a:solidFill>
-                <a:latin typeface="Arial" panose="020B0604020202020204" pitchFamily="34" charset="0"/>
-                <a:cs typeface="Arial" panose="020B0604020202020204" pitchFamily="34" charset="0"/>
-              </a:rPr>
-              <a:t> </a:t>
-            </a:r>
-            <a:r>
-              <a:rPr sz="1600" dirty="0">
-                <a:solidFill>
-                  <a:srgbClr val="0D0D0D"/>
-                </a:solidFill>
-                <a:latin typeface="Arial" panose="020B0604020202020204" pitchFamily="34" charset="0"/>
-                <a:cs typeface="Arial" panose="020B0604020202020204" pitchFamily="34" charset="0"/>
-              </a:rPr>
-              <a:t>shopping</a:t>
-            </a:r>
-            <a:r>
-              <a:rPr sz="1600" spc="-31" dirty="0">
-                <a:solidFill>
-                  <a:srgbClr val="0D0D0D"/>
-                </a:solidFill>
-                <a:latin typeface="Arial" panose="020B0604020202020204" pitchFamily="34" charset="0"/>
-                <a:cs typeface="Arial" panose="020B0604020202020204" pitchFamily="34" charset="0"/>
-              </a:rPr>
-              <a:t> </a:t>
-            </a:r>
-            <a:r>
-              <a:rPr sz="1600" spc="-9" dirty="0">
-                <a:solidFill>
-                  <a:srgbClr val="0D0D0D"/>
-                </a:solidFill>
-                <a:latin typeface="Arial" panose="020B0604020202020204" pitchFamily="34" charset="0"/>
-                <a:cs typeface="Arial" panose="020B0604020202020204" pitchFamily="34" charset="0"/>
-              </a:rPr>
-              <a:t>experience</a:t>
-            </a:r>
-            <a:r>
-              <a:rPr sz="1600" spc="-40" dirty="0">
-                <a:solidFill>
-                  <a:srgbClr val="0D0D0D"/>
-                </a:solidFill>
-                <a:latin typeface="Arial" panose="020B0604020202020204" pitchFamily="34" charset="0"/>
-                <a:cs typeface="Arial" panose="020B0604020202020204" pitchFamily="34" charset="0"/>
-              </a:rPr>
-              <a:t> </a:t>
-            </a:r>
-            <a:r>
-              <a:rPr sz="1600" dirty="0">
-                <a:solidFill>
-                  <a:srgbClr val="0D0D0D"/>
-                </a:solidFill>
-                <a:latin typeface="Arial" panose="020B0604020202020204" pitchFamily="34" charset="0"/>
-                <a:cs typeface="Arial" panose="020B0604020202020204" pitchFamily="34" charset="0"/>
-              </a:rPr>
-              <a:t>across</a:t>
-            </a:r>
-            <a:r>
-              <a:rPr sz="1600" spc="-31" dirty="0">
-                <a:solidFill>
-                  <a:srgbClr val="0D0D0D"/>
-                </a:solidFill>
-                <a:latin typeface="Arial" panose="020B0604020202020204" pitchFamily="34" charset="0"/>
-                <a:cs typeface="Arial" panose="020B0604020202020204" pitchFamily="34" charset="0"/>
-              </a:rPr>
-              <a:t> </a:t>
-            </a:r>
-            <a:r>
-              <a:rPr sz="1600" spc="-9" dirty="0">
-                <a:solidFill>
-                  <a:srgbClr val="0D0D0D"/>
-                </a:solidFill>
-                <a:latin typeface="Arial" panose="020B0604020202020204" pitchFamily="34" charset="0"/>
-                <a:cs typeface="Arial" panose="020B0604020202020204" pitchFamily="34" charset="0"/>
-              </a:rPr>
-              <a:t>smartphones</a:t>
-            </a:r>
-            <a:r>
-              <a:rPr sz="1600" spc="-31" dirty="0">
-                <a:solidFill>
-                  <a:srgbClr val="0D0D0D"/>
-                </a:solidFill>
-                <a:latin typeface="Arial" panose="020B0604020202020204" pitchFamily="34" charset="0"/>
-                <a:cs typeface="Arial" panose="020B0604020202020204" pitchFamily="34" charset="0"/>
-              </a:rPr>
-              <a:t> </a:t>
-            </a:r>
-            <a:r>
-              <a:rPr sz="1600" spc="-22" dirty="0">
-                <a:solidFill>
-                  <a:srgbClr val="0D0D0D"/>
-                </a:solidFill>
-                <a:latin typeface="Arial" panose="020B0604020202020204" pitchFamily="34" charset="0"/>
-                <a:cs typeface="Arial" panose="020B0604020202020204" pitchFamily="34" charset="0"/>
-              </a:rPr>
-              <a:t>and </a:t>
-            </a:r>
-            <a:r>
-              <a:rPr sz="1600" spc="-9" dirty="0">
-                <a:solidFill>
-                  <a:srgbClr val="0D0D0D"/>
-                </a:solidFill>
-                <a:latin typeface="Arial" panose="020B0604020202020204" pitchFamily="34" charset="0"/>
-                <a:cs typeface="Arial" panose="020B0604020202020204" pitchFamily="34" charset="0"/>
-              </a:rPr>
-              <a:t>tablets.</a:t>
-            </a:r>
-            <a:endParaRPr sz="1600" dirty="0">
+            <a:endParaRPr dirty="0">
               <a:latin typeface="Arial" panose="020B0604020202020204" pitchFamily="34" charset="0"/>
               <a:cs typeface="Arial" panose="020B0604020202020204" pitchFamily="34" charset="0"/>
             </a:endParaRPr>
@@ -10494,7 +8356,7 @@
         <p:spPr>
           <a:xfrm>
             <a:off x="1616724" y="528061"/>
-            <a:ext cx="7228599" cy="6202917"/>
+            <a:ext cx="7228599" cy="4193969"/>
           </a:xfrm>
           <a:prstGeom prst="rect">
             <a:avLst/>
@@ -10535,44 +8397,87 @@
                 <a:spcPts val="1002"/>
               </a:spcBef>
             </a:pPr>
-            <a:endParaRPr sz="1400" dirty="0">
+            <a:endParaRPr dirty="0">
               <a:latin typeface="Arial" panose="020B0604020202020204" pitchFamily="34" charset="0"/>
               <a:cs typeface="Arial" panose="020B0604020202020204" pitchFamily="34" charset="0"/>
             </a:endParaRPr>
           </a:p>
           <a:p>
-            <a:pPr marL="128875" indent="-120470">
+            <a:pPr marL="8405">
               <a:buSzPct val="92857"/>
-              <a:buAutoNum type="arabicPeriod"/>
               <a:tabLst>
                 <a:tab pos="128875" algn="l"/>
               </a:tabLst>
             </a:pPr>
             <a:r>
-              <a:rPr sz="1600" b="1" dirty="0">
+              <a:rPr b="1" dirty="0">
                 <a:latin typeface="Arial" panose="020B0604020202020204" pitchFamily="34" charset="0"/>
                 <a:cs typeface="Arial" panose="020B0604020202020204" pitchFamily="34" charset="0"/>
               </a:rPr>
               <a:t>Technical</a:t>
             </a:r>
             <a:r>
-              <a:rPr sz="1600" b="1" spc="-35" dirty="0">
+              <a:rPr b="1" spc="-35" dirty="0">
                 <a:latin typeface="Arial" panose="020B0604020202020204" pitchFamily="34" charset="0"/>
                 <a:cs typeface="Arial" panose="020B0604020202020204" pitchFamily="34" charset="0"/>
               </a:rPr>
               <a:t> </a:t>
             </a:r>
             <a:r>
-              <a:rPr sz="1600" b="1" spc="-9" dirty="0">
+              <a:rPr b="1" spc="-9" dirty="0">
                 <a:latin typeface="Arial" panose="020B0604020202020204" pitchFamily="34" charset="0"/>
                 <a:cs typeface="Arial" panose="020B0604020202020204" pitchFamily="34" charset="0"/>
               </a:rPr>
               <a:t>Constraints:</a:t>
             </a:r>
-            <a:endParaRPr sz="1600" dirty="0">
+            <a:endParaRPr dirty="0">
               <a:latin typeface="Arial" panose="020B0604020202020204" pitchFamily="34" charset="0"/>
               <a:cs typeface="Arial" panose="020B0604020202020204" pitchFamily="34" charset="0"/>
             </a:endParaRPr>
+          </a:p>
+          <a:p>
+            <a:pPr marL="296956" marR="252706" indent="-285750">
+              <a:lnSpc>
+                <a:spcPct val="105600"/>
+              </a:lnSpc>
+              <a:spcBef>
+                <a:spcPts val="534"/>
+              </a:spcBef>
+              <a:buFont typeface="Arial" panose="020B0604020202020204" pitchFamily="34" charset="0"/>
+              <a:buChar char="•"/>
+            </a:pPr>
+            <a:r>
+              <a:rPr lang="en-US" dirty="0">
+                <a:solidFill>
+                  <a:srgbClr val="0D0D0D"/>
+                </a:solidFill>
+                <a:latin typeface="Arial" panose="020B0604020202020204" pitchFamily="34" charset="0"/>
+                <a:cs typeface="Arial" panose="020B0604020202020204" pitchFamily="34" charset="0"/>
+              </a:rPr>
+              <a:t>Performance depends on server capacity, bandwidth, and network stability.</a:t>
+            </a:r>
+          </a:p>
+          <a:p>
+            <a:pPr marL="296956" marR="252706" indent="-285750">
+              <a:lnSpc>
+                <a:spcPct val="105600"/>
+              </a:lnSpc>
+              <a:spcBef>
+                <a:spcPts val="534"/>
+              </a:spcBef>
+              <a:buFont typeface="Arial" panose="020B0604020202020204" pitchFamily="34" charset="0"/>
+              <a:buChar char="•"/>
+            </a:pPr>
+            <a:r>
+              <a:rPr lang="en-US" dirty="0">
+                <a:solidFill>
+                  <a:srgbClr val="0D0D0D"/>
+                </a:solidFill>
+                <a:latin typeface="Arial" panose="020B0604020202020204" pitchFamily="34" charset="0"/>
+                <a:cs typeface="Arial" panose="020B0604020202020204" pitchFamily="34" charset="0"/>
+              </a:rPr>
+              <a:t>High traffic or system maintenance could cause slowdowns.</a:t>
+            </a:r>
           </a:p>
           <a:p>
             <a:pPr marL="11206" marR="252706">
@@ -10584,17 +8489,17 @@
               </a:spcBef>
             </a:pPr>
             <a:r>
-              <a:rPr sz="1600" dirty="0">
+              <a:rPr b="1" dirty="0">
                 <a:solidFill>
                   <a:srgbClr val="0D0D0D"/>
                 </a:solidFill>
                 <a:latin typeface="Arial" panose="020B0604020202020204" pitchFamily="34" charset="0"/>
                 <a:cs typeface="Arial" panose="020B0604020202020204" pitchFamily="34" charset="0"/>
               </a:rPr>
-              <a:t>The</a:t>
-            </a:r>
-            <a:r>
-              <a:rPr sz="1600" spc="-22" dirty="0">
+              <a:t>Product</a:t>
+            </a:r>
+            <a:r>
+              <a:rPr b="1" spc="-4" dirty="0">
                 <a:solidFill>
                   <a:srgbClr val="0D0D0D"/>
                 </a:solidFill>
@@ -10604,17 +8509,17 @@
               <a:t> </a:t>
             </a:r>
             <a:r>
-              <a:rPr sz="1600" dirty="0">
+              <a:rPr b="1" dirty="0">
                 <a:solidFill>
                   <a:srgbClr val="0D0D0D"/>
                 </a:solidFill>
                 <a:latin typeface="Arial" panose="020B0604020202020204" pitchFamily="34" charset="0"/>
                 <a:cs typeface="Arial" panose="020B0604020202020204" pitchFamily="34" charset="0"/>
               </a:rPr>
-              <a:t>website's</a:t>
-            </a:r>
-            <a:r>
-              <a:rPr sz="1600" spc="-13" dirty="0">
+              <a:t>Availability and</a:t>
+            </a:r>
+            <a:r>
+              <a:rPr b="1" spc="-18" dirty="0">
                 <a:solidFill>
                   <a:srgbClr val="0D0D0D"/>
                 </a:solidFill>
@@ -10624,718 +8529,51 @@
               <a:t> </a:t>
             </a:r>
             <a:r>
-              <a:rPr sz="1600" dirty="0">
+              <a:rPr b="1" spc="-9" dirty="0">
                 <a:solidFill>
                   <a:srgbClr val="0D0D0D"/>
                 </a:solidFill>
                 <a:latin typeface="Arial" panose="020B0604020202020204" pitchFamily="34" charset="0"/>
                 <a:cs typeface="Arial" panose="020B0604020202020204" pitchFamily="34" charset="0"/>
               </a:rPr>
-              <a:t>performance</a:t>
-            </a:r>
-            <a:r>
-              <a:rPr sz="1600" spc="-18" dirty="0">
+              <a:t>Fulfillment</a:t>
+            </a:r>
+            <a:r>
+              <a:rPr spc="-9" dirty="0">
                 <a:solidFill>
                   <a:srgbClr val="0D0D0D"/>
                 </a:solidFill>
                 <a:latin typeface="Arial" panose="020B0604020202020204" pitchFamily="34" charset="0"/>
                 <a:cs typeface="Arial" panose="020B0604020202020204" pitchFamily="34" charset="0"/>
               </a:rPr>
-              <a:t> </a:t>
-            </a:r>
-            <a:r>
-              <a:rPr sz="1600" dirty="0">
-                <a:solidFill>
-                  <a:srgbClr val="0D0D0D"/>
-                </a:solidFill>
-                <a:latin typeface="Arial" panose="020B0604020202020204" pitchFamily="34" charset="0"/>
-                <a:cs typeface="Arial" panose="020B0604020202020204" pitchFamily="34" charset="0"/>
-              </a:rPr>
-              <a:t>and</a:t>
-            </a:r>
-            <a:r>
-              <a:rPr sz="1600" spc="-44" dirty="0">
-                <a:solidFill>
-                  <a:srgbClr val="0D0D0D"/>
-                </a:solidFill>
-                <a:latin typeface="Arial" panose="020B0604020202020204" pitchFamily="34" charset="0"/>
-                <a:cs typeface="Arial" panose="020B0604020202020204" pitchFamily="34" charset="0"/>
-              </a:rPr>
-              <a:t> </a:t>
-            </a:r>
-            <a:r>
-              <a:rPr sz="1600" dirty="0">
-                <a:solidFill>
-                  <a:srgbClr val="0D0D0D"/>
-                </a:solidFill>
-                <a:latin typeface="Arial" panose="020B0604020202020204" pitchFamily="34" charset="0"/>
-                <a:cs typeface="Arial" panose="020B0604020202020204" pitchFamily="34" charset="0"/>
-              </a:rPr>
-              <a:t>reliability</a:t>
-            </a:r>
-            <a:r>
-              <a:rPr sz="1600" spc="-44" dirty="0">
-                <a:solidFill>
-                  <a:srgbClr val="0D0D0D"/>
-                </a:solidFill>
-                <a:latin typeface="Arial" panose="020B0604020202020204" pitchFamily="34" charset="0"/>
-                <a:cs typeface="Arial" panose="020B0604020202020204" pitchFamily="34" charset="0"/>
-              </a:rPr>
-              <a:t> </a:t>
-            </a:r>
-            <a:r>
-              <a:rPr sz="1600" dirty="0">
-                <a:solidFill>
-                  <a:srgbClr val="0D0D0D"/>
-                </a:solidFill>
-                <a:latin typeface="Arial" panose="020B0604020202020204" pitchFamily="34" charset="0"/>
-                <a:cs typeface="Arial" panose="020B0604020202020204" pitchFamily="34" charset="0"/>
-              </a:rPr>
-              <a:t>may</a:t>
-            </a:r>
-            <a:r>
-              <a:rPr sz="1600" spc="-18" dirty="0">
-                <a:solidFill>
-                  <a:srgbClr val="0D0D0D"/>
-                </a:solidFill>
-                <a:latin typeface="Arial" panose="020B0604020202020204" pitchFamily="34" charset="0"/>
-                <a:cs typeface="Arial" panose="020B0604020202020204" pitchFamily="34" charset="0"/>
-              </a:rPr>
-              <a:t> </a:t>
-            </a:r>
-            <a:r>
-              <a:rPr sz="1600" dirty="0">
-                <a:solidFill>
-                  <a:srgbClr val="0D0D0D"/>
-                </a:solidFill>
-                <a:latin typeface="Arial" panose="020B0604020202020204" pitchFamily="34" charset="0"/>
-                <a:cs typeface="Arial" panose="020B0604020202020204" pitchFamily="34" charset="0"/>
-              </a:rPr>
-              <a:t>be</a:t>
-            </a:r>
-            <a:r>
-              <a:rPr sz="1600" spc="-18" dirty="0">
-                <a:solidFill>
-                  <a:srgbClr val="0D0D0D"/>
-                </a:solidFill>
-                <a:latin typeface="Arial" panose="020B0604020202020204" pitchFamily="34" charset="0"/>
-                <a:cs typeface="Arial" panose="020B0604020202020204" pitchFamily="34" charset="0"/>
-              </a:rPr>
-              <a:t> </a:t>
-            </a:r>
-            <a:r>
-              <a:rPr sz="1600" dirty="0">
-                <a:solidFill>
-                  <a:srgbClr val="0D0D0D"/>
-                </a:solidFill>
-                <a:latin typeface="Arial" panose="020B0604020202020204" pitchFamily="34" charset="0"/>
-                <a:cs typeface="Arial" panose="020B0604020202020204" pitchFamily="34" charset="0"/>
-              </a:rPr>
-              <a:t>limited</a:t>
-            </a:r>
-            <a:r>
-              <a:rPr sz="1600" spc="-18" dirty="0">
-                <a:solidFill>
-                  <a:srgbClr val="0D0D0D"/>
-                </a:solidFill>
-                <a:latin typeface="Arial" panose="020B0604020202020204" pitchFamily="34" charset="0"/>
-                <a:cs typeface="Arial" panose="020B0604020202020204" pitchFamily="34" charset="0"/>
-              </a:rPr>
-              <a:t> </a:t>
-            </a:r>
-            <a:r>
-              <a:rPr sz="1600" dirty="0">
-                <a:solidFill>
-                  <a:srgbClr val="0D0D0D"/>
-                </a:solidFill>
-                <a:latin typeface="Arial" panose="020B0604020202020204" pitchFamily="34" charset="0"/>
-                <a:cs typeface="Arial" panose="020B0604020202020204" pitchFamily="34" charset="0"/>
-              </a:rPr>
-              <a:t>by</a:t>
-            </a:r>
-            <a:r>
-              <a:rPr sz="1600" spc="-40" dirty="0">
-                <a:solidFill>
-                  <a:srgbClr val="0D0D0D"/>
-                </a:solidFill>
-                <a:latin typeface="Arial" panose="020B0604020202020204" pitchFamily="34" charset="0"/>
-                <a:cs typeface="Arial" panose="020B0604020202020204" pitchFamily="34" charset="0"/>
-              </a:rPr>
-              <a:t> </a:t>
-            </a:r>
-            <a:r>
-              <a:rPr sz="1600" spc="-9" dirty="0">
-                <a:solidFill>
-                  <a:srgbClr val="0D0D0D"/>
-                </a:solidFill>
-                <a:latin typeface="Arial" panose="020B0604020202020204" pitchFamily="34" charset="0"/>
-                <a:cs typeface="Arial" panose="020B0604020202020204" pitchFamily="34" charset="0"/>
-              </a:rPr>
-              <a:t>technical </a:t>
-            </a:r>
-            <a:r>
-              <a:rPr sz="1600" dirty="0">
-                <a:solidFill>
-                  <a:srgbClr val="0D0D0D"/>
-                </a:solidFill>
-                <a:latin typeface="Arial" panose="020B0604020202020204" pitchFamily="34" charset="0"/>
-                <a:cs typeface="Arial" panose="020B0604020202020204" pitchFamily="34" charset="0"/>
-              </a:rPr>
-              <a:t>infrastructure</a:t>
-            </a:r>
-            <a:r>
-              <a:rPr sz="1600" spc="-57" dirty="0">
-                <a:solidFill>
-                  <a:srgbClr val="0D0D0D"/>
-                </a:solidFill>
-                <a:latin typeface="Arial" panose="020B0604020202020204" pitchFamily="34" charset="0"/>
-                <a:cs typeface="Arial" panose="020B0604020202020204" pitchFamily="34" charset="0"/>
-              </a:rPr>
-              <a:t> </a:t>
-            </a:r>
-            <a:r>
-              <a:rPr sz="1600" dirty="0">
-                <a:solidFill>
-                  <a:srgbClr val="0D0D0D"/>
-                </a:solidFill>
-                <a:latin typeface="Arial" panose="020B0604020202020204" pitchFamily="34" charset="0"/>
-                <a:cs typeface="Arial" panose="020B0604020202020204" pitchFamily="34" charset="0"/>
-              </a:rPr>
-              <a:t>constraints,</a:t>
-            </a:r>
-            <a:r>
-              <a:rPr sz="1600" spc="-40" dirty="0">
-                <a:solidFill>
-                  <a:srgbClr val="0D0D0D"/>
-                </a:solidFill>
-                <a:latin typeface="Arial" panose="020B0604020202020204" pitchFamily="34" charset="0"/>
-                <a:cs typeface="Arial" panose="020B0604020202020204" pitchFamily="34" charset="0"/>
-              </a:rPr>
-              <a:t> </a:t>
-            </a:r>
-            <a:r>
-              <a:rPr sz="1600" dirty="0">
-                <a:solidFill>
-                  <a:srgbClr val="0D0D0D"/>
-                </a:solidFill>
-                <a:latin typeface="Arial" panose="020B0604020202020204" pitchFamily="34" charset="0"/>
-                <a:cs typeface="Arial" panose="020B0604020202020204" pitchFamily="34" charset="0"/>
-              </a:rPr>
-              <a:t>such</a:t>
-            </a:r>
-            <a:r>
-              <a:rPr sz="1600" spc="-35" dirty="0">
-                <a:solidFill>
-                  <a:srgbClr val="0D0D0D"/>
-                </a:solidFill>
-                <a:latin typeface="Arial" panose="020B0604020202020204" pitchFamily="34" charset="0"/>
-                <a:cs typeface="Arial" panose="020B0604020202020204" pitchFamily="34" charset="0"/>
-              </a:rPr>
-              <a:t> </a:t>
-            </a:r>
-            <a:r>
-              <a:rPr sz="1600" dirty="0">
-                <a:solidFill>
-                  <a:srgbClr val="0D0D0D"/>
-                </a:solidFill>
-                <a:latin typeface="Arial" panose="020B0604020202020204" pitchFamily="34" charset="0"/>
-                <a:cs typeface="Arial" panose="020B0604020202020204" pitchFamily="34" charset="0"/>
-              </a:rPr>
-              <a:t>as</a:t>
-            </a:r>
-            <a:r>
-              <a:rPr sz="1600" spc="-57" dirty="0">
-                <a:solidFill>
-                  <a:srgbClr val="0D0D0D"/>
-                </a:solidFill>
-                <a:latin typeface="Arial" panose="020B0604020202020204" pitchFamily="34" charset="0"/>
-                <a:cs typeface="Arial" panose="020B0604020202020204" pitchFamily="34" charset="0"/>
-              </a:rPr>
-              <a:t> </a:t>
-            </a:r>
-            <a:r>
-              <a:rPr sz="1600" dirty="0">
-                <a:solidFill>
-                  <a:srgbClr val="0D0D0D"/>
-                </a:solidFill>
-                <a:latin typeface="Arial" panose="020B0604020202020204" pitchFamily="34" charset="0"/>
-                <a:cs typeface="Arial" panose="020B0604020202020204" pitchFamily="34" charset="0"/>
-              </a:rPr>
-              <a:t>server</a:t>
-            </a:r>
-            <a:r>
-              <a:rPr sz="1600" spc="-35" dirty="0">
-                <a:solidFill>
-                  <a:srgbClr val="0D0D0D"/>
-                </a:solidFill>
-                <a:latin typeface="Arial" panose="020B0604020202020204" pitchFamily="34" charset="0"/>
-                <a:cs typeface="Arial" panose="020B0604020202020204" pitchFamily="34" charset="0"/>
-              </a:rPr>
-              <a:t> </a:t>
-            </a:r>
-            <a:r>
-              <a:rPr sz="1600" dirty="0">
-                <a:solidFill>
-                  <a:srgbClr val="0D0D0D"/>
-                </a:solidFill>
-                <a:latin typeface="Arial" panose="020B0604020202020204" pitchFamily="34" charset="0"/>
-                <a:cs typeface="Arial" panose="020B0604020202020204" pitchFamily="34" charset="0"/>
-              </a:rPr>
-              <a:t>capacity,</a:t>
-            </a:r>
-            <a:r>
-              <a:rPr sz="1600" spc="-35" dirty="0">
-                <a:solidFill>
-                  <a:srgbClr val="0D0D0D"/>
-                </a:solidFill>
-                <a:latin typeface="Arial" panose="020B0604020202020204" pitchFamily="34" charset="0"/>
-                <a:cs typeface="Arial" panose="020B0604020202020204" pitchFamily="34" charset="0"/>
-              </a:rPr>
-              <a:t> </a:t>
-            </a:r>
-            <a:r>
-              <a:rPr sz="1600" dirty="0">
-                <a:solidFill>
-                  <a:srgbClr val="0D0D0D"/>
-                </a:solidFill>
-                <a:latin typeface="Arial" panose="020B0604020202020204" pitchFamily="34" charset="0"/>
-                <a:cs typeface="Arial" panose="020B0604020202020204" pitchFamily="34" charset="0"/>
-              </a:rPr>
-              <a:t>bandwidth</a:t>
-            </a:r>
-            <a:r>
-              <a:rPr sz="1600" spc="-35" dirty="0">
-                <a:solidFill>
-                  <a:srgbClr val="0D0D0D"/>
-                </a:solidFill>
-                <a:latin typeface="Arial" panose="020B0604020202020204" pitchFamily="34" charset="0"/>
-                <a:cs typeface="Arial" panose="020B0604020202020204" pitchFamily="34" charset="0"/>
-              </a:rPr>
-              <a:t> </a:t>
-            </a:r>
-            <a:r>
-              <a:rPr sz="1600" dirty="0">
-                <a:solidFill>
-                  <a:srgbClr val="0D0D0D"/>
-                </a:solidFill>
-                <a:latin typeface="Arial" panose="020B0604020202020204" pitchFamily="34" charset="0"/>
-                <a:cs typeface="Arial" panose="020B0604020202020204" pitchFamily="34" charset="0"/>
-              </a:rPr>
-              <a:t>limitations,</a:t>
-            </a:r>
-            <a:r>
-              <a:rPr sz="1600" spc="-40" dirty="0">
-                <a:solidFill>
-                  <a:srgbClr val="0D0D0D"/>
-                </a:solidFill>
-                <a:latin typeface="Arial" panose="020B0604020202020204" pitchFamily="34" charset="0"/>
-                <a:cs typeface="Arial" panose="020B0604020202020204" pitchFamily="34" charset="0"/>
-              </a:rPr>
-              <a:t> </a:t>
-            </a:r>
-            <a:r>
-              <a:rPr sz="1600" spc="-22" dirty="0">
-                <a:solidFill>
-                  <a:srgbClr val="0D0D0D"/>
-                </a:solidFill>
-                <a:latin typeface="Arial" panose="020B0604020202020204" pitchFamily="34" charset="0"/>
-                <a:cs typeface="Arial" panose="020B0604020202020204" pitchFamily="34" charset="0"/>
-              </a:rPr>
-              <a:t>and </a:t>
-            </a:r>
-            <a:r>
-              <a:rPr sz="1600" dirty="0">
-                <a:solidFill>
-                  <a:srgbClr val="0D0D0D"/>
-                </a:solidFill>
-                <a:latin typeface="Arial" panose="020B0604020202020204" pitchFamily="34" charset="0"/>
-                <a:cs typeface="Arial" panose="020B0604020202020204" pitchFamily="34" charset="0"/>
-              </a:rPr>
-              <a:t>network</a:t>
-            </a:r>
-            <a:r>
-              <a:rPr sz="1600" spc="-31" dirty="0">
-                <a:solidFill>
-                  <a:srgbClr val="0D0D0D"/>
-                </a:solidFill>
-                <a:latin typeface="Arial" panose="020B0604020202020204" pitchFamily="34" charset="0"/>
-                <a:cs typeface="Arial" panose="020B0604020202020204" pitchFamily="34" charset="0"/>
-              </a:rPr>
-              <a:t> </a:t>
-            </a:r>
-            <a:r>
-              <a:rPr sz="1600" dirty="0">
-                <a:solidFill>
-                  <a:srgbClr val="0D0D0D"/>
-                </a:solidFill>
-                <a:latin typeface="Arial" panose="020B0604020202020204" pitchFamily="34" charset="0"/>
-                <a:cs typeface="Arial" panose="020B0604020202020204" pitchFamily="34" charset="0"/>
-              </a:rPr>
-              <a:t>connectivity</a:t>
-            </a:r>
-            <a:r>
-              <a:rPr sz="1600" spc="-26" dirty="0">
-                <a:solidFill>
-                  <a:srgbClr val="0D0D0D"/>
-                </a:solidFill>
-                <a:latin typeface="Arial" panose="020B0604020202020204" pitchFamily="34" charset="0"/>
-                <a:cs typeface="Arial" panose="020B0604020202020204" pitchFamily="34" charset="0"/>
-              </a:rPr>
-              <a:t> </a:t>
-            </a:r>
-            <a:r>
-              <a:rPr sz="1600" dirty="0">
-                <a:solidFill>
-                  <a:srgbClr val="0D0D0D"/>
-                </a:solidFill>
-                <a:latin typeface="Arial" panose="020B0604020202020204" pitchFamily="34" charset="0"/>
-                <a:cs typeface="Arial" panose="020B0604020202020204" pitchFamily="34" charset="0"/>
-              </a:rPr>
-              <a:t>issues.</a:t>
-            </a:r>
-            <a:r>
-              <a:rPr sz="1600" spc="-31" dirty="0">
-                <a:solidFill>
-                  <a:srgbClr val="0D0D0D"/>
-                </a:solidFill>
-                <a:latin typeface="Arial" panose="020B0604020202020204" pitchFamily="34" charset="0"/>
-                <a:cs typeface="Arial" panose="020B0604020202020204" pitchFamily="34" charset="0"/>
-              </a:rPr>
-              <a:t> </a:t>
-            </a:r>
-            <a:r>
-              <a:rPr sz="1600" dirty="0">
-                <a:solidFill>
-                  <a:srgbClr val="0D0D0D"/>
-                </a:solidFill>
-                <a:latin typeface="Arial" panose="020B0604020202020204" pitchFamily="34" charset="0"/>
-                <a:cs typeface="Arial" panose="020B0604020202020204" pitchFamily="34" charset="0"/>
-              </a:rPr>
-              <a:t>Scalability</a:t>
-            </a:r>
-            <a:r>
-              <a:rPr sz="1600" spc="-53" dirty="0">
-                <a:solidFill>
-                  <a:srgbClr val="0D0D0D"/>
-                </a:solidFill>
-                <a:latin typeface="Arial" panose="020B0604020202020204" pitchFamily="34" charset="0"/>
-                <a:cs typeface="Arial" panose="020B0604020202020204" pitchFamily="34" charset="0"/>
-              </a:rPr>
-              <a:t> </a:t>
-            </a:r>
-            <a:r>
-              <a:rPr sz="1600" dirty="0">
-                <a:solidFill>
-                  <a:srgbClr val="0D0D0D"/>
-                </a:solidFill>
-                <a:latin typeface="Arial" panose="020B0604020202020204" pitchFamily="34" charset="0"/>
-                <a:cs typeface="Arial" panose="020B0604020202020204" pitchFamily="34" charset="0"/>
-              </a:rPr>
-              <a:t>and</a:t>
-            </a:r>
-            <a:r>
-              <a:rPr sz="1600" spc="-49" dirty="0">
-                <a:solidFill>
-                  <a:srgbClr val="0D0D0D"/>
-                </a:solidFill>
-                <a:latin typeface="Arial" panose="020B0604020202020204" pitchFamily="34" charset="0"/>
-                <a:cs typeface="Arial" panose="020B0604020202020204" pitchFamily="34" charset="0"/>
-              </a:rPr>
-              <a:t> </a:t>
-            </a:r>
-            <a:r>
-              <a:rPr sz="1600" dirty="0">
-                <a:solidFill>
-                  <a:srgbClr val="0D0D0D"/>
-                </a:solidFill>
-                <a:latin typeface="Arial" panose="020B0604020202020204" pitchFamily="34" charset="0"/>
-                <a:cs typeface="Arial" panose="020B0604020202020204" pitchFamily="34" charset="0"/>
-              </a:rPr>
-              <a:t>uptime</a:t>
-            </a:r>
-            <a:r>
-              <a:rPr sz="1600" spc="-49" dirty="0">
-                <a:solidFill>
-                  <a:srgbClr val="0D0D0D"/>
-                </a:solidFill>
-                <a:latin typeface="Arial" panose="020B0604020202020204" pitchFamily="34" charset="0"/>
-                <a:cs typeface="Arial" panose="020B0604020202020204" pitchFamily="34" charset="0"/>
-              </a:rPr>
-              <a:t> </a:t>
-            </a:r>
-            <a:r>
-              <a:rPr sz="1600" dirty="0">
-                <a:solidFill>
-                  <a:srgbClr val="0D0D0D"/>
-                </a:solidFill>
-                <a:latin typeface="Arial" panose="020B0604020202020204" pitchFamily="34" charset="0"/>
-                <a:cs typeface="Arial" panose="020B0604020202020204" pitchFamily="34" charset="0"/>
-              </a:rPr>
-              <a:t>may</a:t>
-            </a:r>
-            <a:r>
-              <a:rPr sz="1600" spc="-26" dirty="0">
-                <a:solidFill>
-                  <a:srgbClr val="0D0D0D"/>
-                </a:solidFill>
-                <a:latin typeface="Arial" panose="020B0604020202020204" pitchFamily="34" charset="0"/>
-                <a:cs typeface="Arial" panose="020B0604020202020204" pitchFamily="34" charset="0"/>
-              </a:rPr>
-              <a:t> </a:t>
-            </a:r>
-            <a:r>
-              <a:rPr sz="1600" dirty="0">
-                <a:solidFill>
-                  <a:srgbClr val="0D0D0D"/>
-                </a:solidFill>
-                <a:latin typeface="Arial" panose="020B0604020202020204" pitchFamily="34" charset="0"/>
-                <a:cs typeface="Arial" panose="020B0604020202020204" pitchFamily="34" charset="0"/>
-              </a:rPr>
-              <a:t>become</a:t>
-            </a:r>
-            <a:r>
-              <a:rPr sz="1600" spc="-26" dirty="0">
-                <a:solidFill>
-                  <a:srgbClr val="0D0D0D"/>
-                </a:solidFill>
-                <a:latin typeface="Arial" panose="020B0604020202020204" pitchFamily="34" charset="0"/>
-                <a:cs typeface="Arial" panose="020B0604020202020204" pitchFamily="34" charset="0"/>
-              </a:rPr>
-              <a:t> </a:t>
-            </a:r>
-            <a:r>
-              <a:rPr sz="1600" spc="-9" dirty="0">
-                <a:solidFill>
-                  <a:srgbClr val="0D0D0D"/>
-                </a:solidFill>
-                <a:latin typeface="Arial" panose="020B0604020202020204" pitchFamily="34" charset="0"/>
-                <a:cs typeface="Arial" panose="020B0604020202020204" pitchFamily="34" charset="0"/>
-              </a:rPr>
-              <a:t>challenges </a:t>
-            </a:r>
-            <a:r>
-              <a:rPr sz="1600" dirty="0">
-                <a:solidFill>
-                  <a:srgbClr val="0D0D0D"/>
-                </a:solidFill>
-                <a:latin typeface="Arial" panose="020B0604020202020204" pitchFamily="34" charset="0"/>
-                <a:cs typeface="Arial" panose="020B0604020202020204" pitchFamily="34" charset="0"/>
-              </a:rPr>
-              <a:t>during</a:t>
-            </a:r>
-            <a:r>
-              <a:rPr sz="1600" spc="-18" dirty="0">
-                <a:solidFill>
-                  <a:srgbClr val="0D0D0D"/>
-                </a:solidFill>
-                <a:latin typeface="Arial" panose="020B0604020202020204" pitchFamily="34" charset="0"/>
-                <a:cs typeface="Arial" panose="020B0604020202020204" pitchFamily="34" charset="0"/>
-              </a:rPr>
-              <a:t> </a:t>
-            </a:r>
-            <a:r>
-              <a:rPr sz="1600" dirty="0">
-                <a:solidFill>
-                  <a:srgbClr val="0D0D0D"/>
-                </a:solidFill>
-                <a:latin typeface="Arial" panose="020B0604020202020204" pitchFamily="34" charset="0"/>
-                <a:cs typeface="Arial" panose="020B0604020202020204" pitchFamily="34" charset="0"/>
-              </a:rPr>
-              <a:t>periods</a:t>
-            </a:r>
-            <a:r>
-              <a:rPr sz="1600" spc="-13" dirty="0">
-                <a:solidFill>
-                  <a:srgbClr val="0D0D0D"/>
-                </a:solidFill>
-                <a:latin typeface="Arial" panose="020B0604020202020204" pitchFamily="34" charset="0"/>
-                <a:cs typeface="Arial" panose="020B0604020202020204" pitchFamily="34" charset="0"/>
-              </a:rPr>
-              <a:t> </a:t>
-            </a:r>
-            <a:r>
-              <a:rPr sz="1600" dirty="0">
-                <a:solidFill>
-                  <a:srgbClr val="0D0D0D"/>
-                </a:solidFill>
-                <a:latin typeface="Arial" panose="020B0604020202020204" pitchFamily="34" charset="0"/>
-                <a:cs typeface="Arial" panose="020B0604020202020204" pitchFamily="34" charset="0"/>
-              </a:rPr>
-              <a:t>of</a:t>
-            </a:r>
-            <a:r>
-              <a:rPr sz="1600" spc="-9" dirty="0">
-                <a:solidFill>
-                  <a:srgbClr val="0D0D0D"/>
-                </a:solidFill>
-                <a:latin typeface="Arial" panose="020B0604020202020204" pitchFamily="34" charset="0"/>
-                <a:cs typeface="Arial" panose="020B0604020202020204" pitchFamily="34" charset="0"/>
-              </a:rPr>
-              <a:t> </a:t>
-            </a:r>
-            <a:r>
-              <a:rPr sz="1600" dirty="0">
-                <a:solidFill>
-                  <a:srgbClr val="0D0D0D"/>
-                </a:solidFill>
-                <a:latin typeface="Arial" panose="020B0604020202020204" pitchFamily="34" charset="0"/>
-                <a:cs typeface="Arial" panose="020B0604020202020204" pitchFamily="34" charset="0"/>
-              </a:rPr>
-              <a:t>high</a:t>
-            </a:r>
-            <a:r>
-              <a:rPr sz="1600" spc="-13" dirty="0">
-                <a:solidFill>
-                  <a:srgbClr val="0D0D0D"/>
-                </a:solidFill>
-                <a:latin typeface="Arial" panose="020B0604020202020204" pitchFamily="34" charset="0"/>
-                <a:cs typeface="Arial" panose="020B0604020202020204" pitchFamily="34" charset="0"/>
-              </a:rPr>
-              <a:t> </a:t>
-            </a:r>
-            <a:r>
-              <a:rPr sz="1600" dirty="0">
-                <a:solidFill>
-                  <a:srgbClr val="0D0D0D"/>
-                </a:solidFill>
-                <a:latin typeface="Arial" panose="020B0604020202020204" pitchFamily="34" charset="0"/>
-                <a:cs typeface="Arial" panose="020B0604020202020204" pitchFamily="34" charset="0"/>
-              </a:rPr>
-              <a:t>traffic</a:t>
-            </a:r>
-            <a:r>
-              <a:rPr sz="1600" spc="-13" dirty="0">
-                <a:solidFill>
-                  <a:srgbClr val="0D0D0D"/>
-                </a:solidFill>
-                <a:latin typeface="Arial" panose="020B0604020202020204" pitchFamily="34" charset="0"/>
-                <a:cs typeface="Arial" panose="020B0604020202020204" pitchFamily="34" charset="0"/>
-              </a:rPr>
-              <a:t> </a:t>
-            </a:r>
-            <a:r>
-              <a:rPr sz="1600" dirty="0">
-                <a:solidFill>
-                  <a:srgbClr val="0D0D0D"/>
-                </a:solidFill>
-                <a:latin typeface="Arial" panose="020B0604020202020204" pitchFamily="34" charset="0"/>
-                <a:cs typeface="Arial" panose="020B0604020202020204" pitchFamily="34" charset="0"/>
-              </a:rPr>
-              <a:t>or</a:t>
-            </a:r>
-            <a:r>
-              <a:rPr sz="1600" spc="-26" dirty="0">
-                <a:solidFill>
-                  <a:srgbClr val="0D0D0D"/>
-                </a:solidFill>
-                <a:latin typeface="Arial" panose="020B0604020202020204" pitchFamily="34" charset="0"/>
-                <a:cs typeface="Arial" panose="020B0604020202020204" pitchFamily="34" charset="0"/>
-              </a:rPr>
-              <a:t> </a:t>
-            </a:r>
-            <a:r>
-              <a:rPr sz="1600" dirty="0">
-                <a:solidFill>
-                  <a:srgbClr val="0D0D0D"/>
-                </a:solidFill>
-                <a:latin typeface="Arial" panose="020B0604020202020204" pitchFamily="34" charset="0"/>
-                <a:cs typeface="Arial" panose="020B0604020202020204" pitchFamily="34" charset="0"/>
-              </a:rPr>
-              <a:t>system</a:t>
-            </a:r>
-            <a:r>
-              <a:rPr sz="1600" spc="-9" dirty="0">
-                <a:solidFill>
-                  <a:srgbClr val="0D0D0D"/>
-                </a:solidFill>
-                <a:latin typeface="Arial" panose="020B0604020202020204" pitchFamily="34" charset="0"/>
-                <a:cs typeface="Arial" panose="020B0604020202020204" pitchFamily="34" charset="0"/>
-              </a:rPr>
-              <a:t> maintenance.</a:t>
-            </a:r>
-            <a:endParaRPr sz="1600" dirty="0">
+              <a:t>:</a:t>
+            </a:r>
+            <a:endParaRPr dirty="0">
               <a:latin typeface="Arial" panose="020B0604020202020204" pitchFamily="34" charset="0"/>
               <a:cs typeface="Arial" panose="020B0604020202020204" pitchFamily="34" charset="0"/>
             </a:endParaRPr>
           </a:p>
           <a:p>
-            <a:pPr marL="170899" indent="-159692">
+            <a:pPr marL="296956" marR="131676" indent="-285750">
+              <a:lnSpc>
+                <a:spcPct val="105200"/>
+              </a:lnSpc>
               <a:spcBef>
-                <a:spcPts val="613"/>
+                <a:spcPts val="582"/>
               </a:spcBef>
-              <a:buClr>
-                <a:srgbClr val="000000"/>
-              </a:buClr>
-              <a:buSzPct val="92857"/>
-              <a:buAutoNum type="arabicPeriod" startAt="2"/>
-              <a:tabLst>
-                <a:tab pos="170899" algn="l"/>
-              </a:tabLst>
+              <a:buFont typeface="Arial" panose="020B0604020202020204" pitchFamily="34" charset="0"/>
+              <a:buChar char="•"/>
             </a:pPr>
             <a:r>
-              <a:rPr sz="1600" b="1" dirty="0">
+              <a:rPr lang="en-US" dirty="0">
                 <a:solidFill>
                   <a:srgbClr val="0D0D0D"/>
                 </a:solidFill>
                 <a:latin typeface="Arial" panose="020B0604020202020204" pitchFamily="34" charset="0"/>
                 <a:cs typeface="Arial" panose="020B0604020202020204" pitchFamily="34" charset="0"/>
               </a:rPr>
-              <a:t>Product</a:t>
-            </a:r>
-            <a:r>
-              <a:rPr sz="1600" b="1" spc="-4" dirty="0">
-                <a:solidFill>
-                  <a:srgbClr val="0D0D0D"/>
-                </a:solidFill>
-                <a:latin typeface="Arial" panose="020B0604020202020204" pitchFamily="34" charset="0"/>
-                <a:cs typeface="Arial" panose="020B0604020202020204" pitchFamily="34" charset="0"/>
-              </a:rPr>
-              <a:t> </a:t>
-            </a:r>
-            <a:r>
-              <a:rPr sz="1600" b="1" dirty="0">
-                <a:solidFill>
-                  <a:srgbClr val="0D0D0D"/>
-                </a:solidFill>
-                <a:latin typeface="Arial" panose="020B0604020202020204" pitchFamily="34" charset="0"/>
-                <a:cs typeface="Arial" panose="020B0604020202020204" pitchFamily="34" charset="0"/>
-              </a:rPr>
-              <a:t>Availability and</a:t>
-            </a:r>
-            <a:r>
-              <a:rPr sz="1600" b="1" spc="-18" dirty="0">
-                <a:solidFill>
-                  <a:srgbClr val="0D0D0D"/>
-                </a:solidFill>
-                <a:latin typeface="Arial" panose="020B0604020202020204" pitchFamily="34" charset="0"/>
-                <a:cs typeface="Arial" panose="020B0604020202020204" pitchFamily="34" charset="0"/>
-              </a:rPr>
-              <a:t> </a:t>
-            </a:r>
-            <a:r>
-              <a:rPr sz="1600" b="1" spc="-9" dirty="0">
-                <a:solidFill>
-                  <a:srgbClr val="0D0D0D"/>
-                </a:solidFill>
-                <a:latin typeface="Arial" panose="020B0604020202020204" pitchFamily="34" charset="0"/>
-                <a:cs typeface="Arial" panose="020B0604020202020204" pitchFamily="34" charset="0"/>
-              </a:rPr>
-              <a:t>Fulfillment</a:t>
-            </a:r>
-            <a:r>
-              <a:rPr sz="1600" spc="-9" dirty="0">
-                <a:solidFill>
-                  <a:srgbClr val="0D0D0D"/>
-                </a:solidFill>
-                <a:latin typeface="Arial" panose="020B0604020202020204" pitchFamily="34" charset="0"/>
-                <a:cs typeface="Arial" panose="020B0604020202020204" pitchFamily="34" charset="0"/>
-              </a:rPr>
-              <a:t>:</a:t>
-            </a:r>
-            <a:endParaRPr sz="1600" dirty="0">
-              <a:latin typeface="Arial" panose="020B0604020202020204" pitchFamily="34" charset="0"/>
-              <a:cs typeface="Arial" panose="020B0604020202020204" pitchFamily="34" charset="0"/>
-            </a:endParaRPr>
+              <a:t>May not always reflect real-time stock availability. Out-of-stock issues or delays in orders can impact customer satisfaction.</a:t>
+            </a:r>
           </a:p>
           <a:p>
             <a:pPr marL="11206" marR="131676" indent="39223">
@@ -11347,17 +8585,17 @@
               </a:spcBef>
             </a:pPr>
             <a:r>
-              <a:rPr sz="1600" dirty="0">
+              <a:rPr b="1" dirty="0">
                 <a:solidFill>
                   <a:srgbClr val="0D0D0D"/>
                 </a:solidFill>
                 <a:latin typeface="Arial" panose="020B0604020202020204" pitchFamily="34" charset="0"/>
                 <a:cs typeface="Arial" panose="020B0604020202020204" pitchFamily="34" charset="0"/>
               </a:rPr>
-              <a:t>Despite</a:t>
-            </a:r>
-            <a:r>
-              <a:rPr sz="1600" spc="-26" dirty="0">
+              <a:t>Competitive</a:t>
+            </a:r>
+            <a:r>
+              <a:rPr b="1" spc="-26" dirty="0">
                 <a:solidFill>
                   <a:srgbClr val="0D0D0D"/>
                 </a:solidFill>
@@ -11367,1690 +8605,51 @@
               <a:t> </a:t>
             </a:r>
             <a:r>
-              <a:rPr sz="1600" dirty="0">
+              <a:rPr b="1" spc="-9" dirty="0">
                 <a:solidFill>
                   <a:srgbClr val="0D0D0D"/>
                 </a:solidFill>
                 <a:latin typeface="Arial" panose="020B0604020202020204" pitchFamily="34" charset="0"/>
                 <a:cs typeface="Arial" panose="020B0604020202020204" pitchFamily="34" charset="0"/>
               </a:rPr>
-              <a:t>efforts</a:t>
-            </a:r>
-            <a:r>
-              <a:rPr sz="1600" spc="-26" dirty="0">
+              <a:t>Landscape</a:t>
+            </a:r>
+            <a:r>
+              <a:rPr spc="-9" dirty="0">
                 <a:solidFill>
                   <a:srgbClr val="0D0D0D"/>
                 </a:solidFill>
                 <a:latin typeface="Arial" panose="020B0604020202020204" pitchFamily="34" charset="0"/>
                 <a:cs typeface="Arial" panose="020B0604020202020204" pitchFamily="34" charset="0"/>
               </a:rPr>
-              <a:t> </a:t>
-            </a:r>
-            <a:r>
-              <a:rPr sz="1600" dirty="0">
-                <a:solidFill>
-                  <a:srgbClr val="0D0D0D"/>
-                </a:solidFill>
-                <a:latin typeface="Arial" panose="020B0604020202020204" pitchFamily="34" charset="0"/>
-                <a:cs typeface="Arial" panose="020B0604020202020204" pitchFamily="34" charset="0"/>
-              </a:rPr>
-              <a:t>to</a:t>
-            </a:r>
-            <a:r>
-              <a:rPr sz="1600" spc="-26" dirty="0">
-                <a:solidFill>
-                  <a:srgbClr val="0D0D0D"/>
-                </a:solidFill>
-                <a:latin typeface="Arial" panose="020B0604020202020204" pitchFamily="34" charset="0"/>
-                <a:cs typeface="Arial" panose="020B0604020202020204" pitchFamily="34" charset="0"/>
-              </a:rPr>
-              <a:t> </a:t>
-            </a:r>
-            <a:r>
-              <a:rPr sz="1600" dirty="0">
-                <a:solidFill>
-                  <a:srgbClr val="0D0D0D"/>
-                </a:solidFill>
-                <a:latin typeface="Arial" panose="020B0604020202020204" pitchFamily="34" charset="0"/>
-                <a:cs typeface="Arial" panose="020B0604020202020204" pitchFamily="34" charset="0"/>
-              </a:rPr>
-              <a:t>synchronize</a:t>
-            </a:r>
-            <a:r>
-              <a:rPr sz="1600" spc="-18" dirty="0">
-                <a:solidFill>
-                  <a:srgbClr val="0D0D0D"/>
-                </a:solidFill>
-                <a:latin typeface="Arial" panose="020B0604020202020204" pitchFamily="34" charset="0"/>
-                <a:cs typeface="Arial" panose="020B0604020202020204" pitchFamily="34" charset="0"/>
-              </a:rPr>
-              <a:t> </a:t>
-            </a:r>
-            <a:r>
-              <a:rPr sz="1600" dirty="0">
-                <a:solidFill>
-                  <a:srgbClr val="0D0D0D"/>
-                </a:solidFill>
-                <a:latin typeface="Arial" panose="020B0604020202020204" pitchFamily="34" charset="0"/>
-                <a:cs typeface="Arial" panose="020B0604020202020204" pitchFamily="34" charset="0"/>
-              </a:rPr>
-              <a:t>inventory</a:t>
-            </a:r>
-            <a:r>
-              <a:rPr sz="1600" spc="-26" dirty="0">
-                <a:solidFill>
-                  <a:srgbClr val="0D0D0D"/>
-                </a:solidFill>
-                <a:latin typeface="Arial" panose="020B0604020202020204" pitchFamily="34" charset="0"/>
-                <a:cs typeface="Arial" panose="020B0604020202020204" pitchFamily="34" charset="0"/>
-              </a:rPr>
-              <a:t> </a:t>
-            </a:r>
-            <a:r>
-              <a:rPr sz="1600" dirty="0">
-                <a:solidFill>
-                  <a:srgbClr val="0D0D0D"/>
-                </a:solidFill>
-                <a:latin typeface="Arial" panose="020B0604020202020204" pitchFamily="34" charset="0"/>
-                <a:cs typeface="Arial" panose="020B0604020202020204" pitchFamily="34" charset="0"/>
-              </a:rPr>
-              <a:t>data,</a:t>
-            </a:r>
-            <a:r>
-              <a:rPr sz="1600" spc="-26" dirty="0">
-                <a:solidFill>
-                  <a:srgbClr val="0D0D0D"/>
-                </a:solidFill>
-                <a:latin typeface="Arial" panose="020B0604020202020204" pitchFamily="34" charset="0"/>
-                <a:cs typeface="Arial" panose="020B0604020202020204" pitchFamily="34" charset="0"/>
-              </a:rPr>
-              <a:t> </a:t>
-            </a:r>
-            <a:r>
-              <a:rPr sz="1600" dirty="0">
-                <a:solidFill>
-                  <a:srgbClr val="0D0D0D"/>
-                </a:solidFill>
-                <a:latin typeface="Arial" panose="020B0604020202020204" pitchFamily="34" charset="0"/>
-                <a:cs typeface="Arial" panose="020B0604020202020204" pitchFamily="34" charset="0"/>
-              </a:rPr>
-              <a:t>there</a:t>
-            </a:r>
-            <a:r>
-              <a:rPr sz="1600" spc="-44" dirty="0">
-                <a:solidFill>
-                  <a:srgbClr val="0D0D0D"/>
-                </a:solidFill>
-                <a:latin typeface="Arial" panose="020B0604020202020204" pitchFamily="34" charset="0"/>
-                <a:cs typeface="Arial" panose="020B0604020202020204" pitchFamily="34" charset="0"/>
-              </a:rPr>
-              <a:t> </a:t>
-            </a:r>
-            <a:r>
-              <a:rPr sz="1600" dirty="0">
-                <a:solidFill>
-                  <a:srgbClr val="0D0D0D"/>
-                </a:solidFill>
-                <a:latin typeface="Arial" panose="020B0604020202020204" pitchFamily="34" charset="0"/>
-                <a:cs typeface="Arial" panose="020B0604020202020204" pitchFamily="34" charset="0"/>
-              </a:rPr>
-              <a:t>may</a:t>
-            </a:r>
-            <a:r>
-              <a:rPr sz="1600" spc="-26" dirty="0">
-                <a:solidFill>
-                  <a:srgbClr val="0D0D0D"/>
-                </a:solidFill>
-                <a:latin typeface="Arial" panose="020B0604020202020204" pitchFamily="34" charset="0"/>
-                <a:cs typeface="Arial" panose="020B0604020202020204" pitchFamily="34" charset="0"/>
-              </a:rPr>
-              <a:t> </a:t>
-            </a:r>
-            <a:r>
-              <a:rPr sz="1600" dirty="0">
-                <a:solidFill>
-                  <a:srgbClr val="0D0D0D"/>
-                </a:solidFill>
-                <a:latin typeface="Arial" panose="020B0604020202020204" pitchFamily="34" charset="0"/>
-                <a:cs typeface="Arial" panose="020B0604020202020204" pitchFamily="34" charset="0"/>
-              </a:rPr>
-              <a:t>be</a:t>
-            </a:r>
-            <a:r>
-              <a:rPr sz="1600" spc="-22" dirty="0">
-                <a:solidFill>
-                  <a:srgbClr val="0D0D0D"/>
-                </a:solidFill>
-                <a:latin typeface="Arial" panose="020B0604020202020204" pitchFamily="34" charset="0"/>
-                <a:cs typeface="Arial" panose="020B0604020202020204" pitchFamily="34" charset="0"/>
-              </a:rPr>
-              <a:t> </a:t>
-            </a:r>
-            <a:r>
-              <a:rPr sz="1600" dirty="0">
-                <a:solidFill>
-                  <a:srgbClr val="0D0D0D"/>
-                </a:solidFill>
-                <a:latin typeface="Arial" panose="020B0604020202020204" pitchFamily="34" charset="0"/>
-                <a:cs typeface="Arial" panose="020B0604020202020204" pitchFamily="34" charset="0"/>
-              </a:rPr>
-              <a:t>limitations</a:t>
-            </a:r>
-            <a:r>
-              <a:rPr sz="1600" spc="-44" dirty="0">
-                <a:solidFill>
-                  <a:srgbClr val="0D0D0D"/>
-                </a:solidFill>
-                <a:latin typeface="Arial" panose="020B0604020202020204" pitchFamily="34" charset="0"/>
-                <a:cs typeface="Arial" panose="020B0604020202020204" pitchFamily="34" charset="0"/>
-              </a:rPr>
-              <a:t> </a:t>
-            </a:r>
-            <a:r>
-              <a:rPr sz="1600" spc="-22" dirty="0">
-                <a:solidFill>
-                  <a:srgbClr val="0D0D0D"/>
-                </a:solidFill>
-                <a:latin typeface="Arial" panose="020B0604020202020204" pitchFamily="34" charset="0"/>
-                <a:cs typeface="Arial" panose="020B0604020202020204" pitchFamily="34" charset="0"/>
-              </a:rPr>
-              <a:t>in </a:t>
-            </a:r>
-            <a:r>
-              <a:rPr sz="1600" dirty="0">
-                <a:solidFill>
-                  <a:srgbClr val="0D0D0D"/>
-                </a:solidFill>
-                <a:latin typeface="Arial" panose="020B0604020202020204" pitchFamily="34" charset="0"/>
-                <a:cs typeface="Arial" panose="020B0604020202020204" pitchFamily="34" charset="0"/>
-              </a:rPr>
-              <a:t>accurately</a:t>
-            </a:r>
-            <a:r>
-              <a:rPr sz="1600" spc="-35" dirty="0">
-                <a:solidFill>
-                  <a:srgbClr val="0D0D0D"/>
-                </a:solidFill>
-                <a:latin typeface="Arial" panose="020B0604020202020204" pitchFamily="34" charset="0"/>
-                <a:cs typeface="Arial" panose="020B0604020202020204" pitchFamily="34" charset="0"/>
-              </a:rPr>
-              <a:t> </a:t>
-            </a:r>
-            <a:r>
-              <a:rPr sz="1600" dirty="0">
-                <a:solidFill>
-                  <a:srgbClr val="0D0D0D"/>
-                </a:solidFill>
-                <a:latin typeface="Arial" panose="020B0604020202020204" pitchFamily="34" charset="0"/>
-                <a:cs typeface="Arial" panose="020B0604020202020204" pitchFamily="34" charset="0"/>
-              </a:rPr>
-              <a:t>reflecting</a:t>
-            </a:r>
-            <a:r>
-              <a:rPr sz="1600" spc="-57" dirty="0">
-                <a:solidFill>
-                  <a:srgbClr val="0D0D0D"/>
-                </a:solidFill>
-                <a:latin typeface="Arial" panose="020B0604020202020204" pitchFamily="34" charset="0"/>
-                <a:cs typeface="Arial" panose="020B0604020202020204" pitchFamily="34" charset="0"/>
-              </a:rPr>
-              <a:t> </a:t>
-            </a:r>
-            <a:r>
-              <a:rPr sz="1600" dirty="0">
-                <a:solidFill>
-                  <a:srgbClr val="0D0D0D"/>
-                </a:solidFill>
-                <a:latin typeface="Arial" panose="020B0604020202020204" pitchFamily="34" charset="0"/>
-                <a:cs typeface="Arial" panose="020B0604020202020204" pitchFamily="34" charset="0"/>
-              </a:rPr>
-              <a:t>real-time</a:t>
-            </a:r>
-            <a:r>
-              <a:rPr sz="1600" spc="-35" dirty="0">
-                <a:solidFill>
-                  <a:srgbClr val="0D0D0D"/>
-                </a:solidFill>
-                <a:latin typeface="Arial" panose="020B0604020202020204" pitchFamily="34" charset="0"/>
-                <a:cs typeface="Arial" panose="020B0604020202020204" pitchFamily="34" charset="0"/>
-              </a:rPr>
-              <a:t> </a:t>
-            </a:r>
-            <a:r>
-              <a:rPr sz="1600" dirty="0">
-                <a:solidFill>
-                  <a:srgbClr val="0D0D0D"/>
-                </a:solidFill>
-                <a:latin typeface="Arial" panose="020B0604020202020204" pitchFamily="34" charset="0"/>
-                <a:cs typeface="Arial" panose="020B0604020202020204" pitchFamily="34" charset="0"/>
-              </a:rPr>
-              <a:t>product</a:t>
-            </a:r>
-            <a:r>
-              <a:rPr sz="1600" spc="-26" dirty="0">
-                <a:solidFill>
-                  <a:srgbClr val="0D0D0D"/>
-                </a:solidFill>
-                <a:latin typeface="Arial" panose="020B0604020202020204" pitchFamily="34" charset="0"/>
-                <a:cs typeface="Arial" panose="020B0604020202020204" pitchFamily="34" charset="0"/>
-              </a:rPr>
-              <a:t> </a:t>
-            </a:r>
-            <a:r>
-              <a:rPr sz="1600" dirty="0">
-                <a:solidFill>
-                  <a:srgbClr val="0D0D0D"/>
-                </a:solidFill>
-                <a:latin typeface="Arial" panose="020B0604020202020204" pitchFamily="34" charset="0"/>
-                <a:cs typeface="Arial" panose="020B0604020202020204" pitchFamily="34" charset="0"/>
-              </a:rPr>
-              <a:t>availability</a:t>
-            </a:r>
-            <a:r>
-              <a:rPr sz="1600" spc="-35" dirty="0">
-                <a:solidFill>
-                  <a:srgbClr val="0D0D0D"/>
-                </a:solidFill>
-                <a:latin typeface="Arial" panose="020B0604020202020204" pitchFamily="34" charset="0"/>
-                <a:cs typeface="Arial" panose="020B0604020202020204" pitchFamily="34" charset="0"/>
-              </a:rPr>
-              <a:t> </a:t>
-            </a:r>
-            <a:r>
-              <a:rPr sz="1600" dirty="0">
-                <a:solidFill>
-                  <a:srgbClr val="0D0D0D"/>
-                </a:solidFill>
-                <a:latin typeface="Arial" panose="020B0604020202020204" pitchFamily="34" charset="0"/>
-                <a:cs typeface="Arial" panose="020B0604020202020204" pitchFamily="34" charset="0"/>
-              </a:rPr>
-              <a:t>and</a:t>
-            </a:r>
-            <a:r>
-              <a:rPr sz="1600" spc="-35" dirty="0">
-                <a:solidFill>
-                  <a:srgbClr val="0D0D0D"/>
-                </a:solidFill>
-                <a:latin typeface="Arial" panose="020B0604020202020204" pitchFamily="34" charset="0"/>
-                <a:cs typeface="Arial" panose="020B0604020202020204" pitchFamily="34" charset="0"/>
-              </a:rPr>
-              <a:t> </a:t>
-            </a:r>
-            <a:r>
-              <a:rPr sz="1600" dirty="0">
-                <a:solidFill>
-                  <a:srgbClr val="0D0D0D"/>
-                </a:solidFill>
-                <a:latin typeface="Arial" panose="020B0604020202020204" pitchFamily="34" charset="0"/>
-                <a:cs typeface="Arial" panose="020B0604020202020204" pitchFamily="34" charset="0"/>
-              </a:rPr>
-              <a:t>fulfillment</a:t>
-            </a:r>
-            <a:r>
-              <a:rPr sz="1600" spc="-44" dirty="0">
-                <a:solidFill>
-                  <a:srgbClr val="0D0D0D"/>
-                </a:solidFill>
-                <a:latin typeface="Arial" panose="020B0604020202020204" pitchFamily="34" charset="0"/>
-                <a:cs typeface="Arial" panose="020B0604020202020204" pitchFamily="34" charset="0"/>
-              </a:rPr>
-              <a:t> </a:t>
-            </a:r>
-            <a:r>
-              <a:rPr sz="1600" dirty="0">
-                <a:solidFill>
-                  <a:srgbClr val="0D0D0D"/>
-                </a:solidFill>
-                <a:latin typeface="Arial" panose="020B0604020202020204" pitchFamily="34" charset="0"/>
-                <a:cs typeface="Arial" panose="020B0604020202020204" pitchFamily="34" charset="0"/>
-              </a:rPr>
-              <a:t>status.</a:t>
-            </a:r>
-            <a:r>
-              <a:rPr sz="1600" spc="-35" dirty="0">
-                <a:solidFill>
-                  <a:srgbClr val="0D0D0D"/>
-                </a:solidFill>
-                <a:latin typeface="Arial" panose="020B0604020202020204" pitchFamily="34" charset="0"/>
-                <a:cs typeface="Arial" panose="020B0604020202020204" pitchFamily="34" charset="0"/>
-              </a:rPr>
-              <a:t> </a:t>
-            </a:r>
-            <a:r>
-              <a:rPr sz="1600" spc="-18" dirty="0">
-                <a:solidFill>
-                  <a:srgbClr val="0D0D0D"/>
-                </a:solidFill>
-                <a:latin typeface="Arial" panose="020B0604020202020204" pitchFamily="34" charset="0"/>
-                <a:cs typeface="Arial" panose="020B0604020202020204" pitchFamily="34" charset="0"/>
-              </a:rPr>
-              <a:t>This </a:t>
-            </a:r>
-            <a:r>
-              <a:rPr sz="1600" dirty="0">
-                <a:solidFill>
-                  <a:srgbClr val="0D0D0D"/>
-                </a:solidFill>
-                <a:latin typeface="Arial" panose="020B0604020202020204" pitchFamily="34" charset="0"/>
-                <a:cs typeface="Arial" panose="020B0604020202020204" pitchFamily="34" charset="0"/>
-              </a:rPr>
-              <a:t>could</a:t>
-            </a:r>
-            <a:r>
-              <a:rPr sz="1600" spc="-26" dirty="0">
-                <a:solidFill>
-                  <a:srgbClr val="0D0D0D"/>
-                </a:solidFill>
-                <a:latin typeface="Arial" panose="020B0604020202020204" pitchFamily="34" charset="0"/>
-                <a:cs typeface="Arial" panose="020B0604020202020204" pitchFamily="34" charset="0"/>
-              </a:rPr>
-              <a:t> </a:t>
-            </a:r>
-            <a:r>
-              <a:rPr sz="1600" dirty="0">
-                <a:solidFill>
-                  <a:srgbClr val="0D0D0D"/>
-                </a:solidFill>
-                <a:latin typeface="Arial" panose="020B0604020202020204" pitchFamily="34" charset="0"/>
-                <a:cs typeface="Arial" panose="020B0604020202020204" pitchFamily="34" charset="0"/>
-              </a:rPr>
-              <a:t>result</a:t>
-            </a:r>
-            <a:r>
-              <a:rPr sz="1600" spc="-31" dirty="0">
-                <a:solidFill>
-                  <a:srgbClr val="0D0D0D"/>
-                </a:solidFill>
-                <a:latin typeface="Arial" panose="020B0604020202020204" pitchFamily="34" charset="0"/>
-                <a:cs typeface="Arial" panose="020B0604020202020204" pitchFamily="34" charset="0"/>
-              </a:rPr>
-              <a:t> </a:t>
-            </a:r>
-            <a:r>
-              <a:rPr sz="1600" dirty="0">
-                <a:solidFill>
-                  <a:srgbClr val="0D0D0D"/>
-                </a:solidFill>
-                <a:latin typeface="Arial" panose="020B0604020202020204" pitchFamily="34" charset="0"/>
-                <a:cs typeface="Arial" panose="020B0604020202020204" pitchFamily="34" charset="0"/>
-              </a:rPr>
-              <a:t>in</a:t>
-            </a:r>
-            <a:r>
-              <a:rPr sz="1600" spc="-13" dirty="0">
-                <a:solidFill>
-                  <a:srgbClr val="0D0D0D"/>
-                </a:solidFill>
-                <a:latin typeface="Arial" panose="020B0604020202020204" pitchFamily="34" charset="0"/>
-                <a:cs typeface="Arial" panose="020B0604020202020204" pitchFamily="34" charset="0"/>
-              </a:rPr>
-              <a:t> </a:t>
-            </a:r>
-            <a:r>
-              <a:rPr sz="1600" dirty="0">
-                <a:solidFill>
-                  <a:srgbClr val="0D0D0D"/>
-                </a:solidFill>
-                <a:latin typeface="Arial" panose="020B0604020202020204" pitchFamily="34" charset="0"/>
-                <a:cs typeface="Arial" panose="020B0604020202020204" pitchFamily="34" charset="0"/>
-              </a:rPr>
-              <a:t>instances</a:t>
-            </a:r>
-            <a:r>
-              <a:rPr sz="1600" spc="-9" dirty="0">
-                <a:solidFill>
-                  <a:srgbClr val="0D0D0D"/>
-                </a:solidFill>
-                <a:latin typeface="Arial" panose="020B0604020202020204" pitchFamily="34" charset="0"/>
-                <a:cs typeface="Arial" panose="020B0604020202020204" pitchFamily="34" charset="0"/>
-              </a:rPr>
-              <a:t> </a:t>
-            </a:r>
-            <a:r>
-              <a:rPr sz="1600" dirty="0">
-                <a:solidFill>
-                  <a:srgbClr val="0D0D0D"/>
-                </a:solidFill>
-                <a:latin typeface="Arial" panose="020B0604020202020204" pitchFamily="34" charset="0"/>
-                <a:cs typeface="Arial" panose="020B0604020202020204" pitchFamily="34" charset="0"/>
-              </a:rPr>
-              <a:t>of</a:t>
-            </a:r>
-            <a:r>
-              <a:rPr sz="1600" spc="-9" dirty="0">
-                <a:solidFill>
-                  <a:srgbClr val="0D0D0D"/>
-                </a:solidFill>
-                <a:latin typeface="Arial" panose="020B0604020202020204" pitchFamily="34" charset="0"/>
-                <a:cs typeface="Arial" panose="020B0604020202020204" pitchFamily="34" charset="0"/>
-              </a:rPr>
-              <a:t> </a:t>
-            </a:r>
-            <a:r>
-              <a:rPr sz="1600" dirty="0">
-                <a:solidFill>
-                  <a:srgbClr val="0D0D0D"/>
-                </a:solidFill>
-                <a:latin typeface="Arial" panose="020B0604020202020204" pitchFamily="34" charset="0"/>
-                <a:cs typeface="Arial" panose="020B0604020202020204" pitchFamily="34" charset="0"/>
-              </a:rPr>
-              <a:t>out-</a:t>
-            </a:r>
-            <a:r>
-              <a:rPr sz="1600" spc="-9" dirty="0">
-                <a:solidFill>
-                  <a:srgbClr val="0D0D0D"/>
-                </a:solidFill>
-                <a:latin typeface="Arial" panose="020B0604020202020204" pitchFamily="34" charset="0"/>
-                <a:cs typeface="Arial" panose="020B0604020202020204" pitchFamily="34" charset="0"/>
-              </a:rPr>
-              <a:t>of-</a:t>
-            </a:r>
-            <a:r>
-              <a:rPr sz="1600" dirty="0">
-                <a:solidFill>
-                  <a:srgbClr val="0D0D0D"/>
-                </a:solidFill>
-                <a:latin typeface="Arial" panose="020B0604020202020204" pitchFamily="34" charset="0"/>
-                <a:cs typeface="Arial" panose="020B0604020202020204" pitchFamily="34" charset="0"/>
-              </a:rPr>
-              <a:t>stock</a:t>
-            </a:r>
-            <a:r>
-              <a:rPr sz="1600" spc="-18" dirty="0">
-                <a:solidFill>
-                  <a:srgbClr val="0D0D0D"/>
-                </a:solidFill>
-                <a:latin typeface="Arial" panose="020B0604020202020204" pitchFamily="34" charset="0"/>
-                <a:cs typeface="Arial" panose="020B0604020202020204" pitchFamily="34" charset="0"/>
-              </a:rPr>
-              <a:t> </a:t>
-            </a:r>
-            <a:r>
-              <a:rPr sz="1600" dirty="0">
-                <a:solidFill>
-                  <a:srgbClr val="0D0D0D"/>
-                </a:solidFill>
-                <a:latin typeface="Arial" panose="020B0604020202020204" pitchFamily="34" charset="0"/>
-                <a:cs typeface="Arial" panose="020B0604020202020204" pitchFamily="34" charset="0"/>
-              </a:rPr>
-              <a:t>products</a:t>
-            </a:r>
-            <a:r>
-              <a:rPr sz="1600" spc="-13" dirty="0">
-                <a:solidFill>
-                  <a:srgbClr val="0D0D0D"/>
-                </a:solidFill>
-                <a:latin typeface="Arial" panose="020B0604020202020204" pitchFamily="34" charset="0"/>
-                <a:cs typeface="Arial" panose="020B0604020202020204" pitchFamily="34" charset="0"/>
-              </a:rPr>
-              <a:t> </a:t>
-            </a:r>
-            <a:r>
-              <a:rPr sz="1600" dirty="0">
-                <a:solidFill>
-                  <a:srgbClr val="0D0D0D"/>
-                </a:solidFill>
-                <a:latin typeface="Arial" panose="020B0604020202020204" pitchFamily="34" charset="0"/>
-                <a:cs typeface="Arial" panose="020B0604020202020204" pitchFamily="34" charset="0"/>
-              </a:rPr>
-              <a:t>or</a:t>
-            </a:r>
-            <a:r>
-              <a:rPr sz="1600" spc="-9" dirty="0">
-                <a:solidFill>
-                  <a:srgbClr val="0D0D0D"/>
-                </a:solidFill>
-                <a:latin typeface="Arial" panose="020B0604020202020204" pitchFamily="34" charset="0"/>
-                <a:cs typeface="Arial" panose="020B0604020202020204" pitchFamily="34" charset="0"/>
-              </a:rPr>
-              <a:t> </a:t>
-            </a:r>
-            <a:r>
-              <a:rPr sz="1600" dirty="0">
-                <a:solidFill>
-                  <a:srgbClr val="0D0D0D"/>
-                </a:solidFill>
-                <a:latin typeface="Arial" panose="020B0604020202020204" pitchFamily="34" charset="0"/>
-                <a:cs typeface="Arial" panose="020B0604020202020204" pitchFamily="34" charset="0"/>
-              </a:rPr>
-              <a:t>delays</a:t>
-            </a:r>
-            <a:r>
-              <a:rPr sz="1600" spc="-31" dirty="0">
-                <a:solidFill>
-                  <a:srgbClr val="0D0D0D"/>
-                </a:solidFill>
-                <a:latin typeface="Arial" panose="020B0604020202020204" pitchFamily="34" charset="0"/>
-                <a:cs typeface="Arial" panose="020B0604020202020204" pitchFamily="34" charset="0"/>
-              </a:rPr>
-              <a:t> </a:t>
-            </a:r>
-            <a:r>
-              <a:rPr sz="1600" dirty="0">
-                <a:solidFill>
-                  <a:srgbClr val="0D0D0D"/>
-                </a:solidFill>
-                <a:latin typeface="Arial" panose="020B0604020202020204" pitchFamily="34" charset="0"/>
-                <a:cs typeface="Arial" panose="020B0604020202020204" pitchFamily="34" charset="0"/>
-              </a:rPr>
-              <a:t>in</a:t>
-            </a:r>
-            <a:r>
-              <a:rPr sz="1600" spc="-13" dirty="0">
-                <a:solidFill>
-                  <a:srgbClr val="0D0D0D"/>
-                </a:solidFill>
-                <a:latin typeface="Arial" panose="020B0604020202020204" pitchFamily="34" charset="0"/>
-                <a:cs typeface="Arial" panose="020B0604020202020204" pitchFamily="34" charset="0"/>
-              </a:rPr>
-              <a:t> </a:t>
-            </a:r>
-            <a:r>
-              <a:rPr sz="1600" dirty="0">
-                <a:solidFill>
-                  <a:srgbClr val="0D0D0D"/>
-                </a:solidFill>
-                <a:latin typeface="Arial" panose="020B0604020202020204" pitchFamily="34" charset="0"/>
-                <a:cs typeface="Arial" panose="020B0604020202020204" pitchFamily="34" charset="0"/>
-              </a:rPr>
-              <a:t>order</a:t>
-            </a:r>
-            <a:r>
-              <a:rPr sz="1600" spc="-4" dirty="0">
-                <a:solidFill>
-                  <a:srgbClr val="0D0D0D"/>
-                </a:solidFill>
-                <a:latin typeface="Arial" panose="020B0604020202020204" pitchFamily="34" charset="0"/>
-                <a:cs typeface="Arial" panose="020B0604020202020204" pitchFamily="34" charset="0"/>
-              </a:rPr>
-              <a:t> </a:t>
-            </a:r>
-            <a:r>
-              <a:rPr sz="1600" spc="-9" dirty="0">
-                <a:solidFill>
-                  <a:srgbClr val="0D0D0D"/>
-                </a:solidFill>
-                <a:latin typeface="Arial" panose="020B0604020202020204" pitchFamily="34" charset="0"/>
-                <a:cs typeface="Arial" panose="020B0604020202020204" pitchFamily="34" charset="0"/>
-              </a:rPr>
-              <a:t>processing, </a:t>
-            </a:r>
-            <a:r>
-              <a:rPr sz="1600" dirty="0">
-                <a:solidFill>
-                  <a:srgbClr val="0D0D0D"/>
-                </a:solidFill>
-                <a:latin typeface="Arial" panose="020B0604020202020204" pitchFamily="34" charset="0"/>
-                <a:cs typeface="Arial" panose="020B0604020202020204" pitchFamily="34" charset="0"/>
-              </a:rPr>
-              <a:t>impacting</a:t>
-            </a:r>
-            <a:r>
-              <a:rPr sz="1600" spc="-31" dirty="0">
-                <a:solidFill>
-                  <a:srgbClr val="0D0D0D"/>
-                </a:solidFill>
-                <a:latin typeface="Arial" panose="020B0604020202020204" pitchFamily="34" charset="0"/>
-                <a:cs typeface="Arial" panose="020B0604020202020204" pitchFamily="34" charset="0"/>
-              </a:rPr>
-              <a:t> </a:t>
-            </a:r>
-            <a:r>
-              <a:rPr sz="1600" dirty="0">
-                <a:solidFill>
-                  <a:srgbClr val="0D0D0D"/>
-                </a:solidFill>
-                <a:latin typeface="Arial" panose="020B0604020202020204" pitchFamily="34" charset="0"/>
-                <a:cs typeface="Arial" panose="020B0604020202020204" pitchFamily="34" charset="0"/>
-              </a:rPr>
-              <a:t>customer</a:t>
-            </a:r>
-            <a:r>
-              <a:rPr sz="1600" spc="-22" dirty="0">
-                <a:solidFill>
-                  <a:srgbClr val="0D0D0D"/>
-                </a:solidFill>
-                <a:latin typeface="Arial" panose="020B0604020202020204" pitchFamily="34" charset="0"/>
-                <a:cs typeface="Arial" panose="020B0604020202020204" pitchFamily="34" charset="0"/>
-              </a:rPr>
-              <a:t> </a:t>
-            </a:r>
-            <a:r>
-              <a:rPr sz="1600" spc="-9" dirty="0">
-                <a:solidFill>
-                  <a:srgbClr val="0D0D0D"/>
-                </a:solidFill>
-                <a:latin typeface="Arial" panose="020B0604020202020204" pitchFamily="34" charset="0"/>
-                <a:cs typeface="Arial" panose="020B0604020202020204" pitchFamily="34" charset="0"/>
-              </a:rPr>
-              <a:t>satisfaction.</a:t>
-            </a:r>
-            <a:endParaRPr sz="1600" dirty="0">
+              <a:t>:</a:t>
+            </a:r>
+            <a:endParaRPr dirty="0">
               <a:latin typeface="Arial" panose="020B0604020202020204" pitchFamily="34" charset="0"/>
               <a:cs typeface="Arial" panose="020B0604020202020204" pitchFamily="34" charset="0"/>
             </a:endParaRPr>
           </a:p>
           <a:p>
-            <a:pPr marL="170899" indent="-159692">
-              <a:spcBef>
-                <a:spcPts val="613"/>
-              </a:spcBef>
-              <a:buClr>
-                <a:srgbClr val="000000"/>
-              </a:buClr>
-              <a:buSzPct val="92857"/>
-              <a:buAutoNum type="arabicPeriod" startAt="3"/>
-              <a:tabLst>
-                <a:tab pos="170899" algn="l"/>
-              </a:tabLst>
-            </a:pPr>
-            <a:r>
-              <a:rPr sz="1600" b="1" dirty="0">
-                <a:solidFill>
-                  <a:srgbClr val="0D0D0D"/>
-                </a:solidFill>
-                <a:latin typeface="Arial" panose="020B0604020202020204" pitchFamily="34" charset="0"/>
-                <a:cs typeface="Arial" panose="020B0604020202020204" pitchFamily="34" charset="0"/>
-              </a:rPr>
-              <a:t>Competitive</a:t>
-            </a:r>
-            <a:r>
-              <a:rPr sz="1600" b="1" spc="-26" dirty="0">
-                <a:solidFill>
-                  <a:srgbClr val="0D0D0D"/>
-                </a:solidFill>
-                <a:latin typeface="Arial" panose="020B0604020202020204" pitchFamily="34" charset="0"/>
-                <a:cs typeface="Arial" panose="020B0604020202020204" pitchFamily="34" charset="0"/>
-              </a:rPr>
-              <a:t> </a:t>
-            </a:r>
-            <a:r>
-              <a:rPr sz="1600" b="1" spc="-9" dirty="0">
-                <a:solidFill>
-                  <a:srgbClr val="0D0D0D"/>
-                </a:solidFill>
-                <a:latin typeface="Arial" panose="020B0604020202020204" pitchFamily="34" charset="0"/>
-                <a:cs typeface="Arial" panose="020B0604020202020204" pitchFamily="34" charset="0"/>
-              </a:rPr>
-              <a:t>Landscape</a:t>
-            </a:r>
-            <a:r>
-              <a:rPr sz="1600" spc="-9" dirty="0">
-                <a:solidFill>
-                  <a:srgbClr val="0D0D0D"/>
-                </a:solidFill>
-                <a:latin typeface="Arial" panose="020B0604020202020204" pitchFamily="34" charset="0"/>
-                <a:cs typeface="Arial" panose="020B0604020202020204" pitchFamily="34" charset="0"/>
-              </a:rPr>
-              <a:t>:</a:t>
-            </a:r>
-            <a:endParaRPr sz="1600" dirty="0">
-              <a:latin typeface="Arial" panose="020B0604020202020204" pitchFamily="34" charset="0"/>
-              <a:cs typeface="Arial" panose="020B0604020202020204" pitchFamily="34" charset="0"/>
-            </a:endParaRPr>
-          </a:p>
-          <a:p>
-            <a:pPr marL="11206" marR="4483">
+            <a:pPr marL="296956" marR="4483" indent="-285750">
               <a:lnSpc>
                 <a:spcPct val="105700"/>
               </a:lnSpc>
               <a:spcBef>
                 <a:spcPts val="574"/>
               </a:spcBef>
+              <a:buFont typeface="Arial" panose="020B0604020202020204" pitchFamily="34" charset="0"/>
+              <a:buChar char="•"/>
             </a:pPr>
             <a:r>
-              <a:rPr sz="1600" dirty="0">
+              <a:rPr lang="en-US" dirty="0">
                 <a:solidFill>
                   <a:srgbClr val="0D0D0D"/>
                 </a:solidFill>
                 <a:latin typeface="Arial" panose="020B0604020202020204" pitchFamily="34" charset="0"/>
                 <a:cs typeface="Arial" panose="020B0604020202020204" pitchFamily="34" charset="0"/>
               </a:rPr>
-              <a:t>The</a:t>
-            </a:r>
-            <a:r>
-              <a:rPr sz="1600" spc="-18" dirty="0">
-                <a:solidFill>
-                  <a:srgbClr val="0D0D0D"/>
-                </a:solidFill>
-                <a:latin typeface="Arial" panose="020B0604020202020204" pitchFamily="34" charset="0"/>
-                <a:cs typeface="Arial" panose="020B0604020202020204" pitchFamily="34" charset="0"/>
-              </a:rPr>
-              <a:t> </a:t>
-            </a:r>
-            <a:r>
-              <a:rPr sz="1600" dirty="0">
-                <a:solidFill>
-                  <a:srgbClr val="0D0D0D"/>
-                </a:solidFill>
-                <a:latin typeface="Arial" panose="020B0604020202020204" pitchFamily="34" charset="0"/>
-                <a:cs typeface="Arial" panose="020B0604020202020204" pitchFamily="34" charset="0"/>
-              </a:rPr>
-              <a:t>website</a:t>
-            </a:r>
-            <a:r>
-              <a:rPr sz="1600" spc="-18" dirty="0">
-                <a:solidFill>
-                  <a:srgbClr val="0D0D0D"/>
-                </a:solidFill>
-                <a:latin typeface="Arial" panose="020B0604020202020204" pitchFamily="34" charset="0"/>
-                <a:cs typeface="Arial" panose="020B0604020202020204" pitchFamily="34" charset="0"/>
-              </a:rPr>
-              <a:t> </a:t>
-            </a:r>
-            <a:r>
-              <a:rPr sz="1600" dirty="0">
-                <a:solidFill>
-                  <a:srgbClr val="0D0D0D"/>
-                </a:solidFill>
-                <a:latin typeface="Arial" panose="020B0604020202020204" pitchFamily="34" charset="0"/>
-                <a:cs typeface="Arial" panose="020B0604020202020204" pitchFamily="34" charset="0"/>
-              </a:rPr>
-              <a:t>may</a:t>
-            </a:r>
-            <a:r>
-              <a:rPr sz="1600" spc="-40" dirty="0">
-                <a:solidFill>
-                  <a:srgbClr val="0D0D0D"/>
-                </a:solidFill>
-                <a:latin typeface="Arial" panose="020B0604020202020204" pitchFamily="34" charset="0"/>
-                <a:cs typeface="Arial" panose="020B0604020202020204" pitchFamily="34" charset="0"/>
-              </a:rPr>
-              <a:t> </a:t>
-            </a:r>
-            <a:r>
-              <a:rPr sz="1600" dirty="0">
-                <a:solidFill>
-                  <a:srgbClr val="0D0D0D"/>
-                </a:solidFill>
-                <a:latin typeface="Arial" panose="020B0604020202020204" pitchFamily="34" charset="0"/>
-                <a:cs typeface="Arial" panose="020B0604020202020204" pitchFamily="34" charset="0"/>
-              </a:rPr>
-              <a:t>face</a:t>
-            </a:r>
-            <a:r>
-              <a:rPr sz="1600" spc="-40" dirty="0">
-                <a:solidFill>
-                  <a:srgbClr val="0D0D0D"/>
-                </a:solidFill>
-                <a:latin typeface="Arial" panose="020B0604020202020204" pitchFamily="34" charset="0"/>
-                <a:cs typeface="Arial" panose="020B0604020202020204" pitchFamily="34" charset="0"/>
-              </a:rPr>
-              <a:t> </a:t>
-            </a:r>
-            <a:r>
-              <a:rPr sz="1600" dirty="0">
-                <a:solidFill>
-                  <a:srgbClr val="0D0D0D"/>
-                </a:solidFill>
-                <a:latin typeface="Arial" panose="020B0604020202020204" pitchFamily="34" charset="0"/>
-                <a:cs typeface="Arial" panose="020B0604020202020204" pitchFamily="34" charset="0"/>
-              </a:rPr>
-              <a:t>limitations</a:t>
-            </a:r>
-            <a:r>
-              <a:rPr sz="1600" spc="-18" dirty="0">
-                <a:solidFill>
-                  <a:srgbClr val="0D0D0D"/>
-                </a:solidFill>
-                <a:latin typeface="Arial" panose="020B0604020202020204" pitchFamily="34" charset="0"/>
-                <a:cs typeface="Arial" panose="020B0604020202020204" pitchFamily="34" charset="0"/>
-              </a:rPr>
-              <a:t> </a:t>
-            </a:r>
-            <a:r>
-              <a:rPr sz="1600" dirty="0">
-                <a:solidFill>
-                  <a:srgbClr val="0D0D0D"/>
-                </a:solidFill>
-                <a:latin typeface="Arial" panose="020B0604020202020204" pitchFamily="34" charset="0"/>
-                <a:cs typeface="Arial" panose="020B0604020202020204" pitchFamily="34" charset="0"/>
-              </a:rPr>
-              <a:t>in</a:t>
-            </a:r>
-            <a:r>
-              <a:rPr sz="1600" spc="-18" dirty="0">
-                <a:solidFill>
-                  <a:srgbClr val="0D0D0D"/>
-                </a:solidFill>
-                <a:latin typeface="Arial" panose="020B0604020202020204" pitchFamily="34" charset="0"/>
-                <a:cs typeface="Arial" panose="020B0604020202020204" pitchFamily="34" charset="0"/>
-              </a:rPr>
-              <a:t> </a:t>
-            </a:r>
-            <a:r>
-              <a:rPr sz="1600" dirty="0">
-                <a:solidFill>
-                  <a:srgbClr val="0D0D0D"/>
-                </a:solidFill>
-                <a:latin typeface="Arial" panose="020B0604020202020204" pitchFamily="34" charset="0"/>
-                <a:cs typeface="Arial" panose="020B0604020202020204" pitchFamily="34" charset="0"/>
-              </a:rPr>
-              <a:t>standing</a:t>
-            </a:r>
-            <a:r>
-              <a:rPr sz="1600" spc="-40" dirty="0">
-                <a:solidFill>
-                  <a:srgbClr val="0D0D0D"/>
-                </a:solidFill>
-                <a:latin typeface="Arial" panose="020B0604020202020204" pitchFamily="34" charset="0"/>
-                <a:cs typeface="Arial" panose="020B0604020202020204" pitchFamily="34" charset="0"/>
-              </a:rPr>
-              <a:t> </a:t>
-            </a:r>
-            <a:r>
-              <a:rPr sz="1600" dirty="0">
-                <a:solidFill>
-                  <a:srgbClr val="0D0D0D"/>
-                </a:solidFill>
-                <a:latin typeface="Arial" panose="020B0604020202020204" pitchFamily="34" charset="0"/>
-                <a:cs typeface="Arial" panose="020B0604020202020204" pitchFamily="34" charset="0"/>
-              </a:rPr>
-              <a:t>out</a:t>
-            </a:r>
-            <a:r>
-              <a:rPr sz="1600" spc="-13" dirty="0">
-                <a:solidFill>
-                  <a:srgbClr val="0D0D0D"/>
-                </a:solidFill>
-                <a:latin typeface="Arial" panose="020B0604020202020204" pitchFamily="34" charset="0"/>
-                <a:cs typeface="Arial" panose="020B0604020202020204" pitchFamily="34" charset="0"/>
-              </a:rPr>
-              <a:t> </a:t>
-            </a:r>
-            <a:r>
-              <a:rPr sz="1600" dirty="0">
-                <a:solidFill>
-                  <a:srgbClr val="0D0D0D"/>
-                </a:solidFill>
-                <a:latin typeface="Arial" panose="020B0604020202020204" pitchFamily="34" charset="0"/>
-                <a:cs typeface="Arial" panose="020B0604020202020204" pitchFamily="34" charset="0"/>
-              </a:rPr>
-              <a:t>among</a:t>
-            </a:r>
-            <a:r>
-              <a:rPr sz="1600" spc="-18" dirty="0">
-                <a:solidFill>
-                  <a:srgbClr val="0D0D0D"/>
-                </a:solidFill>
-                <a:latin typeface="Arial" panose="020B0604020202020204" pitchFamily="34" charset="0"/>
-                <a:cs typeface="Arial" panose="020B0604020202020204" pitchFamily="34" charset="0"/>
-              </a:rPr>
-              <a:t> </a:t>
-            </a:r>
-            <a:r>
-              <a:rPr sz="1600" dirty="0">
-                <a:solidFill>
-                  <a:srgbClr val="0D0D0D"/>
-                </a:solidFill>
-                <a:latin typeface="Arial" panose="020B0604020202020204" pitchFamily="34" charset="0"/>
-                <a:cs typeface="Arial" panose="020B0604020202020204" pitchFamily="34" charset="0"/>
-              </a:rPr>
-              <a:t>competitors</a:t>
-            </a:r>
-            <a:r>
-              <a:rPr sz="1600" spc="-18" dirty="0">
-                <a:solidFill>
-                  <a:srgbClr val="0D0D0D"/>
-                </a:solidFill>
-                <a:latin typeface="Arial" panose="020B0604020202020204" pitchFamily="34" charset="0"/>
-                <a:cs typeface="Arial" panose="020B0604020202020204" pitchFamily="34" charset="0"/>
-              </a:rPr>
-              <a:t> </a:t>
-            </a:r>
-            <a:r>
-              <a:rPr sz="1600" dirty="0">
-                <a:solidFill>
-                  <a:srgbClr val="0D0D0D"/>
-                </a:solidFill>
-                <a:latin typeface="Arial" panose="020B0604020202020204" pitchFamily="34" charset="0"/>
-                <a:cs typeface="Arial" panose="020B0604020202020204" pitchFamily="34" charset="0"/>
-              </a:rPr>
-              <a:t>in</a:t>
-            </a:r>
-            <a:r>
-              <a:rPr sz="1600" spc="-44" dirty="0">
-                <a:solidFill>
-                  <a:srgbClr val="0D0D0D"/>
-                </a:solidFill>
-                <a:latin typeface="Arial" panose="020B0604020202020204" pitchFamily="34" charset="0"/>
-                <a:cs typeface="Arial" panose="020B0604020202020204" pitchFamily="34" charset="0"/>
-              </a:rPr>
-              <a:t> </a:t>
-            </a:r>
-            <a:r>
-              <a:rPr sz="1600" dirty="0">
-                <a:solidFill>
-                  <a:srgbClr val="0D0D0D"/>
-                </a:solidFill>
-                <a:latin typeface="Arial" panose="020B0604020202020204" pitchFamily="34" charset="0"/>
-                <a:cs typeface="Arial" panose="020B0604020202020204" pitchFamily="34" charset="0"/>
-              </a:rPr>
-              <a:t>the</a:t>
-            </a:r>
-            <a:r>
-              <a:rPr sz="1600" spc="-18" dirty="0">
-                <a:solidFill>
-                  <a:srgbClr val="0D0D0D"/>
-                </a:solidFill>
-                <a:latin typeface="Arial" panose="020B0604020202020204" pitchFamily="34" charset="0"/>
-                <a:cs typeface="Arial" panose="020B0604020202020204" pitchFamily="34" charset="0"/>
-              </a:rPr>
-              <a:t> </a:t>
-            </a:r>
-            <a:r>
-              <a:rPr sz="1600" spc="-9" dirty="0">
-                <a:solidFill>
-                  <a:srgbClr val="0D0D0D"/>
-                </a:solidFill>
-                <a:latin typeface="Arial" panose="020B0604020202020204" pitchFamily="34" charset="0"/>
-                <a:cs typeface="Arial" panose="020B0604020202020204" pitchFamily="34" charset="0"/>
-              </a:rPr>
-              <a:t>direct </a:t>
-            </a:r>
-            <a:r>
-              <a:rPr sz="1600" dirty="0">
-                <a:solidFill>
-                  <a:srgbClr val="0D0D0D"/>
-                </a:solidFill>
-                <a:latin typeface="Arial" panose="020B0604020202020204" pitchFamily="34" charset="0"/>
-                <a:cs typeface="Arial" panose="020B0604020202020204" pitchFamily="34" charset="0"/>
-              </a:rPr>
-              <a:t>selling</a:t>
-            </a:r>
-            <a:r>
-              <a:rPr sz="1600" spc="-26" dirty="0">
-                <a:solidFill>
-                  <a:srgbClr val="0D0D0D"/>
-                </a:solidFill>
-                <a:latin typeface="Arial" panose="020B0604020202020204" pitchFamily="34" charset="0"/>
-                <a:cs typeface="Arial" panose="020B0604020202020204" pitchFamily="34" charset="0"/>
-              </a:rPr>
-              <a:t> </a:t>
-            </a:r>
-            <a:r>
-              <a:rPr sz="1600" dirty="0">
-                <a:solidFill>
-                  <a:srgbClr val="0D0D0D"/>
-                </a:solidFill>
-                <a:latin typeface="Arial" panose="020B0604020202020204" pitchFamily="34" charset="0"/>
-                <a:cs typeface="Arial" panose="020B0604020202020204" pitchFamily="34" charset="0"/>
-              </a:rPr>
-              <a:t>industry</a:t>
-            </a:r>
-            <a:r>
-              <a:rPr sz="1600" spc="-22" dirty="0">
-                <a:solidFill>
-                  <a:srgbClr val="0D0D0D"/>
-                </a:solidFill>
-                <a:latin typeface="Arial" panose="020B0604020202020204" pitchFamily="34" charset="0"/>
-                <a:cs typeface="Arial" panose="020B0604020202020204" pitchFamily="34" charset="0"/>
-              </a:rPr>
-              <a:t> </a:t>
-            </a:r>
-            <a:r>
-              <a:rPr sz="1600" dirty="0">
-                <a:solidFill>
-                  <a:srgbClr val="0D0D0D"/>
-                </a:solidFill>
-                <a:latin typeface="Arial" panose="020B0604020202020204" pitchFamily="34" charset="0"/>
-                <a:cs typeface="Arial" panose="020B0604020202020204" pitchFamily="34" charset="0"/>
-              </a:rPr>
-              <a:t>and</a:t>
-            </a:r>
-            <a:r>
-              <a:rPr sz="1600" spc="-44" dirty="0">
-                <a:solidFill>
-                  <a:srgbClr val="0D0D0D"/>
-                </a:solidFill>
-                <a:latin typeface="Arial" panose="020B0604020202020204" pitchFamily="34" charset="0"/>
-                <a:cs typeface="Arial" panose="020B0604020202020204" pitchFamily="34" charset="0"/>
-              </a:rPr>
-              <a:t> </a:t>
-            </a:r>
-            <a:r>
-              <a:rPr sz="1600" dirty="0">
-                <a:solidFill>
-                  <a:srgbClr val="0D0D0D"/>
-                </a:solidFill>
-                <a:latin typeface="Arial" panose="020B0604020202020204" pitchFamily="34" charset="0"/>
-                <a:cs typeface="Arial" panose="020B0604020202020204" pitchFamily="34" charset="0"/>
-              </a:rPr>
-              <a:t>the</a:t>
-            </a:r>
-            <a:r>
-              <a:rPr sz="1600" spc="-22" dirty="0">
-                <a:solidFill>
-                  <a:srgbClr val="0D0D0D"/>
-                </a:solidFill>
-                <a:latin typeface="Arial" panose="020B0604020202020204" pitchFamily="34" charset="0"/>
-                <a:cs typeface="Arial" panose="020B0604020202020204" pitchFamily="34" charset="0"/>
-              </a:rPr>
-              <a:t> </a:t>
-            </a:r>
-            <a:r>
-              <a:rPr sz="1600" dirty="0">
-                <a:solidFill>
-                  <a:srgbClr val="0D0D0D"/>
-                </a:solidFill>
-                <a:latin typeface="Arial" panose="020B0604020202020204" pitchFamily="34" charset="0"/>
-                <a:cs typeface="Arial" panose="020B0604020202020204" pitchFamily="34" charset="0"/>
-              </a:rPr>
-              <a:t>broader</a:t>
-            </a:r>
-            <a:r>
-              <a:rPr sz="1600" spc="-22" dirty="0">
-                <a:solidFill>
-                  <a:srgbClr val="0D0D0D"/>
-                </a:solidFill>
-                <a:latin typeface="Arial" panose="020B0604020202020204" pitchFamily="34" charset="0"/>
-                <a:cs typeface="Arial" panose="020B0604020202020204" pitchFamily="34" charset="0"/>
-              </a:rPr>
-              <a:t> </a:t>
-            </a:r>
-            <a:r>
-              <a:rPr sz="1600" dirty="0">
-                <a:solidFill>
-                  <a:srgbClr val="0D0D0D"/>
-                </a:solidFill>
-                <a:latin typeface="Arial" panose="020B0604020202020204" pitchFamily="34" charset="0"/>
-                <a:cs typeface="Arial" panose="020B0604020202020204" pitchFamily="34" charset="0"/>
-              </a:rPr>
-              <a:t>eCommerce</a:t>
-            </a:r>
-            <a:r>
-              <a:rPr sz="1600" spc="-40" dirty="0">
-                <a:solidFill>
-                  <a:srgbClr val="0D0D0D"/>
-                </a:solidFill>
-                <a:latin typeface="Arial" panose="020B0604020202020204" pitchFamily="34" charset="0"/>
-                <a:cs typeface="Arial" panose="020B0604020202020204" pitchFamily="34" charset="0"/>
-              </a:rPr>
-              <a:t> </a:t>
-            </a:r>
-            <a:r>
-              <a:rPr sz="1600" dirty="0">
-                <a:solidFill>
-                  <a:srgbClr val="0D0D0D"/>
-                </a:solidFill>
-                <a:latin typeface="Arial" panose="020B0604020202020204" pitchFamily="34" charset="0"/>
-                <a:cs typeface="Arial" panose="020B0604020202020204" pitchFamily="34" charset="0"/>
-              </a:rPr>
-              <a:t>market.</a:t>
-            </a:r>
-            <a:r>
-              <a:rPr sz="1600" spc="-22" dirty="0">
-                <a:solidFill>
-                  <a:srgbClr val="0D0D0D"/>
-                </a:solidFill>
-                <a:latin typeface="Arial" panose="020B0604020202020204" pitchFamily="34" charset="0"/>
-                <a:cs typeface="Arial" panose="020B0604020202020204" pitchFamily="34" charset="0"/>
-              </a:rPr>
-              <a:t> </a:t>
-            </a:r>
-            <a:r>
-              <a:rPr sz="1600" dirty="0">
-                <a:solidFill>
-                  <a:srgbClr val="0D0D0D"/>
-                </a:solidFill>
-                <a:latin typeface="Arial" panose="020B0604020202020204" pitchFamily="34" charset="0"/>
-                <a:cs typeface="Arial" panose="020B0604020202020204" pitchFamily="34" charset="0"/>
-              </a:rPr>
-              <a:t>Maintaining</a:t>
-            </a:r>
-            <a:r>
-              <a:rPr sz="1600" spc="-26" dirty="0">
-                <a:solidFill>
-                  <a:srgbClr val="0D0D0D"/>
-                </a:solidFill>
-                <a:latin typeface="Arial" panose="020B0604020202020204" pitchFamily="34" charset="0"/>
-                <a:cs typeface="Arial" panose="020B0604020202020204" pitchFamily="34" charset="0"/>
-              </a:rPr>
-              <a:t> </a:t>
-            </a:r>
-            <a:r>
-              <a:rPr sz="1600" dirty="0">
-                <a:solidFill>
-                  <a:srgbClr val="0D0D0D"/>
-                </a:solidFill>
-                <a:latin typeface="Arial" panose="020B0604020202020204" pitchFamily="34" charset="0"/>
-                <a:cs typeface="Arial" panose="020B0604020202020204" pitchFamily="34" charset="0"/>
-              </a:rPr>
-              <a:t>a</a:t>
-            </a:r>
-            <a:r>
-              <a:rPr sz="1600" spc="-22" dirty="0">
-                <a:solidFill>
-                  <a:srgbClr val="0D0D0D"/>
-                </a:solidFill>
-                <a:latin typeface="Arial" panose="020B0604020202020204" pitchFamily="34" charset="0"/>
-                <a:cs typeface="Arial" panose="020B0604020202020204" pitchFamily="34" charset="0"/>
-              </a:rPr>
-              <a:t> </a:t>
-            </a:r>
-            <a:r>
-              <a:rPr sz="1600" spc="-9" dirty="0">
-                <a:solidFill>
-                  <a:srgbClr val="0D0D0D"/>
-                </a:solidFill>
-                <a:latin typeface="Arial" panose="020B0604020202020204" pitchFamily="34" charset="0"/>
-                <a:cs typeface="Arial" panose="020B0604020202020204" pitchFamily="34" charset="0"/>
-              </a:rPr>
-              <a:t>competitive </a:t>
-            </a:r>
-            <a:r>
-              <a:rPr sz="1600" dirty="0">
-                <a:solidFill>
-                  <a:srgbClr val="0D0D0D"/>
-                </a:solidFill>
-                <a:latin typeface="Arial" panose="020B0604020202020204" pitchFamily="34" charset="0"/>
-                <a:cs typeface="Arial" panose="020B0604020202020204" pitchFamily="34" charset="0"/>
-              </a:rPr>
-              <a:t>edge</a:t>
-            </a:r>
-            <a:r>
-              <a:rPr sz="1600" spc="-31" dirty="0">
-                <a:solidFill>
-                  <a:srgbClr val="0D0D0D"/>
-                </a:solidFill>
-                <a:latin typeface="Arial" panose="020B0604020202020204" pitchFamily="34" charset="0"/>
-                <a:cs typeface="Arial" panose="020B0604020202020204" pitchFamily="34" charset="0"/>
-              </a:rPr>
-              <a:t> </a:t>
-            </a:r>
-            <a:r>
-              <a:rPr sz="1600" dirty="0">
-                <a:solidFill>
-                  <a:srgbClr val="0D0D0D"/>
-                </a:solidFill>
-                <a:latin typeface="Arial" panose="020B0604020202020204" pitchFamily="34" charset="0"/>
-                <a:cs typeface="Arial" panose="020B0604020202020204" pitchFamily="34" charset="0"/>
-              </a:rPr>
-              <a:t>may</a:t>
-            </a:r>
-            <a:r>
-              <a:rPr sz="1600" spc="-31" dirty="0">
-                <a:solidFill>
-                  <a:srgbClr val="0D0D0D"/>
-                </a:solidFill>
-                <a:latin typeface="Arial" panose="020B0604020202020204" pitchFamily="34" charset="0"/>
-                <a:cs typeface="Arial" panose="020B0604020202020204" pitchFamily="34" charset="0"/>
-              </a:rPr>
-              <a:t> </a:t>
-            </a:r>
-            <a:r>
-              <a:rPr sz="1600" dirty="0">
-                <a:solidFill>
-                  <a:srgbClr val="0D0D0D"/>
-                </a:solidFill>
-                <a:latin typeface="Arial" panose="020B0604020202020204" pitchFamily="34" charset="0"/>
-                <a:cs typeface="Arial" panose="020B0604020202020204" pitchFamily="34" charset="0"/>
-              </a:rPr>
-              <a:t>require</a:t>
-            </a:r>
-            <a:r>
-              <a:rPr sz="1600" spc="-31" dirty="0">
-                <a:solidFill>
-                  <a:srgbClr val="0D0D0D"/>
-                </a:solidFill>
-                <a:latin typeface="Arial" panose="020B0604020202020204" pitchFamily="34" charset="0"/>
-                <a:cs typeface="Arial" panose="020B0604020202020204" pitchFamily="34" charset="0"/>
-              </a:rPr>
-              <a:t> </a:t>
-            </a:r>
-            <a:r>
-              <a:rPr sz="1600" dirty="0">
-                <a:solidFill>
-                  <a:srgbClr val="0D0D0D"/>
-                </a:solidFill>
-                <a:latin typeface="Arial" panose="020B0604020202020204" pitchFamily="34" charset="0"/>
-                <a:cs typeface="Arial" panose="020B0604020202020204" pitchFamily="34" charset="0"/>
-              </a:rPr>
-              <a:t>ongoing</a:t>
-            </a:r>
-            <a:r>
-              <a:rPr sz="1600" spc="-31" dirty="0">
-                <a:solidFill>
-                  <a:srgbClr val="0D0D0D"/>
-                </a:solidFill>
-                <a:latin typeface="Arial" panose="020B0604020202020204" pitchFamily="34" charset="0"/>
-                <a:cs typeface="Arial" panose="020B0604020202020204" pitchFamily="34" charset="0"/>
-              </a:rPr>
-              <a:t> </a:t>
-            </a:r>
-            <a:r>
-              <a:rPr sz="1600" dirty="0">
-                <a:solidFill>
-                  <a:srgbClr val="0D0D0D"/>
-                </a:solidFill>
-                <a:latin typeface="Arial" panose="020B0604020202020204" pitchFamily="34" charset="0"/>
-                <a:cs typeface="Arial" panose="020B0604020202020204" pitchFamily="34" charset="0"/>
-              </a:rPr>
-              <a:t>innovation,</a:t>
-            </a:r>
-            <a:r>
-              <a:rPr sz="1600" spc="-26" dirty="0">
-                <a:solidFill>
-                  <a:srgbClr val="0D0D0D"/>
-                </a:solidFill>
-                <a:latin typeface="Arial" panose="020B0604020202020204" pitchFamily="34" charset="0"/>
-                <a:cs typeface="Arial" panose="020B0604020202020204" pitchFamily="34" charset="0"/>
-              </a:rPr>
-              <a:t> </a:t>
-            </a:r>
-            <a:r>
-              <a:rPr sz="1600" dirty="0">
-                <a:solidFill>
-                  <a:srgbClr val="0D0D0D"/>
-                </a:solidFill>
-                <a:latin typeface="Arial" panose="020B0604020202020204" pitchFamily="34" charset="0"/>
-                <a:cs typeface="Arial" panose="020B0604020202020204" pitchFamily="34" charset="0"/>
-              </a:rPr>
-              <a:t>differentiation,</a:t>
-            </a:r>
-            <a:r>
-              <a:rPr sz="1600" spc="-31" dirty="0">
-                <a:solidFill>
-                  <a:srgbClr val="0D0D0D"/>
-                </a:solidFill>
-                <a:latin typeface="Arial" panose="020B0604020202020204" pitchFamily="34" charset="0"/>
-                <a:cs typeface="Arial" panose="020B0604020202020204" pitchFamily="34" charset="0"/>
-              </a:rPr>
-              <a:t> </a:t>
-            </a:r>
-            <a:r>
-              <a:rPr sz="1600" dirty="0">
-                <a:solidFill>
-                  <a:srgbClr val="0D0D0D"/>
-                </a:solidFill>
-                <a:latin typeface="Arial" panose="020B0604020202020204" pitchFamily="34" charset="0"/>
-                <a:cs typeface="Arial" panose="020B0604020202020204" pitchFamily="34" charset="0"/>
-              </a:rPr>
-              <a:t>and</a:t>
-            </a:r>
-            <a:r>
-              <a:rPr sz="1600" spc="-31" dirty="0">
-                <a:solidFill>
-                  <a:srgbClr val="0D0D0D"/>
-                </a:solidFill>
-                <a:latin typeface="Arial" panose="020B0604020202020204" pitchFamily="34" charset="0"/>
-                <a:cs typeface="Arial" panose="020B0604020202020204" pitchFamily="34" charset="0"/>
-              </a:rPr>
-              <a:t> </a:t>
-            </a:r>
-            <a:r>
-              <a:rPr sz="1600" dirty="0">
-                <a:solidFill>
-                  <a:srgbClr val="0D0D0D"/>
-                </a:solidFill>
-                <a:latin typeface="Arial" panose="020B0604020202020204" pitchFamily="34" charset="0"/>
-                <a:cs typeface="Arial" panose="020B0604020202020204" pitchFamily="34" charset="0"/>
-              </a:rPr>
-              <a:t>strategic</a:t>
-            </a:r>
-            <a:r>
-              <a:rPr sz="1600" spc="-53" dirty="0">
-                <a:solidFill>
-                  <a:srgbClr val="0D0D0D"/>
-                </a:solidFill>
-                <a:latin typeface="Arial" panose="020B0604020202020204" pitchFamily="34" charset="0"/>
-                <a:cs typeface="Arial" panose="020B0604020202020204" pitchFamily="34" charset="0"/>
-              </a:rPr>
-              <a:t> </a:t>
-            </a:r>
-            <a:r>
-              <a:rPr sz="1600" spc="-9" dirty="0">
-                <a:solidFill>
-                  <a:srgbClr val="0D0D0D"/>
-                </a:solidFill>
-                <a:latin typeface="Arial" panose="020B0604020202020204" pitchFamily="34" charset="0"/>
-                <a:cs typeface="Arial" panose="020B0604020202020204" pitchFamily="34" charset="0"/>
-              </a:rPr>
-              <a:t>marketing efforts.</a:t>
-            </a:r>
-            <a:endParaRPr sz="1600" dirty="0">
-              <a:latin typeface="Arial" panose="020B0604020202020204" pitchFamily="34" charset="0"/>
-              <a:cs typeface="Arial" panose="020B0604020202020204" pitchFamily="34" charset="0"/>
-            </a:endParaRPr>
-          </a:p>
-          <a:p>
-            <a:pPr marL="128875" indent="-120470">
-              <a:spcBef>
-                <a:spcPts val="591"/>
-              </a:spcBef>
-              <a:buSzPct val="92857"/>
-              <a:buAutoNum type="arabicPeriod" startAt="4"/>
-              <a:tabLst>
-                <a:tab pos="128875" algn="l"/>
-              </a:tabLst>
-            </a:pPr>
-            <a:r>
-              <a:rPr sz="1600" b="1" dirty="0">
-                <a:latin typeface="Arial" panose="020B0604020202020204" pitchFamily="34" charset="0"/>
-                <a:cs typeface="Arial" panose="020B0604020202020204" pitchFamily="34" charset="0"/>
-              </a:rPr>
-              <a:t>Integration</a:t>
-            </a:r>
-            <a:r>
-              <a:rPr sz="1600" b="1" spc="-9" dirty="0">
-                <a:latin typeface="Arial" panose="020B0604020202020204" pitchFamily="34" charset="0"/>
-                <a:cs typeface="Arial" panose="020B0604020202020204" pitchFamily="34" charset="0"/>
-              </a:rPr>
-              <a:t> Challenges:</a:t>
-            </a:r>
-            <a:endParaRPr sz="1600" dirty="0">
-              <a:latin typeface="Arial" panose="020B0604020202020204" pitchFamily="34" charset="0"/>
-              <a:cs typeface="Arial" panose="020B0604020202020204" pitchFamily="34" charset="0"/>
-            </a:endParaRPr>
-          </a:p>
-          <a:p>
-            <a:pPr marL="11206" marR="29137" indent="39223">
-              <a:lnSpc>
-                <a:spcPct val="105700"/>
-              </a:lnSpc>
-              <a:spcBef>
-                <a:spcPts val="529"/>
-              </a:spcBef>
-            </a:pPr>
-            <a:r>
-              <a:rPr sz="1600" dirty="0">
-                <a:latin typeface="Arial" panose="020B0604020202020204" pitchFamily="34" charset="0"/>
-                <a:cs typeface="Arial" panose="020B0604020202020204" pitchFamily="34" charset="0"/>
-              </a:rPr>
-              <a:t>Integrating</a:t>
-            </a:r>
-            <a:r>
-              <a:rPr sz="1600" spc="-57" dirty="0">
-                <a:latin typeface="Arial" panose="020B0604020202020204" pitchFamily="34" charset="0"/>
-                <a:cs typeface="Arial" panose="020B0604020202020204" pitchFamily="34" charset="0"/>
-              </a:rPr>
-              <a:t> </a:t>
-            </a:r>
-            <a:r>
-              <a:rPr sz="1600" dirty="0">
-                <a:latin typeface="Arial" panose="020B0604020202020204" pitchFamily="34" charset="0"/>
-                <a:cs typeface="Arial" panose="020B0604020202020204" pitchFamily="34" charset="0"/>
-              </a:rPr>
-              <a:t>the</a:t>
-            </a:r>
-            <a:r>
-              <a:rPr sz="1600" spc="-18" dirty="0">
-                <a:latin typeface="Arial" panose="020B0604020202020204" pitchFamily="34" charset="0"/>
-                <a:cs typeface="Arial" panose="020B0604020202020204" pitchFamily="34" charset="0"/>
-              </a:rPr>
-              <a:t> </a:t>
-            </a:r>
-            <a:r>
-              <a:rPr sz="1600" dirty="0">
-                <a:latin typeface="Arial" panose="020B0604020202020204" pitchFamily="34" charset="0"/>
-                <a:cs typeface="Arial" panose="020B0604020202020204" pitchFamily="34" charset="0"/>
-              </a:rPr>
-              <a:t>management</a:t>
-            </a:r>
-            <a:r>
-              <a:rPr sz="1600" spc="-26" dirty="0">
-                <a:latin typeface="Arial" panose="020B0604020202020204" pitchFamily="34" charset="0"/>
-                <a:cs typeface="Arial" panose="020B0604020202020204" pitchFamily="34" charset="0"/>
-              </a:rPr>
-              <a:t> </a:t>
-            </a:r>
-            <a:r>
-              <a:rPr sz="1600" dirty="0">
-                <a:latin typeface="Arial" panose="020B0604020202020204" pitchFamily="34" charset="0"/>
-                <a:cs typeface="Arial" panose="020B0604020202020204" pitchFamily="34" charset="0"/>
-              </a:rPr>
-              <a:t>system</a:t>
-            </a:r>
-            <a:r>
-              <a:rPr sz="1600" spc="-26" dirty="0">
-                <a:latin typeface="Arial" panose="020B0604020202020204" pitchFamily="34" charset="0"/>
-                <a:cs typeface="Arial" panose="020B0604020202020204" pitchFamily="34" charset="0"/>
-              </a:rPr>
-              <a:t> </a:t>
-            </a:r>
-            <a:r>
-              <a:rPr sz="1600" dirty="0">
-                <a:latin typeface="Arial" panose="020B0604020202020204" pitchFamily="34" charset="0"/>
-                <a:cs typeface="Arial" panose="020B0604020202020204" pitchFamily="34" charset="0"/>
-              </a:rPr>
-              <a:t>with</a:t>
-            </a:r>
-            <a:r>
-              <a:rPr sz="1600" spc="-31" dirty="0">
-                <a:latin typeface="Arial" panose="020B0604020202020204" pitchFamily="34" charset="0"/>
-                <a:cs typeface="Arial" panose="020B0604020202020204" pitchFamily="34" charset="0"/>
-              </a:rPr>
-              <a:t> </a:t>
-            </a:r>
-            <a:r>
-              <a:rPr sz="1600" dirty="0">
-                <a:latin typeface="Arial" panose="020B0604020202020204" pitchFamily="34" charset="0"/>
-                <a:cs typeface="Arial" panose="020B0604020202020204" pitchFamily="34" charset="0"/>
-              </a:rPr>
-              <a:t>other</a:t>
-            </a:r>
-            <a:r>
-              <a:rPr sz="1600" spc="-22" dirty="0">
-                <a:latin typeface="Arial" panose="020B0604020202020204" pitchFamily="34" charset="0"/>
-                <a:cs typeface="Arial" panose="020B0604020202020204" pitchFamily="34" charset="0"/>
-              </a:rPr>
-              <a:t> </a:t>
-            </a:r>
-            <a:r>
-              <a:rPr sz="1600" dirty="0">
-                <a:latin typeface="Arial" panose="020B0604020202020204" pitchFamily="34" charset="0"/>
-                <a:cs typeface="Arial" panose="020B0604020202020204" pitchFamily="34" charset="0"/>
-              </a:rPr>
-              <a:t>software</a:t>
-            </a:r>
-            <a:r>
-              <a:rPr sz="1600" spc="-31" dirty="0">
-                <a:latin typeface="Arial" panose="020B0604020202020204" pitchFamily="34" charset="0"/>
-                <a:cs typeface="Arial" panose="020B0604020202020204" pitchFamily="34" charset="0"/>
-              </a:rPr>
-              <a:t> </a:t>
-            </a:r>
-            <a:r>
-              <a:rPr sz="1600" dirty="0">
-                <a:latin typeface="Arial" panose="020B0604020202020204" pitchFamily="34" charset="0"/>
-                <a:cs typeface="Arial" panose="020B0604020202020204" pitchFamily="34" charset="0"/>
-              </a:rPr>
-              <a:t>solutions,</a:t>
-            </a:r>
-            <a:r>
-              <a:rPr sz="1600" spc="-53" dirty="0">
-                <a:latin typeface="Arial" panose="020B0604020202020204" pitchFamily="34" charset="0"/>
-                <a:cs typeface="Arial" panose="020B0604020202020204" pitchFamily="34" charset="0"/>
-              </a:rPr>
-              <a:t> </a:t>
-            </a:r>
-            <a:r>
-              <a:rPr sz="1600" dirty="0">
-                <a:latin typeface="Arial" panose="020B0604020202020204" pitchFamily="34" charset="0"/>
-                <a:cs typeface="Arial" panose="020B0604020202020204" pitchFamily="34" charset="0"/>
-              </a:rPr>
-              <a:t>such</a:t>
-            </a:r>
-            <a:r>
-              <a:rPr sz="1600" spc="-31" dirty="0">
-                <a:latin typeface="Arial" panose="020B0604020202020204" pitchFamily="34" charset="0"/>
-                <a:cs typeface="Arial" panose="020B0604020202020204" pitchFamily="34" charset="0"/>
-              </a:rPr>
-              <a:t> </a:t>
-            </a:r>
-            <a:r>
-              <a:rPr sz="1600" spc="-22" dirty="0">
-                <a:latin typeface="Arial" panose="020B0604020202020204" pitchFamily="34" charset="0"/>
-                <a:cs typeface="Arial" panose="020B0604020202020204" pitchFamily="34" charset="0"/>
-              </a:rPr>
-              <a:t>as </a:t>
-            </a:r>
-            <a:r>
-              <a:rPr sz="1600" dirty="0">
-                <a:latin typeface="Arial" panose="020B0604020202020204" pitchFamily="34" charset="0"/>
-                <a:cs typeface="Arial" panose="020B0604020202020204" pitchFamily="34" charset="0"/>
-              </a:rPr>
-              <a:t>accounting</a:t>
-            </a:r>
-            <a:r>
-              <a:rPr sz="1600" spc="-40" dirty="0">
-                <a:latin typeface="Arial" panose="020B0604020202020204" pitchFamily="34" charset="0"/>
-                <a:cs typeface="Arial" panose="020B0604020202020204" pitchFamily="34" charset="0"/>
-              </a:rPr>
-              <a:t> </a:t>
-            </a:r>
-            <a:r>
-              <a:rPr sz="1600" dirty="0">
-                <a:latin typeface="Arial" panose="020B0604020202020204" pitchFamily="34" charset="0"/>
-                <a:cs typeface="Arial" panose="020B0604020202020204" pitchFamily="34" charset="0"/>
-              </a:rPr>
-              <a:t>or</a:t>
-            </a:r>
-            <a:r>
-              <a:rPr sz="1600" spc="-35" dirty="0">
-                <a:latin typeface="Arial" panose="020B0604020202020204" pitchFamily="34" charset="0"/>
-                <a:cs typeface="Arial" panose="020B0604020202020204" pitchFamily="34" charset="0"/>
-              </a:rPr>
-              <a:t> </a:t>
-            </a:r>
-            <a:r>
-              <a:rPr sz="1600" dirty="0">
-                <a:latin typeface="Arial" panose="020B0604020202020204" pitchFamily="34" charset="0"/>
-                <a:cs typeface="Arial" panose="020B0604020202020204" pitchFamily="34" charset="0"/>
-              </a:rPr>
-              <a:t>inventory</a:t>
-            </a:r>
-            <a:r>
-              <a:rPr sz="1600" spc="-35" dirty="0">
-                <a:latin typeface="Arial" panose="020B0604020202020204" pitchFamily="34" charset="0"/>
-                <a:cs typeface="Arial" panose="020B0604020202020204" pitchFamily="34" charset="0"/>
-              </a:rPr>
-              <a:t> </a:t>
-            </a:r>
-            <a:r>
-              <a:rPr sz="1600" dirty="0">
-                <a:latin typeface="Arial" panose="020B0604020202020204" pitchFamily="34" charset="0"/>
-                <a:cs typeface="Arial" panose="020B0604020202020204" pitchFamily="34" charset="0"/>
-              </a:rPr>
-              <a:t>management</a:t>
-            </a:r>
-            <a:r>
-              <a:rPr sz="1600" spc="-31" dirty="0">
-                <a:latin typeface="Arial" panose="020B0604020202020204" pitchFamily="34" charset="0"/>
-                <a:cs typeface="Arial" panose="020B0604020202020204" pitchFamily="34" charset="0"/>
-              </a:rPr>
-              <a:t> </a:t>
-            </a:r>
-            <a:r>
-              <a:rPr sz="1600" dirty="0">
-                <a:latin typeface="Arial" panose="020B0604020202020204" pitchFamily="34" charset="0"/>
-                <a:cs typeface="Arial" panose="020B0604020202020204" pitchFamily="34" charset="0"/>
-              </a:rPr>
-              <a:t>software,</a:t>
-            </a:r>
-            <a:r>
-              <a:rPr sz="1600" spc="-35" dirty="0">
-                <a:latin typeface="Arial" panose="020B0604020202020204" pitchFamily="34" charset="0"/>
-                <a:cs typeface="Arial" panose="020B0604020202020204" pitchFamily="34" charset="0"/>
-              </a:rPr>
-              <a:t> </a:t>
-            </a:r>
-            <a:r>
-              <a:rPr sz="1600" dirty="0">
-                <a:latin typeface="Arial" panose="020B0604020202020204" pitchFamily="34" charset="0"/>
-                <a:cs typeface="Arial" panose="020B0604020202020204" pitchFamily="34" charset="0"/>
-              </a:rPr>
-              <a:t>may</a:t>
-            </a:r>
-            <a:r>
-              <a:rPr sz="1600" spc="-40" dirty="0">
-                <a:latin typeface="Arial" panose="020B0604020202020204" pitchFamily="34" charset="0"/>
-                <a:cs typeface="Arial" panose="020B0604020202020204" pitchFamily="34" charset="0"/>
-              </a:rPr>
-              <a:t> </a:t>
-            </a:r>
-            <a:r>
-              <a:rPr sz="1600" dirty="0">
-                <a:latin typeface="Arial" panose="020B0604020202020204" pitchFamily="34" charset="0"/>
-                <a:cs typeface="Arial" panose="020B0604020202020204" pitchFamily="34" charset="0"/>
-              </a:rPr>
-              <a:t>present</a:t>
-            </a:r>
-            <a:r>
-              <a:rPr sz="1600" spc="-31" dirty="0">
-                <a:latin typeface="Arial" panose="020B0604020202020204" pitchFamily="34" charset="0"/>
-                <a:cs typeface="Arial" panose="020B0604020202020204" pitchFamily="34" charset="0"/>
-              </a:rPr>
-              <a:t> </a:t>
-            </a:r>
-            <a:r>
-              <a:rPr sz="1600" dirty="0">
-                <a:latin typeface="Arial" panose="020B0604020202020204" pitchFamily="34" charset="0"/>
-                <a:cs typeface="Arial" panose="020B0604020202020204" pitchFamily="34" charset="0"/>
-              </a:rPr>
-              <a:t>technical</a:t>
-            </a:r>
-            <a:r>
-              <a:rPr sz="1600" spc="-31" dirty="0">
-                <a:latin typeface="Arial" panose="020B0604020202020204" pitchFamily="34" charset="0"/>
-                <a:cs typeface="Arial" panose="020B0604020202020204" pitchFamily="34" charset="0"/>
-              </a:rPr>
-              <a:t> </a:t>
-            </a:r>
-            <a:r>
-              <a:rPr sz="1600" spc="-9" dirty="0">
-                <a:latin typeface="Arial" panose="020B0604020202020204" pitchFamily="34" charset="0"/>
-                <a:cs typeface="Arial" panose="020B0604020202020204" pitchFamily="34" charset="0"/>
-              </a:rPr>
-              <a:t>challenges </a:t>
-            </a:r>
-            <a:r>
-              <a:rPr sz="1600" dirty="0">
-                <a:latin typeface="Arial" panose="020B0604020202020204" pitchFamily="34" charset="0"/>
-                <a:cs typeface="Arial" panose="020B0604020202020204" pitchFamily="34" charset="0"/>
-              </a:rPr>
-              <a:t>and</a:t>
-            </a:r>
-            <a:r>
-              <a:rPr sz="1600" spc="-31" dirty="0">
-                <a:latin typeface="Arial" panose="020B0604020202020204" pitchFamily="34" charset="0"/>
-                <a:cs typeface="Arial" panose="020B0604020202020204" pitchFamily="34" charset="0"/>
-              </a:rPr>
-              <a:t> </a:t>
-            </a:r>
-            <a:r>
-              <a:rPr sz="1600" dirty="0">
-                <a:latin typeface="Arial" panose="020B0604020202020204" pitchFamily="34" charset="0"/>
-                <a:cs typeface="Arial" panose="020B0604020202020204" pitchFamily="34" charset="0"/>
-              </a:rPr>
-              <a:t>compatibility</a:t>
-            </a:r>
-            <a:r>
-              <a:rPr sz="1600" spc="-26" dirty="0">
-                <a:latin typeface="Arial" panose="020B0604020202020204" pitchFamily="34" charset="0"/>
-                <a:cs typeface="Arial" panose="020B0604020202020204" pitchFamily="34" charset="0"/>
-              </a:rPr>
-              <a:t> </a:t>
-            </a:r>
-            <a:r>
-              <a:rPr sz="1600" spc="-9" dirty="0">
-                <a:latin typeface="Arial" panose="020B0604020202020204" pitchFamily="34" charset="0"/>
-                <a:cs typeface="Arial" panose="020B0604020202020204" pitchFamily="34" charset="0"/>
-              </a:rPr>
-              <a:t>issues</a:t>
-            </a:r>
-            <a:r>
-              <a:rPr sz="1400" spc="-9" dirty="0">
-                <a:latin typeface="Arial" panose="020B0604020202020204" pitchFamily="34" charset="0"/>
-                <a:cs typeface="Arial" panose="020B0604020202020204" pitchFamily="34" charset="0"/>
-              </a:rPr>
-              <a:t>.</a:t>
-            </a:r>
-            <a:endParaRPr sz="1400" dirty="0">
-              <a:latin typeface="Arial" panose="020B0604020202020204" pitchFamily="34" charset="0"/>
-              <a:cs typeface="Arial" panose="020B0604020202020204" pitchFamily="34" charset="0"/>
-            </a:endParaRPr>
+              <a:t>Tough competition in direct selling and eCommerce. Requires innovation, differentiation, and strong marketing efforts.</a:t>
+            </a:r>
           </a:p>
         </p:txBody>
       </p:sp>
@@ -13178,8 +8777,8 @@
         </p:nvSpPr>
         <p:spPr>
           <a:xfrm>
-            <a:off x="1515605" y="507192"/>
-            <a:ext cx="7098466" cy="4630209"/>
+            <a:off x="1502229" y="507192"/>
+            <a:ext cx="7287208" cy="4032673"/>
           </a:xfrm>
           <a:prstGeom prst="rect">
             <a:avLst/>
@@ -13246,58 +8845,76 @@
             </a:endParaRPr>
           </a:p>
           <a:p>
-            <a:pPr marL="128875" indent="-120470">
+            <a:pPr marL="8405">
               <a:spcBef>
                 <a:spcPts val="459"/>
               </a:spcBef>
               <a:buSzPct val="92857"/>
-              <a:buAutoNum type="arabicPeriod"/>
               <a:tabLst>
                 <a:tab pos="128875" algn="l"/>
               </a:tabLst>
             </a:pPr>
             <a:r>
-              <a:rPr sz="1400" b="1" dirty="0">
+              <a:rPr b="1" dirty="0">
                 <a:latin typeface="Arial" panose="020B0604020202020204" pitchFamily="34" charset="0"/>
                 <a:cs typeface="Arial" panose="020B0604020202020204" pitchFamily="34" charset="0"/>
               </a:rPr>
               <a:t>Mobile</a:t>
             </a:r>
             <a:r>
-              <a:rPr sz="1400" b="1" spc="-13" dirty="0">
+              <a:rPr b="1" spc="-13" dirty="0">
                 <a:latin typeface="Arial" panose="020B0604020202020204" pitchFamily="34" charset="0"/>
                 <a:cs typeface="Arial" panose="020B0604020202020204" pitchFamily="34" charset="0"/>
               </a:rPr>
               <a:t> </a:t>
             </a:r>
             <a:r>
-              <a:rPr sz="1400" b="1" dirty="0">
+              <a:rPr b="1" dirty="0">
                 <a:latin typeface="Arial" panose="020B0604020202020204" pitchFamily="34" charset="0"/>
                 <a:cs typeface="Arial" panose="020B0604020202020204" pitchFamily="34" charset="0"/>
               </a:rPr>
               <a:t>Ordering</a:t>
             </a:r>
             <a:r>
-              <a:rPr sz="1400" b="1" spc="-13" dirty="0">
+              <a:rPr b="1" spc="-13" dirty="0">
                 <a:latin typeface="Arial" panose="020B0604020202020204" pitchFamily="34" charset="0"/>
                 <a:cs typeface="Arial" panose="020B0604020202020204" pitchFamily="34" charset="0"/>
               </a:rPr>
               <a:t> </a:t>
             </a:r>
             <a:r>
-              <a:rPr sz="1400" b="1" spc="-18" dirty="0">
+              <a:rPr b="1" spc="-18" dirty="0">
                 <a:latin typeface="Arial" panose="020B0604020202020204" pitchFamily="34" charset="0"/>
                 <a:cs typeface="Arial" panose="020B0604020202020204" pitchFamily="34" charset="0"/>
               </a:rPr>
               <a:t>App:</a:t>
             </a:r>
-            <a:endParaRPr sz="1400" dirty="0">
+            <a:endParaRPr dirty="0">
               <a:latin typeface="Arial" panose="020B0604020202020204" pitchFamily="34" charset="0"/>
               <a:cs typeface="Arial" panose="020B0604020202020204" pitchFamily="34" charset="0"/>
             </a:endParaRPr>
           </a:p>
           <a:p>
-            <a:pPr marL="11206" marR="4483" indent="39223" algn="just">
+            <a:pPr marL="296956" marR="4483" indent="-285750">
+              <a:lnSpc>
+                <a:spcPts val="1412"/>
+              </a:lnSpc>
+              <a:spcBef>
+                <a:spcPts val="565"/>
+              </a:spcBef>
+              <a:buFont typeface="Arial" panose="020B0604020202020204" pitchFamily="34" charset="0"/>
+              <a:buChar char="•"/>
+            </a:pPr>
+            <a:r>
+              <a:rPr lang="en-US" dirty="0">
+                <a:latin typeface="Arial" panose="020B0604020202020204" pitchFamily="34" charset="0"/>
+                <a:cs typeface="Arial" panose="020B0604020202020204" pitchFamily="34" charset="0"/>
+              </a:rPr>
+              <a:t>A dedicated mobile app for easy browsing, ordering, and payment</a:t>
+            </a:r>
+          </a:p>
+          <a:p>
+            <a:pPr marL="11206" marR="4483">
               <a:lnSpc>
                 <a:spcPts val="1412"/>
               </a:lnSpc>
@@ -13305,527 +8922,7 @@
                 <a:spcPts val="565"/>
               </a:spcBef>
             </a:pPr>
-            <a:r>
-              <a:rPr sz="1400" dirty="0">
-                <a:latin typeface="Arial" panose="020B0604020202020204" pitchFamily="34" charset="0"/>
-                <a:cs typeface="Arial" panose="020B0604020202020204" pitchFamily="34" charset="0"/>
-              </a:rPr>
-              <a:t>Develop</a:t>
-            </a:r>
-            <a:r>
-              <a:rPr sz="1400" spc="-22" dirty="0">
-                <a:latin typeface="Arial" panose="020B0604020202020204" pitchFamily="34" charset="0"/>
-                <a:cs typeface="Arial" panose="020B0604020202020204" pitchFamily="34" charset="0"/>
-              </a:rPr>
-              <a:t> </a:t>
-            </a:r>
-            <a:r>
-              <a:rPr sz="1400" dirty="0">
-                <a:latin typeface="Arial" panose="020B0604020202020204" pitchFamily="34" charset="0"/>
-                <a:cs typeface="Arial" panose="020B0604020202020204" pitchFamily="34" charset="0"/>
-              </a:rPr>
-              <a:t>a</a:t>
-            </a:r>
-            <a:r>
-              <a:rPr sz="1400" spc="-22" dirty="0">
-                <a:latin typeface="Arial" panose="020B0604020202020204" pitchFamily="34" charset="0"/>
-                <a:cs typeface="Arial" panose="020B0604020202020204" pitchFamily="34" charset="0"/>
-              </a:rPr>
-              <a:t> </a:t>
-            </a:r>
-            <a:r>
-              <a:rPr sz="1400" dirty="0">
-                <a:latin typeface="Arial" panose="020B0604020202020204" pitchFamily="34" charset="0"/>
-                <a:cs typeface="Arial" panose="020B0604020202020204" pitchFamily="34" charset="0"/>
-              </a:rPr>
-              <a:t>mobile</a:t>
-            </a:r>
-            <a:r>
-              <a:rPr sz="1400" spc="-22" dirty="0">
-                <a:latin typeface="Arial" panose="020B0604020202020204" pitchFamily="34" charset="0"/>
-                <a:cs typeface="Arial" panose="020B0604020202020204" pitchFamily="34" charset="0"/>
-              </a:rPr>
-              <a:t> </a:t>
-            </a:r>
-            <a:r>
-              <a:rPr sz="1400" dirty="0">
-                <a:latin typeface="Arial" panose="020B0604020202020204" pitchFamily="34" charset="0"/>
-                <a:cs typeface="Arial" panose="020B0604020202020204" pitchFamily="34" charset="0"/>
-              </a:rPr>
-              <a:t>application</a:t>
-            </a:r>
-            <a:r>
-              <a:rPr sz="1400" spc="-44" dirty="0">
-                <a:latin typeface="Arial" panose="020B0604020202020204" pitchFamily="34" charset="0"/>
-                <a:cs typeface="Arial" panose="020B0604020202020204" pitchFamily="34" charset="0"/>
-              </a:rPr>
-              <a:t> </a:t>
-            </a:r>
-            <a:r>
-              <a:rPr sz="1400" dirty="0">
-                <a:latin typeface="Arial" panose="020B0604020202020204" pitchFamily="34" charset="0"/>
-                <a:cs typeface="Arial" panose="020B0604020202020204" pitchFamily="34" charset="0"/>
-              </a:rPr>
-              <a:t>that</a:t>
-            </a:r>
-            <a:r>
-              <a:rPr sz="1400" spc="-13" dirty="0">
-                <a:latin typeface="Arial" panose="020B0604020202020204" pitchFamily="34" charset="0"/>
-                <a:cs typeface="Arial" panose="020B0604020202020204" pitchFamily="34" charset="0"/>
-              </a:rPr>
-              <a:t> </a:t>
-            </a:r>
-            <a:r>
-              <a:rPr sz="1400" dirty="0">
-                <a:latin typeface="Arial" panose="020B0604020202020204" pitchFamily="34" charset="0"/>
-                <a:cs typeface="Arial" panose="020B0604020202020204" pitchFamily="34" charset="0"/>
-              </a:rPr>
-              <a:t>allows</a:t>
-            </a:r>
-            <a:r>
-              <a:rPr sz="1400" spc="-22" dirty="0">
-                <a:latin typeface="Arial" panose="020B0604020202020204" pitchFamily="34" charset="0"/>
-                <a:cs typeface="Arial" panose="020B0604020202020204" pitchFamily="34" charset="0"/>
-              </a:rPr>
-              <a:t> </a:t>
-            </a:r>
-            <a:r>
-              <a:rPr sz="1400" dirty="0">
-                <a:latin typeface="Arial" panose="020B0604020202020204" pitchFamily="34" charset="0"/>
-                <a:cs typeface="Arial" panose="020B0604020202020204" pitchFamily="34" charset="0"/>
-              </a:rPr>
-              <a:t>customers</a:t>
-            </a:r>
-            <a:r>
-              <a:rPr sz="1400" spc="-18" dirty="0">
-                <a:latin typeface="Arial" panose="020B0604020202020204" pitchFamily="34" charset="0"/>
-                <a:cs typeface="Arial" panose="020B0604020202020204" pitchFamily="34" charset="0"/>
-              </a:rPr>
-              <a:t> </a:t>
-            </a:r>
-            <a:r>
-              <a:rPr sz="1400" dirty="0">
-                <a:latin typeface="Arial" panose="020B0604020202020204" pitchFamily="34" charset="0"/>
-                <a:cs typeface="Arial" panose="020B0604020202020204" pitchFamily="34" charset="0"/>
-              </a:rPr>
-              <a:t>to</a:t>
-            </a:r>
-            <a:r>
-              <a:rPr sz="1400" spc="-22" dirty="0">
-                <a:latin typeface="Arial" panose="020B0604020202020204" pitchFamily="34" charset="0"/>
-                <a:cs typeface="Arial" panose="020B0604020202020204" pitchFamily="34" charset="0"/>
-              </a:rPr>
-              <a:t> </a:t>
-            </a:r>
-            <a:r>
-              <a:rPr sz="1400" dirty="0">
-                <a:latin typeface="Arial" panose="020B0604020202020204" pitchFamily="34" charset="0"/>
-                <a:cs typeface="Arial" panose="020B0604020202020204" pitchFamily="34" charset="0"/>
-              </a:rPr>
-              <a:t>browse</a:t>
-            </a:r>
-            <a:r>
-              <a:rPr sz="1400" spc="-40" dirty="0">
-                <a:latin typeface="Arial" panose="020B0604020202020204" pitchFamily="34" charset="0"/>
-                <a:cs typeface="Arial" panose="020B0604020202020204" pitchFamily="34" charset="0"/>
-              </a:rPr>
-              <a:t> </a:t>
-            </a:r>
-            <a:r>
-              <a:rPr sz="1400" dirty="0">
-                <a:latin typeface="Arial" panose="020B0604020202020204" pitchFamily="34" charset="0"/>
-                <a:cs typeface="Arial" panose="020B0604020202020204" pitchFamily="34" charset="0"/>
-              </a:rPr>
-              <a:t>the</a:t>
-            </a:r>
-            <a:r>
-              <a:rPr sz="1400" spc="-22" dirty="0">
-                <a:latin typeface="Arial" panose="020B0604020202020204" pitchFamily="34" charset="0"/>
-                <a:cs typeface="Arial" panose="020B0604020202020204" pitchFamily="34" charset="0"/>
-              </a:rPr>
-              <a:t> </a:t>
-            </a:r>
-            <a:r>
-              <a:rPr sz="1400" dirty="0">
-                <a:latin typeface="Arial" panose="020B0604020202020204" pitchFamily="34" charset="0"/>
-                <a:cs typeface="Arial" panose="020B0604020202020204" pitchFamily="34" charset="0"/>
-              </a:rPr>
-              <a:t>menu,</a:t>
-            </a:r>
-            <a:r>
-              <a:rPr sz="1400" spc="-22" dirty="0">
-                <a:latin typeface="Arial" panose="020B0604020202020204" pitchFamily="34" charset="0"/>
-                <a:cs typeface="Arial" panose="020B0604020202020204" pitchFamily="34" charset="0"/>
-              </a:rPr>
-              <a:t> </a:t>
-            </a:r>
-            <a:r>
-              <a:rPr sz="1400" spc="-9" dirty="0">
-                <a:latin typeface="Arial" panose="020B0604020202020204" pitchFamily="34" charset="0"/>
-                <a:cs typeface="Arial" panose="020B0604020202020204" pitchFamily="34" charset="0"/>
-              </a:rPr>
-              <a:t>place </a:t>
-            </a:r>
-            <a:r>
-              <a:rPr sz="1400" dirty="0">
-                <a:latin typeface="Arial" panose="020B0604020202020204" pitchFamily="34" charset="0"/>
-                <a:cs typeface="Arial" panose="020B0604020202020204" pitchFamily="34" charset="0"/>
-              </a:rPr>
-              <a:t>orders,</a:t>
-            </a:r>
-            <a:r>
-              <a:rPr sz="1400" spc="-26" dirty="0">
-                <a:latin typeface="Arial" panose="020B0604020202020204" pitchFamily="34" charset="0"/>
-                <a:cs typeface="Arial" panose="020B0604020202020204" pitchFamily="34" charset="0"/>
-              </a:rPr>
-              <a:t> </a:t>
-            </a:r>
-            <a:r>
-              <a:rPr sz="1400" dirty="0">
-                <a:latin typeface="Arial" panose="020B0604020202020204" pitchFamily="34" charset="0"/>
-                <a:cs typeface="Arial" panose="020B0604020202020204" pitchFamily="34" charset="0"/>
-              </a:rPr>
-              <a:t>and</a:t>
-            </a:r>
-            <a:r>
-              <a:rPr sz="1400" spc="-40" dirty="0">
-                <a:latin typeface="Arial" panose="020B0604020202020204" pitchFamily="34" charset="0"/>
-                <a:cs typeface="Arial" panose="020B0604020202020204" pitchFamily="34" charset="0"/>
-              </a:rPr>
-              <a:t> </a:t>
-            </a:r>
-            <a:r>
-              <a:rPr sz="1400" dirty="0">
-                <a:latin typeface="Arial" panose="020B0604020202020204" pitchFamily="34" charset="0"/>
-                <a:cs typeface="Arial" panose="020B0604020202020204" pitchFamily="34" charset="0"/>
-              </a:rPr>
-              <a:t>make</a:t>
-            </a:r>
-            <a:r>
-              <a:rPr sz="1400" spc="-18" dirty="0">
-                <a:latin typeface="Arial" panose="020B0604020202020204" pitchFamily="34" charset="0"/>
-                <a:cs typeface="Arial" panose="020B0604020202020204" pitchFamily="34" charset="0"/>
-              </a:rPr>
-              <a:t> </a:t>
-            </a:r>
-            <a:r>
-              <a:rPr sz="1400" dirty="0">
-                <a:latin typeface="Arial" panose="020B0604020202020204" pitchFamily="34" charset="0"/>
-                <a:cs typeface="Arial" panose="020B0604020202020204" pitchFamily="34" charset="0"/>
-              </a:rPr>
-              <a:t>payments</a:t>
-            </a:r>
-            <a:r>
-              <a:rPr sz="1400" spc="-22" dirty="0">
-                <a:latin typeface="Arial" panose="020B0604020202020204" pitchFamily="34" charset="0"/>
-                <a:cs typeface="Arial" panose="020B0604020202020204" pitchFamily="34" charset="0"/>
-              </a:rPr>
-              <a:t> </a:t>
-            </a:r>
-            <a:r>
-              <a:rPr sz="1400" dirty="0">
-                <a:latin typeface="Arial" panose="020B0604020202020204" pitchFamily="34" charset="0"/>
-                <a:cs typeface="Arial" panose="020B0604020202020204" pitchFamily="34" charset="0"/>
-              </a:rPr>
-              <a:t>directly</a:t>
-            </a:r>
-            <a:r>
-              <a:rPr sz="1400" spc="-49" dirty="0">
-                <a:latin typeface="Arial" panose="020B0604020202020204" pitchFamily="34" charset="0"/>
-                <a:cs typeface="Arial" panose="020B0604020202020204" pitchFamily="34" charset="0"/>
-              </a:rPr>
-              <a:t> </a:t>
-            </a:r>
-            <a:r>
-              <a:rPr sz="1400" dirty="0">
-                <a:latin typeface="Arial" panose="020B0604020202020204" pitchFamily="34" charset="0"/>
-                <a:cs typeface="Arial" panose="020B0604020202020204" pitchFamily="34" charset="0"/>
-              </a:rPr>
-              <a:t>from</a:t>
-            </a:r>
-            <a:r>
-              <a:rPr sz="1400" spc="-40" dirty="0">
-                <a:latin typeface="Arial" panose="020B0604020202020204" pitchFamily="34" charset="0"/>
-                <a:cs typeface="Arial" panose="020B0604020202020204" pitchFamily="34" charset="0"/>
-              </a:rPr>
-              <a:t> </a:t>
-            </a:r>
-            <a:r>
-              <a:rPr sz="1400" dirty="0">
-                <a:latin typeface="Arial" panose="020B0604020202020204" pitchFamily="34" charset="0"/>
-                <a:cs typeface="Arial" panose="020B0604020202020204" pitchFamily="34" charset="0"/>
-              </a:rPr>
-              <a:t>their</a:t>
-            </a:r>
-            <a:r>
-              <a:rPr sz="1400" spc="-18" dirty="0">
-                <a:latin typeface="Arial" panose="020B0604020202020204" pitchFamily="34" charset="0"/>
-                <a:cs typeface="Arial" panose="020B0604020202020204" pitchFamily="34" charset="0"/>
-              </a:rPr>
-              <a:t> </a:t>
-            </a:r>
-            <a:r>
-              <a:rPr sz="1400" dirty="0">
-                <a:latin typeface="Arial" panose="020B0604020202020204" pitchFamily="34" charset="0"/>
-                <a:cs typeface="Arial" panose="020B0604020202020204" pitchFamily="34" charset="0"/>
-              </a:rPr>
-              <a:t>smartphones.</a:t>
-            </a:r>
-            <a:r>
-              <a:rPr sz="1400" spc="-22" dirty="0">
-                <a:latin typeface="Arial" panose="020B0604020202020204" pitchFamily="34" charset="0"/>
-                <a:cs typeface="Arial" panose="020B0604020202020204" pitchFamily="34" charset="0"/>
-              </a:rPr>
-              <a:t> </a:t>
-            </a:r>
-            <a:r>
-              <a:rPr sz="1400" dirty="0">
-                <a:latin typeface="Arial" panose="020B0604020202020204" pitchFamily="34" charset="0"/>
-                <a:cs typeface="Arial" panose="020B0604020202020204" pitchFamily="34" charset="0"/>
-              </a:rPr>
-              <a:t>This</a:t>
-            </a:r>
-            <a:r>
-              <a:rPr sz="1400" spc="-22" dirty="0">
-                <a:latin typeface="Arial" panose="020B0604020202020204" pitchFamily="34" charset="0"/>
-                <a:cs typeface="Arial" panose="020B0604020202020204" pitchFamily="34" charset="0"/>
-              </a:rPr>
-              <a:t> </a:t>
-            </a:r>
-            <a:r>
-              <a:rPr sz="1400" dirty="0">
-                <a:latin typeface="Arial" panose="020B0604020202020204" pitchFamily="34" charset="0"/>
-                <a:cs typeface="Arial" panose="020B0604020202020204" pitchFamily="34" charset="0"/>
-              </a:rPr>
-              <a:t>feature</a:t>
-            </a:r>
-            <a:r>
-              <a:rPr sz="1400" spc="-22" dirty="0">
-                <a:latin typeface="Arial" panose="020B0604020202020204" pitchFamily="34" charset="0"/>
-                <a:cs typeface="Arial" panose="020B0604020202020204" pitchFamily="34" charset="0"/>
-              </a:rPr>
-              <a:t> </a:t>
-            </a:r>
-            <a:r>
-              <a:rPr sz="1400" spc="-9" dirty="0">
-                <a:latin typeface="Arial" panose="020B0604020202020204" pitchFamily="34" charset="0"/>
-                <a:cs typeface="Arial" panose="020B0604020202020204" pitchFamily="34" charset="0"/>
-              </a:rPr>
-              <a:t>would </a:t>
-            </a:r>
-            <a:r>
-              <a:rPr sz="1400" dirty="0">
-                <a:latin typeface="Arial" panose="020B0604020202020204" pitchFamily="34" charset="0"/>
-                <a:cs typeface="Arial" panose="020B0604020202020204" pitchFamily="34" charset="0"/>
-              </a:rPr>
-              <a:t>offer</a:t>
-            </a:r>
-            <a:r>
-              <a:rPr sz="1400" spc="-4" dirty="0">
-                <a:latin typeface="Arial" panose="020B0604020202020204" pitchFamily="34" charset="0"/>
-                <a:cs typeface="Arial" panose="020B0604020202020204" pitchFamily="34" charset="0"/>
-              </a:rPr>
-              <a:t> </a:t>
-            </a:r>
-            <a:r>
-              <a:rPr sz="1400" spc="-9" dirty="0">
-                <a:latin typeface="Arial" panose="020B0604020202020204" pitchFamily="34" charset="0"/>
-                <a:cs typeface="Arial" panose="020B0604020202020204" pitchFamily="34" charset="0"/>
-              </a:rPr>
-              <a:t>convenience</a:t>
-            </a:r>
-            <a:r>
-              <a:rPr sz="1400" spc="-35" dirty="0">
-                <a:latin typeface="Arial" panose="020B0604020202020204" pitchFamily="34" charset="0"/>
-                <a:cs typeface="Arial" panose="020B0604020202020204" pitchFamily="34" charset="0"/>
-              </a:rPr>
-              <a:t> </a:t>
-            </a:r>
-            <a:r>
-              <a:rPr sz="1400" dirty="0">
-                <a:latin typeface="Arial" panose="020B0604020202020204" pitchFamily="34" charset="0"/>
-                <a:cs typeface="Arial" panose="020B0604020202020204" pitchFamily="34" charset="0"/>
-              </a:rPr>
-              <a:t>and</a:t>
-            </a:r>
-            <a:r>
-              <a:rPr sz="1400" spc="-9" dirty="0">
-                <a:latin typeface="Arial" panose="020B0604020202020204" pitchFamily="34" charset="0"/>
-                <a:cs typeface="Arial" panose="020B0604020202020204" pitchFamily="34" charset="0"/>
-              </a:rPr>
-              <a:t> </a:t>
-            </a:r>
-            <a:r>
-              <a:rPr sz="1400" dirty="0">
-                <a:latin typeface="Arial" panose="020B0604020202020204" pitchFamily="34" charset="0"/>
-                <a:cs typeface="Arial" panose="020B0604020202020204" pitchFamily="34" charset="0"/>
-              </a:rPr>
-              <a:t>flexibility,</a:t>
-            </a:r>
-            <a:r>
-              <a:rPr sz="1400" spc="-13" dirty="0">
-                <a:latin typeface="Arial" panose="020B0604020202020204" pitchFamily="34" charset="0"/>
-                <a:cs typeface="Arial" panose="020B0604020202020204" pitchFamily="34" charset="0"/>
-              </a:rPr>
-              <a:t> </a:t>
-            </a:r>
-            <a:r>
-              <a:rPr sz="1400" dirty="0">
-                <a:latin typeface="Arial" panose="020B0604020202020204" pitchFamily="34" charset="0"/>
-                <a:cs typeface="Arial" panose="020B0604020202020204" pitchFamily="34" charset="0"/>
-              </a:rPr>
-              <a:t>especially</a:t>
-            </a:r>
-            <a:r>
-              <a:rPr sz="1400" spc="-13" dirty="0">
-                <a:latin typeface="Arial" panose="020B0604020202020204" pitchFamily="34" charset="0"/>
-                <a:cs typeface="Arial" panose="020B0604020202020204" pitchFamily="34" charset="0"/>
-              </a:rPr>
-              <a:t> </a:t>
-            </a:r>
-            <a:r>
-              <a:rPr sz="1400" dirty="0">
-                <a:latin typeface="Arial" panose="020B0604020202020204" pitchFamily="34" charset="0"/>
-                <a:cs typeface="Arial" panose="020B0604020202020204" pitchFamily="34" charset="0"/>
-              </a:rPr>
-              <a:t>for</a:t>
-            </a:r>
-            <a:r>
-              <a:rPr sz="1400" spc="-4" dirty="0">
-                <a:latin typeface="Arial" panose="020B0604020202020204" pitchFamily="34" charset="0"/>
-                <a:cs typeface="Arial" panose="020B0604020202020204" pitchFamily="34" charset="0"/>
-              </a:rPr>
-              <a:t> </a:t>
-            </a:r>
-            <a:r>
-              <a:rPr sz="1400" dirty="0">
-                <a:latin typeface="Arial" panose="020B0604020202020204" pitchFamily="34" charset="0"/>
-                <a:cs typeface="Arial" panose="020B0604020202020204" pitchFamily="34" charset="0"/>
-              </a:rPr>
-              <a:t>busy</a:t>
-            </a:r>
-            <a:r>
-              <a:rPr sz="1400" spc="-13" dirty="0">
-                <a:latin typeface="Arial" panose="020B0604020202020204" pitchFamily="34" charset="0"/>
-                <a:cs typeface="Arial" panose="020B0604020202020204" pitchFamily="34" charset="0"/>
-              </a:rPr>
-              <a:t> </a:t>
-            </a:r>
-            <a:r>
-              <a:rPr sz="1400" dirty="0">
-                <a:latin typeface="Arial" panose="020B0604020202020204" pitchFamily="34" charset="0"/>
-                <a:cs typeface="Arial" panose="020B0604020202020204" pitchFamily="34" charset="0"/>
-              </a:rPr>
-              <a:t>customers</a:t>
-            </a:r>
-            <a:r>
-              <a:rPr sz="1400" spc="-13" dirty="0">
-                <a:latin typeface="Arial" panose="020B0604020202020204" pitchFamily="34" charset="0"/>
-                <a:cs typeface="Arial" panose="020B0604020202020204" pitchFamily="34" charset="0"/>
-              </a:rPr>
-              <a:t> </a:t>
-            </a:r>
-            <a:r>
-              <a:rPr sz="1400" dirty="0">
-                <a:latin typeface="Arial" panose="020B0604020202020204" pitchFamily="34" charset="0"/>
-                <a:cs typeface="Arial" panose="020B0604020202020204" pitchFamily="34" charset="0"/>
-              </a:rPr>
-              <a:t>on-</a:t>
-            </a:r>
-            <a:r>
-              <a:rPr sz="1400" spc="-9" dirty="0">
-                <a:latin typeface="Arial" panose="020B0604020202020204" pitchFamily="34" charset="0"/>
-                <a:cs typeface="Arial" panose="020B0604020202020204" pitchFamily="34" charset="0"/>
-              </a:rPr>
-              <a:t>the-</a:t>
-            </a:r>
-            <a:r>
-              <a:rPr sz="1400" spc="-22" dirty="0">
-                <a:latin typeface="Arial" panose="020B0604020202020204" pitchFamily="34" charset="0"/>
-                <a:cs typeface="Arial" panose="020B0604020202020204" pitchFamily="34" charset="0"/>
-              </a:rPr>
-              <a:t>go.</a:t>
-            </a:r>
-            <a:endParaRPr sz="1400" dirty="0">
-              <a:latin typeface="Arial" panose="020B0604020202020204" pitchFamily="34" charset="0"/>
-              <a:cs typeface="Arial" panose="020B0604020202020204" pitchFamily="34" charset="0"/>
-            </a:endParaRPr>
-          </a:p>
-          <a:p>
-            <a:pPr marL="128875" indent="-120470" algn="just">
-              <a:spcBef>
-                <a:spcPts val="427"/>
-              </a:spcBef>
-              <a:buSzPct val="92857"/>
-              <a:buAutoNum type="arabicPeriod" startAt="2"/>
-              <a:tabLst>
-                <a:tab pos="128875" algn="l"/>
-              </a:tabLst>
-            </a:pPr>
-            <a:r>
-              <a:rPr sz="1400" b="1" dirty="0">
-                <a:latin typeface="Arial" panose="020B0604020202020204" pitchFamily="34" charset="0"/>
-                <a:cs typeface="Arial" panose="020B0604020202020204" pitchFamily="34" charset="0"/>
-              </a:rPr>
-              <a:t>Advanced</a:t>
-            </a:r>
-            <a:r>
-              <a:rPr sz="1400" b="1" spc="-22" dirty="0">
-                <a:latin typeface="Arial" panose="020B0604020202020204" pitchFamily="34" charset="0"/>
-                <a:cs typeface="Arial" panose="020B0604020202020204" pitchFamily="34" charset="0"/>
-              </a:rPr>
-              <a:t> </a:t>
-            </a:r>
-            <a:r>
-              <a:rPr sz="1400" b="1" dirty="0">
-                <a:latin typeface="Arial" panose="020B0604020202020204" pitchFamily="34" charset="0"/>
-                <a:cs typeface="Arial" panose="020B0604020202020204" pitchFamily="34" charset="0"/>
-              </a:rPr>
-              <a:t>Analytics</a:t>
-            </a:r>
-            <a:r>
-              <a:rPr sz="1400" b="1" spc="-18" dirty="0">
-                <a:latin typeface="Arial" panose="020B0604020202020204" pitchFamily="34" charset="0"/>
-                <a:cs typeface="Arial" panose="020B0604020202020204" pitchFamily="34" charset="0"/>
-              </a:rPr>
-              <a:t> </a:t>
-            </a:r>
-            <a:r>
-              <a:rPr sz="1400" b="1" dirty="0">
-                <a:latin typeface="Arial" panose="020B0604020202020204" pitchFamily="34" charset="0"/>
-                <a:cs typeface="Arial" panose="020B0604020202020204" pitchFamily="34" charset="0"/>
-              </a:rPr>
-              <a:t>and</a:t>
-            </a:r>
-            <a:r>
-              <a:rPr sz="1400" b="1" spc="-31" dirty="0">
-                <a:latin typeface="Arial" panose="020B0604020202020204" pitchFamily="34" charset="0"/>
-                <a:cs typeface="Arial" panose="020B0604020202020204" pitchFamily="34" charset="0"/>
-              </a:rPr>
-              <a:t> </a:t>
-            </a:r>
-            <a:r>
-              <a:rPr sz="1400" b="1" dirty="0">
-                <a:latin typeface="Arial" panose="020B0604020202020204" pitchFamily="34" charset="0"/>
-                <a:cs typeface="Arial" panose="020B0604020202020204" pitchFamily="34" charset="0"/>
-              </a:rPr>
-              <a:t>Predictive</a:t>
-            </a:r>
-            <a:r>
-              <a:rPr sz="1400" b="1" spc="-22" dirty="0">
-                <a:latin typeface="Arial" panose="020B0604020202020204" pitchFamily="34" charset="0"/>
-                <a:cs typeface="Arial" panose="020B0604020202020204" pitchFamily="34" charset="0"/>
-              </a:rPr>
-              <a:t> </a:t>
-            </a:r>
-            <a:r>
-              <a:rPr sz="1400" b="1" spc="-9" dirty="0">
-                <a:latin typeface="Arial" panose="020B0604020202020204" pitchFamily="34" charset="0"/>
-                <a:cs typeface="Arial" panose="020B0604020202020204" pitchFamily="34" charset="0"/>
-              </a:rPr>
-              <a:t>Insights:</a:t>
-            </a:r>
-            <a:endParaRPr sz="1400" dirty="0">
+            <a:endParaRPr lang="en-US" dirty="0">
               <a:latin typeface="Arial" panose="020B0604020202020204" pitchFamily="34" charset="0"/>
               <a:cs typeface="Arial" panose="020B0604020202020204" pitchFamily="34" charset="0"/>
             </a:endParaRPr>
@@ -13840,1631 +8937,140 @@
               </a:spcBef>
             </a:pPr>
             <a:r>
-              <a:rPr sz="1400" dirty="0">
-                <a:latin typeface="Arial" panose="020B0604020202020204" pitchFamily="34" charset="0"/>
-                <a:cs typeface="Arial" panose="020B0604020202020204" pitchFamily="34" charset="0"/>
-              </a:rPr>
-              <a:t>Enhance</a:t>
-            </a:r>
-            <a:r>
-              <a:rPr sz="1400" spc="-18" dirty="0">
-                <a:latin typeface="Arial" panose="020B0604020202020204" pitchFamily="34" charset="0"/>
-                <a:cs typeface="Arial" panose="020B0604020202020204" pitchFamily="34" charset="0"/>
-              </a:rPr>
-              <a:t> </a:t>
-            </a:r>
-            <a:r>
-              <a:rPr sz="1400" dirty="0">
-                <a:latin typeface="Arial" panose="020B0604020202020204" pitchFamily="34" charset="0"/>
-                <a:cs typeface="Arial" panose="020B0604020202020204" pitchFamily="34" charset="0"/>
-              </a:rPr>
-              <a:t>the</a:t>
-            </a:r>
-            <a:r>
-              <a:rPr sz="1400" spc="-13" dirty="0">
-                <a:latin typeface="Arial" panose="020B0604020202020204" pitchFamily="34" charset="0"/>
-                <a:cs typeface="Arial" panose="020B0604020202020204" pitchFamily="34" charset="0"/>
-              </a:rPr>
-              <a:t> </a:t>
-            </a:r>
-            <a:r>
-              <a:rPr sz="1400" dirty="0">
-                <a:latin typeface="Arial" panose="020B0604020202020204" pitchFamily="34" charset="0"/>
-                <a:cs typeface="Arial" panose="020B0604020202020204" pitchFamily="34" charset="0"/>
-              </a:rPr>
-              <a:t>system's</a:t>
-            </a:r>
-            <a:r>
-              <a:rPr sz="1400" spc="-35" dirty="0">
-                <a:latin typeface="Arial" panose="020B0604020202020204" pitchFamily="34" charset="0"/>
-                <a:cs typeface="Arial" panose="020B0604020202020204" pitchFamily="34" charset="0"/>
-              </a:rPr>
-              <a:t> </a:t>
-            </a:r>
-            <a:r>
-              <a:rPr sz="1400" dirty="0">
-                <a:latin typeface="Arial" panose="020B0604020202020204" pitchFamily="34" charset="0"/>
-                <a:cs typeface="Arial" panose="020B0604020202020204" pitchFamily="34" charset="0"/>
-              </a:rPr>
-              <a:t>analytics</a:t>
-            </a:r>
-            <a:r>
-              <a:rPr sz="1400" spc="-13" dirty="0">
-                <a:latin typeface="Arial" panose="020B0604020202020204" pitchFamily="34" charset="0"/>
-                <a:cs typeface="Arial" panose="020B0604020202020204" pitchFamily="34" charset="0"/>
-              </a:rPr>
-              <a:t> </a:t>
-            </a:r>
-            <a:r>
-              <a:rPr sz="1400" spc="-9" dirty="0">
-                <a:latin typeface="Arial" panose="020B0604020202020204" pitchFamily="34" charset="0"/>
-                <a:cs typeface="Arial" panose="020B0604020202020204" pitchFamily="34" charset="0"/>
-              </a:rPr>
-              <a:t>capabilities</a:t>
-            </a:r>
-            <a:r>
-              <a:rPr sz="1400" spc="-31" dirty="0">
-                <a:latin typeface="Arial" panose="020B0604020202020204" pitchFamily="34" charset="0"/>
-                <a:cs typeface="Arial" panose="020B0604020202020204" pitchFamily="34" charset="0"/>
-              </a:rPr>
-              <a:t> </a:t>
-            </a:r>
-            <a:r>
-              <a:rPr sz="1400" dirty="0">
-                <a:latin typeface="Arial" panose="020B0604020202020204" pitchFamily="34" charset="0"/>
-                <a:cs typeface="Arial" panose="020B0604020202020204" pitchFamily="34" charset="0"/>
-              </a:rPr>
-              <a:t>to</a:t>
-            </a:r>
-            <a:r>
-              <a:rPr sz="1400" spc="-40" dirty="0">
-                <a:latin typeface="Arial" panose="020B0604020202020204" pitchFamily="34" charset="0"/>
-                <a:cs typeface="Arial" panose="020B0604020202020204" pitchFamily="34" charset="0"/>
-              </a:rPr>
-              <a:t> </a:t>
-            </a:r>
-            <a:r>
-              <a:rPr sz="1400" dirty="0">
-                <a:latin typeface="Arial" panose="020B0604020202020204" pitchFamily="34" charset="0"/>
-                <a:cs typeface="Arial" panose="020B0604020202020204" pitchFamily="34" charset="0"/>
-              </a:rPr>
-              <a:t>provide</a:t>
-            </a:r>
-            <a:r>
-              <a:rPr sz="1400" spc="-13" dirty="0">
-                <a:latin typeface="Arial" panose="020B0604020202020204" pitchFamily="34" charset="0"/>
-                <a:cs typeface="Arial" panose="020B0604020202020204" pitchFamily="34" charset="0"/>
-              </a:rPr>
-              <a:t> </a:t>
-            </a:r>
-            <a:r>
-              <a:rPr sz="1400" dirty="0">
-                <a:latin typeface="Arial" panose="020B0604020202020204" pitchFamily="34" charset="0"/>
-                <a:cs typeface="Arial" panose="020B0604020202020204" pitchFamily="34" charset="0"/>
-              </a:rPr>
-              <a:t>more</a:t>
-            </a:r>
-            <a:r>
-              <a:rPr sz="1400" spc="-18" dirty="0">
-                <a:latin typeface="Arial" panose="020B0604020202020204" pitchFamily="34" charset="0"/>
-                <a:cs typeface="Arial" panose="020B0604020202020204" pitchFamily="34" charset="0"/>
-              </a:rPr>
-              <a:t> </a:t>
-            </a:r>
-            <a:r>
-              <a:rPr sz="1400" dirty="0">
-                <a:latin typeface="Arial" panose="020B0604020202020204" pitchFamily="34" charset="0"/>
-                <a:cs typeface="Arial" panose="020B0604020202020204" pitchFamily="34" charset="0"/>
-              </a:rPr>
-              <a:t>advanced</a:t>
-            </a:r>
-            <a:r>
-              <a:rPr sz="1400" spc="-35" dirty="0">
-                <a:latin typeface="Arial" panose="020B0604020202020204" pitchFamily="34" charset="0"/>
-                <a:cs typeface="Arial" panose="020B0604020202020204" pitchFamily="34" charset="0"/>
-              </a:rPr>
-              <a:t> </a:t>
-            </a:r>
-            <a:r>
-              <a:rPr sz="1400" spc="-9" dirty="0">
-                <a:latin typeface="Arial" panose="020B0604020202020204" pitchFamily="34" charset="0"/>
-                <a:cs typeface="Arial" panose="020B0604020202020204" pitchFamily="34" charset="0"/>
-              </a:rPr>
-              <a:t>insights </a:t>
-            </a:r>
-            <a:r>
-              <a:rPr sz="1400" dirty="0">
-                <a:latin typeface="Arial" panose="020B0604020202020204" pitchFamily="34" charset="0"/>
-                <a:cs typeface="Arial" panose="020B0604020202020204" pitchFamily="34" charset="0"/>
-              </a:rPr>
-              <a:t>into</a:t>
-            </a:r>
-            <a:r>
-              <a:rPr sz="1400" spc="-35" dirty="0">
-                <a:latin typeface="Arial" panose="020B0604020202020204" pitchFamily="34" charset="0"/>
-                <a:cs typeface="Arial" panose="020B0604020202020204" pitchFamily="34" charset="0"/>
-              </a:rPr>
-              <a:t> </a:t>
-            </a:r>
-            <a:r>
-              <a:rPr sz="1400" dirty="0">
-                <a:latin typeface="Arial" panose="020B0604020202020204" pitchFamily="34" charset="0"/>
-                <a:cs typeface="Arial" panose="020B0604020202020204" pitchFamily="34" charset="0"/>
-              </a:rPr>
-              <a:t>sales</a:t>
-            </a:r>
-            <a:r>
-              <a:rPr sz="1400" spc="-26" dirty="0">
-                <a:latin typeface="Arial" panose="020B0604020202020204" pitchFamily="34" charset="0"/>
-                <a:cs typeface="Arial" panose="020B0604020202020204" pitchFamily="34" charset="0"/>
-              </a:rPr>
-              <a:t> </a:t>
-            </a:r>
-            <a:r>
-              <a:rPr sz="1400" dirty="0">
-                <a:latin typeface="Arial" panose="020B0604020202020204" pitchFamily="34" charset="0"/>
-                <a:cs typeface="Arial" panose="020B0604020202020204" pitchFamily="34" charset="0"/>
-              </a:rPr>
-              <a:t>trends,</a:t>
-            </a:r>
-            <a:r>
-              <a:rPr sz="1400" spc="-31" dirty="0">
-                <a:latin typeface="Arial" panose="020B0604020202020204" pitchFamily="34" charset="0"/>
-                <a:cs typeface="Arial" panose="020B0604020202020204" pitchFamily="34" charset="0"/>
-              </a:rPr>
-              <a:t> </a:t>
-            </a:r>
-            <a:r>
-              <a:rPr sz="1400" dirty="0">
-                <a:latin typeface="Arial" panose="020B0604020202020204" pitchFamily="34" charset="0"/>
-                <a:cs typeface="Arial" panose="020B0604020202020204" pitchFamily="34" charset="0"/>
-              </a:rPr>
-              <a:t>customer</a:t>
-            </a:r>
-            <a:r>
-              <a:rPr sz="1400" spc="-26" dirty="0">
-                <a:latin typeface="Arial" panose="020B0604020202020204" pitchFamily="34" charset="0"/>
-                <a:cs typeface="Arial" panose="020B0604020202020204" pitchFamily="34" charset="0"/>
-              </a:rPr>
-              <a:t> </a:t>
-            </a:r>
-            <a:r>
-              <a:rPr sz="1400" dirty="0">
-                <a:latin typeface="Arial" panose="020B0604020202020204" pitchFamily="34" charset="0"/>
-                <a:cs typeface="Arial" panose="020B0604020202020204" pitchFamily="34" charset="0"/>
-              </a:rPr>
-              <a:t>behavior,</a:t>
-            </a:r>
-            <a:r>
-              <a:rPr sz="1400" spc="-31" dirty="0">
-                <a:latin typeface="Arial" panose="020B0604020202020204" pitchFamily="34" charset="0"/>
-                <a:cs typeface="Arial" panose="020B0604020202020204" pitchFamily="34" charset="0"/>
-              </a:rPr>
-              <a:t> </a:t>
-            </a:r>
-            <a:r>
-              <a:rPr sz="1400" dirty="0">
-                <a:latin typeface="Arial" panose="020B0604020202020204" pitchFamily="34" charset="0"/>
-                <a:cs typeface="Arial" panose="020B0604020202020204" pitchFamily="34" charset="0"/>
-              </a:rPr>
-              <a:t>and</a:t>
-            </a:r>
-            <a:r>
-              <a:rPr sz="1400" spc="-49" dirty="0">
-                <a:latin typeface="Arial" panose="020B0604020202020204" pitchFamily="34" charset="0"/>
-                <a:cs typeface="Arial" panose="020B0604020202020204" pitchFamily="34" charset="0"/>
-              </a:rPr>
-              <a:t> </a:t>
-            </a:r>
-            <a:r>
-              <a:rPr sz="1400" dirty="0">
-                <a:latin typeface="Arial" panose="020B0604020202020204" pitchFamily="34" charset="0"/>
-                <a:cs typeface="Arial" panose="020B0604020202020204" pitchFamily="34" charset="0"/>
-              </a:rPr>
-              <a:t>inventory</a:t>
-            </a:r>
-            <a:r>
-              <a:rPr sz="1400" spc="-35" dirty="0">
-                <a:latin typeface="Arial" panose="020B0604020202020204" pitchFamily="34" charset="0"/>
-                <a:cs typeface="Arial" panose="020B0604020202020204" pitchFamily="34" charset="0"/>
-              </a:rPr>
-              <a:t> </a:t>
-            </a:r>
-            <a:r>
-              <a:rPr sz="1400" dirty="0">
-                <a:latin typeface="Arial" panose="020B0604020202020204" pitchFamily="34" charset="0"/>
-                <a:cs typeface="Arial" panose="020B0604020202020204" pitchFamily="34" charset="0"/>
-              </a:rPr>
-              <a:t>management.</a:t>
-            </a:r>
-            <a:r>
-              <a:rPr sz="1400" spc="-31" dirty="0">
-                <a:latin typeface="Arial" panose="020B0604020202020204" pitchFamily="34" charset="0"/>
-                <a:cs typeface="Arial" panose="020B0604020202020204" pitchFamily="34" charset="0"/>
-              </a:rPr>
-              <a:t> </a:t>
-            </a:r>
-            <a:r>
-              <a:rPr sz="1400" spc="-9" dirty="0">
-                <a:latin typeface="Arial" panose="020B0604020202020204" pitchFamily="34" charset="0"/>
-                <a:cs typeface="Arial" panose="020B0604020202020204" pitchFamily="34" charset="0"/>
-              </a:rPr>
-              <a:t>Implement </a:t>
-            </a:r>
-            <a:r>
-              <a:rPr sz="1400" dirty="0">
-                <a:latin typeface="Arial" panose="020B0604020202020204" pitchFamily="34" charset="0"/>
-                <a:cs typeface="Arial" panose="020B0604020202020204" pitchFamily="34" charset="0"/>
-              </a:rPr>
-              <a:t>predictive</a:t>
-            </a:r>
-            <a:r>
-              <a:rPr sz="1400" spc="-35" dirty="0">
-                <a:latin typeface="Arial" panose="020B0604020202020204" pitchFamily="34" charset="0"/>
-                <a:cs typeface="Arial" panose="020B0604020202020204" pitchFamily="34" charset="0"/>
-              </a:rPr>
-              <a:t> </a:t>
-            </a:r>
-            <a:r>
-              <a:rPr sz="1400" dirty="0">
-                <a:latin typeface="Arial" panose="020B0604020202020204" pitchFamily="34" charset="0"/>
-                <a:cs typeface="Arial" panose="020B0604020202020204" pitchFamily="34" charset="0"/>
-              </a:rPr>
-              <a:t>analytics</a:t>
-            </a:r>
-            <a:r>
-              <a:rPr sz="1400" spc="-35" dirty="0">
-                <a:latin typeface="Arial" panose="020B0604020202020204" pitchFamily="34" charset="0"/>
-                <a:cs typeface="Arial" panose="020B0604020202020204" pitchFamily="34" charset="0"/>
-              </a:rPr>
-              <a:t> </a:t>
-            </a:r>
-            <a:r>
-              <a:rPr sz="1400" dirty="0">
-                <a:latin typeface="Arial" panose="020B0604020202020204" pitchFamily="34" charset="0"/>
-                <a:cs typeface="Arial" panose="020B0604020202020204" pitchFamily="34" charset="0"/>
-              </a:rPr>
-              <a:t>algorithms</a:t>
-            </a:r>
-            <a:r>
-              <a:rPr sz="1400" spc="-35" dirty="0">
-                <a:latin typeface="Arial" panose="020B0604020202020204" pitchFamily="34" charset="0"/>
-                <a:cs typeface="Arial" panose="020B0604020202020204" pitchFamily="34" charset="0"/>
-              </a:rPr>
-              <a:t> </a:t>
-            </a:r>
-            <a:r>
-              <a:rPr sz="1400" dirty="0">
-                <a:latin typeface="Arial" panose="020B0604020202020204" pitchFamily="34" charset="0"/>
-                <a:cs typeface="Arial" panose="020B0604020202020204" pitchFamily="34" charset="0"/>
-              </a:rPr>
-              <a:t>to</a:t>
-            </a:r>
-            <a:r>
-              <a:rPr sz="1400" spc="-35" dirty="0">
-                <a:latin typeface="Arial" panose="020B0604020202020204" pitchFamily="34" charset="0"/>
-                <a:cs typeface="Arial" panose="020B0604020202020204" pitchFamily="34" charset="0"/>
-              </a:rPr>
-              <a:t> </a:t>
-            </a:r>
-            <a:r>
-              <a:rPr sz="1400" dirty="0">
-                <a:latin typeface="Arial" panose="020B0604020202020204" pitchFamily="34" charset="0"/>
-                <a:cs typeface="Arial" panose="020B0604020202020204" pitchFamily="34" charset="0"/>
-              </a:rPr>
-              <a:t>forecast</a:t>
-            </a:r>
-            <a:r>
-              <a:rPr sz="1400" spc="-31" dirty="0">
-                <a:latin typeface="Arial" panose="020B0604020202020204" pitchFamily="34" charset="0"/>
-                <a:cs typeface="Arial" panose="020B0604020202020204" pitchFamily="34" charset="0"/>
-              </a:rPr>
-              <a:t> </a:t>
-            </a:r>
-            <a:r>
-              <a:rPr sz="1400" dirty="0">
-                <a:latin typeface="Arial" panose="020B0604020202020204" pitchFamily="34" charset="0"/>
-                <a:cs typeface="Arial" panose="020B0604020202020204" pitchFamily="34" charset="0"/>
-              </a:rPr>
-              <a:t>demand,</a:t>
-            </a:r>
-            <a:r>
-              <a:rPr sz="1400" spc="-35" dirty="0">
-                <a:latin typeface="Arial" panose="020B0604020202020204" pitchFamily="34" charset="0"/>
-                <a:cs typeface="Arial" panose="020B0604020202020204" pitchFamily="34" charset="0"/>
-              </a:rPr>
-              <a:t> </a:t>
-            </a:r>
-            <a:r>
-              <a:rPr sz="1400" dirty="0">
-                <a:latin typeface="Arial" panose="020B0604020202020204" pitchFamily="34" charset="0"/>
-                <a:cs typeface="Arial" panose="020B0604020202020204" pitchFamily="34" charset="0"/>
-              </a:rPr>
-              <a:t>optimize</a:t>
-            </a:r>
-            <a:r>
-              <a:rPr sz="1400" spc="-35" dirty="0">
-                <a:latin typeface="Arial" panose="020B0604020202020204" pitchFamily="34" charset="0"/>
-                <a:cs typeface="Arial" panose="020B0604020202020204" pitchFamily="34" charset="0"/>
-              </a:rPr>
-              <a:t> </a:t>
-            </a:r>
-            <a:r>
-              <a:rPr sz="1400" dirty="0">
-                <a:latin typeface="Arial" panose="020B0604020202020204" pitchFamily="34" charset="0"/>
-                <a:cs typeface="Arial" panose="020B0604020202020204" pitchFamily="34" charset="0"/>
-              </a:rPr>
-              <a:t>inventory</a:t>
-            </a:r>
-            <a:r>
-              <a:rPr sz="1400" spc="-35" dirty="0">
-                <a:latin typeface="Arial" panose="020B0604020202020204" pitchFamily="34" charset="0"/>
-                <a:cs typeface="Arial" panose="020B0604020202020204" pitchFamily="34" charset="0"/>
-              </a:rPr>
-              <a:t> </a:t>
-            </a:r>
-            <a:r>
-              <a:rPr sz="1400" spc="-9" dirty="0">
-                <a:latin typeface="Arial" panose="020B0604020202020204" pitchFamily="34" charset="0"/>
-                <a:cs typeface="Arial" panose="020B0604020202020204" pitchFamily="34" charset="0"/>
-              </a:rPr>
-              <a:t>levels, </a:t>
-            </a:r>
-            <a:r>
-              <a:rPr sz="1400" dirty="0">
-                <a:latin typeface="Arial" panose="020B0604020202020204" pitchFamily="34" charset="0"/>
-                <a:cs typeface="Arial" panose="020B0604020202020204" pitchFamily="34" charset="0"/>
-              </a:rPr>
-              <a:t>and</a:t>
-            </a:r>
-            <a:r>
-              <a:rPr sz="1400" spc="-22" dirty="0">
-                <a:latin typeface="Arial" panose="020B0604020202020204" pitchFamily="34" charset="0"/>
-                <a:cs typeface="Arial" panose="020B0604020202020204" pitchFamily="34" charset="0"/>
-              </a:rPr>
-              <a:t> </a:t>
-            </a:r>
-            <a:r>
-              <a:rPr sz="1400" dirty="0">
-                <a:latin typeface="Arial" panose="020B0604020202020204" pitchFamily="34" charset="0"/>
-                <a:cs typeface="Arial" panose="020B0604020202020204" pitchFamily="34" charset="0"/>
-              </a:rPr>
-              <a:t>plan</a:t>
-            </a:r>
-            <a:r>
-              <a:rPr sz="1400" spc="-18" dirty="0">
-                <a:latin typeface="Arial" panose="020B0604020202020204" pitchFamily="34" charset="0"/>
-                <a:cs typeface="Arial" panose="020B0604020202020204" pitchFamily="34" charset="0"/>
-              </a:rPr>
-              <a:t> </a:t>
-            </a:r>
-            <a:r>
-              <a:rPr sz="1400" dirty="0">
-                <a:latin typeface="Arial" panose="020B0604020202020204" pitchFamily="34" charset="0"/>
-                <a:cs typeface="Arial" panose="020B0604020202020204" pitchFamily="34" charset="0"/>
-              </a:rPr>
-              <a:t>promotions</a:t>
-            </a:r>
-            <a:r>
-              <a:rPr sz="1400" spc="-18" dirty="0">
-                <a:latin typeface="Arial" panose="020B0604020202020204" pitchFamily="34" charset="0"/>
-                <a:cs typeface="Arial" panose="020B0604020202020204" pitchFamily="34" charset="0"/>
-              </a:rPr>
-              <a:t> </a:t>
-            </a:r>
-            <a:r>
-              <a:rPr sz="1400" spc="-9" dirty="0">
-                <a:latin typeface="Arial" panose="020B0604020202020204" pitchFamily="34" charset="0"/>
-                <a:cs typeface="Arial" panose="020B0604020202020204" pitchFamily="34" charset="0"/>
-              </a:rPr>
-              <a:t>effectively</a:t>
-            </a:r>
-            <a:r>
-              <a:rPr sz="1400" b="1" spc="-9" dirty="0">
-                <a:latin typeface="Arial" panose="020B0604020202020204" pitchFamily="34" charset="0"/>
-                <a:cs typeface="Arial" panose="020B0604020202020204" pitchFamily="34" charset="0"/>
-              </a:rPr>
-              <a:t>.</a:t>
-            </a:r>
-            <a:endParaRPr sz="1400" dirty="0">
+              <a:rPr lang="en-US" b="1" dirty="0">
+                <a:latin typeface="Arial" panose="020B0604020202020204" pitchFamily="34" charset="0"/>
+                <a:cs typeface="Arial" panose="020B0604020202020204" pitchFamily="34" charset="0"/>
+              </a:rPr>
+              <a:t>Interactive Educational Content:</a:t>
+            </a:r>
+          </a:p>
+          <a:p>
+            <a:pPr marL="11206" marR="122151">
+              <a:lnSpc>
+                <a:spcPct val="95700"/>
+              </a:lnSpc>
+              <a:spcBef>
+                <a:spcPts val="521"/>
+              </a:spcBef>
+            </a:pPr>
+            <a:r>
+              <a:rPr lang="en-US" dirty="0">
+                <a:latin typeface="Arial" panose="020B0604020202020204" pitchFamily="34" charset="0"/>
+                <a:cs typeface="Arial" panose="020B0604020202020204" pitchFamily="34" charset="0"/>
+              </a:rPr>
+              <a:t>Video tutorials, webinars, and articles to educate customers about product </a:t>
+            </a:r>
+            <a:r>
+              <a:rPr lang="en-US" dirty="0" err="1">
+                <a:latin typeface="Arial" panose="020B0604020202020204" pitchFamily="34" charset="0"/>
+                <a:cs typeface="Arial" panose="020B0604020202020204" pitchFamily="34" charset="0"/>
+              </a:rPr>
+              <a:t>benefits.Enhances</a:t>
+            </a:r>
+            <a:r>
+              <a:rPr lang="en-US" dirty="0">
+                <a:latin typeface="Arial" panose="020B0604020202020204" pitchFamily="34" charset="0"/>
+                <a:cs typeface="Arial" panose="020B0604020202020204" pitchFamily="34" charset="0"/>
+              </a:rPr>
+              <a:t> customer engagement and brand loyalty.</a:t>
+            </a:r>
+          </a:p>
+          <a:p>
+            <a:pPr marL="11206" marR="122151">
+              <a:lnSpc>
+                <a:spcPct val="95700"/>
+              </a:lnSpc>
+              <a:spcBef>
+                <a:spcPts val="521"/>
+              </a:spcBef>
+            </a:pPr>
+            <a:endParaRPr lang="en-US" dirty="0">
               <a:latin typeface="Arial" panose="020B0604020202020204" pitchFamily="34" charset="0"/>
               <a:cs typeface="Arial" panose="020B0604020202020204" pitchFamily="34" charset="0"/>
             </a:endParaRPr>
           </a:p>
           <a:p>
-            <a:pPr marL="170899" indent="-159692">
+            <a:pPr marL="11206" marR="122151">
+              <a:lnSpc>
+                <a:spcPct val="95700"/>
+              </a:lnSpc>
               <a:spcBef>
-                <a:spcPts val="481"/>
+                <a:spcPts val="521"/>
               </a:spcBef>
-              <a:buClr>
-                <a:srgbClr val="000000"/>
-              </a:buClr>
-              <a:buSzPct val="92857"/>
-              <a:buAutoNum type="arabicPeriod" startAt="3"/>
-              <a:tabLst>
-                <a:tab pos="170899" algn="l"/>
-              </a:tabLst>
             </a:pPr>
             <a:r>
-              <a:rPr sz="1400" b="1" dirty="0">
-                <a:solidFill>
-                  <a:srgbClr val="0D0D0D"/>
-                </a:solidFill>
-                <a:latin typeface="Arial" panose="020B0604020202020204" pitchFamily="34" charset="0"/>
-                <a:cs typeface="Arial" panose="020B0604020202020204" pitchFamily="34" charset="0"/>
-              </a:rPr>
-              <a:t>Interactive</a:t>
-            </a:r>
-            <a:r>
-              <a:rPr sz="1400" b="1" spc="-18" dirty="0">
-                <a:solidFill>
-                  <a:srgbClr val="0D0D0D"/>
-                </a:solidFill>
+              <a:rPr lang="en-IN" b="1" dirty="0">
+                <a:latin typeface="Arial" panose="020B0604020202020204" pitchFamily="34" charset="0"/>
+                <a:cs typeface="Arial" panose="020B0604020202020204" pitchFamily="34" charset="0"/>
+              </a:rPr>
+              <a:t>Automated</a:t>
+            </a:r>
+            <a:r>
+              <a:rPr lang="en-IN" b="1" spc="-26" dirty="0">
                 <a:latin typeface="Arial" panose="020B0604020202020204" pitchFamily="34" charset="0"/>
                 <a:cs typeface="Arial" panose="020B0604020202020204" pitchFamily="34" charset="0"/>
               </a:rPr>
               <a:t> </a:t>
             </a:r>
             <a:r>
-              <a:rPr sz="1400" b="1" dirty="0">
-                <a:solidFill>
-                  <a:srgbClr val="0D0D0D"/>
-                </a:solidFill>
-                <a:latin typeface="Arial" panose="020B0604020202020204" pitchFamily="34" charset="0"/>
-                <a:cs typeface="Arial" panose="020B0604020202020204" pitchFamily="34" charset="0"/>
-              </a:rPr>
-              <a:t>Educational</a:t>
-            </a:r>
-            <a:r>
-              <a:rPr sz="1400" b="1" spc="-13" dirty="0">
-                <a:solidFill>
-                  <a:srgbClr val="0D0D0D"/>
-                </a:solidFill>
+              <a:rPr lang="en-IN" b="1" dirty="0">
+                <a:latin typeface="Arial" panose="020B0604020202020204" pitchFamily="34" charset="0"/>
+                <a:cs typeface="Arial" panose="020B0604020202020204" pitchFamily="34" charset="0"/>
+              </a:rPr>
+              <a:t>Marketing</a:t>
+            </a:r>
+            <a:r>
+              <a:rPr lang="en-IN" b="1" spc="-22" dirty="0">
                 <a:latin typeface="Arial" panose="020B0604020202020204" pitchFamily="34" charset="0"/>
                 <a:cs typeface="Arial" panose="020B0604020202020204" pitchFamily="34" charset="0"/>
               </a:rPr>
               <a:t> </a:t>
             </a:r>
             <a:r>
-              <a:rPr sz="1400" b="1" spc="-9" dirty="0">
-                <a:solidFill>
-                  <a:srgbClr val="0D0D0D"/>
-                </a:solidFill>
-                <a:latin typeface="Arial" panose="020B0604020202020204" pitchFamily="34" charset="0"/>
-                <a:cs typeface="Arial" panose="020B0604020202020204" pitchFamily="34" charset="0"/>
-              </a:rPr>
-              <a:t>Content</a:t>
-            </a:r>
-            <a:r>
-              <a:rPr sz="1400" spc="-9" dirty="0">
-                <a:solidFill>
-                  <a:srgbClr val="0D0D0D"/>
-                </a:solidFill>
-                <a:latin typeface="Arial" panose="020B0604020202020204" pitchFamily="34" charset="0"/>
-                <a:cs typeface="Arial" panose="020B0604020202020204" pitchFamily="34" charset="0"/>
-              </a:rPr>
-              <a:t>:</a:t>
-            </a:r>
-            <a:endParaRPr sz="1400" dirty="0">
+              <a:rPr lang="en-IN" b="1" spc="-9" dirty="0">
+                <a:latin typeface="Arial" panose="020B0604020202020204" pitchFamily="34" charset="0"/>
+                <a:cs typeface="Arial" panose="020B0604020202020204" pitchFamily="34" charset="0"/>
+              </a:rPr>
+              <a:t>Campaigns:</a:t>
+            </a:r>
+            <a:endParaRPr lang="en-IN" dirty="0">
               <a:latin typeface="Arial" panose="020B0604020202020204" pitchFamily="34" charset="0"/>
               <a:cs typeface="Arial" panose="020B0604020202020204" pitchFamily="34" charset="0"/>
             </a:endParaRPr>
           </a:p>
           <a:p>
-            <a:pPr marL="11206" marR="78445">
-              <a:lnSpc>
-                <a:spcPts val="1412"/>
-              </a:lnSpc>
-              <a:spcBef>
-                <a:spcPts val="587"/>
-              </a:spcBef>
-            </a:pPr>
-            <a:r>
-              <a:rPr sz="1400" dirty="0">
-                <a:solidFill>
-                  <a:srgbClr val="0D0D0D"/>
-                </a:solidFill>
-                <a:latin typeface="Arial" panose="020B0604020202020204" pitchFamily="34" charset="0"/>
-                <a:cs typeface="Arial" panose="020B0604020202020204" pitchFamily="34" charset="0"/>
-              </a:rPr>
-              <a:t>Develop</a:t>
-            </a:r>
-            <a:r>
-              <a:rPr sz="1400" spc="-35" dirty="0">
-                <a:solidFill>
-                  <a:srgbClr val="0D0D0D"/>
-                </a:solidFill>
-                <a:latin typeface="Arial" panose="020B0604020202020204" pitchFamily="34" charset="0"/>
-                <a:cs typeface="Arial" panose="020B0604020202020204" pitchFamily="34" charset="0"/>
-              </a:rPr>
-              <a:t> </a:t>
-            </a:r>
-            <a:r>
-              <a:rPr sz="1400" dirty="0">
-                <a:solidFill>
-                  <a:srgbClr val="0D0D0D"/>
-                </a:solidFill>
-                <a:latin typeface="Arial" panose="020B0604020202020204" pitchFamily="34" charset="0"/>
-                <a:cs typeface="Arial" panose="020B0604020202020204" pitchFamily="34" charset="0"/>
-              </a:rPr>
-              <a:t>interactive</a:t>
-            </a:r>
-            <a:r>
-              <a:rPr sz="1400" spc="-35" dirty="0">
-                <a:solidFill>
-                  <a:srgbClr val="0D0D0D"/>
-                </a:solidFill>
-                <a:latin typeface="Arial" panose="020B0604020202020204" pitchFamily="34" charset="0"/>
-                <a:cs typeface="Arial" panose="020B0604020202020204" pitchFamily="34" charset="0"/>
-              </a:rPr>
-              <a:t> </a:t>
-            </a:r>
-            <a:r>
-              <a:rPr sz="1400" dirty="0">
-                <a:solidFill>
-                  <a:srgbClr val="0D0D0D"/>
-                </a:solidFill>
-                <a:latin typeface="Arial" panose="020B0604020202020204" pitchFamily="34" charset="0"/>
-                <a:cs typeface="Arial" panose="020B0604020202020204" pitchFamily="34" charset="0"/>
-              </a:rPr>
-              <a:t>educational</a:t>
-            </a:r>
-            <a:r>
-              <a:rPr sz="1400" spc="-31" dirty="0">
-                <a:solidFill>
-                  <a:srgbClr val="0D0D0D"/>
-                </a:solidFill>
-                <a:latin typeface="Arial" panose="020B0604020202020204" pitchFamily="34" charset="0"/>
-                <a:cs typeface="Arial" panose="020B0604020202020204" pitchFamily="34" charset="0"/>
-              </a:rPr>
-              <a:t> </a:t>
-            </a:r>
-            <a:r>
-              <a:rPr sz="1400" dirty="0">
-                <a:solidFill>
-                  <a:srgbClr val="0D0D0D"/>
-                </a:solidFill>
-                <a:latin typeface="Arial" panose="020B0604020202020204" pitchFamily="34" charset="0"/>
-                <a:cs typeface="Arial" panose="020B0604020202020204" pitchFamily="34" charset="0"/>
-              </a:rPr>
-              <a:t>content,</a:t>
-            </a:r>
-            <a:r>
-              <a:rPr sz="1400" spc="-35" dirty="0">
-                <a:solidFill>
-                  <a:srgbClr val="0D0D0D"/>
-                </a:solidFill>
-                <a:latin typeface="Arial" panose="020B0604020202020204" pitchFamily="34" charset="0"/>
-                <a:cs typeface="Arial" panose="020B0604020202020204" pitchFamily="34" charset="0"/>
-              </a:rPr>
-              <a:t> </a:t>
-            </a:r>
-            <a:r>
-              <a:rPr sz="1400" dirty="0">
-                <a:solidFill>
-                  <a:srgbClr val="0D0D0D"/>
-                </a:solidFill>
-                <a:latin typeface="Arial" panose="020B0604020202020204" pitchFamily="34" charset="0"/>
-                <a:cs typeface="Arial" panose="020B0604020202020204" pitchFamily="34" charset="0"/>
-              </a:rPr>
-              <a:t>such</a:t>
-            </a:r>
-            <a:r>
-              <a:rPr sz="1400" spc="-57" dirty="0">
-                <a:solidFill>
-                  <a:srgbClr val="0D0D0D"/>
-                </a:solidFill>
-                <a:latin typeface="Arial" panose="020B0604020202020204" pitchFamily="34" charset="0"/>
-                <a:cs typeface="Arial" panose="020B0604020202020204" pitchFamily="34" charset="0"/>
-              </a:rPr>
-              <a:t> </a:t>
-            </a:r>
-            <a:r>
-              <a:rPr sz="1400" dirty="0">
-                <a:solidFill>
-                  <a:srgbClr val="0D0D0D"/>
-                </a:solidFill>
-                <a:latin typeface="Arial" panose="020B0604020202020204" pitchFamily="34" charset="0"/>
-                <a:cs typeface="Arial" panose="020B0604020202020204" pitchFamily="34" charset="0"/>
-              </a:rPr>
-              <a:t>as</a:t>
-            </a:r>
-            <a:r>
-              <a:rPr sz="1400" spc="-31" dirty="0">
-                <a:solidFill>
-                  <a:srgbClr val="0D0D0D"/>
-                </a:solidFill>
-                <a:latin typeface="Arial" panose="020B0604020202020204" pitchFamily="34" charset="0"/>
-                <a:cs typeface="Arial" panose="020B0604020202020204" pitchFamily="34" charset="0"/>
-              </a:rPr>
-              <a:t> </a:t>
-            </a:r>
-            <a:r>
-              <a:rPr sz="1400" dirty="0">
-                <a:solidFill>
-                  <a:srgbClr val="0D0D0D"/>
-                </a:solidFill>
-                <a:latin typeface="Arial" panose="020B0604020202020204" pitchFamily="34" charset="0"/>
-                <a:cs typeface="Arial" panose="020B0604020202020204" pitchFamily="34" charset="0"/>
-              </a:rPr>
-              <a:t>video</a:t>
-            </a:r>
-            <a:r>
-              <a:rPr sz="1400" spc="-4" dirty="0">
-                <a:solidFill>
-                  <a:srgbClr val="0D0D0D"/>
-                </a:solidFill>
-                <a:latin typeface="Arial" panose="020B0604020202020204" pitchFamily="34" charset="0"/>
-                <a:cs typeface="Arial" panose="020B0604020202020204" pitchFamily="34" charset="0"/>
-              </a:rPr>
-              <a:t> </a:t>
-            </a:r>
-            <a:r>
-              <a:rPr sz="1400" dirty="0">
-                <a:solidFill>
-                  <a:srgbClr val="0D0D0D"/>
-                </a:solidFill>
-                <a:latin typeface="Arial" panose="020B0604020202020204" pitchFamily="34" charset="0"/>
-                <a:cs typeface="Arial" panose="020B0604020202020204" pitchFamily="34" charset="0"/>
-              </a:rPr>
-              <a:t>tutorials,</a:t>
-            </a:r>
-            <a:r>
-              <a:rPr sz="1400" spc="-35" dirty="0">
-                <a:solidFill>
-                  <a:srgbClr val="0D0D0D"/>
-                </a:solidFill>
-                <a:latin typeface="Arial" panose="020B0604020202020204" pitchFamily="34" charset="0"/>
-                <a:cs typeface="Arial" panose="020B0604020202020204" pitchFamily="34" charset="0"/>
-              </a:rPr>
-              <a:t> </a:t>
-            </a:r>
-            <a:r>
-              <a:rPr sz="1400" dirty="0">
-                <a:solidFill>
-                  <a:srgbClr val="0D0D0D"/>
-                </a:solidFill>
-                <a:latin typeface="Arial" panose="020B0604020202020204" pitchFamily="34" charset="0"/>
-                <a:cs typeface="Arial" panose="020B0604020202020204" pitchFamily="34" charset="0"/>
-              </a:rPr>
-              <a:t>webinars,</a:t>
-            </a:r>
-            <a:r>
-              <a:rPr sz="1400" spc="-35" dirty="0">
-                <a:solidFill>
-                  <a:srgbClr val="0D0D0D"/>
-                </a:solidFill>
-                <a:latin typeface="Arial" panose="020B0604020202020204" pitchFamily="34" charset="0"/>
-                <a:cs typeface="Arial" panose="020B0604020202020204" pitchFamily="34" charset="0"/>
-              </a:rPr>
-              <a:t> </a:t>
-            </a:r>
-            <a:r>
-              <a:rPr sz="1400" spc="-22" dirty="0">
-                <a:solidFill>
-                  <a:srgbClr val="0D0D0D"/>
-                </a:solidFill>
-                <a:latin typeface="Arial" panose="020B0604020202020204" pitchFamily="34" charset="0"/>
-                <a:cs typeface="Arial" panose="020B0604020202020204" pitchFamily="34" charset="0"/>
-              </a:rPr>
-              <a:t>and </a:t>
-            </a:r>
-            <a:r>
-              <a:rPr sz="1400" dirty="0">
-                <a:solidFill>
-                  <a:srgbClr val="0D0D0D"/>
-                </a:solidFill>
-                <a:latin typeface="Arial" panose="020B0604020202020204" pitchFamily="34" charset="0"/>
-                <a:cs typeface="Arial" panose="020B0604020202020204" pitchFamily="34" charset="0"/>
-              </a:rPr>
-              <a:t>articles,</a:t>
-            </a:r>
-            <a:r>
-              <a:rPr sz="1400" spc="-53" dirty="0">
-                <a:solidFill>
-                  <a:srgbClr val="0D0D0D"/>
-                </a:solidFill>
-                <a:latin typeface="Arial" panose="020B0604020202020204" pitchFamily="34" charset="0"/>
-                <a:cs typeface="Arial" panose="020B0604020202020204" pitchFamily="34" charset="0"/>
-              </a:rPr>
-              <a:t> </a:t>
-            </a:r>
-            <a:r>
-              <a:rPr sz="1400" dirty="0">
-                <a:solidFill>
-                  <a:srgbClr val="0D0D0D"/>
-                </a:solidFill>
-                <a:latin typeface="Arial" panose="020B0604020202020204" pitchFamily="34" charset="0"/>
-                <a:cs typeface="Arial" panose="020B0604020202020204" pitchFamily="34" charset="0"/>
-              </a:rPr>
-              <a:t>to</a:t>
-            </a:r>
-            <a:r>
-              <a:rPr sz="1400" spc="-26" dirty="0">
-                <a:solidFill>
-                  <a:srgbClr val="0D0D0D"/>
-                </a:solidFill>
-                <a:latin typeface="Arial" panose="020B0604020202020204" pitchFamily="34" charset="0"/>
-                <a:cs typeface="Arial" panose="020B0604020202020204" pitchFamily="34" charset="0"/>
-              </a:rPr>
-              <a:t> </a:t>
-            </a:r>
-            <a:r>
-              <a:rPr sz="1400" dirty="0">
-                <a:solidFill>
-                  <a:srgbClr val="0D0D0D"/>
-                </a:solidFill>
-                <a:latin typeface="Arial" panose="020B0604020202020204" pitchFamily="34" charset="0"/>
-                <a:cs typeface="Arial" panose="020B0604020202020204" pitchFamily="34" charset="0"/>
-              </a:rPr>
-              <a:t>educate</a:t>
-            </a:r>
-            <a:r>
-              <a:rPr sz="1400" spc="-26" dirty="0">
-                <a:solidFill>
-                  <a:srgbClr val="0D0D0D"/>
-                </a:solidFill>
-                <a:latin typeface="Arial" panose="020B0604020202020204" pitchFamily="34" charset="0"/>
-                <a:cs typeface="Arial" panose="020B0604020202020204" pitchFamily="34" charset="0"/>
-              </a:rPr>
-              <a:t> </a:t>
-            </a:r>
-            <a:r>
-              <a:rPr sz="1400" dirty="0">
-                <a:solidFill>
-                  <a:srgbClr val="0D0D0D"/>
-                </a:solidFill>
-                <a:latin typeface="Arial" panose="020B0604020202020204" pitchFamily="34" charset="0"/>
-                <a:cs typeface="Arial" panose="020B0604020202020204" pitchFamily="34" charset="0"/>
-              </a:rPr>
-              <a:t>customers</a:t>
-            </a:r>
-            <a:r>
-              <a:rPr sz="1400" spc="-31" dirty="0">
-                <a:solidFill>
-                  <a:srgbClr val="0D0D0D"/>
-                </a:solidFill>
-                <a:latin typeface="Arial" panose="020B0604020202020204" pitchFamily="34" charset="0"/>
-                <a:cs typeface="Arial" panose="020B0604020202020204" pitchFamily="34" charset="0"/>
-              </a:rPr>
-              <a:t> </a:t>
-            </a:r>
-            <a:r>
-              <a:rPr sz="1400" dirty="0">
-                <a:solidFill>
-                  <a:srgbClr val="0D0D0D"/>
-                </a:solidFill>
-                <a:latin typeface="Arial" panose="020B0604020202020204" pitchFamily="34" charset="0"/>
-                <a:cs typeface="Arial" panose="020B0604020202020204" pitchFamily="34" charset="0"/>
-              </a:rPr>
-              <a:t>about</a:t>
-            </a:r>
-            <a:r>
-              <a:rPr sz="1400" spc="-35" dirty="0">
-                <a:solidFill>
-                  <a:srgbClr val="0D0D0D"/>
-                </a:solidFill>
-                <a:latin typeface="Arial" panose="020B0604020202020204" pitchFamily="34" charset="0"/>
-                <a:cs typeface="Arial" panose="020B0604020202020204" pitchFamily="34" charset="0"/>
-              </a:rPr>
-              <a:t> </a:t>
-            </a:r>
-            <a:r>
-              <a:rPr sz="1400" dirty="0">
-                <a:solidFill>
-                  <a:srgbClr val="0D0D0D"/>
-                </a:solidFill>
-                <a:latin typeface="Arial" panose="020B0604020202020204" pitchFamily="34" charset="0"/>
-                <a:cs typeface="Arial" panose="020B0604020202020204" pitchFamily="34" charset="0"/>
-              </a:rPr>
-              <a:t>the</a:t>
-            </a:r>
-            <a:r>
-              <a:rPr sz="1400" spc="-31" dirty="0">
-                <a:solidFill>
-                  <a:srgbClr val="0D0D0D"/>
-                </a:solidFill>
-                <a:latin typeface="Arial" panose="020B0604020202020204" pitchFamily="34" charset="0"/>
-                <a:cs typeface="Arial" panose="020B0604020202020204" pitchFamily="34" charset="0"/>
-              </a:rPr>
-              <a:t> </a:t>
-            </a:r>
-            <a:r>
-              <a:rPr sz="1400" dirty="0">
-                <a:solidFill>
-                  <a:srgbClr val="0D0D0D"/>
-                </a:solidFill>
-                <a:latin typeface="Arial" panose="020B0604020202020204" pitchFamily="34" charset="0"/>
-                <a:cs typeface="Arial" panose="020B0604020202020204" pitchFamily="34" charset="0"/>
-              </a:rPr>
-              <a:t>benefits</a:t>
-            </a:r>
-            <a:r>
-              <a:rPr sz="1400" spc="-26" dirty="0">
-                <a:solidFill>
-                  <a:srgbClr val="0D0D0D"/>
-                </a:solidFill>
-                <a:latin typeface="Arial" panose="020B0604020202020204" pitchFamily="34" charset="0"/>
-                <a:cs typeface="Arial" panose="020B0604020202020204" pitchFamily="34" charset="0"/>
-              </a:rPr>
-              <a:t> </a:t>
-            </a:r>
-            <a:r>
-              <a:rPr sz="1400" dirty="0">
-                <a:solidFill>
-                  <a:srgbClr val="0D0D0D"/>
-                </a:solidFill>
-                <a:latin typeface="Arial" panose="020B0604020202020204" pitchFamily="34" charset="0"/>
-                <a:cs typeface="Arial" panose="020B0604020202020204" pitchFamily="34" charset="0"/>
-              </a:rPr>
-              <a:t>of</a:t>
-            </a:r>
-            <a:r>
-              <a:rPr sz="1400" spc="-22" dirty="0">
-                <a:solidFill>
-                  <a:srgbClr val="0D0D0D"/>
-                </a:solidFill>
-                <a:latin typeface="Arial" panose="020B0604020202020204" pitchFamily="34" charset="0"/>
-                <a:cs typeface="Arial" panose="020B0604020202020204" pitchFamily="34" charset="0"/>
-              </a:rPr>
-              <a:t> </a:t>
-            </a:r>
-            <a:r>
-              <a:rPr sz="1400" dirty="0">
-                <a:solidFill>
-                  <a:srgbClr val="0D0D0D"/>
-                </a:solidFill>
-                <a:latin typeface="Arial" panose="020B0604020202020204" pitchFamily="34" charset="0"/>
-                <a:cs typeface="Arial" panose="020B0604020202020204" pitchFamily="34" charset="0"/>
-              </a:rPr>
-              <a:t>Vestige</a:t>
-            </a:r>
-            <a:r>
-              <a:rPr sz="1400" spc="-26" dirty="0">
-                <a:solidFill>
-                  <a:srgbClr val="0D0D0D"/>
-                </a:solidFill>
-                <a:latin typeface="Arial" panose="020B0604020202020204" pitchFamily="34" charset="0"/>
-                <a:cs typeface="Arial" panose="020B0604020202020204" pitchFamily="34" charset="0"/>
-              </a:rPr>
-              <a:t> </a:t>
-            </a:r>
-            <a:r>
-              <a:rPr sz="1400" spc="-9" dirty="0">
-                <a:solidFill>
-                  <a:srgbClr val="0D0D0D"/>
-                </a:solidFill>
-                <a:latin typeface="Arial" panose="020B0604020202020204" pitchFamily="34" charset="0"/>
-                <a:cs typeface="Arial" panose="020B0604020202020204" pitchFamily="34" charset="0"/>
-              </a:rPr>
-              <a:t>products, </a:t>
-            </a:r>
-            <a:r>
-              <a:rPr sz="1400" dirty="0">
-                <a:solidFill>
-                  <a:srgbClr val="0D0D0D"/>
-                </a:solidFill>
-                <a:latin typeface="Arial" panose="020B0604020202020204" pitchFamily="34" charset="0"/>
-                <a:cs typeface="Arial" panose="020B0604020202020204" pitchFamily="34" charset="0"/>
-              </a:rPr>
-              <a:t>ingredients,</a:t>
-            </a:r>
-            <a:r>
-              <a:rPr sz="1400" spc="-22" dirty="0">
-                <a:solidFill>
-                  <a:srgbClr val="0D0D0D"/>
-                </a:solidFill>
-                <a:latin typeface="Arial" panose="020B0604020202020204" pitchFamily="34" charset="0"/>
-                <a:cs typeface="Arial" panose="020B0604020202020204" pitchFamily="34" charset="0"/>
-              </a:rPr>
-              <a:t> </a:t>
-            </a:r>
-            <a:r>
-              <a:rPr sz="1400" dirty="0">
-                <a:solidFill>
-                  <a:srgbClr val="0D0D0D"/>
-                </a:solidFill>
-                <a:latin typeface="Arial" panose="020B0604020202020204" pitchFamily="34" charset="0"/>
-                <a:cs typeface="Arial" panose="020B0604020202020204" pitchFamily="34" charset="0"/>
-              </a:rPr>
-              <a:t>and</a:t>
-            </a:r>
-            <a:r>
-              <a:rPr sz="1400" spc="-18" dirty="0">
-                <a:solidFill>
-                  <a:srgbClr val="0D0D0D"/>
-                </a:solidFill>
-                <a:latin typeface="Arial" panose="020B0604020202020204" pitchFamily="34" charset="0"/>
-                <a:cs typeface="Arial" panose="020B0604020202020204" pitchFamily="34" charset="0"/>
-              </a:rPr>
-              <a:t> </a:t>
-            </a:r>
-            <a:r>
-              <a:rPr sz="1400" dirty="0">
-                <a:solidFill>
-                  <a:srgbClr val="0D0D0D"/>
-                </a:solidFill>
-                <a:latin typeface="Arial" panose="020B0604020202020204" pitchFamily="34" charset="0"/>
-                <a:cs typeface="Arial" panose="020B0604020202020204" pitchFamily="34" charset="0"/>
-              </a:rPr>
-              <a:t>wellness</a:t>
-            </a:r>
-            <a:r>
-              <a:rPr sz="1400" spc="-18" dirty="0">
-                <a:solidFill>
-                  <a:srgbClr val="0D0D0D"/>
-                </a:solidFill>
-                <a:latin typeface="Arial" panose="020B0604020202020204" pitchFamily="34" charset="0"/>
-                <a:cs typeface="Arial" panose="020B0604020202020204" pitchFamily="34" charset="0"/>
-              </a:rPr>
-              <a:t> </a:t>
-            </a:r>
-            <a:r>
-              <a:rPr sz="1400" spc="-9" dirty="0">
-                <a:solidFill>
-                  <a:srgbClr val="0D0D0D"/>
-                </a:solidFill>
-                <a:latin typeface="Arial" panose="020B0604020202020204" pitchFamily="34" charset="0"/>
-                <a:cs typeface="Arial" panose="020B0604020202020204" pitchFamily="34" charset="0"/>
-              </a:rPr>
-              <a:t>practices,</a:t>
-            </a:r>
-            <a:r>
-              <a:rPr sz="1400" spc="-44" dirty="0">
-                <a:solidFill>
-                  <a:srgbClr val="0D0D0D"/>
-                </a:solidFill>
-                <a:latin typeface="Arial" panose="020B0604020202020204" pitchFamily="34" charset="0"/>
-                <a:cs typeface="Arial" panose="020B0604020202020204" pitchFamily="34" charset="0"/>
-              </a:rPr>
-              <a:t> </a:t>
-            </a:r>
-            <a:r>
-              <a:rPr sz="1400" dirty="0">
-                <a:solidFill>
-                  <a:srgbClr val="0D0D0D"/>
-                </a:solidFill>
-                <a:latin typeface="Arial" panose="020B0604020202020204" pitchFamily="34" charset="0"/>
-                <a:cs typeface="Arial" panose="020B0604020202020204" pitchFamily="34" charset="0"/>
-              </a:rPr>
-              <a:t>fostering</a:t>
-            </a:r>
-            <a:r>
-              <a:rPr sz="1400" spc="-44" dirty="0">
-                <a:solidFill>
-                  <a:srgbClr val="0D0D0D"/>
-                </a:solidFill>
-                <a:latin typeface="Arial" panose="020B0604020202020204" pitchFamily="34" charset="0"/>
-                <a:cs typeface="Arial" panose="020B0604020202020204" pitchFamily="34" charset="0"/>
-              </a:rPr>
-              <a:t> </a:t>
-            </a:r>
-            <a:r>
-              <a:rPr sz="1400" dirty="0">
-                <a:solidFill>
-                  <a:srgbClr val="0D0D0D"/>
-                </a:solidFill>
-                <a:latin typeface="Arial" panose="020B0604020202020204" pitchFamily="34" charset="0"/>
-                <a:cs typeface="Arial" panose="020B0604020202020204" pitchFamily="34" charset="0"/>
-              </a:rPr>
-              <a:t>engagement</a:t>
-            </a:r>
-            <a:r>
-              <a:rPr sz="1400" spc="-31" dirty="0">
-                <a:solidFill>
-                  <a:srgbClr val="0D0D0D"/>
-                </a:solidFill>
-                <a:latin typeface="Arial" panose="020B0604020202020204" pitchFamily="34" charset="0"/>
-                <a:cs typeface="Arial" panose="020B0604020202020204" pitchFamily="34" charset="0"/>
-              </a:rPr>
-              <a:t> </a:t>
-            </a:r>
-            <a:r>
-              <a:rPr sz="1400" dirty="0">
-                <a:solidFill>
-                  <a:srgbClr val="0D0D0D"/>
-                </a:solidFill>
-                <a:latin typeface="Arial" panose="020B0604020202020204" pitchFamily="34" charset="0"/>
-                <a:cs typeface="Arial" panose="020B0604020202020204" pitchFamily="34" charset="0"/>
-              </a:rPr>
-              <a:t>and</a:t>
-            </a:r>
-            <a:r>
-              <a:rPr sz="1400" spc="-22" dirty="0">
-                <a:solidFill>
-                  <a:srgbClr val="0D0D0D"/>
-                </a:solidFill>
-                <a:latin typeface="Arial" panose="020B0604020202020204" pitchFamily="34" charset="0"/>
-                <a:cs typeface="Arial" panose="020B0604020202020204" pitchFamily="34" charset="0"/>
-              </a:rPr>
-              <a:t> </a:t>
-            </a:r>
-            <a:r>
-              <a:rPr sz="1400" dirty="0">
-                <a:solidFill>
-                  <a:srgbClr val="0D0D0D"/>
-                </a:solidFill>
-                <a:latin typeface="Arial" panose="020B0604020202020204" pitchFamily="34" charset="0"/>
-                <a:cs typeface="Arial" panose="020B0604020202020204" pitchFamily="34" charset="0"/>
-              </a:rPr>
-              <a:t>brand</a:t>
-            </a:r>
-            <a:r>
-              <a:rPr sz="1400" spc="-40" dirty="0">
-                <a:solidFill>
-                  <a:srgbClr val="0D0D0D"/>
-                </a:solidFill>
-                <a:latin typeface="Arial" panose="020B0604020202020204" pitchFamily="34" charset="0"/>
-                <a:cs typeface="Arial" panose="020B0604020202020204" pitchFamily="34" charset="0"/>
-              </a:rPr>
-              <a:t> </a:t>
-            </a:r>
-            <a:r>
-              <a:rPr sz="1400" spc="-9" dirty="0">
-                <a:solidFill>
-                  <a:srgbClr val="0D0D0D"/>
-                </a:solidFill>
-                <a:latin typeface="Arial" panose="020B0604020202020204" pitchFamily="34" charset="0"/>
-                <a:cs typeface="Arial" panose="020B0604020202020204" pitchFamily="34" charset="0"/>
-              </a:rPr>
-              <a:t>loyalty.</a:t>
-            </a:r>
-            <a:endParaRPr sz="1400" dirty="0">
-              <a:latin typeface="Arial" panose="020B0604020202020204" pitchFamily="34" charset="0"/>
-              <a:cs typeface="Arial" panose="020B0604020202020204" pitchFamily="34" charset="0"/>
-            </a:endParaRPr>
-          </a:p>
-          <a:p>
-            <a:pPr marL="128875" indent="-120470">
-              <a:spcBef>
-                <a:spcPts val="427"/>
-              </a:spcBef>
-              <a:buSzPct val="92857"/>
-              <a:buAutoNum type="arabicPeriod" startAt="4"/>
-              <a:tabLst>
-                <a:tab pos="128875" algn="l"/>
-              </a:tabLst>
-            </a:pPr>
-            <a:r>
-              <a:rPr sz="1400" b="1" dirty="0">
-                <a:latin typeface="Arial" panose="020B0604020202020204" pitchFamily="34" charset="0"/>
-                <a:cs typeface="Arial" panose="020B0604020202020204" pitchFamily="34" charset="0"/>
-              </a:rPr>
-              <a:t>Automated</a:t>
-            </a:r>
-            <a:r>
-              <a:rPr sz="1400" b="1" spc="-26" dirty="0">
-                <a:latin typeface="Arial" panose="020B0604020202020204" pitchFamily="34" charset="0"/>
-                <a:cs typeface="Arial" panose="020B0604020202020204" pitchFamily="34" charset="0"/>
-              </a:rPr>
-              <a:t> </a:t>
-            </a:r>
-            <a:r>
-              <a:rPr sz="1400" b="1" dirty="0">
-                <a:latin typeface="Arial" panose="020B0604020202020204" pitchFamily="34" charset="0"/>
-                <a:cs typeface="Arial" panose="020B0604020202020204" pitchFamily="34" charset="0"/>
-              </a:rPr>
-              <a:t>Marketing</a:t>
-            </a:r>
-            <a:r>
-              <a:rPr sz="1400" b="1" spc="-22" dirty="0">
-                <a:latin typeface="Arial" panose="020B0604020202020204" pitchFamily="34" charset="0"/>
-                <a:cs typeface="Arial" panose="020B0604020202020204" pitchFamily="34" charset="0"/>
-              </a:rPr>
-              <a:t> </a:t>
-            </a:r>
-            <a:r>
-              <a:rPr sz="1400" b="1" spc="-9" dirty="0">
-                <a:latin typeface="Arial" panose="020B0604020202020204" pitchFamily="34" charset="0"/>
-                <a:cs typeface="Arial" panose="020B0604020202020204" pitchFamily="34" charset="0"/>
-              </a:rPr>
-              <a:t>Campaigns:</a:t>
-            </a:r>
-            <a:endParaRPr sz="1400" dirty="0">
-              <a:latin typeface="Arial" panose="020B0604020202020204" pitchFamily="34" charset="0"/>
-              <a:cs typeface="Arial" panose="020B0604020202020204" pitchFamily="34" charset="0"/>
-            </a:endParaRPr>
-          </a:p>
-          <a:p>
-            <a:pPr marL="11206" marR="40904">
+            <a:pPr marL="296956" marR="40904" indent="-285750">
               <a:lnSpc>
                 <a:spcPct val="95300"/>
               </a:lnSpc>
               <a:spcBef>
                 <a:spcPts val="552"/>
               </a:spcBef>
+              <a:buFont typeface="Arial" panose="020B0604020202020204" pitchFamily="34" charset="0"/>
+              <a:buChar char="•"/>
             </a:pPr>
             <a:r>
-              <a:rPr sz="1400" dirty="0">
-                <a:latin typeface="Arial" panose="020B0604020202020204" pitchFamily="34" charset="0"/>
-                <a:cs typeface="Arial" panose="020B0604020202020204" pitchFamily="34" charset="0"/>
-              </a:rPr>
-              <a:t>Implement</a:t>
-            </a:r>
-            <a:r>
-              <a:rPr sz="1400" spc="-40" dirty="0">
-                <a:latin typeface="Arial" panose="020B0604020202020204" pitchFamily="34" charset="0"/>
-                <a:cs typeface="Arial" panose="020B0604020202020204" pitchFamily="34" charset="0"/>
-              </a:rPr>
-              <a:t> </a:t>
-            </a:r>
-            <a:r>
-              <a:rPr sz="1400" dirty="0">
-                <a:latin typeface="Arial" panose="020B0604020202020204" pitchFamily="34" charset="0"/>
-                <a:cs typeface="Arial" panose="020B0604020202020204" pitchFamily="34" charset="0"/>
-              </a:rPr>
-              <a:t>automated</a:t>
-            </a:r>
-            <a:r>
-              <a:rPr sz="1400" spc="-49" dirty="0">
-                <a:latin typeface="Arial" panose="020B0604020202020204" pitchFamily="34" charset="0"/>
-                <a:cs typeface="Arial" panose="020B0604020202020204" pitchFamily="34" charset="0"/>
-              </a:rPr>
-              <a:t> </a:t>
-            </a:r>
-            <a:r>
-              <a:rPr sz="1400" dirty="0">
-                <a:latin typeface="Arial" panose="020B0604020202020204" pitchFamily="34" charset="0"/>
-                <a:cs typeface="Arial" panose="020B0604020202020204" pitchFamily="34" charset="0"/>
-              </a:rPr>
-              <a:t>marketing</a:t>
-            </a:r>
-            <a:r>
-              <a:rPr sz="1400" spc="-22" dirty="0">
-                <a:latin typeface="Arial" panose="020B0604020202020204" pitchFamily="34" charset="0"/>
-                <a:cs typeface="Arial" panose="020B0604020202020204" pitchFamily="34" charset="0"/>
-              </a:rPr>
-              <a:t> </a:t>
-            </a:r>
-            <a:r>
-              <a:rPr sz="1400" dirty="0">
-                <a:latin typeface="Arial" panose="020B0604020202020204" pitchFamily="34" charset="0"/>
-                <a:cs typeface="Arial" panose="020B0604020202020204" pitchFamily="34" charset="0"/>
-              </a:rPr>
-              <a:t>features</a:t>
-            </a:r>
-            <a:r>
-              <a:rPr sz="1400" spc="-22" dirty="0">
-                <a:latin typeface="Arial" panose="020B0604020202020204" pitchFamily="34" charset="0"/>
-                <a:cs typeface="Arial" panose="020B0604020202020204" pitchFamily="34" charset="0"/>
-              </a:rPr>
-              <a:t> </a:t>
-            </a:r>
-            <a:r>
-              <a:rPr sz="1400" dirty="0">
-                <a:latin typeface="Arial" panose="020B0604020202020204" pitchFamily="34" charset="0"/>
-                <a:cs typeface="Arial" panose="020B0604020202020204" pitchFamily="34" charset="0"/>
-              </a:rPr>
-              <a:t>to</a:t>
-            </a:r>
-            <a:r>
-              <a:rPr sz="1400" spc="-53" dirty="0">
-                <a:latin typeface="Arial" panose="020B0604020202020204" pitchFamily="34" charset="0"/>
-                <a:cs typeface="Arial" panose="020B0604020202020204" pitchFamily="34" charset="0"/>
-              </a:rPr>
-              <a:t> </a:t>
-            </a:r>
-            <a:r>
-              <a:rPr sz="1400" dirty="0">
-                <a:latin typeface="Arial" panose="020B0604020202020204" pitchFamily="34" charset="0"/>
-                <a:cs typeface="Arial" panose="020B0604020202020204" pitchFamily="34" charset="0"/>
-              </a:rPr>
-              <a:t>target</a:t>
-            </a:r>
-            <a:r>
-              <a:rPr sz="1400" spc="-18" dirty="0">
-                <a:latin typeface="Arial" panose="020B0604020202020204" pitchFamily="34" charset="0"/>
-                <a:cs typeface="Arial" panose="020B0604020202020204" pitchFamily="34" charset="0"/>
-              </a:rPr>
-              <a:t> </a:t>
-            </a:r>
-            <a:r>
-              <a:rPr sz="1400" dirty="0">
-                <a:latin typeface="Arial" panose="020B0604020202020204" pitchFamily="34" charset="0"/>
-                <a:cs typeface="Arial" panose="020B0604020202020204" pitchFamily="34" charset="0"/>
-              </a:rPr>
-              <a:t>customers</a:t>
-            </a:r>
-            <a:r>
-              <a:rPr sz="1400" spc="-22" dirty="0">
-                <a:latin typeface="Arial" panose="020B0604020202020204" pitchFamily="34" charset="0"/>
-                <a:cs typeface="Arial" panose="020B0604020202020204" pitchFamily="34" charset="0"/>
-              </a:rPr>
-              <a:t> </a:t>
-            </a:r>
-            <a:r>
-              <a:rPr sz="1400" dirty="0">
-                <a:latin typeface="Arial" panose="020B0604020202020204" pitchFamily="34" charset="0"/>
-                <a:cs typeface="Arial" panose="020B0604020202020204" pitchFamily="34" charset="0"/>
-              </a:rPr>
-              <a:t>with</a:t>
-            </a:r>
-            <a:r>
-              <a:rPr sz="1400" spc="-26" dirty="0">
-                <a:latin typeface="Arial" panose="020B0604020202020204" pitchFamily="34" charset="0"/>
-                <a:cs typeface="Arial" panose="020B0604020202020204" pitchFamily="34" charset="0"/>
-              </a:rPr>
-              <a:t> </a:t>
-            </a:r>
-            <a:r>
-              <a:rPr sz="1400" spc="-9" dirty="0">
-                <a:latin typeface="Arial" panose="020B0604020202020204" pitchFamily="34" charset="0"/>
-                <a:cs typeface="Arial" panose="020B0604020202020204" pitchFamily="34" charset="0"/>
-              </a:rPr>
-              <a:t>personalized </a:t>
-            </a:r>
-            <a:r>
-              <a:rPr sz="1400" dirty="0">
-                <a:latin typeface="Arial" panose="020B0604020202020204" pitchFamily="34" charset="0"/>
-                <a:cs typeface="Arial" panose="020B0604020202020204" pitchFamily="34" charset="0"/>
-              </a:rPr>
-              <a:t>promotions,</a:t>
-            </a:r>
-            <a:r>
-              <a:rPr sz="1400" spc="-26" dirty="0">
-                <a:latin typeface="Arial" panose="020B0604020202020204" pitchFamily="34" charset="0"/>
-                <a:cs typeface="Arial" panose="020B0604020202020204" pitchFamily="34" charset="0"/>
-              </a:rPr>
-              <a:t> </a:t>
-            </a:r>
-            <a:r>
-              <a:rPr sz="1400" dirty="0">
-                <a:latin typeface="Arial" panose="020B0604020202020204" pitchFamily="34" charset="0"/>
-                <a:cs typeface="Arial" panose="020B0604020202020204" pitchFamily="34" charset="0"/>
-              </a:rPr>
-              <a:t>discounts,</a:t>
-            </a:r>
-            <a:r>
-              <a:rPr sz="1400" spc="-26" dirty="0">
-                <a:latin typeface="Arial" panose="020B0604020202020204" pitchFamily="34" charset="0"/>
-                <a:cs typeface="Arial" panose="020B0604020202020204" pitchFamily="34" charset="0"/>
-              </a:rPr>
-              <a:t> </a:t>
-            </a:r>
-            <a:r>
-              <a:rPr sz="1400" dirty="0">
-                <a:latin typeface="Arial" panose="020B0604020202020204" pitchFamily="34" charset="0"/>
-                <a:cs typeface="Arial" panose="020B0604020202020204" pitchFamily="34" charset="0"/>
-              </a:rPr>
-              <a:t>and</a:t>
-            </a:r>
-            <a:r>
-              <a:rPr sz="1400" spc="-49" dirty="0">
-                <a:latin typeface="Arial" panose="020B0604020202020204" pitchFamily="34" charset="0"/>
-                <a:cs typeface="Arial" panose="020B0604020202020204" pitchFamily="34" charset="0"/>
-              </a:rPr>
-              <a:t> </a:t>
-            </a:r>
-            <a:r>
-              <a:rPr sz="1400" dirty="0">
-                <a:latin typeface="Arial" panose="020B0604020202020204" pitchFamily="34" charset="0"/>
-                <a:cs typeface="Arial" panose="020B0604020202020204" pitchFamily="34" charset="0"/>
-              </a:rPr>
-              <a:t>loyalty</a:t>
-            </a:r>
-            <a:r>
-              <a:rPr sz="1400" spc="-26" dirty="0">
-                <a:latin typeface="Arial" panose="020B0604020202020204" pitchFamily="34" charset="0"/>
-                <a:cs typeface="Arial" panose="020B0604020202020204" pitchFamily="34" charset="0"/>
-              </a:rPr>
-              <a:t> </a:t>
-            </a:r>
-            <a:r>
-              <a:rPr sz="1400" dirty="0">
-                <a:latin typeface="Arial" panose="020B0604020202020204" pitchFamily="34" charset="0"/>
-                <a:cs typeface="Arial" panose="020B0604020202020204" pitchFamily="34" charset="0"/>
-              </a:rPr>
-              <a:t>rewards</a:t>
-            </a:r>
-            <a:r>
-              <a:rPr sz="1400" spc="-26" dirty="0">
-                <a:latin typeface="Arial" panose="020B0604020202020204" pitchFamily="34" charset="0"/>
-                <a:cs typeface="Arial" panose="020B0604020202020204" pitchFamily="34" charset="0"/>
-              </a:rPr>
-              <a:t> </a:t>
-            </a:r>
-            <a:r>
-              <a:rPr sz="1400" dirty="0">
-                <a:latin typeface="Arial" panose="020B0604020202020204" pitchFamily="34" charset="0"/>
-                <a:cs typeface="Arial" panose="020B0604020202020204" pitchFamily="34" charset="0"/>
-              </a:rPr>
-              <a:t>based</a:t>
-            </a:r>
-            <a:r>
-              <a:rPr sz="1400" spc="-22" dirty="0">
-                <a:latin typeface="Arial" panose="020B0604020202020204" pitchFamily="34" charset="0"/>
-                <a:cs typeface="Arial" panose="020B0604020202020204" pitchFamily="34" charset="0"/>
-              </a:rPr>
-              <a:t> </a:t>
-            </a:r>
-            <a:r>
-              <a:rPr sz="1400" dirty="0">
-                <a:latin typeface="Arial" panose="020B0604020202020204" pitchFamily="34" charset="0"/>
-                <a:cs typeface="Arial" panose="020B0604020202020204" pitchFamily="34" charset="0"/>
-              </a:rPr>
-              <a:t>on</a:t>
-            </a:r>
-            <a:r>
-              <a:rPr sz="1400" spc="-26" dirty="0">
-                <a:latin typeface="Arial" panose="020B0604020202020204" pitchFamily="34" charset="0"/>
-                <a:cs typeface="Arial" panose="020B0604020202020204" pitchFamily="34" charset="0"/>
-              </a:rPr>
-              <a:t> </a:t>
-            </a:r>
-            <a:r>
-              <a:rPr sz="1400" dirty="0">
-                <a:latin typeface="Arial" panose="020B0604020202020204" pitchFamily="34" charset="0"/>
-                <a:cs typeface="Arial" panose="020B0604020202020204" pitchFamily="34" charset="0"/>
-              </a:rPr>
-              <a:t>their</a:t>
-            </a:r>
-            <a:r>
-              <a:rPr sz="1400" spc="-22" dirty="0">
-                <a:latin typeface="Arial" panose="020B0604020202020204" pitchFamily="34" charset="0"/>
-                <a:cs typeface="Arial" panose="020B0604020202020204" pitchFamily="34" charset="0"/>
-              </a:rPr>
-              <a:t> </a:t>
-            </a:r>
-            <a:r>
-              <a:rPr sz="1400" dirty="0">
-                <a:latin typeface="Arial" panose="020B0604020202020204" pitchFamily="34" charset="0"/>
-                <a:cs typeface="Arial" panose="020B0604020202020204" pitchFamily="34" charset="0"/>
-              </a:rPr>
-              <a:t>purchase</a:t>
-            </a:r>
-            <a:r>
-              <a:rPr sz="1400" spc="-26" dirty="0">
-                <a:latin typeface="Arial" panose="020B0604020202020204" pitchFamily="34" charset="0"/>
-                <a:cs typeface="Arial" panose="020B0604020202020204" pitchFamily="34" charset="0"/>
-              </a:rPr>
-              <a:t> </a:t>
-            </a:r>
-            <a:r>
-              <a:rPr sz="1400" dirty="0">
-                <a:latin typeface="Arial" panose="020B0604020202020204" pitchFamily="34" charset="0"/>
-                <a:cs typeface="Arial" panose="020B0604020202020204" pitchFamily="34" charset="0"/>
-              </a:rPr>
-              <a:t>history</a:t>
-            </a:r>
-            <a:r>
-              <a:rPr sz="1400" spc="-26" dirty="0">
-                <a:latin typeface="Arial" panose="020B0604020202020204" pitchFamily="34" charset="0"/>
-                <a:cs typeface="Arial" panose="020B0604020202020204" pitchFamily="34" charset="0"/>
-              </a:rPr>
-              <a:t> </a:t>
-            </a:r>
-            <a:r>
-              <a:rPr sz="1400" spc="-22" dirty="0">
-                <a:latin typeface="Arial" panose="020B0604020202020204" pitchFamily="34" charset="0"/>
-                <a:cs typeface="Arial" panose="020B0604020202020204" pitchFamily="34" charset="0"/>
-              </a:rPr>
-              <a:t>and </a:t>
-            </a:r>
-            <a:r>
-              <a:rPr sz="1400" dirty="0">
-                <a:latin typeface="Arial" panose="020B0604020202020204" pitchFamily="34" charset="0"/>
-                <a:cs typeface="Arial" panose="020B0604020202020204" pitchFamily="34" charset="0"/>
-              </a:rPr>
-              <a:t>preferences.</a:t>
-            </a:r>
-            <a:r>
-              <a:rPr sz="1400" spc="-26" dirty="0">
-                <a:latin typeface="Arial" panose="020B0604020202020204" pitchFamily="34" charset="0"/>
-                <a:cs typeface="Arial" panose="020B0604020202020204" pitchFamily="34" charset="0"/>
-              </a:rPr>
-              <a:t> </a:t>
-            </a:r>
-            <a:r>
-              <a:rPr sz="1400" dirty="0">
-                <a:latin typeface="Arial" panose="020B0604020202020204" pitchFamily="34" charset="0"/>
-                <a:cs typeface="Arial" panose="020B0604020202020204" pitchFamily="34" charset="0"/>
-              </a:rPr>
-              <a:t>Utilize</a:t>
-            </a:r>
-            <a:r>
-              <a:rPr sz="1400" spc="-31" dirty="0">
-                <a:latin typeface="Arial" panose="020B0604020202020204" pitchFamily="34" charset="0"/>
-                <a:cs typeface="Arial" panose="020B0604020202020204" pitchFamily="34" charset="0"/>
-              </a:rPr>
-              <a:t> </a:t>
-            </a:r>
-            <a:r>
-              <a:rPr sz="1400" dirty="0">
-                <a:latin typeface="Arial" panose="020B0604020202020204" pitchFamily="34" charset="0"/>
-                <a:cs typeface="Arial" panose="020B0604020202020204" pitchFamily="34" charset="0"/>
-              </a:rPr>
-              <a:t>email</a:t>
-            </a:r>
-            <a:r>
-              <a:rPr sz="1400" spc="-40" dirty="0">
-                <a:latin typeface="Arial" panose="020B0604020202020204" pitchFamily="34" charset="0"/>
-                <a:cs typeface="Arial" panose="020B0604020202020204" pitchFamily="34" charset="0"/>
-              </a:rPr>
-              <a:t> </a:t>
-            </a:r>
-            <a:r>
-              <a:rPr sz="1400" dirty="0">
-                <a:latin typeface="Arial" panose="020B0604020202020204" pitchFamily="34" charset="0"/>
-                <a:cs typeface="Arial" panose="020B0604020202020204" pitchFamily="34" charset="0"/>
-              </a:rPr>
-              <a:t>marketing,</a:t>
-            </a:r>
-            <a:r>
-              <a:rPr sz="1400" spc="-26" dirty="0">
-                <a:latin typeface="Arial" panose="020B0604020202020204" pitchFamily="34" charset="0"/>
-                <a:cs typeface="Arial" panose="020B0604020202020204" pitchFamily="34" charset="0"/>
-              </a:rPr>
-              <a:t> </a:t>
-            </a:r>
-            <a:r>
-              <a:rPr sz="1400" dirty="0">
-                <a:latin typeface="Arial" panose="020B0604020202020204" pitchFamily="34" charset="0"/>
-                <a:cs typeface="Arial" panose="020B0604020202020204" pitchFamily="34" charset="0"/>
-              </a:rPr>
-              <a:t>SMS</a:t>
-            </a:r>
-            <a:r>
-              <a:rPr sz="1400" spc="-26" dirty="0">
-                <a:latin typeface="Arial" panose="020B0604020202020204" pitchFamily="34" charset="0"/>
-                <a:cs typeface="Arial" panose="020B0604020202020204" pitchFamily="34" charset="0"/>
-              </a:rPr>
-              <a:t> </a:t>
-            </a:r>
-            <a:r>
-              <a:rPr sz="1400" dirty="0">
-                <a:latin typeface="Arial" panose="020B0604020202020204" pitchFamily="34" charset="0"/>
-                <a:cs typeface="Arial" panose="020B0604020202020204" pitchFamily="34" charset="0"/>
-              </a:rPr>
-              <a:t>campaigns,</a:t>
-            </a:r>
-            <a:r>
-              <a:rPr sz="1400" spc="-26" dirty="0">
-                <a:latin typeface="Arial" panose="020B0604020202020204" pitchFamily="34" charset="0"/>
-                <a:cs typeface="Arial" panose="020B0604020202020204" pitchFamily="34" charset="0"/>
-              </a:rPr>
-              <a:t> </a:t>
-            </a:r>
-            <a:r>
-              <a:rPr sz="1400" dirty="0">
-                <a:latin typeface="Arial" panose="020B0604020202020204" pitchFamily="34" charset="0"/>
-                <a:cs typeface="Arial" panose="020B0604020202020204" pitchFamily="34" charset="0"/>
-              </a:rPr>
-              <a:t>or</a:t>
-            </a:r>
-            <a:r>
-              <a:rPr sz="1400" spc="-22" dirty="0">
-                <a:latin typeface="Arial" panose="020B0604020202020204" pitchFamily="34" charset="0"/>
-                <a:cs typeface="Arial" panose="020B0604020202020204" pitchFamily="34" charset="0"/>
-              </a:rPr>
-              <a:t> </a:t>
-            </a:r>
-            <a:r>
-              <a:rPr sz="1400" dirty="0">
-                <a:latin typeface="Arial" panose="020B0604020202020204" pitchFamily="34" charset="0"/>
-                <a:cs typeface="Arial" panose="020B0604020202020204" pitchFamily="34" charset="0"/>
-              </a:rPr>
-              <a:t>loyalty</a:t>
-            </a:r>
-            <a:r>
-              <a:rPr sz="1400" spc="-26" dirty="0">
-                <a:latin typeface="Arial" panose="020B0604020202020204" pitchFamily="34" charset="0"/>
-                <a:cs typeface="Arial" panose="020B0604020202020204" pitchFamily="34" charset="0"/>
-              </a:rPr>
-              <a:t> </a:t>
-            </a:r>
-            <a:r>
-              <a:rPr sz="1400" spc="-22" dirty="0">
-                <a:latin typeface="Arial" panose="020B0604020202020204" pitchFamily="34" charset="0"/>
-                <a:cs typeface="Arial" panose="020B0604020202020204" pitchFamily="34" charset="0"/>
-              </a:rPr>
-              <a:t>app </a:t>
-            </a:r>
-            <a:r>
-              <a:rPr sz="1400" dirty="0">
-                <a:latin typeface="Arial" panose="020B0604020202020204" pitchFamily="34" charset="0"/>
-                <a:cs typeface="Arial" panose="020B0604020202020204" pitchFamily="34" charset="0"/>
-              </a:rPr>
-              <a:t>notifications</a:t>
-            </a:r>
-            <a:r>
-              <a:rPr sz="1400" spc="-26" dirty="0">
-                <a:latin typeface="Arial" panose="020B0604020202020204" pitchFamily="34" charset="0"/>
-                <a:cs typeface="Arial" panose="020B0604020202020204" pitchFamily="34" charset="0"/>
-              </a:rPr>
-              <a:t> </a:t>
-            </a:r>
-            <a:r>
-              <a:rPr sz="1400" dirty="0">
-                <a:latin typeface="Arial" panose="020B0604020202020204" pitchFamily="34" charset="0"/>
-                <a:cs typeface="Arial" panose="020B0604020202020204" pitchFamily="34" charset="0"/>
-              </a:rPr>
-              <a:t>to</a:t>
-            </a:r>
-            <a:r>
-              <a:rPr sz="1400" spc="-49" dirty="0">
-                <a:latin typeface="Arial" panose="020B0604020202020204" pitchFamily="34" charset="0"/>
-                <a:cs typeface="Arial" panose="020B0604020202020204" pitchFamily="34" charset="0"/>
-              </a:rPr>
-              <a:t> </a:t>
-            </a:r>
-            <a:r>
-              <a:rPr sz="1400" dirty="0">
-                <a:latin typeface="Arial" panose="020B0604020202020204" pitchFamily="34" charset="0"/>
-                <a:cs typeface="Arial" panose="020B0604020202020204" pitchFamily="34" charset="0"/>
-              </a:rPr>
-              <a:t>engage</a:t>
-            </a:r>
-            <a:r>
-              <a:rPr sz="1400" spc="-22" dirty="0">
-                <a:latin typeface="Arial" panose="020B0604020202020204" pitchFamily="34" charset="0"/>
-                <a:cs typeface="Arial" panose="020B0604020202020204" pitchFamily="34" charset="0"/>
-              </a:rPr>
-              <a:t> </a:t>
-            </a:r>
-            <a:r>
-              <a:rPr sz="1400" dirty="0">
-                <a:latin typeface="Arial" panose="020B0604020202020204" pitchFamily="34" charset="0"/>
-                <a:cs typeface="Arial" panose="020B0604020202020204" pitchFamily="34" charset="0"/>
-              </a:rPr>
-              <a:t>customers</a:t>
-            </a:r>
-            <a:r>
-              <a:rPr sz="1400" spc="-22" dirty="0">
-                <a:latin typeface="Arial" panose="020B0604020202020204" pitchFamily="34" charset="0"/>
-                <a:cs typeface="Arial" panose="020B0604020202020204" pitchFamily="34" charset="0"/>
-              </a:rPr>
-              <a:t> </a:t>
-            </a:r>
-            <a:r>
-              <a:rPr sz="1400" dirty="0">
-                <a:latin typeface="Arial" panose="020B0604020202020204" pitchFamily="34" charset="0"/>
-                <a:cs typeface="Arial" panose="020B0604020202020204" pitchFamily="34" charset="0"/>
-              </a:rPr>
-              <a:t>and</a:t>
-            </a:r>
-            <a:r>
-              <a:rPr sz="1400" spc="-26" dirty="0">
-                <a:latin typeface="Arial" panose="020B0604020202020204" pitchFamily="34" charset="0"/>
-                <a:cs typeface="Arial" panose="020B0604020202020204" pitchFamily="34" charset="0"/>
-              </a:rPr>
-              <a:t> </a:t>
-            </a:r>
-            <a:r>
-              <a:rPr sz="1400" dirty="0">
-                <a:latin typeface="Arial" panose="020B0604020202020204" pitchFamily="34" charset="0"/>
-                <a:cs typeface="Arial" panose="020B0604020202020204" pitchFamily="34" charset="0"/>
-              </a:rPr>
-              <a:t>drive</a:t>
-            </a:r>
-            <a:r>
-              <a:rPr sz="1400" spc="-22" dirty="0">
-                <a:latin typeface="Arial" panose="020B0604020202020204" pitchFamily="34" charset="0"/>
-                <a:cs typeface="Arial" panose="020B0604020202020204" pitchFamily="34" charset="0"/>
-              </a:rPr>
-              <a:t> </a:t>
-            </a:r>
-            <a:r>
-              <a:rPr sz="1400" dirty="0">
-                <a:latin typeface="Arial" panose="020B0604020202020204" pitchFamily="34" charset="0"/>
-                <a:cs typeface="Arial" panose="020B0604020202020204" pitchFamily="34" charset="0"/>
-              </a:rPr>
-              <a:t>repeat</a:t>
-            </a:r>
-            <a:r>
-              <a:rPr sz="1400" spc="-18" dirty="0">
-                <a:latin typeface="Arial" panose="020B0604020202020204" pitchFamily="34" charset="0"/>
-                <a:cs typeface="Arial" panose="020B0604020202020204" pitchFamily="34" charset="0"/>
-              </a:rPr>
-              <a:t> </a:t>
-            </a:r>
-            <a:r>
-              <a:rPr sz="1400" spc="-9" dirty="0">
-                <a:latin typeface="Arial" panose="020B0604020202020204" pitchFamily="34" charset="0"/>
-                <a:cs typeface="Arial" panose="020B0604020202020204" pitchFamily="34" charset="0"/>
-              </a:rPr>
-              <a:t>business.</a:t>
-            </a:r>
-            <a:endParaRPr sz="1400" dirty="0">
+              <a:rPr lang="en-US" dirty="0">
+                <a:latin typeface="Arial" panose="020B0604020202020204" pitchFamily="34" charset="0"/>
+                <a:cs typeface="Arial" panose="020B0604020202020204" pitchFamily="34" charset="0"/>
+              </a:rPr>
+              <a:t>Personalized promotions and discounts based on customer purchase </a:t>
+            </a:r>
+            <a:r>
+              <a:rPr lang="en-US" dirty="0" err="1">
+                <a:latin typeface="Arial" panose="020B0604020202020204" pitchFamily="34" charset="0"/>
+                <a:cs typeface="Arial" panose="020B0604020202020204" pitchFamily="34" charset="0"/>
+              </a:rPr>
+              <a:t>history.Uses</a:t>
+            </a:r>
+            <a:r>
+              <a:rPr lang="en-US" dirty="0">
+                <a:latin typeface="Arial" panose="020B0604020202020204" pitchFamily="34" charset="0"/>
+                <a:cs typeface="Arial" panose="020B0604020202020204" pitchFamily="34" charset="0"/>
+              </a:rPr>
+              <a:t> email, SMS, and app notifications to retain customers and boost sales.</a:t>
+            </a:r>
+            <a:endParaRPr dirty="0">
               <a:latin typeface="Arial" panose="020B0604020202020204" pitchFamily="34" charset="0"/>
               <a:cs typeface="Arial" panose="020B0604020202020204" pitchFamily="34" charset="0"/>
             </a:endParaRPr>
@@ -15568,7 +9174,7 @@
         <p:spPr>
           <a:xfrm>
             <a:off x="1268963" y="781893"/>
-            <a:ext cx="7221894" cy="3200876"/>
+            <a:ext cx="7221894" cy="3785652"/>
           </a:xfrm>
           <a:prstGeom prst="rect">
             <a:avLst/>
@@ -15609,7 +9215,7 @@
           </a:p>
           <a:p>
             <a:r>
-              <a:rPr lang="en-US" sz="1600" dirty="0">
+              <a:rPr lang="en-US" dirty="0">
                 <a:latin typeface="Arial" panose="020B0604020202020204" pitchFamily="34" charset="0"/>
                 <a:cs typeface="Arial" panose="020B0604020202020204" pitchFamily="34" charset="0"/>
               </a:rPr>
